--- a/Rex/PenLM/new_벌점화선형회귀분석_UI.pptx
+++ b/Rex/PenLM/new_벌점화선형회귀분석_UI.pptx
@@ -212,7 +212,7 @@
           <a:p>
             <a:fld id="{BA12F9E8-704F-491E-B3A9-03473C37BAAC}" type="datetimeFigureOut">
               <a:rPr lang="ko-KR" altLang="en-US" smtClean="0"/>
-              <a:t>2019-01-14</a:t>
+              <a:t>2019-02-26</a:t>
             </a:fld>
             <a:endParaRPr lang="ko-KR" altLang="en-US"/>
           </a:p>
@@ -1081,7 +1081,7 @@
           <a:p>
             <a:fld id="{E4B750E3-CBCE-4C89-B7B5-AE8AC63FA269}" type="datetimeFigureOut">
               <a:rPr lang="ko-KR" altLang="en-US" smtClean="0"/>
-              <a:t>2019-01-14</a:t>
+              <a:t>2019-02-26</a:t>
             </a:fld>
             <a:endParaRPr lang="ko-KR" altLang="en-US"/>
           </a:p>
@@ -1251,7 +1251,7 @@
           <a:p>
             <a:fld id="{E4B750E3-CBCE-4C89-B7B5-AE8AC63FA269}" type="datetimeFigureOut">
               <a:rPr lang="ko-KR" altLang="en-US" smtClean="0"/>
-              <a:t>2019-01-14</a:t>
+              <a:t>2019-02-26</a:t>
             </a:fld>
             <a:endParaRPr lang="ko-KR" altLang="en-US"/>
           </a:p>
@@ -1431,7 +1431,7 @@
           <a:p>
             <a:fld id="{E4B750E3-CBCE-4C89-B7B5-AE8AC63FA269}" type="datetimeFigureOut">
               <a:rPr lang="ko-KR" altLang="en-US" smtClean="0"/>
-              <a:t>2019-01-14</a:t>
+              <a:t>2019-02-26</a:t>
             </a:fld>
             <a:endParaRPr lang="ko-KR" altLang="en-US"/>
           </a:p>
@@ -1601,7 +1601,7 @@
           <a:p>
             <a:fld id="{E4B750E3-CBCE-4C89-B7B5-AE8AC63FA269}" type="datetimeFigureOut">
               <a:rPr lang="ko-KR" altLang="en-US" smtClean="0"/>
-              <a:t>2019-01-14</a:t>
+              <a:t>2019-02-26</a:t>
             </a:fld>
             <a:endParaRPr lang="ko-KR" altLang="en-US"/>
           </a:p>
@@ -1847,7 +1847,7 @@
           <a:p>
             <a:fld id="{E4B750E3-CBCE-4C89-B7B5-AE8AC63FA269}" type="datetimeFigureOut">
               <a:rPr lang="ko-KR" altLang="en-US" smtClean="0"/>
-              <a:t>2019-01-14</a:t>
+              <a:t>2019-02-26</a:t>
             </a:fld>
             <a:endParaRPr lang="ko-KR" altLang="en-US"/>
           </a:p>
@@ -2135,7 +2135,7 @@
           <a:p>
             <a:fld id="{E4B750E3-CBCE-4C89-B7B5-AE8AC63FA269}" type="datetimeFigureOut">
               <a:rPr lang="ko-KR" altLang="en-US" smtClean="0"/>
-              <a:t>2019-01-14</a:t>
+              <a:t>2019-02-26</a:t>
             </a:fld>
             <a:endParaRPr lang="ko-KR" altLang="en-US"/>
           </a:p>
@@ -2562,7 +2562,7 @@
           <a:p>
             <a:fld id="{E4B750E3-CBCE-4C89-B7B5-AE8AC63FA269}" type="datetimeFigureOut">
               <a:rPr lang="ko-KR" altLang="en-US" smtClean="0"/>
-              <a:t>2019-01-14</a:t>
+              <a:t>2019-02-26</a:t>
             </a:fld>
             <a:endParaRPr lang="ko-KR" altLang="en-US"/>
           </a:p>
@@ -2680,7 +2680,7 @@
           <a:p>
             <a:fld id="{E4B750E3-CBCE-4C89-B7B5-AE8AC63FA269}" type="datetimeFigureOut">
               <a:rPr lang="ko-KR" altLang="en-US" smtClean="0"/>
-              <a:t>2019-01-14</a:t>
+              <a:t>2019-02-26</a:t>
             </a:fld>
             <a:endParaRPr lang="ko-KR" altLang="en-US"/>
           </a:p>
@@ -2775,7 +2775,7 @@
           <a:p>
             <a:fld id="{E4B750E3-CBCE-4C89-B7B5-AE8AC63FA269}" type="datetimeFigureOut">
               <a:rPr lang="ko-KR" altLang="en-US" smtClean="0"/>
-              <a:t>2019-01-14</a:t>
+              <a:t>2019-02-26</a:t>
             </a:fld>
             <a:endParaRPr lang="ko-KR" altLang="en-US"/>
           </a:p>
@@ -3052,7 +3052,7 @@
           <a:p>
             <a:fld id="{E4B750E3-CBCE-4C89-B7B5-AE8AC63FA269}" type="datetimeFigureOut">
               <a:rPr lang="ko-KR" altLang="en-US" smtClean="0"/>
-              <a:t>2019-01-14</a:t>
+              <a:t>2019-02-26</a:t>
             </a:fld>
             <a:endParaRPr lang="ko-KR" altLang="en-US"/>
           </a:p>
@@ -3305,7 +3305,7 @@
           <a:p>
             <a:fld id="{E4B750E3-CBCE-4C89-B7B5-AE8AC63FA269}" type="datetimeFigureOut">
               <a:rPr lang="ko-KR" altLang="en-US" smtClean="0"/>
-              <a:t>2019-01-14</a:t>
+              <a:t>2019-02-26</a:t>
             </a:fld>
             <a:endParaRPr lang="ko-KR" altLang="en-US"/>
           </a:p>
@@ -3518,7 +3518,7 @@
           <a:p>
             <a:fld id="{E4B750E3-CBCE-4C89-B7B5-AE8AC63FA269}" type="datetimeFigureOut">
               <a:rPr lang="ko-KR" altLang="en-US" smtClean="0"/>
-              <a:t>2019-01-14</a:t>
+              <a:t>2019-02-26</a:t>
             </a:fld>
             <a:endParaRPr lang="ko-KR" altLang="en-US"/>
           </a:p>
@@ -7068,17 +7068,7 @@
                           <a:latin typeface="+mn-lt"/>
                           <a:ea typeface="+mn-ea"/>
                         </a:rPr>
-                        <a:t>의 형식으로 </a:t>
-                      </a:r>
-                      <a:r>
-                        <a:rPr lang="ko-KR" altLang="en-US" sz="1200" baseline="0" dirty="0" smtClean="0">
-                          <a:solidFill>
-                            <a:schemeClr val="tx1"/>
-                          </a:solidFill>
-                          <a:latin typeface="+mn-lt"/>
-                          <a:ea typeface="+mn-ea"/>
-                        </a:rPr>
-                        <a:t>입력</a:t>
+                        <a:t>의 형식으로 입력</a:t>
                       </a:r>
                       <a:endParaRPr lang="en-US" altLang="ko-KR" sz="1200" baseline="0" dirty="0" smtClean="0">
                         <a:solidFill>
@@ -9670,7 +9660,7 @@
           <p:nvPr>
             <p:extLst>
               <p:ext uri="{D42A27DB-BD31-4B8C-83A1-F6EECF244321}">
-                <p14:modId xmlns:p14="http://schemas.microsoft.com/office/powerpoint/2010/main" val="1490110700"/>
+                <p14:modId xmlns:p14="http://schemas.microsoft.com/office/powerpoint/2010/main" val="1522427672"/>
               </p:ext>
             </p:extLst>
           </p:nvPr>
@@ -12830,20 +12820,20 @@
                         <a:buChar char="•"/>
                       </a:pPr>
                       <a:r>
-                        <a:rPr lang="en-US" altLang="ko-KR" sz="1200" dirty="0" smtClean="0">
+                        <a:rPr lang="en-US" altLang="ko-KR" sz="1200" baseline="0" dirty="0" smtClean="0">
                           <a:solidFill>
                             <a:srgbClr val="00B050"/>
                           </a:solidFill>
                         </a:rPr>
-                        <a:t>2</a:t>
-                      </a:r>
-                      <a:r>
-                        <a:rPr lang="en-US" altLang="ko-KR" sz="1200" baseline="0" dirty="0" smtClean="0">
+                        <a:t>3 </a:t>
+                      </a:r>
+                      <a:r>
+                        <a:rPr lang="ko-KR" altLang="en-US" sz="1200" baseline="0" dirty="0" smtClean="0">
                           <a:solidFill>
                             <a:srgbClr val="00B050"/>
                           </a:solidFill>
                         </a:rPr>
-                        <a:t> </a:t>
+                        <a:t>이상의 </a:t>
                       </a:r>
                       <a:r>
                         <a:rPr lang="ko-KR" altLang="en-US" sz="1200" baseline="0" dirty="0" smtClean="0">
@@ -12851,7 +12841,15 @@
                             <a:srgbClr val="00B050"/>
                           </a:solidFill>
                         </a:rPr>
-                        <a:t>이상의 값을 입력할 수 있음</a:t>
+                        <a:t>정수만을 </a:t>
+                      </a:r>
+                      <a:r>
+                        <a:rPr lang="ko-KR" altLang="en-US" sz="1200" baseline="0" dirty="0" smtClean="0">
+                          <a:solidFill>
+                            <a:srgbClr val="00B050"/>
+                          </a:solidFill>
+                        </a:rPr>
+                        <a:t>입력할 수 있음</a:t>
                       </a:r>
                       <a:endParaRPr lang="en-US" altLang="ko-KR" sz="1200" dirty="0" smtClean="0">
                         <a:solidFill>

--- a/Rex/PenLM/new_벌점화선형회귀분석_UI.pptx
+++ b/Rex/PenLM/new_벌점화선형회귀분석_UI.pptx
@@ -212,7 +212,7 @@
           <a:p>
             <a:fld id="{BA12F9E8-704F-491E-B3A9-03473C37BAAC}" type="datetimeFigureOut">
               <a:rPr lang="ko-KR" altLang="en-US" smtClean="0"/>
-              <a:t>2019-02-26</a:t>
+              <a:t>2019. 3. 7.</a:t>
             </a:fld>
             <a:endParaRPr lang="ko-KR" altLang="en-US"/>
           </a:p>
@@ -276,38 +276,37 @@
           <a:p>
             <a:pPr lvl="0"/>
             <a:r>
-              <a:rPr lang="ko-KR" altLang="en-US" smtClean="0"/>
+              <a:rPr lang="ko-KR" altLang="en-US"/>
               <a:t>마스터 텍스트 스타일을 편집합니다</a:t>
             </a:r>
           </a:p>
           <a:p>
             <a:pPr lvl="1"/>
             <a:r>
-              <a:rPr lang="ko-KR" altLang="en-US" smtClean="0"/>
+              <a:rPr lang="ko-KR" altLang="en-US"/>
               <a:t>둘째 수준</a:t>
             </a:r>
           </a:p>
           <a:p>
             <a:pPr lvl="2"/>
             <a:r>
-              <a:rPr lang="ko-KR" altLang="en-US" smtClean="0"/>
+              <a:rPr lang="ko-KR" altLang="en-US"/>
               <a:t>셋째 수준</a:t>
             </a:r>
           </a:p>
           <a:p>
             <a:pPr lvl="3"/>
             <a:r>
-              <a:rPr lang="ko-KR" altLang="en-US" smtClean="0"/>
+              <a:rPr lang="ko-KR" altLang="en-US"/>
               <a:t>넷째 수준</a:t>
             </a:r>
           </a:p>
           <a:p>
             <a:pPr lvl="4"/>
             <a:r>
-              <a:rPr lang="ko-KR" altLang="en-US" smtClean="0"/>
+              <a:rPr lang="ko-KR" altLang="en-US"/>
               <a:t>다섯째 수준</a:t>
             </a:r>
-            <a:endParaRPr lang="ko-KR" altLang="en-US"/>
           </a:p>
         </p:txBody>
       </p:sp>
@@ -938,10 +937,9 @@
           <a:lstStyle/>
           <a:p>
             <a:r>
-              <a:rPr lang="ko-KR" altLang="en-US" smtClean="0"/>
+              <a:rPr lang="ko-KR" altLang="en-US"/>
               <a:t>마스터 제목 스타일 편집</a:t>
             </a:r>
-            <a:endParaRPr lang="ko-KR" altLang="en-US"/>
           </a:p>
         </p:txBody>
       </p:sp>
@@ -1057,10 +1055,9 @@
           </a:lstStyle>
           <a:p>
             <a:r>
-              <a:rPr lang="ko-KR" altLang="en-US" smtClean="0"/>
+              <a:rPr lang="ko-KR" altLang="en-US"/>
               <a:t>마스터 부제목 스타일 편집</a:t>
             </a:r>
-            <a:endParaRPr lang="ko-KR" altLang="en-US"/>
           </a:p>
         </p:txBody>
       </p:sp>
@@ -1081,7 +1078,7 @@
           <a:p>
             <a:fld id="{E4B750E3-CBCE-4C89-B7B5-AE8AC63FA269}" type="datetimeFigureOut">
               <a:rPr lang="ko-KR" altLang="en-US" smtClean="0"/>
-              <a:t>2019-02-26</a:t>
+              <a:t>2019. 3. 7.</a:t>
             </a:fld>
             <a:endParaRPr lang="ko-KR" altLang="en-US"/>
           </a:p>
@@ -1175,10 +1172,9 @@
           <a:lstStyle/>
           <a:p>
             <a:r>
-              <a:rPr lang="ko-KR" altLang="en-US" smtClean="0"/>
+              <a:rPr lang="ko-KR" altLang="en-US"/>
               <a:t>마스터 제목 스타일 편집</a:t>
             </a:r>
-            <a:endParaRPr lang="ko-KR" altLang="en-US"/>
           </a:p>
         </p:txBody>
       </p:sp>
@@ -1199,38 +1195,37 @@
           <a:p>
             <a:pPr lvl="0"/>
             <a:r>
-              <a:rPr lang="ko-KR" altLang="en-US" smtClean="0"/>
+              <a:rPr lang="ko-KR" altLang="en-US"/>
               <a:t>마스터 텍스트 스타일을 편집합니다</a:t>
             </a:r>
           </a:p>
           <a:p>
             <a:pPr lvl="1"/>
             <a:r>
-              <a:rPr lang="ko-KR" altLang="en-US" smtClean="0"/>
+              <a:rPr lang="ko-KR" altLang="en-US"/>
               <a:t>둘째 수준</a:t>
             </a:r>
           </a:p>
           <a:p>
             <a:pPr lvl="2"/>
             <a:r>
-              <a:rPr lang="ko-KR" altLang="en-US" smtClean="0"/>
+              <a:rPr lang="ko-KR" altLang="en-US"/>
               <a:t>셋째 수준</a:t>
             </a:r>
           </a:p>
           <a:p>
             <a:pPr lvl="3"/>
             <a:r>
-              <a:rPr lang="ko-KR" altLang="en-US" smtClean="0"/>
+              <a:rPr lang="ko-KR" altLang="en-US"/>
               <a:t>넷째 수준</a:t>
             </a:r>
           </a:p>
           <a:p>
             <a:pPr lvl="4"/>
             <a:r>
-              <a:rPr lang="ko-KR" altLang="en-US" smtClean="0"/>
+              <a:rPr lang="ko-KR" altLang="en-US"/>
               <a:t>다섯째 수준</a:t>
             </a:r>
-            <a:endParaRPr lang="ko-KR" altLang="en-US"/>
           </a:p>
         </p:txBody>
       </p:sp>
@@ -1251,7 +1246,7 @@
           <a:p>
             <a:fld id="{E4B750E3-CBCE-4C89-B7B5-AE8AC63FA269}" type="datetimeFigureOut">
               <a:rPr lang="ko-KR" altLang="en-US" smtClean="0"/>
-              <a:t>2019-02-26</a:t>
+              <a:t>2019. 3. 7.</a:t>
             </a:fld>
             <a:endParaRPr lang="ko-KR" altLang="en-US"/>
           </a:p>
@@ -1350,10 +1345,9 @@
           <a:lstStyle/>
           <a:p>
             <a:r>
-              <a:rPr lang="ko-KR" altLang="en-US" smtClean="0"/>
+              <a:rPr lang="ko-KR" altLang="en-US"/>
               <a:t>마스터 제목 스타일 편집</a:t>
             </a:r>
-            <a:endParaRPr lang="ko-KR" altLang="en-US"/>
           </a:p>
         </p:txBody>
       </p:sp>
@@ -1379,38 +1373,37 @@
           <a:p>
             <a:pPr lvl="0"/>
             <a:r>
-              <a:rPr lang="ko-KR" altLang="en-US" smtClean="0"/>
+              <a:rPr lang="ko-KR" altLang="en-US"/>
               <a:t>마스터 텍스트 스타일을 편집합니다</a:t>
             </a:r>
           </a:p>
           <a:p>
             <a:pPr lvl="1"/>
             <a:r>
-              <a:rPr lang="ko-KR" altLang="en-US" smtClean="0"/>
+              <a:rPr lang="ko-KR" altLang="en-US"/>
               <a:t>둘째 수준</a:t>
             </a:r>
           </a:p>
           <a:p>
             <a:pPr lvl="2"/>
             <a:r>
-              <a:rPr lang="ko-KR" altLang="en-US" smtClean="0"/>
+              <a:rPr lang="ko-KR" altLang="en-US"/>
               <a:t>셋째 수준</a:t>
             </a:r>
           </a:p>
           <a:p>
             <a:pPr lvl="3"/>
             <a:r>
-              <a:rPr lang="ko-KR" altLang="en-US" smtClean="0"/>
+              <a:rPr lang="ko-KR" altLang="en-US"/>
               <a:t>넷째 수준</a:t>
             </a:r>
           </a:p>
           <a:p>
             <a:pPr lvl="4"/>
             <a:r>
-              <a:rPr lang="ko-KR" altLang="en-US" smtClean="0"/>
+              <a:rPr lang="ko-KR" altLang="en-US"/>
               <a:t>다섯째 수준</a:t>
             </a:r>
-            <a:endParaRPr lang="ko-KR" altLang="en-US"/>
           </a:p>
         </p:txBody>
       </p:sp>
@@ -1431,7 +1424,7 @@
           <a:p>
             <a:fld id="{E4B750E3-CBCE-4C89-B7B5-AE8AC63FA269}" type="datetimeFigureOut">
               <a:rPr lang="ko-KR" altLang="en-US" smtClean="0"/>
-              <a:t>2019-02-26</a:t>
+              <a:t>2019. 3. 7.</a:t>
             </a:fld>
             <a:endParaRPr lang="ko-KR" altLang="en-US"/>
           </a:p>
@@ -1525,10 +1518,9 @@
           <a:lstStyle/>
           <a:p>
             <a:r>
-              <a:rPr lang="ko-KR" altLang="en-US" smtClean="0"/>
+              <a:rPr lang="ko-KR" altLang="en-US"/>
               <a:t>마스터 제목 스타일 편집</a:t>
             </a:r>
-            <a:endParaRPr lang="ko-KR" altLang="en-US"/>
           </a:p>
         </p:txBody>
       </p:sp>
@@ -1549,38 +1541,37 @@
           <a:p>
             <a:pPr lvl="0"/>
             <a:r>
-              <a:rPr lang="ko-KR" altLang="en-US" smtClean="0"/>
+              <a:rPr lang="ko-KR" altLang="en-US"/>
               <a:t>마스터 텍스트 스타일을 편집합니다</a:t>
             </a:r>
           </a:p>
           <a:p>
             <a:pPr lvl="1"/>
             <a:r>
-              <a:rPr lang="ko-KR" altLang="en-US" smtClean="0"/>
+              <a:rPr lang="ko-KR" altLang="en-US"/>
               <a:t>둘째 수준</a:t>
             </a:r>
           </a:p>
           <a:p>
             <a:pPr lvl="2"/>
             <a:r>
-              <a:rPr lang="ko-KR" altLang="en-US" smtClean="0"/>
+              <a:rPr lang="ko-KR" altLang="en-US"/>
               <a:t>셋째 수준</a:t>
             </a:r>
           </a:p>
           <a:p>
             <a:pPr lvl="3"/>
             <a:r>
-              <a:rPr lang="ko-KR" altLang="en-US" smtClean="0"/>
+              <a:rPr lang="ko-KR" altLang="en-US"/>
               <a:t>넷째 수준</a:t>
             </a:r>
           </a:p>
           <a:p>
             <a:pPr lvl="4"/>
             <a:r>
-              <a:rPr lang="ko-KR" altLang="en-US" smtClean="0"/>
+              <a:rPr lang="ko-KR" altLang="en-US"/>
               <a:t>다섯째 수준</a:t>
             </a:r>
-            <a:endParaRPr lang="ko-KR" altLang="en-US"/>
           </a:p>
         </p:txBody>
       </p:sp>
@@ -1601,7 +1592,7 @@
           <a:p>
             <a:fld id="{E4B750E3-CBCE-4C89-B7B5-AE8AC63FA269}" type="datetimeFigureOut">
               <a:rPr lang="ko-KR" altLang="en-US" smtClean="0"/>
-              <a:t>2019-02-26</a:t>
+              <a:t>2019. 3. 7.</a:t>
             </a:fld>
             <a:endParaRPr lang="ko-KR" altLang="en-US"/>
           </a:p>
@@ -1704,10 +1695,9 @@
           </a:lstStyle>
           <a:p>
             <a:r>
-              <a:rPr lang="ko-KR" altLang="en-US" smtClean="0"/>
+              <a:rPr lang="ko-KR" altLang="en-US"/>
               <a:t>마스터 제목 스타일 편집</a:t>
             </a:r>
-            <a:endParaRPr lang="ko-KR" altLang="en-US"/>
           </a:p>
         </p:txBody>
       </p:sp>
@@ -1824,7 +1814,7 @@
           <a:p>
             <a:pPr lvl="0"/>
             <a:r>
-              <a:rPr lang="ko-KR" altLang="en-US" smtClean="0"/>
+              <a:rPr lang="ko-KR" altLang="en-US"/>
               <a:t>마스터 텍스트 스타일을 편집합니다</a:t>
             </a:r>
           </a:p>
@@ -1847,7 +1837,7 @@
           <a:p>
             <a:fld id="{E4B750E3-CBCE-4C89-B7B5-AE8AC63FA269}" type="datetimeFigureOut">
               <a:rPr lang="ko-KR" altLang="en-US" smtClean="0"/>
-              <a:t>2019-02-26</a:t>
+              <a:t>2019. 3. 7.</a:t>
             </a:fld>
             <a:endParaRPr lang="ko-KR" altLang="en-US"/>
           </a:p>
@@ -1941,10 +1931,9 @@
           <a:lstStyle/>
           <a:p>
             <a:r>
-              <a:rPr lang="ko-KR" altLang="en-US" smtClean="0"/>
+              <a:rPr lang="ko-KR" altLang="en-US"/>
               <a:t>마스터 제목 스타일 편집</a:t>
             </a:r>
-            <a:endParaRPr lang="ko-KR" altLang="en-US"/>
           </a:p>
         </p:txBody>
       </p:sp>
@@ -1998,38 +1987,37 @@
           <a:p>
             <a:pPr lvl="0"/>
             <a:r>
-              <a:rPr lang="ko-KR" altLang="en-US" smtClean="0"/>
+              <a:rPr lang="ko-KR" altLang="en-US"/>
               <a:t>마스터 텍스트 스타일을 편집합니다</a:t>
             </a:r>
           </a:p>
           <a:p>
             <a:pPr lvl="1"/>
             <a:r>
-              <a:rPr lang="ko-KR" altLang="en-US" smtClean="0"/>
+              <a:rPr lang="ko-KR" altLang="en-US"/>
               <a:t>둘째 수준</a:t>
             </a:r>
           </a:p>
           <a:p>
             <a:pPr lvl="2"/>
             <a:r>
-              <a:rPr lang="ko-KR" altLang="en-US" smtClean="0"/>
+              <a:rPr lang="ko-KR" altLang="en-US"/>
               <a:t>셋째 수준</a:t>
             </a:r>
           </a:p>
           <a:p>
             <a:pPr lvl="3"/>
             <a:r>
-              <a:rPr lang="ko-KR" altLang="en-US" smtClean="0"/>
+              <a:rPr lang="ko-KR" altLang="en-US"/>
               <a:t>넷째 수준</a:t>
             </a:r>
           </a:p>
           <a:p>
             <a:pPr lvl="4"/>
             <a:r>
-              <a:rPr lang="ko-KR" altLang="en-US" smtClean="0"/>
+              <a:rPr lang="ko-KR" altLang="en-US"/>
               <a:t>다섯째 수준</a:t>
             </a:r>
-            <a:endParaRPr lang="ko-KR" altLang="en-US"/>
           </a:p>
         </p:txBody>
       </p:sp>
@@ -2083,38 +2071,37 @@
           <a:p>
             <a:pPr lvl="0"/>
             <a:r>
-              <a:rPr lang="ko-KR" altLang="en-US" smtClean="0"/>
+              <a:rPr lang="ko-KR" altLang="en-US"/>
               <a:t>마스터 텍스트 스타일을 편집합니다</a:t>
             </a:r>
           </a:p>
           <a:p>
             <a:pPr lvl="1"/>
             <a:r>
-              <a:rPr lang="ko-KR" altLang="en-US" smtClean="0"/>
+              <a:rPr lang="ko-KR" altLang="en-US"/>
               <a:t>둘째 수준</a:t>
             </a:r>
           </a:p>
           <a:p>
             <a:pPr lvl="2"/>
             <a:r>
-              <a:rPr lang="ko-KR" altLang="en-US" smtClean="0"/>
+              <a:rPr lang="ko-KR" altLang="en-US"/>
               <a:t>셋째 수준</a:t>
             </a:r>
           </a:p>
           <a:p>
             <a:pPr lvl="3"/>
             <a:r>
-              <a:rPr lang="ko-KR" altLang="en-US" smtClean="0"/>
+              <a:rPr lang="ko-KR" altLang="en-US"/>
               <a:t>넷째 수준</a:t>
             </a:r>
           </a:p>
           <a:p>
             <a:pPr lvl="4"/>
             <a:r>
-              <a:rPr lang="ko-KR" altLang="en-US" smtClean="0"/>
+              <a:rPr lang="ko-KR" altLang="en-US"/>
               <a:t>다섯째 수준</a:t>
             </a:r>
-            <a:endParaRPr lang="ko-KR" altLang="en-US"/>
           </a:p>
         </p:txBody>
       </p:sp>
@@ -2135,7 +2122,7 @@
           <a:p>
             <a:fld id="{E4B750E3-CBCE-4C89-B7B5-AE8AC63FA269}" type="datetimeFigureOut">
               <a:rPr lang="ko-KR" altLang="en-US" smtClean="0"/>
-              <a:t>2019-02-26</a:t>
+              <a:t>2019. 3. 7.</a:t>
             </a:fld>
             <a:endParaRPr lang="ko-KR" altLang="en-US"/>
           </a:p>
@@ -2238,10 +2225,9 @@
           </a:lstStyle>
           <a:p>
             <a:r>
-              <a:rPr lang="ko-KR" altLang="en-US" smtClean="0"/>
+              <a:rPr lang="ko-KR" altLang="en-US"/>
               <a:t>마스터 제목 스타일 편집</a:t>
             </a:r>
-            <a:endParaRPr lang="ko-KR" altLang="en-US"/>
           </a:p>
         </p:txBody>
       </p:sp>
@@ -2304,7 +2290,7 @@
           <a:p>
             <a:pPr lvl="0"/>
             <a:r>
-              <a:rPr lang="ko-KR" altLang="en-US" smtClean="0"/>
+              <a:rPr lang="ko-KR" altLang="en-US"/>
               <a:t>마스터 텍스트 스타일을 편집합니다</a:t>
             </a:r>
           </a:p>
@@ -2360,38 +2346,37 @@
           <a:p>
             <a:pPr lvl="0"/>
             <a:r>
-              <a:rPr lang="ko-KR" altLang="en-US" smtClean="0"/>
+              <a:rPr lang="ko-KR" altLang="en-US"/>
               <a:t>마스터 텍스트 스타일을 편집합니다</a:t>
             </a:r>
           </a:p>
           <a:p>
             <a:pPr lvl="1"/>
             <a:r>
-              <a:rPr lang="ko-KR" altLang="en-US" smtClean="0"/>
+              <a:rPr lang="ko-KR" altLang="en-US"/>
               <a:t>둘째 수준</a:t>
             </a:r>
           </a:p>
           <a:p>
             <a:pPr lvl="2"/>
             <a:r>
-              <a:rPr lang="ko-KR" altLang="en-US" smtClean="0"/>
+              <a:rPr lang="ko-KR" altLang="en-US"/>
               <a:t>셋째 수준</a:t>
             </a:r>
           </a:p>
           <a:p>
             <a:pPr lvl="3"/>
             <a:r>
-              <a:rPr lang="ko-KR" altLang="en-US" smtClean="0"/>
+              <a:rPr lang="ko-KR" altLang="en-US"/>
               <a:t>넷째 수준</a:t>
             </a:r>
           </a:p>
           <a:p>
             <a:pPr lvl="4"/>
             <a:r>
-              <a:rPr lang="ko-KR" altLang="en-US" smtClean="0"/>
+              <a:rPr lang="ko-KR" altLang="en-US"/>
               <a:t>다섯째 수준</a:t>
             </a:r>
-            <a:endParaRPr lang="ko-KR" altLang="en-US"/>
           </a:p>
         </p:txBody>
       </p:sp>
@@ -2454,7 +2439,7 @@
           <a:p>
             <a:pPr lvl="0"/>
             <a:r>
-              <a:rPr lang="ko-KR" altLang="en-US" smtClean="0"/>
+              <a:rPr lang="ko-KR" altLang="en-US"/>
               <a:t>마스터 텍스트 스타일을 편집합니다</a:t>
             </a:r>
           </a:p>
@@ -2510,38 +2495,37 @@
           <a:p>
             <a:pPr lvl="0"/>
             <a:r>
-              <a:rPr lang="ko-KR" altLang="en-US" smtClean="0"/>
+              <a:rPr lang="ko-KR" altLang="en-US"/>
               <a:t>마스터 텍스트 스타일을 편집합니다</a:t>
             </a:r>
           </a:p>
           <a:p>
             <a:pPr lvl="1"/>
             <a:r>
-              <a:rPr lang="ko-KR" altLang="en-US" smtClean="0"/>
+              <a:rPr lang="ko-KR" altLang="en-US"/>
               <a:t>둘째 수준</a:t>
             </a:r>
           </a:p>
           <a:p>
             <a:pPr lvl="2"/>
             <a:r>
-              <a:rPr lang="ko-KR" altLang="en-US" smtClean="0"/>
+              <a:rPr lang="ko-KR" altLang="en-US"/>
               <a:t>셋째 수준</a:t>
             </a:r>
           </a:p>
           <a:p>
             <a:pPr lvl="3"/>
             <a:r>
-              <a:rPr lang="ko-KR" altLang="en-US" smtClean="0"/>
+              <a:rPr lang="ko-KR" altLang="en-US"/>
               <a:t>넷째 수준</a:t>
             </a:r>
           </a:p>
           <a:p>
             <a:pPr lvl="4"/>
             <a:r>
-              <a:rPr lang="ko-KR" altLang="en-US" smtClean="0"/>
+              <a:rPr lang="ko-KR" altLang="en-US"/>
               <a:t>다섯째 수준</a:t>
             </a:r>
-            <a:endParaRPr lang="ko-KR" altLang="en-US"/>
           </a:p>
         </p:txBody>
       </p:sp>
@@ -2562,7 +2546,7 @@
           <a:p>
             <a:fld id="{E4B750E3-CBCE-4C89-B7B5-AE8AC63FA269}" type="datetimeFigureOut">
               <a:rPr lang="ko-KR" altLang="en-US" smtClean="0"/>
-              <a:t>2019-02-26</a:t>
+              <a:t>2019. 3. 7.</a:t>
             </a:fld>
             <a:endParaRPr lang="ko-KR" altLang="en-US"/>
           </a:p>
@@ -2656,10 +2640,9 @@
           <a:lstStyle/>
           <a:p>
             <a:r>
-              <a:rPr lang="ko-KR" altLang="en-US" smtClean="0"/>
+              <a:rPr lang="ko-KR" altLang="en-US"/>
               <a:t>마스터 제목 스타일 편집</a:t>
             </a:r>
-            <a:endParaRPr lang="ko-KR" altLang="en-US"/>
           </a:p>
         </p:txBody>
       </p:sp>
@@ -2680,7 +2663,7 @@
           <a:p>
             <a:fld id="{E4B750E3-CBCE-4C89-B7B5-AE8AC63FA269}" type="datetimeFigureOut">
               <a:rPr lang="ko-KR" altLang="en-US" smtClean="0"/>
-              <a:t>2019-02-26</a:t>
+              <a:t>2019. 3. 7.</a:t>
             </a:fld>
             <a:endParaRPr lang="ko-KR" altLang="en-US"/>
           </a:p>
@@ -2775,7 +2758,7 @@
           <a:p>
             <a:fld id="{E4B750E3-CBCE-4C89-B7B5-AE8AC63FA269}" type="datetimeFigureOut">
               <a:rPr lang="ko-KR" altLang="en-US" smtClean="0"/>
-              <a:t>2019-02-26</a:t>
+              <a:t>2019. 3. 7.</a:t>
             </a:fld>
             <a:endParaRPr lang="ko-KR" altLang="en-US"/>
           </a:p>
@@ -2878,10 +2861,9 @@
           </a:lstStyle>
           <a:p>
             <a:r>
-              <a:rPr lang="ko-KR" altLang="en-US" smtClean="0"/>
+              <a:rPr lang="ko-KR" altLang="en-US"/>
               <a:t>마스터 제목 스타일 편집</a:t>
             </a:r>
-            <a:endParaRPr lang="ko-KR" altLang="en-US"/>
           </a:p>
         </p:txBody>
       </p:sp>
@@ -2935,38 +2917,37 @@
           <a:p>
             <a:pPr lvl="0"/>
             <a:r>
-              <a:rPr lang="ko-KR" altLang="en-US" smtClean="0"/>
+              <a:rPr lang="ko-KR" altLang="en-US"/>
               <a:t>마스터 텍스트 스타일을 편집합니다</a:t>
             </a:r>
           </a:p>
           <a:p>
             <a:pPr lvl="1"/>
             <a:r>
-              <a:rPr lang="ko-KR" altLang="en-US" smtClean="0"/>
+              <a:rPr lang="ko-KR" altLang="en-US"/>
               <a:t>둘째 수준</a:t>
             </a:r>
           </a:p>
           <a:p>
             <a:pPr lvl="2"/>
             <a:r>
-              <a:rPr lang="ko-KR" altLang="en-US" smtClean="0"/>
+              <a:rPr lang="ko-KR" altLang="en-US"/>
               <a:t>셋째 수준</a:t>
             </a:r>
           </a:p>
           <a:p>
             <a:pPr lvl="3"/>
             <a:r>
-              <a:rPr lang="ko-KR" altLang="en-US" smtClean="0"/>
+              <a:rPr lang="ko-KR" altLang="en-US"/>
               <a:t>넷째 수준</a:t>
             </a:r>
           </a:p>
           <a:p>
             <a:pPr lvl="4"/>
             <a:r>
-              <a:rPr lang="ko-KR" altLang="en-US" smtClean="0"/>
+              <a:rPr lang="ko-KR" altLang="en-US"/>
               <a:t>다섯째 수준</a:t>
             </a:r>
-            <a:endParaRPr lang="ko-KR" altLang="en-US"/>
           </a:p>
         </p:txBody>
       </p:sp>
@@ -3029,7 +3010,7 @@
           <a:p>
             <a:pPr lvl="0"/>
             <a:r>
-              <a:rPr lang="ko-KR" altLang="en-US" smtClean="0"/>
+              <a:rPr lang="ko-KR" altLang="en-US"/>
               <a:t>마스터 텍스트 스타일을 편집합니다</a:t>
             </a:r>
           </a:p>
@@ -3052,7 +3033,7 @@
           <a:p>
             <a:fld id="{E4B750E3-CBCE-4C89-B7B5-AE8AC63FA269}" type="datetimeFigureOut">
               <a:rPr lang="ko-KR" altLang="en-US" smtClean="0"/>
-              <a:t>2019-02-26</a:t>
+              <a:t>2019. 3. 7.</a:t>
             </a:fld>
             <a:endParaRPr lang="ko-KR" altLang="en-US"/>
           </a:p>
@@ -3155,10 +3136,9 @@
           </a:lstStyle>
           <a:p>
             <a:r>
-              <a:rPr lang="ko-KR" altLang="en-US" smtClean="0"/>
+              <a:rPr lang="ko-KR" altLang="en-US"/>
               <a:t>마스터 제목 스타일 편집</a:t>
             </a:r>
-            <a:endParaRPr lang="ko-KR" altLang="en-US"/>
           </a:p>
         </p:txBody>
       </p:sp>
@@ -3282,7 +3262,7 @@
           <a:p>
             <a:pPr lvl="0"/>
             <a:r>
-              <a:rPr lang="ko-KR" altLang="en-US" smtClean="0"/>
+              <a:rPr lang="ko-KR" altLang="en-US"/>
               <a:t>마스터 텍스트 스타일을 편집합니다</a:t>
             </a:r>
           </a:p>
@@ -3305,7 +3285,7 @@
           <a:p>
             <a:fld id="{E4B750E3-CBCE-4C89-B7B5-AE8AC63FA269}" type="datetimeFigureOut">
               <a:rPr lang="ko-KR" altLang="en-US" smtClean="0"/>
-              <a:t>2019-02-26</a:t>
+              <a:t>2019. 3. 7.</a:t>
             </a:fld>
             <a:endParaRPr lang="ko-KR" altLang="en-US"/>
           </a:p>
@@ -3414,10 +3394,9 @@
           <a:lstStyle/>
           <a:p>
             <a:r>
-              <a:rPr lang="ko-KR" altLang="en-US" smtClean="0"/>
+              <a:rPr lang="ko-KR" altLang="en-US"/>
               <a:t>마스터 제목 스타일 편집</a:t>
             </a:r>
-            <a:endParaRPr lang="ko-KR" altLang="en-US"/>
           </a:p>
         </p:txBody>
       </p:sp>
@@ -3448,38 +3427,37 @@
           <a:p>
             <a:pPr lvl="0"/>
             <a:r>
-              <a:rPr lang="ko-KR" altLang="en-US" smtClean="0"/>
+              <a:rPr lang="ko-KR" altLang="en-US"/>
               <a:t>마스터 텍스트 스타일을 편집합니다</a:t>
             </a:r>
           </a:p>
           <a:p>
             <a:pPr lvl="1"/>
             <a:r>
-              <a:rPr lang="ko-KR" altLang="en-US" smtClean="0"/>
+              <a:rPr lang="ko-KR" altLang="en-US"/>
               <a:t>둘째 수준</a:t>
             </a:r>
           </a:p>
           <a:p>
             <a:pPr lvl="2"/>
             <a:r>
-              <a:rPr lang="ko-KR" altLang="en-US" smtClean="0"/>
+              <a:rPr lang="ko-KR" altLang="en-US"/>
               <a:t>셋째 수준</a:t>
             </a:r>
           </a:p>
           <a:p>
             <a:pPr lvl="3"/>
             <a:r>
-              <a:rPr lang="ko-KR" altLang="en-US" smtClean="0"/>
+              <a:rPr lang="ko-KR" altLang="en-US"/>
               <a:t>넷째 수준</a:t>
             </a:r>
           </a:p>
           <a:p>
             <a:pPr lvl="4"/>
             <a:r>
-              <a:rPr lang="ko-KR" altLang="en-US" smtClean="0"/>
+              <a:rPr lang="ko-KR" altLang="en-US"/>
               <a:t>다섯째 수준</a:t>
             </a:r>
-            <a:endParaRPr lang="ko-KR" altLang="en-US"/>
           </a:p>
         </p:txBody>
       </p:sp>
@@ -3518,7 +3496,7 @@
           <a:p>
             <a:fld id="{E4B750E3-CBCE-4C89-B7B5-AE8AC63FA269}" type="datetimeFigureOut">
               <a:rPr lang="ko-KR" altLang="en-US" smtClean="0"/>
-              <a:t>2019-02-26</a:t>
+              <a:t>2019. 3. 7.</a:t>
             </a:fld>
             <a:endParaRPr lang="ko-KR" altLang="en-US"/>
           </a:p>
@@ -4097,7 +4075,7 @@
               <a:defRPr/>
             </a:pPr>
             <a:r>
-              <a:rPr kumimoji="0" lang="ko-KR" altLang="en-US" sz="1800" b="0" i="0" u="none" strike="noStrike" kern="1200" cap="none" spc="0" normalizeH="0" baseline="0" noProof="0" dirty="0" smtClean="0">
+              <a:rPr kumimoji="0" lang="ko-KR" altLang="en-US" sz="1800" b="0" i="0" u="none" strike="noStrike" kern="1200" cap="none" spc="0" normalizeH="0" baseline="0" noProof="0" dirty="0">
                 <a:ln>
                   <a:noFill/>
                 </a:ln>
@@ -4113,7 +4091,7 @@
               </a:rPr>
               <a:t>변수설정</a:t>
             </a:r>
-            <a:endParaRPr kumimoji="0" lang="en-US" altLang="ko-KR" sz="1012" b="0" i="0" u="none" strike="noStrike" kern="1200" cap="none" spc="0" normalizeH="0" baseline="0" noProof="0" dirty="0" smtClean="0">
+            <a:endParaRPr kumimoji="0" lang="en-US" altLang="ko-KR" sz="1012" b="0" i="0" u="none" strike="noStrike" kern="1200" cap="none" spc="0" normalizeH="0" baseline="0" noProof="0" dirty="0">
               <a:ln>
                 <a:noFill/>
               </a:ln>
@@ -4147,7 +4125,7 @@
               <a:defRPr/>
             </a:pPr>
             <a:r>
-              <a:rPr kumimoji="0" lang="en-US" altLang="ko-KR" sz="1410" b="0" i="0" u="none" strike="noStrike" kern="1200" cap="none" spc="0" normalizeH="0" baseline="0" noProof="0" dirty="0" smtClean="0">
+              <a:rPr kumimoji="0" lang="en-US" altLang="ko-KR" sz="1410" b="0" i="0" u="none" strike="noStrike" kern="1200" cap="none" spc="0" normalizeH="0" baseline="0" noProof="0" dirty="0">
                 <a:ln>
                   <a:noFill/>
                 </a:ln>
@@ -4235,7 +4213,7 @@
                     <a:p>
                       <a:pPr algn="ctr" latinLnBrk="1"/>
                       <a:r>
-                        <a:rPr lang="en-US" altLang="ko-KR" sz="1200" b="1" dirty="0" smtClean="0">
+                        <a:rPr lang="en-US" altLang="ko-KR" sz="1200" b="1" dirty="0">
                           <a:solidFill>
                             <a:schemeClr val="tx1"/>
                           </a:solidFill>
@@ -4373,7 +4351,7 @@
                     <a:p>
                       <a:pPr algn="ctr" latinLnBrk="1"/>
                       <a:r>
-                        <a:rPr lang="en-US" altLang="ko-KR" sz="1200" b="1" dirty="0" smtClean="0">
+                        <a:rPr lang="en-US" altLang="ko-KR" sz="1200" b="1" dirty="0">
                           <a:solidFill>
                             <a:schemeClr val="tx1"/>
                           </a:solidFill>
@@ -4529,7 +4507,7 @@
                     <a:p>
                       <a:pPr algn="ctr" latinLnBrk="1"/>
                       <a:r>
-                        <a:rPr lang="ko-KR" altLang="en-US" sz="1200" b="1" dirty="0" smtClean="0">
+                        <a:rPr lang="ko-KR" altLang="en-US" sz="1200" b="1" dirty="0">
                           <a:solidFill>
                             <a:schemeClr val="tx1"/>
                           </a:solidFill>
@@ -4628,7 +4606,7 @@
                     <a:p>
                       <a:pPr algn="ctr" latinLnBrk="1"/>
                       <a:r>
-                        <a:rPr lang="en-US" altLang="ko-KR" sz="1200" b="1" dirty="0" smtClean="0">
+                        <a:rPr lang="en-US" altLang="ko-KR" sz="1200" b="1" dirty="0">
                           <a:solidFill>
                             <a:schemeClr val="tx1"/>
                           </a:solidFill>
@@ -4654,7 +4632,7 @@
                     <a:p>
                       <a:pPr algn="ctr" latinLnBrk="1"/>
                       <a:r>
-                        <a:rPr lang="en-US" altLang="ko-KR" sz="1200" b="1" dirty="0" smtClean="0">
+                        <a:rPr lang="en-US" altLang="ko-KR" sz="1200" b="1" dirty="0">
                           <a:solidFill>
                             <a:schemeClr val="tx1"/>
                           </a:solidFill>
@@ -4753,7 +4731,7 @@
                     <a:p>
                       <a:pPr algn="ctr" latinLnBrk="1"/>
                       <a:r>
-                        <a:rPr lang="ko-KR" altLang="en-US" sz="1200" b="1" dirty="0" smtClean="0">
+                        <a:rPr lang="ko-KR" altLang="en-US" sz="1200" b="1" dirty="0">
                           <a:solidFill>
                             <a:schemeClr val="tx1"/>
                           </a:solidFill>
@@ -4852,7 +4830,7 @@
                     <a:p>
                       <a:pPr algn="ctr" latinLnBrk="1"/>
                       <a:r>
-                        <a:rPr lang="en-US" altLang="ko-KR" sz="1200" b="1" dirty="0" smtClean="0">
+                        <a:rPr lang="en-US" altLang="ko-KR" sz="1200" b="1" dirty="0">
                           <a:solidFill>
                             <a:schemeClr val="tx1"/>
                           </a:solidFill>
@@ -4958,7 +4936,7 @@
                     <a:p>
                       <a:pPr latinLnBrk="1"/>
                       <a:r>
-                        <a:rPr lang="ko-KR" altLang="en-US" sz="1200" dirty="0" smtClean="0">
+                        <a:rPr lang="ko-KR" altLang="en-US" sz="1200" dirty="0">
                           <a:solidFill>
                             <a:schemeClr val="tx1"/>
                           </a:solidFill>
@@ -4967,13 +4945,6 @@
                         </a:rPr>
                         <a:t>변수목록</a:t>
                       </a:r>
-                      <a:endParaRPr lang="ko-KR" altLang="en-US" sz="1200" dirty="0">
-                        <a:solidFill>
-                          <a:schemeClr val="tx1"/>
-                        </a:solidFill>
-                        <a:latin typeface="+mn-lt"/>
-                        <a:ea typeface="+mn-ea"/>
-                      </a:endParaRPr>
                     </a:p>
                   </a:txBody>
                   <a:tcPr/>
@@ -5078,7 +5049,7 @@
                         <a:buChar char="•"/>
                       </a:pPr>
                       <a:r>
-                        <a:rPr lang="ko-KR" altLang="en-US" sz="1200" dirty="0" smtClean="0">
+                        <a:rPr lang="ko-KR" altLang="en-US" sz="1200" dirty="0">
                           <a:solidFill>
                             <a:schemeClr val="tx1"/>
                           </a:solidFill>
@@ -5087,13 +5058,6 @@
                         </a:rPr>
                         <a:t>엑셀에 저장되어있는 변수들의 목록을 나열</a:t>
                       </a:r>
-                      <a:endParaRPr lang="ko-KR" altLang="en-US" sz="1200" dirty="0">
-                        <a:solidFill>
-                          <a:schemeClr val="tx1"/>
-                        </a:solidFill>
-                        <a:latin typeface="+mn-lt"/>
-                        <a:ea typeface="+mn-ea"/>
-                      </a:endParaRPr>
                     </a:p>
                   </a:txBody>
                   <a:tcPr/>
@@ -5295,7 +5259,7 @@
                     <a:p>
                       <a:pPr latinLnBrk="1"/>
                       <a:r>
-                        <a:rPr lang="ko-KR" altLang="en-US" sz="1200" dirty="0" smtClean="0">
+                        <a:rPr lang="ko-KR" altLang="en-US" sz="1200" dirty="0">
                           <a:solidFill>
                             <a:schemeClr val="tx1"/>
                           </a:solidFill>
@@ -5304,13 +5268,6 @@
                         </a:rPr>
                         <a:t>종속변수</a:t>
                       </a:r>
-                      <a:endParaRPr lang="ko-KR" altLang="en-US" sz="1200" dirty="0">
-                        <a:solidFill>
-                          <a:schemeClr val="tx1"/>
-                        </a:solidFill>
-                        <a:latin typeface="+mn-lt"/>
-                        <a:ea typeface="+mn-ea"/>
-                      </a:endParaRPr>
                     </a:p>
                   </a:txBody>
                   <a:tcPr/>
@@ -5428,7 +5385,7 @@
                         <a:defRPr/>
                       </a:pPr>
                       <a:r>
-                        <a:rPr lang="ko-KR" altLang="en-US" sz="1200" dirty="0" smtClean="0">
+                        <a:rPr lang="ko-KR" altLang="en-US" sz="1200" dirty="0">
                           <a:solidFill>
                             <a:schemeClr val="tx1"/>
                           </a:solidFill>
@@ -5438,7 +5395,7 @@
                         <a:t>변수목록으로부터</a:t>
                       </a:r>
                       <a:r>
-                        <a:rPr lang="ko-KR" altLang="en-US" sz="1200" baseline="0" dirty="0" smtClean="0">
+                        <a:rPr lang="ko-KR" altLang="en-US" sz="1200" baseline="0" dirty="0">
                           <a:solidFill>
                             <a:schemeClr val="tx1"/>
                           </a:solidFill>
@@ -5448,7 +5405,7 @@
                         <a:t> 하나 선택 </a:t>
                       </a:r>
                       <a:r>
-                        <a:rPr lang="en-US" altLang="ko-KR" sz="1200" baseline="0" dirty="0" smtClean="0">
+                        <a:rPr lang="en-US" altLang="ko-KR" sz="1200" baseline="0" dirty="0">
                           <a:solidFill>
                             <a:schemeClr val="tx1"/>
                           </a:solidFill>
@@ -5458,7 +5415,7 @@
                         <a:t>(</a:t>
                       </a:r>
                       <a:r>
-                        <a:rPr lang="ko-KR" altLang="en-US" sz="1200" baseline="0" dirty="0" smtClean="0">
+                        <a:rPr lang="ko-KR" altLang="en-US" sz="1200" baseline="0" dirty="0">
                           <a:solidFill>
                             <a:schemeClr val="tx1"/>
                           </a:solidFill>
@@ -5468,7 +5425,7 @@
                         <a:t>필수</a:t>
                       </a:r>
                       <a:r>
-                        <a:rPr lang="en-US" altLang="ko-KR" sz="1200" baseline="0" dirty="0" smtClean="0">
+                        <a:rPr lang="en-US" altLang="ko-KR" sz="1200" baseline="0" dirty="0">
                           <a:solidFill>
                             <a:schemeClr val="tx1"/>
                           </a:solidFill>
@@ -5497,7 +5454,7 @@
                         <a:defRPr/>
                       </a:pPr>
                       <a:r>
-                        <a:rPr lang="ko-KR" altLang="en-US" sz="1200" baseline="0" dirty="0" smtClean="0">
+                        <a:rPr lang="ko-KR" altLang="en-US" sz="1200" baseline="0" dirty="0">
                           <a:solidFill>
                             <a:schemeClr val="tx1"/>
                           </a:solidFill>
@@ -5506,7 +5463,7 @@
                         </a:rPr>
                         <a:t>선택된 변수는 변수목록에서 삭제</a:t>
                       </a:r>
-                      <a:endParaRPr lang="en-US" altLang="ko-KR" sz="1200" baseline="0" dirty="0" smtClean="0">
+                      <a:endParaRPr lang="en-US" altLang="ko-KR" sz="1200" baseline="0" dirty="0">
                         <a:solidFill>
                           <a:schemeClr val="tx1"/>
                         </a:solidFill>
@@ -5533,7 +5490,7 @@
                         <a:defRPr/>
                       </a:pPr>
                       <a:r>
-                        <a:rPr lang="ko-KR" altLang="en-US" sz="1200" baseline="0" dirty="0" err="1" smtClean="0">
+                        <a:rPr lang="ko-KR" altLang="en-US" sz="1200" baseline="0" dirty="0" err="1">
                           <a:solidFill>
                             <a:schemeClr val="tx1"/>
                           </a:solidFill>
@@ -5543,7 +5500,7 @@
                         <a:t>숫자형</a:t>
                       </a:r>
                       <a:r>
-                        <a:rPr lang="ko-KR" altLang="en-US" sz="1200" baseline="0" dirty="0" smtClean="0">
+                        <a:rPr lang="ko-KR" altLang="en-US" sz="1200" baseline="0" dirty="0">
                           <a:solidFill>
                             <a:schemeClr val="tx1"/>
                           </a:solidFill>
@@ -5552,7 +5509,7 @@
                         </a:rPr>
                         <a:t> 변수만 입력할 수 있음</a:t>
                       </a:r>
-                      <a:endParaRPr lang="en-US" altLang="ko-KR" sz="1200" baseline="0" dirty="0" smtClean="0">
+                      <a:endParaRPr lang="en-US" altLang="ko-KR" sz="1200" baseline="0" dirty="0">
                         <a:solidFill>
                           <a:schemeClr val="tx1"/>
                         </a:solidFill>
@@ -5643,7 +5600,7 @@
                     <a:p>
                       <a:pPr latinLnBrk="1"/>
                       <a:r>
-                        <a:rPr lang="en-US" altLang="ko-KR" sz="1200" dirty="0" err="1" smtClean="0">
+                        <a:rPr lang="en-US" altLang="ko-KR" sz="1200" dirty="0" err="1">
                           <a:solidFill>
                             <a:schemeClr val="tx1"/>
                           </a:solidFill>
@@ -5673,7 +5630,7 @@
                         <a:buChar char="•"/>
                       </a:pPr>
                       <a:r>
-                        <a:rPr lang="ko-KR" altLang="en-US" sz="1200" baseline="0" dirty="0" smtClean="0">
+                        <a:rPr lang="ko-KR" altLang="en-US" sz="1200" baseline="0" dirty="0">
                           <a:solidFill>
                             <a:schemeClr val="tx1"/>
                           </a:solidFill>
@@ -5682,7 +5639,7 @@
                         </a:rPr>
                         <a:t>입력된 값을 문자열로 입력</a:t>
                       </a:r>
-                      <a:endParaRPr lang="en-US" altLang="ko-KR" sz="1200" baseline="0" dirty="0" smtClean="0">
+                      <a:endParaRPr lang="en-US" altLang="ko-KR" sz="1200" baseline="0" dirty="0">
                         <a:solidFill>
                           <a:schemeClr val="tx1"/>
                         </a:solidFill>
@@ -5780,7 +5737,7 @@
                     <a:p>
                       <a:pPr latinLnBrk="1"/>
                       <a:r>
-                        <a:rPr lang="ko-KR" altLang="en-US" sz="1200" dirty="0" err="1" smtClean="0">
+                        <a:rPr lang="ko-KR" altLang="en-US" sz="1200" dirty="0" err="1">
                           <a:solidFill>
                             <a:schemeClr val="tx1"/>
                           </a:solidFill>
@@ -5900,7 +5857,7 @@
                         <a:buChar char="•"/>
                       </a:pPr>
                       <a:r>
-                        <a:rPr lang="ko-KR" altLang="en-US" sz="1200" dirty="0" smtClean="0">
+                        <a:rPr lang="ko-KR" altLang="en-US" sz="1200" dirty="0">
                           <a:solidFill>
                             <a:schemeClr val="tx1"/>
                           </a:solidFill>
@@ -5910,7 +5867,7 @@
                         <a:t>변수목록으로부터 여러 개 선택가능 </a:t>
                       </a:r>
                       <a:r>
-                        <a:rPr lang="en-US" altLang="ko-KR" sz="1200" dirty="0" smtClean="0">
+                        <a:rPr lang="en-US" altLang="ko-KR" sz="1200" dirty="0">
                           <a:solidFill>
                             <a:schemeClr val="tx1"/>
                           </a:solidFill>
@@ -5920,7 +5877,7 @@
                         <a:t>(</a:t>
                       </a:r>
                       <a:r>
-                        <a:rPr lang="ko-KR" altLang="en-US" sz="1200" dirty="0" err="1" smtClean="0">
+                        <a:rPr lang="ko-KR" altLang="en-US" sz="1200" dirty="0" err="1">
                           <a:solidFill>
                             <a:schemeClr val="tx1"/>
                           </a:solidFill>
@@ -5930,7 +5887,7 @@
                         <a:t>필수아님</a:t>
                       </a:r>
                       <a:r>
-                        <a:rPr lang="en-US" altLang="ko-KR" sz="1200" dirty="0" smtClean="0">
+                        <a:rPr lang="en-US" altLang="ko-KR" sz="1200" dirty="0">
                           <a:solidFill>
                             <a:schemeClr val="tx1"/>
                           </a:solidFill>
@@ -5959,7 +5916,7 @@
                         <a:defRPr/>
                       </a:pPr>
                       <a:r>
-                        <a:rPr lang="ko-KR" altLang="en-US" sz="1200" baseline="0" dirty="0" smtClean="0">
+                        <a:rPr lang="ko-KR" altLang="en-US" sz="1200" baseline="0" dirty="0">
                           <a:solidFill>
                             <a:schemeClr val="tx1"/>
                           </a:solidFill>
@@ -5968,7 +5925,7 @@
                         </a:rPr>
                         <a:t>선택된 변수는 변수목록에서 삭제</a:t>
                       </a:r>
-                      <a:endParaRPr lang="en-US" altLang="ko-KR" sz="1200" baseline="0" dirty="0" smtClean="0">
+                      <a:endParaRPr lang="en-US" altLang="ko-KR" sz="1200" baseline="0" dirty="0">
                         <a:solidFill>
                           <a:schemeClr val="tx1"/>
                         </a:solidFill>
@@ -6059,7 +6016,7 @@
                     <a:p>
                       <a:pPr latinLnBrk="1"/>
                       <a:r>
-                        <a:rPr kumimoji="0" lang="en-US" altLang="ko-KR" sz="1200" b="0" i="0" u="none" strike="noStrike" kern="1200" cap="none" spc="0" normalizeH="0" baseline="0" noProof="0" dirty="0" err="1" smtClean="0">
+                        <a:rPr kumimoji="0" lang="en-US" altLang="ko-KR" sz="1200" b="0" i="0" u="none" strike="noStrike" kern="1200" cap="none" spc="0" normalizeH="0" baseline="0" noProof="0" dirty="0" err="1">
                           <a:ln>
                             <a:noFill/>
                           </a:ln>
@@ -6096,7 +6053,7 @@
                         <a:buChar char="•"/>
                       </a:pPr>
                       <a:r>
-                        <a:rPr kumimoji="0" lang="ko-KR" altLang="en-US" sz="1200" b="0" i="0" u="none" strike="noStrike" kern="1200" cap="none" spc="0" normalizeH="0" baseline="0" noProof="0" dirty="0" smtClean="0">
+                        <a:rPr kumimoji="0" lang="ko-KR" altLang="en-US" sz="1200" b="0" i="0" u="none" strike="noStrike" kern="1200" cap="none" spc="0" normalizeH="0" baseline="0" noProof="0" dirty="0">
                           <a:ln>
                             <a:noFill/>
                           </a:ln>
@@ -6113,7 +6070,7 @@
                         <a:t>여러 개가 선택되면 </a:t>
                       </a:r>
                       <a:r>
-                        <a:rPr kumimoji="0" lang="en-US" altLang="ko-KR" sz="1200" b="0" i="0" u="none" strike="noStrike" kern="1200" cap="none" spc="0" normalizeH="0" baseline="0" noProof="0" dirty="0" smtClean="0">
+                        <a:rPr kumimoji="0" lang="en-US" altLang="ko-KR" sz="1200" b="0" i="0" u="none" strike="noStrike" kern="1200" cap="none" spc="0" normalizeH="0" baseline="0" noProof="0" dirty="0">
                           <a:ln>
                             <a:noFill/>
                           </a:ln>
@@ -6130,7 +6087,7 @@
                         <a:t>c(,,)</a:t>
                       </a:r>
                       <a:r>
-                        <a:rPr kumimoji="0" lang="ko-KR" altLang="en-US" sz="1200" b="0" i="0" u="none" strike="noStrike" kern="1200" cap="none" spc="0" normalizeH="0" baseline="0" noProof="0" dirty="0" smtClean="0">
+                        <a:rPr kumimoji="0" lang="ko-KR" altLang="en-US" sz="1200" b="0" i="0" u="none" strike="noStrike" kern="1200" cap="none" spc="0" normalizeH="0" baseline="0" noProof="0" dirty="0">
                           <a:ln>
                             <a:noFill/>
                           </a:ln>
@@ -6146,7 +6103,7 @@
                         </a:rPr>
                         <a:t>의 형식으로 입력</a:t>
                       </a:r>
-                      <a:endParaRPr kumimoji="0" lang="en-US" altLang="ko-KR" sz="1200" b="0" i="0" u="none" strike="noStrike" kern="1200" cap="none" spc="0" normalizeH="0" baseline="0" noProof="0" dirty="0" smtClean="0">
+                      <a:endParaRPr kumimoji="0" lang="en-US" altLang="ko-KR" sz="1200" b="0" i="0" u="none" strike="noStrike" kern="1200" cap="none" spc="0" normalizeH="0" baseline="0" noProof="0" dirty="0">
                         <a:ln>
                           <a:noFill/>
                         </a:ln>
@@ -6167,7 +6124,7 @@
                         <a:buChar char="•"/>
                       </a:pPr>
                       <a:r>
-                        <a:rPr kumimoji="0" lang="ko-KR" altLang="en-US" sz="1200" b="0" i="0" u="none" strike="noStrike" kern="1200" cap="none" spc="0" normalizeH="0" baseline="0" noProof="0" dirty="0" smtClean="0">
+                        <a:rPr kumimoji="0" lang="ko-KR" altLang="en-US" sz="1200" b="0" i="0" u="none" strike="noStrike" kern="1200" cap="none" spc="0" normalizeH="0" baseline="0" noProof="0" dirty="0">
                           <a:ln>
                             <a:noFill/>
                           </a:ln>
@@ -6184,7 +6141,7 @@
                         <a:t>하나도 선택되지 않으면 </a:t>
                       </a:r>
                       <a:r>
-                        <a:rPr kumimoji="0" lang="en-US" altLang="ko-KR" sz="1200" b="0" i="0" u="none" strike="noStrike" kern="1200" cap="none" spc="0" normalizeH="0" baseline="0" noProof="0" dirty="0" smtClean="0">
+                        <a:rPr kumimoji="0" lang="en-US" altLang="ko-KR" sz="1200" b="0" i="0" u="none" strike="noStrike" kern="1200" cap="none" spc="0" normalizeH="0" baseline="0" noProof="0" dirty="0">
                           <a:ln>
                             <a:noFill/>
                           </a:ln>
@@ -6201,7 +6158,7 @@
                         <a:t>NULL </a:t>
                       </a:r>
                       <a:r>
-                        <a:rPr kumimoji="0" lang="ko-KR" altLang="en-US" sz="1200" b="0" i="0" u="none" strike="noStrike" kern="1200" cap="none" spc="0" normalizeH="0" baseline="0" noProof="0" dirty="0" smtClean="0">
+                        <a:rPr kumimoji="0" lang="ko-KR" altLang="en-US" sz="1200" b="0" i="0" u="none" strike="noStrike" kern="1200" cap="none" spc="0" normalizeH="0" baseline="0" noProof="0" dirty="0">
                           <a:ln>
                             <a:noFill/>
                           </a:ln>
@@ -6242,7 +6199,7 @@
                     <a:p>
                       <a:pPr latinLnBrk="1"/>
                       <a:r>
-                        <a:rPr lang="ko-KR" altLang="en-US" sz="1200" baseline="0" dirty="0" err="1" smtClean="0">
+                        <a:rPr lang="ko-KR" altLang="en-US" sz="1200" baseline="0" dirty="0" err="1">
                           <a:solidFill>
                             <a:schemeClr val="tx1"/>
                           </a:solidFill>
@@ -6251,7 +6208,7 @@
                         </a:rPr>
                         <a:t>양적변수</a:t>
                       </a:r>
-                      <a:endParaRPr lang="en-US" altLang="ko-KR" sz="1200" baseline="0" dirty="0" smtClean="0">
+                      <a:endParaRPr lang="en-US" altLang="ko-KR" sz="1200" baseline="0" dirty="0">
                         <a:solidFill>
                           <a:schemeClr val="tx1"/>
                         </a:solidFill>
@@ -6284,129 +6241,6 @@
                         <a:tabLst/>
                         <a:defRPr/>
                       </a:pPr>
-                      <a:endParaRPr lang="ko-KR" altLang="en-US" sz="1200" dirty="0" smtClean="0">
-                        <a:solidFill>
-                          <a:schemeClr val="tx1"/>
-                        </a:solidFill>
-                        <a:latin typeface="+mn-lt"/>
-                        <a:ea typeface="+mn-ea"/>
-                      </a:endParaRPr>
-                    </a:p>
-                  </a:txBody>
-                  <a:tcPr/>
-                </a:tc>
-                <a:tc>
-                  <a:txBody>
-                    <a:bodyPr/>
-                    <a:lstStyle/>
-                    <a:p>
-                      <a:pPr marL="171450" indent="-171450" latinLnBrk="1">
-                        <a:buFont typeface="Arial" panose="020B0604020202020204" pitchFamily="34" charset="0"/>
-                        <a:buChar char="•"/>
-                      </a:pPr>
-                      <a:r>
-                        <a:rPr lang="ko-KR" altLang="en-US" sz="1200" dirty="0" smtClean="0">
-                          <a:solidFill>
-                            <a:schemeClr val="tx1"/>
-                          </a:solidFill>
-                          <a:latin typeface="+mn-lt"/>
-                          <a:ea typeface="+mn-ea"/>
-                        </a:rPr>
-                        <a:t>변수목록으로부터 여러 개 선택가능 </a:t>
-                      </a:r>
-                      <a:r>
-                        <a:rPr lang="en-US" altLang="ko-KR" sz="1200" dirty="0" smtClean="0">
-                          <a:solidFill>
-                            <a:schemeClr val="tx1"/>
-                          </a:solidFill>
-                          <a:latin typeface="+mn-lt"/>
-                          <a:ea typeface="+mn-ea"/>
-                        </a:rPr>
-                        <a:t>(</a:t>
-                      </a:r>
-                      <a:r>
-                        <a:rPr lang="ko-KR" altLang="en-US" sz="1200" dirty="0" err="1" smtClean="0">
-                          <a:solidFill>
-                            <a:schemeClr val="tx1"/>
-                          </a:solidFill>
-                          <a:latin typeface="+mn-lt"/>
-                          <a:ea typeface="+mn-ea"/>
-                        </a:rPr>
-                        <a:t>필수아님</a:t>
-                      </a:r>
-                      <a:r>
-                        <a:rPr lang="en-US" altLang="ko-KR" sz="1200" dirty="0" smtClean="0">
-                          <a:solidFill>
-                            <a:schemeClr val="tx1"/>
-                          </a:solidFill>
-                          <a:latin typeface="+mn-lt"/>
-                          <a:ea typeface="+mn-ea"/>
-                        </a:rPr>
-                        <a:t>)</a:t>
-                      </a:r>
-                    </a:p>
-                    <a:p>
-                      <a:pPr marL="171450" marR="0" indent="-171450" algn="l" defTabSz="1543050" rtl="0" eaLnBrk="1" fontAlgn="auto" latinLnBrk="1" hangingPunct="1">
-                        <a:lnSpc>
-                          <a:spcPct val="100000"/>
-                        </a:lnSpc>
-                        <a:spcBef>
-                          <a:spcPts val="0"/>
-                        </a:spcBef>
-                        <a:spcAft>
-                          <a:spcPts val="0"/>
-                        </a:spcAft>
-                        <a:buClrTx/>
-                        <a:buSzTx/>
-                        <a:buFont typeface="Arial" panose="020B0604020202020204" pitchFamily="34" charset="0"/>
-                        <a:buChar char="•"/>
-                        <a:tabLst/>
-                        <a:defRPr/>
-                      </a:pPr>
-                      <a:r>
-                        <a:rPr lang="ko-KR" altLang="en-US" sz="1200" baseline="0" dirty="0" smtClean="0">
-                          <a:solidFill>
-                            <a:schemeClr val="tx1"/>
-                          </a:solidFill>
-                          <a:latin typeface="+mn-lt"/>
-                          <a:ea typeface="+mn-ea"/>
-                        </a:rPr>
-                        <a:t>선택된 변수는 변수목록에서 삭제</a:t>
-                      </a:r>
-                      <a:endParaRPr lang="ko-KR" altLang="en-US" sz="1200" dirty="0">
-                        <a:solidFill>
-                          <a:schemeClr val="tx1"/>
-                        </a:solidFill>
-                        <a:latin typeface="+mn-lt"/>
-                        <a:ea typeface="+mn-ea"/>
-                      </a:endParaRPr>
-                    </a:p>
-                  </a:txBody>
-                  <a:tcPr/>
-                </a:tc>
-                <a:tc>
-                  <a:txBody>
-                    <a:bodyPr/>
-                    <a:lstStyle/>
-                    <a:p>
-                      <a:pPr latinLnBrk="1"/>
-                      <a:r>
-                        <a:rPr kumimoji="0" lang="en-US" altLang="ko-KR" sz="1200" b="0" i="0" u="none" strike="noStrike" kern="1200" cap="none" spc="0" normalizeH="0" baseline="0" noProof="0" dirty="0" err="1" smtClean="0">
-                          <a:ln>
-                            <a:noFill/>
-                          </a:ln>
-                          <a:solidFill>
-                            <a:schemeClr val="tx1"/>
-                          </a:solidFill>
-                          <a:effectLst/>
-                          <a:uLnTx/>
-                          <a:uFillTx/>
-                          <a:latin typeface="Calibri" panose="020F0502020204030204"/>
-                          <a:ea typeface="+mn-ea"/>
-                          <a:cs typeface="+mn-cs"/>
-                        </a:rPr>
-                        <a:t>indep_numeric_var</a:t>
-                      </a:r>
                       <a:endParaRPr lang="ko-KR" altLang="en-US" sz="1200" dirty="0">
                         <a:solidFill>
                           <a:schemeClr val="tx1"/>
@@ -6428,7 +6262,93 @@
                         <a:buChar char="•"/>
                       </a:pPr>
                       <a:r>
-                        <a:rPr kumimoji="0" lang="ko-KR" altLang="en-US" sz="1200" b="0" i="0" u="none" strike="noStrike" kern="1200" cap="none" spc="0" normalizeH="0" baseline="0" noProof="0" dirty="0" smtClean="0">
+                        <a:rPr lang="ko-KR" altLang="en-US" sz="1200" dirty="0">
+                          <a:solidFill>
+                            <a:schemeClr val="tx1"/>
+                          </a:solidFill>
+                          <a:latin typeface="+mn-lt"/>
+                          <a:ea typeface="+mn-ea"/>
+                        </a:rPr>
+                        <a:t>변수목록으로부터 여러 개 선택가능 </a:t>
+                      </a:r>
+                      <a:r>
+                        <a:rPr lang="en-US" altLang="ko-KR" sz="1200" dirty="0">
+                          <a:solidFill>
+                            <a:schemeClr val="tx1"/>
+                          </a:solidFill>
+                          <a:latin typeface="+mn-lt"/>
+                          <a:ea typeface="+mn-ea"/>
+                        </a:rPr>
+                        <a:t>(</a:t>
+                      </a:r>
+                      <a:r>
+                        <a:rPr lang="ko-KR" altLang="en-US" sz="1200" dirty="0" err="1">
+                          <a:solidFill>
+                            <a:schemeClr val="tx1"/>
+                          </a:solidFill>
+                          <a:latin typeface="+mn-lt"/>
+                          <a:ea typeface="+mn-ea"/>
+                        </a:rPr>
+                        <a:t>필수아님</a:t>
+                      </a:r>
+                      <a:r>
+                        <a:rPr lang="en-US" altLang="ko-KR" sz="1200" dirty="0">
+                          <a:solidFill>
+                            <a:schemeClr val="tx1"/>
+                          </a:solidFill>
+                          <a:latin typeface="+mn-lt"/>
+                          <a:ea typeface="+mn-ea"/>
+                        </a:rPr>
+                        <a:t>)</a:t>
+                      </a:r>
+                    </a:p>
+                    <a:p>
+                      <a:pPr marL="171450" marR="0" indent="-171450" algn="l" defTabSz="1543050" rtl="0" eaLnBrk="1" fontAlgn="auto" latinLnBrk="1" hangingPunct="1">
+                        <a:lnSpc>
+                          <a:spcPct val="100000"/>
+                        </a:lnSpc>
+                        <a:spcBef>
+                          <a:spcPts val="0"/>
+                        </a:spcBef>
+                        <a:spcAft>
+                          <a:spcPts val="0"/>
+                        </a:spcAft>
+                        <a:buClrTx/>
+                        <a:buSzTx/>
+                        <a:buFont typeface="Arial" panose="020B0604020202020204" pitchFamily="34" charset="0"/>
+                        <a:buChar char="•"/>
+                        <a:tabLst/>
+                        <a:defRPr/>
+                      </a:pPr>
+                      <a:r>
+                        <a:rPr lang="ko-KR" altLang="en-US" sz="1200" baseline="0" dirty="0">
+                          <a:solidFill>
+                            <a:schemeClr val="tx1"/>
+                          </a:solidFill>
+                          <a:latin typeface="+mn-lt"/>
+                          <a:ea typeface="+mn-ea"/>
+                        </a:rPr>
+                        <a:t>선택된 변수는 변수목록에서 삭제</a:t>
+                      </a:r>
+                      <a:endParaRPr lang="ko-KR" altLang="en-US" sz="1200" dirty="0">
+                        <a:solidFill>
+                          <a:schemeClr val="tx1"/>
+                        </a:solidFill>
+                        <a:latin typeface="+mn-lt"/>
+                        <a:ea typeface="+mn-ea"/>
+                      </a:endParaRPr>
+                    </a:p>
+                  </a:txBody>
+                  <a:tcPr/>
+                </a:tc>
+                <a:tc>
+                  <a:txBody>
+                    <a:bodyPr/>
+                    <a:lstStyle/>
+                    <a:p>
+                      <a:pPr latinLnBrk="1"/>
+                      <a:r>
+                        <a:rPr kumimoji="0" lang="en-US" altLang="ko-KR" sz="1200" b="0" i="0" u="none" strike="noStrike" kern="1200" cap="none" spc="0" normalizeH="0" baseline="0" noProof="0" dirty="0" err="1">
                           <a:ln>
                             <a:noFill/>
                           </a:ln>
@@ -6442,10 +6362,30 @@
                           <a:ea typeface="+mn-ea"/>
                           <a:cs typeface="+mn-cs"/>
                         </a:rPr>
-                        <a:t>여러 개가 선택되면 </a:t>
-                      </a:r>
-                      <a:r>
-                        <a:rPr kumimoji="0" lang="en-US" altLang="ko-KR" sz="1200" b="0" i="0" u="none" strike="noStrike" kern="1200" cap="none" spc="0" normalizeH="0" baseline="0" noProof="0" dirty="0" smtClean="0">
+                        <a:t>indep_numeric_var</a:t>
+                      </a:r>
+                      <a:endParaRPr lang="ko-KR" altLang="en-US" sz="1200" dirty="0">
+                        <a:solidFill>
+                          <a:schemeClr val="tx1"/>
+                        </a:solidFill>
+                        <a:latin typeface="+mn-lt"/>
+                        <a:ea typeface="+mn-ea"/>
+                      </a:endParaRPr>
+                    </a:p>
+                  </a:txBody>
+                  <a:tcPr/>
+                </a:tc>
+                <a:tc>
+                  <a:txBody>
+                    <a:bodyPr/>
+                    <a:lstStyle/>
+                    <a:p>
+                      <a:pPr marL="171450" indent="-171450" latinLnBrk="1">
+                        <a:buFont typeface="Arial" panose="020B0604020202020204" pitchFamily="34" charset="0"/>
+                        <a:buChar char="•"/>
+                      </a:pPr>
+                      <a:r>
+                        <a:rPr kumimoji="0" lang="ko-KR" altLang="en-US" sz="1200" b="0" i="0" u="none" strike="noStrike" kern="1200" cap="none" spc="0" normalizeH="0" baseline="0" noProof="0" dirty="0">
                           <a:ln>
                             <a:noFill/>
                           </a:ln>
@@ -6459,10 +6399,10 @@
                           <a:ea typeface="+mn-ea"/>
                           <a:cs typeface="+mn-cs"/>
                         </a:rPr>
-                        <a:t>c(,,)</a:t>
-                      </a:r>
-                      <a:r>
-                        <a:rPr kumimoji="0" lang="ko-KR" altLang="en-US" sz="1200" b="0" i="0" u="none" strike="noStrike" kern="1200" cap="none" spc="0" normalizeH="0" baseline="0" noProof="0" dirty="0" smtClean="0">
+                        <a:t>여러 개가 선택되면 </a:t>
+                      </a:r>
+                      <a:r>
+                        <a:rPr kumimoji="0" lang="en-US" altLang="ko-KR" sz="1200" b="0" i="0" u="none" strike="noStrike" kern="1200" cap="none" spc="0" normalizeH="0" baseline="0" noProof="0" dirty="0">
                           <a:ln>
                             <a:noFill/>
                           </a:ln>
@@ -6476,9 +6416,26 @@
                           <a:ea typeface="+mn-ea"/>
                           <a:cs typeface="+mn-cs"/>
                         </a:rPr>
+                        <a:t>c(,,)</a:t>
+                      </a:r>
+                      <a:r>
+                        <a:rPr kumimoji="0" lang="ko-KR" altLang="en-US" sz="1200" b="0" i="0" u="none" strike="noStrike" kern="1200" cap="none" spc="0" normalizeH="0" baseline="0" noProof="0" dirty="0">
+                          <a:ln>
+                            <a:noFill/>
+                          </a:ln>
+                          <a:solidFill>
+                            <a:schemeClr val="tx1"/>
+                          </a:solidFill>
+                          <a:effectLst/>
+                          <a:uLnTx/>
+                          <a:uFillTx/>
+                          <a:latin typeface="Calibri" panose="020F0502020204030204"/>
+                          <a:ea typeface="+mn-ea"/>
+                          <a:cs typeface="+mn-cs"/>
+                        </a:rPr>
                         <a:t>의 형식으로 입력</a:t>
                       </a:r>
-                      <a:endParaRPr kumimoji="0" lang="en-US" altLang="ko-KR" sz="1200" b="0" i="0" u="none" strike="noStrike" kern="1200" cap="none" spc="0" normalizeH="0" baseline="0" noProof="0" dirty="0" smtClean="0">
+                      <a:endParaRPr kumimoji="0" lang="en-US" altLang="ko-KR" sz="1200" b="0" i="0" u="none" strike="noStrike" kern="1200" cap="none" spc="0" normalizeH="0" baseline="0" noProof="0" dirty="0">
                         <a:ln>
                           <a:noFill/>
                         </a:ln>
@@ -6499,7 +6456,7 @@
                         <a:buChar char="•"/>
                       </a:pPr>
                       <a:r>
-                        <a:rPr kumimoji="0" lang="ko-KR" altLang="en-US" sz="1200" b="0" i="0" u="none" strike="noStrike" kern="1200" cap="none" spc="0" normalizeH="0" baseline="0" noProof="0" dirty="0" smtClean="0">
+                        <a:rPr kumimoji="0" lang="ko-KR" altLang="en-US" sz="1200" b="0" i="0" u="none" strike="noStrike" kern="1200" cap="none" spc="0" normalizeH="0" baseline="0" noProof="0" dirty="0">
                           <a:ln>
                             <a:noFill/>
                           </a:ln>
@@ -6516,7 +6473,7 @@
                         <a:t>하나도 선택되지 않으면 </a:t>
                       </a:r>
                       <a:r>
-                        <a:rPr kumimoji="0" lang="en-US" altLang="ko-KR" sz="1200" b="0" i="0" u="none" strike="noStrike" kern="1200" cap="none" spc="0" normalizeH="0" baseline="0" noProof="0" dirty="0" smtClean="0">
+                        <a:rPr kumimoji="0" lang="en-US" altLang="ko-KR" sz="1200" b="0" i="0" u="none" strike="noStrike" kern="1200" cap="none" spc="0" normalizeH="0" baseline="0" noProof="0" dirty="0">
                           <a:ln>
                             <a:noFill/>
                           </a:ln>
@@ -6533,7 +6490,7 @@
                         <a:t>NULL </a:t>
                       </a:r>
                       <a:r>
-                        <a:rPr kumimoji="0" lang="ko-KR" altLang="en-US" sz="1200" b="0" i="0" u="none" strike="noStrike" kern="1200" cap="none" spc="0" normalizeH="0" baseline="0" noProof="0" dirty="0" smtClean="0">
+                        <a:rPr kumimoji="0" lang="ko-KR" altLang="en-US" sz="1200" b="0" i="0" u="none" strike="noStrike" kern="1200" cap="none" spc="0" normalizeH="0" baseline="0" noProof="0" dirty="0">
                           <a:ln>
                             <a:noFill/>
                           </a:ln>
@@ -6647,7 +6604,7 @@
                     <a:p>
                       <a:pPr latinLnBrk="1"/>
                       <a:r>
-                        <a:rPr lang="ko-KR" altLang="en-US" sz="1200" dirty="0" smtClean="0">
+                        <a:rPr lang="ko-KR" altLang="en-US" sz="1200" dirty="0">
                           <a:solidFill>
                             <a:schemeClr val="tx1"/>
                           </a:solidFill>
@@ -6656,13 +6613,6 @@
                         </a:rPr>
                         <a:t>최종모형</a:t>
                       </a:r>
-                      <a:endParaRPr lang="ko-KR" altLang="en-US" sz="1200" dirty="0">
-                        <a:solidFill>
-                          <a:schemeClr val="tx1"/>
-                        </a:solidFill>
-                        <a:latin typeface="+mn-lt"/>
-                        <a:ea typeface="+mn-ea"/>
-                      </a:endParaRPr>
                     </a:p>
                   </a:txBody>
                   <a:tcPr/>
@@ -6767,7 +6717,7 @@
                         <a:buChar char="•"/>
                       </a:pPr>
                       <a:r>
-                        <a:rPr lang="ko-KR" altLang="en-US" sz="1200" dirty="0" smtClean="0">
+                        <a:rPr lang="ko-KR" altLang="en-US" sz="1200" dirty="0">
                           <a:solidFill>
                             <a:schemeClr val="tx1"/>
                           </a:solidFill>
@@ -6775,7 +6725,7 @@
                         <a:t>질적변수 혹은 양적변수가 선택되면 자동으로 최종모형에 표시</a:t>
                       </a:r>
                       <a:r>
-                        <a:rPr lang="en-US" altLang="ko-KR" sz="1200" dirty="0" smtClean="0">
+                        <a:rPr lang="en-US" altLang="ko-KR" sz="1200" dirty="0">
                           <a:solidFill>
                             <a:schemeClr val="tx1"/>
                           </a:solidFill>
@@ -6789,7 +6739,7 @@
                         <a:buChar char="•"/>
                       </a:pPr>
                       <a:r>
-                        <a:rPr lang="ko-KR" altLang="en-US" sz="1200" dirty="0" smtClean="0">
+                        <a:rPr lang="ko-KR" altLang="en-US" sz="1200" dirty="0">
                           <a:solidFill>
                             <a:schemeClr val="tx1"/>
                           </a:solidFill>
@@ -6797,7 +6747,7 @@
                         <a:t>최종모형으로 선택된 변수들을 선택한 후 삭제를 누르면 질적변수 및 양적변수에서도 삭제되어야 함</a:t>
                       </a:r>
                       <a:r>
-                        <a:rPr lang="en-US" altLang="ko-KR" sz="1200" dirty="0" smtClean="0">
+                        <a:rPr lang="en-US" altLang="ko-KR" sz="1200" dirty="0">
                           <a:solidFill>
                             <a:schemeClr val="tx1"/>
                           </a:solidFill>
@@ -6811,7 +6761,7 @@
                         <a:buChar char="•"/>
                       </a:pPr>
                       <a:r>
-                        <a:rPr lang="ko-KR" altLang="en-US" sz="1200" dirty="0" smtClean="0">
+                        <a:rPr lang="ko-KR" altLang="en-US" sz="1200" dirty="0">
                           <a:solidFill>
                             <a:schemeClr val="tx1"/>
                           </a:solidFill>
@@ -6819,7 +6769,7 @@
                         <a:t>반드시 하나 이상의 변수가 선택되어야 함</a:t>
                       </a:r>
                       <a:r>
-                        <a:rPr lang="en-US" altLang="ko-KR" sz="1200" dirty="0" smtClean="0">
+                        <a:rPr lang="en-US" altLang="ko-KR" sz="1200" dirty="0">
                           <a:solidFill>
                             <a:schemeClr val="tx1"/>
                           </a:solidFill>
@@ -6827,14 +6777,14 @@
                         <a:t>.</a:t>
                       </a:r>
                       <a:br>
-                        <a:rPr lang="en-US" altLang="ko-KR" sz="1200" dirty="0" smtClean="0">
+                        <a:rPr lang="en-US" altLang="ko-KR" sz="1200" dirty="0">
                           <a:solidFill>
                             <a:schemeClr val="tx1"/>
                           </a:solidFill>
                         </a:rPr>
                       </a:br>
                       <a:r>
-                        <a:rPr lang="ko-KR" altLang="en-US" sz="1200" dirty="0" smtClean="0">
+                        <a:rPr lang="ko-KR" altLang="en-US" sz="1200" dirty="0">
                           <a:solidFill>
                             <a:schemeClr val="tx1"/>
                           </a:solidFill>
@@ -6842,7 +6792,7 @@
                         <a:t>최종모형이 하나도 선택되지 않은채로 확인을 누르면 팝업창으로 </a:t>
                       </a:r>
                       <a:r>
-                        <a:rPr lang="en-US" altLang="ko-KR" sz="1200" dirty="0" smtClean="0">
+                        <a:rPr lang="en-US" altLang="ko-KR" sz="1200" dirty="0">
                           <a:solidFill>
                             <a:schemeClr val="tx1"/>
                           </a:solidFill>
@@ -6850,7 +6800,7 @@
                         <a:t>‘</a:t>
                       </a:r>
                       <a:r>
-                        <a:rPr lang="ko-KR" altLang="en-US" sz="1200" dirty="0" smtClean="0">
+                        <a:rPr lang="ko-KR" altLang="en-US" sz="1200" dirty="0">
                           <a:solidFill>
                             <a:schemeClr val="tx1"/>
                           </a:solidFill>
@@ -6858,7 +6808,7 @@
                         <a:t>반드시 하나 이상의 최종모형이 선택되어야 합니다</a:t>
                       </a:r>
                       <a:r>
-                        <a:rPr lang="en-US" altLang="ko-KR" sz="1200" dirty="0" smtClean="0">
+                        <a:rPr lang="en-US" altLang="ko-KR" sz="1200" dirty="0">
                           <a:solidFill>
                             <a:schemeClr val="tx1"/>
                           </a:solidFill>
@@ -6866,14 +6816,14 @@
                         <a:t>.’</a:t>
                       </a:r>
                       <a:r>
-                        <a:rPr lang="ko-KR" altLang="en-US" sz="1200" dirty="0" smtClean="0">
+                        <a:rPr lang="ko-KR" altLang="en-US" sz="1200" dirty="0">
                           <a:solidFill>
                             <a:schemeClr val="tx1"/>
                           </a:solidFill>
                         </a:rPr>
                         <a:t>의 메세지를 띄움</a:t>
                       </a:r>
-                      <a:endParaRPr lang="en-US" altLang="ko-KR" sz="1200" dirty="0" smtClean="0">
+                      <a:endParaRPr lang="en-US" altLang="ko-KR" sz="1200" dirty="0">
                         <a:solidFill>
                           <a:schemeClr val="tx1"/>
                         </a:solidFill>
@@ -6885,7 +6835,7 @@
                         <a:buChar char="•"/>
                       </a:pPr>
                       <a:r>
-                        <a:rPr lang="ko-KR" altLang="en-US" sz="1200" dirty="0" smtClean="0">
+                        <a:rPr lang="ko-KR" altLang="en-US" sz="1200" dirty="0">
                           <a:solidFill>
                             <a:schemeClr val="tx1"/>
                           </a:solidFill>
@@ -6893,7 +6843,7 @@
                         <a:t>다중선택 가능</a:t>
                       </a:r>
                       <a:r>
-                        <a:rPr lang="en-US" altLang="ko-KR" sz="1200" dirty="0" smtClean="0">
+                        <a:rPr lang="en-US" altLang="ko-KR" sz="1200" dirty="0">
                           <a:solidFill>
                             <a:schemeClr val="tx1"/>
                           </a:solidFill>
@@ -6991,7 +6941,7 @@
                     <a:p>
                       <a:pPr latinLnBrk="1"/>
                       <a:r>
-                        <a:rPr lang="en-US" altLang="ko-KR" sz="1200" dirty="0" err="1" smtClean="0">
+                        <a:rPr lang="en-US" altLang="ko-KR" sz="1200" dirty="0" err="1">
                           <a:solidFill>
                             <a:schemeClr val="tx1"/>
                           </a:solidFill>
@@ -7021,7 +6971,7 @@
                         <a:buChar char="•"/>
                       </a:pPr>
                       <a:r>
-                        <a:rPr lang="en-US" altLang="ko-KR" sz="1200" dirty="0" smtClean="0">
+                        <a:rPr lang="en-US" altLang="ko-KR" sz="1200" dirty="0">
                           <a:solidFill>
                             <a:schemeClr val="tx1"/>
                           </a:solidFill>
@@ -7031,7 +6981,7 @@
                         <a:t>UI</a:t>
                       </a:r>
                       <a:r>
-                        <a:rPr lang="ko-KR" altLang="en-US" sz="1200" dirty="0" smtClean="0">
+                        <a:rPr lang="ko-KR" altLang="en-US" sz="1200" dirty="0">
                           <a:solidFill>
                             <a:schemeClr val="tx1"/>
                           </a:solidFill>
@@ -7041,7 +6991,7 @@
                         <a:t>의 최종모형에 포함된</a:t>
                       </a:r>
                       <a:r>
-                        <a:rPr lang="ko-KR" altLang="en-US" sz="1200" baseline="0" dirty="0" smtClean="0">
+                        <a:rPr lang="ko-KR" altLang="en-US" sz="1200" baseline="0" dirty="0">
                           <a:solidFill>
                             <a:schemeClr val="tx1"/>
                           </a:solidFill>
@@ -7051,7 +7001,7 @@
                         <a:t> 단어들을 문자열로 하여 </a:t>
                       </a:r>
                       <a:r>
-                        <a:rPr lang="en-US" altLang="ko-KR" sz="1200" baseline="0" dirty="0" smtClean="0">
+                        <a:rPr lang="en-US" altLang="ko-KR" sz="1200" baseline="0" dirty="0">
                           <a:solidFill>
                             <a:schemeClr val="tx1"/>
                           </a:solidFill>
@@ -7061,7 +7011,7 @@
                         <a:t>c(,,)</a:t>
                       </a:r>
                       <a:r>
-                        <a:rPr lang="ko-KR" altLang="en-US" sz="1200" baseline="0" dirty="0" smtClean="0">
+                        <a:rPr lang="ko-KR" altLang="en-US" sz="1200" baseline="0" dirty="0">
                           <a:solidFill>
                             <a:schemeClr val="tx1"/>
                           </a:solidFill>
@@ -7070,7 +7020,7 @@
                         </a:rPr>
                         <a:t>의 형식으로 입력</a:t>
                       </a:r>
-                      <a:endParaRPr lang="en-US" altLang="ko-KR" sz="1200" baseline="0" dirty="0" smtClean="0">
+                      <a:endParaRPr lang="en-US" altLang="ko-KR" sz="1200" baseline="0" dirty="0">
                         <a:solidFill>
                           <a:schemeClr val="tx1"/>
                         </a:solidFill>
@@ -7095,7 +7045,7 @@
                     <a:p>
                       <a:pPr latinLnBrk="1"/>
                       <a:r>
-                        <a:rPr lang="ko-KR" altLang="en-US" sz="1200" dirty="0" err="1" smtClean="0">
+                        <a:rPr lang="ko-KR" altLang="en-US" sz="1200" dirty="0" err="1">
                           <a:solidFill>
                             <a:schemeClr val="tx1"/>
                           </a:solidFill>
@@ -7105,7 +7055,7 @@
                         <a:t>상수항</a:t>
                       </a:r>
                       <a:r>
-                        <a:rPr lang="ko-KR" altLang="en-US" sz="1200" dirty="0" smtClean="0">
+                        <a:rPr lang="ko-KR" altLang="en-US" sz="1200" dirty="0">
                           <a:solidFill>
                             <a:schemeClr val="tx1"/>
                           </a:solidFill>
@@ -7114,13 +7064,6 @@
                         </a:rPr>
                         <a:t> 포함하지 않음</a:t>
                       </a:r>
-                      <a:endParaRPr lang="ko-KR" altLang="en-US" sz="1200" dirty="0">
-                        <a:solidFill>
-                          <a:schemeClr val="tx1"/>
-                        </a:solidFill>
-                        <a:latin typeface="+mn-lt"/>
-                        <a:ea typeface="+mn-ea"/>
-                      </a:endParaRPr>
                     </a:p>
                   </a:txBody>
                   <a:tcPr/>
@@ -7132,7 +7075,7 @@
                     <a:p>
                       <a:pPr latinLnBrk="1"/>
                       <a:r>
-                        <a:rPr lang="en-US" altLang="ko-KR" sz="1200" dirty="0" smtClean="0">
+                        <a:rPr lang="en-US" altLang="ko-KR" sz="1200" dirty="0">
                           <a:solidFill>
                             <a:schemeClr val="tx1"/>
                           </a:solidFill>
@@ -7162,7 +7105,7 @@
                         <a:buChar char="•"/>
                       </a:pPr>
                       <a:r>
-                        <a:rPr lang="ko-KR" altLang="en-US" sz="1200" dirty="0" smtClean="0">
+                        <a:rPr lang="ko-KR" altLang="en-US" sz="1200" dirty="0">
                           <a:solidFill>
                             <a:schemeClr val="tx1"/>
                           </a:solidFill>
@@ -7172,7 +7115,7 @@
                         <a:t>최종모형으로 </a:t>
                       </a:r>
                       <a:r>
-                        <a:rPr kumimoji="0" lang="ko-KR" altLang="en-US" sz="1200" b="0" i="0" u="none" strike="noStrike" kern="1200" cap="none" spc="0" normalizeH="0" baseline="0" noProof="0" dirty="0" err="1" smtClean="0">
+                        <a:rPr kumimoji="0" lang="ko-KR" altLang="en-US" sz="1200" b="0" i="0" u="none" strike="noStrike" kern="1200" cap="none" spc="0" normalizeH="0" baseline="0" noProof="0" dirty="0" err="1">
                           <a:ln>
                             <a:noFill/>
                           </a:ln>
@@ -7189,7 +7132,7 @@
                         <a:t>아무변수도</a:t>
                       </a:r>
                       <a:r>
-                        <a:rPr kumimoji="0" lang="ko-KR" altLang="en-US" sz="1200" b="0" i="0" u="none" strike="noStrike" kern="1200" cap="none" spc="0" normalizeH="0" baseline="0" noProof="0" dirty="0" smtClean="0">
+                        <a:rPr kumimoji="0" lang="ko-KR" altLang="en-US" sz="1200" b="0" i="0" u="none" strike="noStrike" kern="1200" cap="none" spc="0" normalizeH="0" baseline="0" noProof="0" dirty="0">
                           <a:ln>
                             <a:noFill/>
                           </a:ln>
@@ -7206,7 +7149,7 @@
                         <a:t> 선택되지 않으면 </a:t>
                       </a:r>
                       <a:r>
-                        <a:rPr kumimoji="0" lang="ko-KR" altLang="en-US" sz="1200" b="0" i="0" u="none" strike="noStrike" kern="1200" cap="none" spc="0" normalizeH="0" baseline="0" noProof="0" dirty="0" err="1" smtClean="0">
+                        <a:rPr kumimoji="0" lang="ko-KR" altLang="en-US" sz="1200" b="0" i="0" u="none" strike="noStrike" kern="1200" cap="none" spc="0" normalizeH="0" baseline="0" noProof="0" dirty="0" err="1">
                           <a:ln>
                             <a:noFill/>
                           </a:ln>
@@ -7223,7 +7166,7 @@
                         <a:t>상수항</a:t>
                       </a:r>
                       <a:r>
-                        <a:rPr kumimoji="0" lang="ko-KR" altLang="en-US" sz="1200" b="0" i="0" u="none" strike="noStrike" kern="1200" cap="none" spc="0" normalizeH="0" baseline="0" noProof="0" dirty="0" smtClean="0">
+                        <a:rPr kumimoji="0" lang="ko-KR" altLang="en-US" sz="1200" b="0" i="0" u="none" strike="noStrike" kern="1200" cap="none" spc="0" normalizeH="0" baseline="0" noProof="0" dirty="0">
                           <a:ln>
                             <a:noFill/>
                           </a:ln>
@@ -7240,7 +7183,7 @@
                         <a:t> 포함하지 않음은 체크할 수 없음</a:t>
                       </a:r>
                       <a:r>
-                        <a:rPr kumimoji="0" lang="en-US" altLang="ko-KR" sz="1200" b="0" i="0" u="none" strike="noStrike" kern="1200" cap="none" spc="0" normalizeH="0" baseline="0" noProof="0" dirty="0" smtClean="0">
+                        <a:rPr kumimoji="0" lang="en-US" altLang="ko-KR" sz="1200" b="0" i="0" u="none" strike="noStrike" kern="1200" cap="none" spc="0" normalizeH="0" baseline="0" noProof="0" dirty="0">
                           <a:ln>
                             <a:noFill/>
                           </a:ln>
@@ -7256,7 +7199,7 @@
                         </a:rPr>
                         <a:t>.</a:t>
                       </a:r>
-                      <a:endParaRPr lang="en-US" altLang="ko-KR" sz="1200" dirty="0" smtClean="0">
+                      <a:endParaRPr lang="en-US" altLang="ko-KR" sz="1200" dirty="0">
                         <a:solidFill>
                           <a:schemeClr val="tx1"/>
                         </a:solidFill>
@@ -7270,7 +7213,7 @@
                         <a:buChar char="•"/>
                       </a:pPr>
                       <a:r>
-                        <a:rPr lang="ko-KR" altLang="en-US" sz="1200" dirty="0" smtClean="0">
+                        <a:rPr lang="ko-KR" altLang="en-US" sz="1200" dirty="0">
                           <a:solidFill>
                             <a:schemeClr val="tx1"/>
                           </a:solidFill>
@@ -7280,7 +7223,7 @@
                         <a:t>디폴트는 </a:t>
                       </a:r>
                       <a:r>
-                        <a:rPr lang="en-US" altLang="ko-KR" sz="1200" dirty="0" smtClean="0">
+                        <a:rPr lang="en-US" altLang="ko-KR" sz="1200" dirty="0">
                           <a:solidFill>
                             <a:schemeClr val="tx1"/>
                           </a:solidFill>
@@ -7290,7 +7233,7 @@
                         <a:t>‘</a:t>
                       </a:r>
                       <a:r>
-                        <a:rPr lang="ko-KR" altLang="en-US" sz="1200" dirty="0" smtClean="0">
+                        <a:rPr lang="ko-KR" altLang="en-US" sz="1200" dirty="0">
                           <a:solidFill>
                             <a:schemeClr val="tx1"/>
                           </a:solidFill>
@@ -7300,7 +7243,7 @@
                         <a:t>선택하지 않음</a:t>
                       </a:r>
                       <a:r>
-                        <a:rPr lang="en-US" altLang="ko-KR" sz="1200" dirty="0" smtClean="0">
+                        <a:rPr lang="en-US" altLang="ko-KR" sz="1200" dirty="0">
                           <a:solidFill>
                             <a:schemeClr val="tx1"/>
                           </a:solidFill>
@@ -7320,7 +7263,7 @@
                     <a:p>
                       <a:pPr latinLnBrk="1"/>
                       <a:r>
-                        <a:rPr lang="en-US" altLang="ko-KR" sz="1200" dirty="0" err="1" smtClean="0">
+                        <a:rPr lang="en-US" altLang="ko-KR" sz="1200" dirty="0" err="1">
                           <a:solidFill>
                             <a:schemeClr val="tx1"/>
                           </a:solidFill>
@@ -7350,7 +7293,7 @@
                         <a:buChar char="•"/>
                       </a:pPr>
                       <a:r>
-                        <a:rPr kumimoji="0" lang="ko-KR" altLang="en-US" sz="1200" b="0" i="0" u="none" strike="noStrike" kern="1200" cap="none" spc="0" normalizeH="0" baseline="0" noProof="0" dirty="0" smtClean="0">
+                        <a:rPr kumimoji="0" lang="ko-KR" altLang="en-US" sz="1200" b="0" i="0" u="none" strike="noStrike" kern="1200" cap="none" spc="0" normalizeH="0" baseline="0" noProof="0" dirty="0">
                           <a:ln>
                             <a:noFill/>
                           </a:ln>
@@ -7367,7 +7310,7 @@
                         <a:t>선택되면 </a:t>
                       </a:r>
                       <a:r>
-                        <a:rPr kumimoji="0" lang="en-US" altLang="ko-KR" sz="1200" b="0" i="0" u="none" strike="noStrike" kern="1200" cap="none" spc="0" normalizeH="0" baseline="0" noProof="0" dirty="0" smtClean="0">
+                        <a:rPr kumimoji="0" lang="en-US" altLang="ko-KR" sz="1200" b="0" i="0" u="none" strike="noStrike" kern="1200" cap="none" spc="0" normalizeH="0" baseline="0" noProof="0" dirty="0">
                           <a:ln>
                             <a:noFill/>
                           </a:ln>
@@ -7384,7 +7327,7 @@
                         <a:t>TRUE, </a:t>
                       </a:r>
                       <a:r>
-                        <a:rPr kumimoji="0" lang="ko-KR" altLang="en-US" sz="1200" b="0" i="0" u="none" strike="noStrike" kern="1200" cap="none" spc="0" normalizeH="0" baseline="0" noProof="0" dirty="0" smtClean="0">
+                        <a:rPr kumimoji="0" lang="ko-KR" altLang="en-US" sz="1200" b="0" i="0" u="none" strike="noStrike" kern="1200" cap="none" spc="0" normalizeH="0" baseline="0" noProof="0" dirty="0">
                           <a:ln>
                             <a:noFill/>
                           </a:ln>
@@ -7401,7 +7344,7 @@
                         <a:t>아니면 </a:t>
                       </a:r>
                       <a:r>
-                        <a:rPr kumimoji="0" lang="en-US" altLang="ko-KR" sz="1200" b="0" i="0" u="none" strike="noStrike" kern="1200" cap="none" spc="0" normalizeH="0" baseline="0" noProof="0" dirty="0" smtClean="0">
+                        <a:rPr kumimoji="0" lang="en-US" altLang="ko-KR" sz="1200" b="0" i="0" u="none" strike="noStrike" kern="1200" cap="none" spc="0" normalizeH="0" baseline="0" noProof="0" dirty="0">
                           <a:ln>
                             <a:noFill/>
                           </a:ln>
@@ -7418,7 +7361,7 @@
                         <a:t>FALSE </a:t>
                       </a:r>
                       <a:r>
-                        <a:rPr kumimoji="0" lang="ko-KR" altLang="en-US" sz="1200" b="0" i="0" u="none" strike="noStrike" kern="1200" cap="none" spc="0" normalizeH="0" baseline="0" noProof="0" dirty="0" smtClean="0">
+                        <a:rPr kumimoji="0" lang="ko-KR" altLang="en-US" sz="1200" b="0" i="0" u="none" strike="noStrike" kern="1200" cap="none" spc="0" normalizeH="0" baseline="0" noProof="0" dirty="0">
                           <a:ln>
                             <a:noFill/>
                           </a:ln>
@@ -7434,7 +7377,7 @@
                         </a:rPr>
                         <a:t>입력</a:t>
                       </a:r>
-                      <a:endParaRPr kumimoji="0" lang="en-US" altLang="ko-KR" sz="1200" b="0" i="0" u="none" strike="noStrike" kern="1200" cap="none" spc="0" normalizeH="0" baseline="0" noProof="0" dirty="0" smtClean="0">
+                      <a:endParaRPr kumimoji="0" lang="en-US" altLang="ko-KR" sz="1200" b="0" i="0" u="none" strike="noStrike" kern="1200" cap="none" spc="0" normalizeH="0" baseline="0" noProof="0" dirty="0">
                         <a:ln>
                           <a:noFill/>
                         </a:ln>
@@ -7479,7 +7422,7 @@
                     <a:p>
                       <a:pPr latinLnBrk="1"/>
                       <a:r>
-                        <a:rPr lang="ko-KR" altLang="en-US" sz="1200" dirty="0" smtClean="0">
+                        <a:rPr lang="ko-KR" altLang="en-US" sz="1200" dirty="0">
                           <a:solidFill>
                             <a:schemeClr val="tx1"/>
                           </a:solidFill>
@@ -7488,13 +7431,6 @@
                         </a:rPr>
                         <a:t>설명변수 표준화</a:t>
                       </a:r>
-                      <a:endParaRPr lang="ko-KR" altLang="en-US" sz="1200" dirty="0">
-                        <a:solidFill>
-                          <a:schemeClr val="tx1"/>
-                        </a:solidFill>
-                        <a:latin typeface="+mn-lt"/>
-                        <a:ea typeface="+mn-ea"/>
-                      </a:endParaRPr>
                     </a:p>
                   </a:txBody>
                   <a:tcPr/>
@@ -7506,7 +7442,7 @@
                     <a:p>
                       <a:pPr latinLnBrk="1"/>
                       <a:r>
-                        <a:rPr lang="en-US" altLang="ko-KR" sz="1200" dirty="0" smtClean="0">
+                        <a:rPr lang="en-US" altLang="ko-KR" sz="1200" dirty="0">
                           <a:solidFill>
                             <a:schemeClr val="tx1"/>
                           </a:solidFill>
@@ -7516,7 +7452,7 @@
                         <a:t>Check</a:t>
                       </a:r>
                       <a:r>
-                        <a:rPr lang="en-US" altLang="ko-KR" sz="1200" baseline="0" dirty="0" smtClean="0">
+                        <a:rPr lang="en-US" altLang="ko-KR" sz="1200" baseline="0" dirty="0">
                           <a:solidFill>
                             <a:schemeClr val="tx1"/>
                           </a:solidFill>
@@ -7546,7 +7482,7 @@
                         <a:buChar char="•"/>
                       </a:pPr>
                       <a:r>
-                        <a:rPr lang="ko-KR" altLang="en-US" sz="1200" dirty="0" smtClean="0">
+                        <a:rPr lang="ko-KR" altLang="en-US" sz="1200" dirty="0">
                           <a:solidFill>
                             <a:schemeClr val="tx1"/>
                           </a:solidFill>
@@ -7556,7 +7492,7 @@
                         <a:t>디폴트는 </a:t>
                       </a:r>
                       <a:r>
-                        <a:rPr lang="en-US" altLang="ko-KR" sz="1200" dirty="0" smtClean="0">
+                        <a:rPr lang="en-US" altLang="ko-KR" sz="1200" dirty="0">
                           <a:solidFill>
                             <a:schemeClr val="tx1"/>
                           </a:solidFill>
@@ -7566,7 +7502,7 @@
                         <a:t>‘</a:t>
                       </a:r>
                       <a:r>
-                        <a:rPr lang="ko-KR" altLang="en-US" sz="1200" dirty="0" smtClean="0">
+                        <a:rPr lang="ko-KR" altLang="en-US" sz="1200" dirty="0">
                           <a:solidFill>
                             <a:schemeClr val="tx1"/>
                           </a:solidFill>
@@ -7576,7 +7512,7 @@
                         <a:t>선택</a:t>
                       </a:r>
                       <a:r>
-                        <a:rPr lang="en-US" altLang="ko-KR" sz="1200" dirty="0" smtClean="0">
+                        <a:rPr lang="en-US" altLang="ko-KR" sz="1200" dirty="0">
                           <a:solidFill>
                             <a:schemeClr val="tx1"/>
                           </a:solidFill>
@@ -7603,7 +7539,7 @@
                     <a:p>
                       <a:pPr latinLnBrk="1"/>
                       <a:r>
-                        <a:rPr lang="en-US" altLang="ko-KR" sz="1200" dirty="0" smtClean="0">
+                        <a:rPr lang="en-US" altLang="ko-KR" sz="1200" dirty="0">
                           <a:solidFill>
                             <a:schemeClr val="tx1"/>
                           </a:solidFill>
@@ -7646,7 +7582,7 @@
                         <a:defRPr/>
                       </a:pPr>
                       <a:r>
-                        <a:rPr kumimoji="0" lang="ko-KR" altLang="en-US" sz="1200" b="0" i="0" u="none" strike="noStrike" kern="1200" cap="none" spc="0" normalizeH="0" baseline="0" noProof="0" dirty="0" smtClean="0">
+                        <a:rPr kumimoji="0" lang="ko-KR" altLang="en-US" sz="1200" b="0" i="0" u="none" strike="noStrike" kern="1200" cap="none" spc="0" normalizeH="0" baseline="0" noProof="0" dirty="0">
                           <a:ln>
                             <a:noFill/>
                           </a:ln>
@@ -7663,7 +7599,7 @@
                         <a:t>선택되면 </a:t>
                       </a:r>
                       <a:r>
-                        <a:rPr kumimoji="0" lang="en-US" altLang="ko-KR" sz="1200" b="0" i="0" u="none" strike="noStrike" kern="1200" cap="none" spc="0" normalizeH="0" baseline="0" noProof="0" dirty="0" smtClean="0">
+                        <a:rPr kumimoji="0" lang="en-US" altLang="ko-KR" sz="1200" b="0" i="0" u="none" strike="noStrike" kern="1200" cap="none" spc="0" normalizeH="0" baseline="0" noProof="0" dirty="0">
                           <a:ln>
                             <a:noFill/>
                           </a:ln>
@@ -7680,7 +7616,7 @@
                         <a:t>TRUE, </a:t>
                       </a:r>
                       <a:r>
-                        <a:rPr kumimoji="0" lang="ko-KR" altLang="en-US" sz="1200" b="0" i="0" u="none" strike="noStrike" kern="1200" cap="none" spc="0" normalizeH="0" baseline="0" noProof="0" dirty="0" smtClean="0">
+                        <a:rPr kumimoji="0" lang="ko-KR" altLang="en-US" sz="1200" b="0" i="0" u="none" strike="noStrike" kern="1200" cap="none" spc="0" normalizeH="0" baseline="0" noProof="0" dirty="0">
                           <a:ln>
                             <a:noFill/>
                           </a:ln>
@@ -7697,7 +7633,7 @@
                         <a:t>아니면 </a:t>
                       </a:r>
                       <a:r>
-                        <a:rPr kumimoji="0" lang="en-US" altLang="ko-KR" sz="1200" b="0" i="0" u="none" strike="noStrike" kern="1200" cap="none" spc="0" normalizeH="0" baseline="0" noProof="0" dirty="0" smtClean="0">
+                        <a:rPr kumimoji="0" lang="en-US" altLang="ko-KR" sz="1200" b="0" i="0" u="none" strike="noStrike" kern="1200" cap="none" spc="0" normalizeH="0" baseline="0" noProof="0" dirty="0">
                           <a:ln>
                             <a:noFill/>
                           </a:ln>
@@ -7714,7 +7650,7 @@
                         <a:t>FALSE </a:t>
                       </a:r>
                       <a:r>
-                        <a:rPr kumimoji="0" lang="ko-KR" altLang="en-US" sz="1200" b="0" i="0" u="none" strike="noStrike" kern="1200" cap="none" spc="0" normalizeH="0" baseline="0" noProof="0" dirty="0" smtClean="0">
+                        <a:rPr kumimoji="0" lang="ko-KR" altLang="en-US" sz="1200" b="0" i="0" u="none" strike="noStrike" kern="1200" cap="none" spc="0" normalizeH="0" baseline="0" noProof="0" dirty="0">
                           <a:ln>
                             <a:noFill/>
                           </a:ln>
@@ -7730,7 +7666,7 @@
                         </a:rPr>
                         <a:t>입력</a:t>
                       </a:r>
-                      <a:endParaRPr kumimoji="0" lang="en-US" altLang="ko-KR" sz="1200" b="0" i="0" u="none" strike="noStrike" kern="1200" cap="none" spc="0" normalizeH="0" baseline="0" noProof="0" dirty="0" smtClean="0">
+                      <a:endParaRPr kumimoji="0" lang="en-US" altLang="ko-KR" sz="1200" b="0" i="0" u="none" strike="noStrike" kern="1200" cap="none" spc="0" normalizeH="0" baseline="0" noProof="0" dirty="0">
                         <a:ln>
                           <a:noFill/>
                         </a:ln>
@@ -7816,7 +7752,7 @@
               <a:tabLst/>
               <a:defRPr/>
             </a:pPr>
-            <a:endParaRPr kumimoji="0" lang="ko-KR" altLang="en-US" sz="1800" b="0" i="0" u="none" strike="noStrike" kern="0" cap="none" spc="0" normalizeH="0" baseline="0" noProof="0" dirty="0" smtClean="0">
+            <a:endParaRPr kumimoji="0" lang="ko-KR" altLang="en-US" sz="1800" b="0" i="0" u="none" strike="noStrike" kern="0" cap="none" spc="0" normalizeH="0" baseline="0" noProof="0" dirty="0">
               <a:ln>
                 <a:noFill/>
               </a:ln>
@@ -8023,7 +7959,7 @@
               <a:tabLst/>
               <a:defRPr/>
             </a:pPr>
-            <a:endParaRPr kumimoji="0" lang="ko-KR" altLang="en-US" sz="1800" b="0" i="0" u="none" strike="noStrike" kern="0" cap="none" spc="0" normalizeH="0" baseline="0" noProof="0" dirty="0" smtClean="0">
+            <a:endParaRPr kumimoji="0" lang="ko-KR" altLang="en-US" sz="1800" b="0" i="0" u="none" strike="noStrike" kern="0" cap="none" spc="0" normalizeH="0" baseline="0" noProof="0" dirty="0">
               <a:ln>
                 <a:noFill/>
               </a:ln>
@@ -8120,7 +8056,7 @@
               <a:defRPr/>
             </a:pPr>
             <a:r>
-              <a:rPr kumimoji="0" lang="ko-KR" altLang="en-US" sz="1200" b="0" i="0" u="none" strike="noStrike" kern="0" cap="none" spc="0" normalizeH="0" baseline="0" noProof="0" dirty="0" smtClean="0">
+              <a:rPr kumimoji="0" lang="ko-KR" altLang="en-US" sz="1200" b="0" i="0" u="none" strike="noStrike" kern="0" cap="none" spc="0" normalizeH="0" baseline="0" noProof="0" dirty="0">
                 <a:ln>
                   <a:noFill/>
                 </a:ln>
@@ -8182,7 +8118,7 @@
               <a:defRPr/>
             </a:pPr>
             <a:r>
-              <a:rPr kumimoji="0" lang="ko-KR" altLang="en-US" sz="1200" b="0" i="0" u="none" strike="noStrike" kern="0" cap="none" spc="0" normalizeH="0" baseline="0" noProof="0" dirty="0" smtClean="0">
+              <a:rPr kumimoji="0" lang="ko-KR" altLang="en-US" sz="1200" b="0" i="0" u="none" strike="noStrike" kern="0" cap="none" spc="0" normalizeH="0" baseline="0" noProof="0" dirty="0">
                 <a:ln>
                   <a:noFill/>
                 </a:ln>
@@ -8244,7 +8180,7 @@
               <a:defRPr/>
             </a:pPr>
             <a:r>
-              <a:rPr kumimoji="0" lang="ko-KR" altLang="en-US" sz="1200" b="0" i="0" u="none" strike="noStrike" kern="0" cap="none" spc="0" normalizeH="0" baseline="0" noProof="0" dirty="0" smtClean="0">
+              <a:rPr kumimoji="0" lang="ko-KR" altLang="en-US" sz="1200" b="0" i="0" u="none" strike="noStrike" kern="0" cap="none" spc="0" normalizeH="0" baseline="0" noProof="0" dirty="0">
                 <a:ln>
                   <a:noFill/>
                 </a:ln>
@@ -8306,7 +8242,7 @@
               <a:defRPr/>
             </a:pPr>
             <a:r>
-              <a:rPr kumimoji="0" lang="ko-KR" altLang="en-US" sz="1200" b="0" i="0" u="none" strike="noStrike" kern="0" cap="none" spc="0" normalizeH="0" baseline="0" noProof="0" dirty="0" smtClean="0">
+              <a:rPr kumimoji="0" lang="ko-KR" altLang="en-US" sz="1200" b="0" i="0" u="none" strike="noStrike" kern="0" cap="none" spc="0" normalizeH="0" baseline="0" noProof="0" dirty="0">
                 <a:ln>
                   <a:noFill/>
                 </a:ln>
@@ -8368,7 +8304,7 @@
               <a:tabLst/>
               <a:defRPr/>
             </a:pPr>
-            <a:endParaRPr kumimoji="0" lang="ko-KR" altLang="en-US" sz="1800" b="0" i="0" u="none" strike="noStrike" kern="0" cap="none" spc="0" normalizeH="0" baseline="0" noProof="0" smtClean="0">
+            <a:endParaRPr kumimoji="0" lang="ko-KR" altLang="en-US" sz="1800" b="0" i="0" u="none" strike="noStrike" kern="0" cap="none" spc="0" normalizeH="0" baseline="0" noProof="0">
               <a:ln>
                 <a:noFill/>
               </a:ln>
@@ -8474,7 +8410,7 @@
               <a:tabLst/>
               <a:defRPr/>
             </a:pPr>
-            <a:endParaRPr kumimoji="0" lang="ko-KR" altLang="en-US" sz="1800" b="0" i="0" u="none" strike="noStrike" kern="0" cap="none" spc="0" normalizeH="0" baseline="0" noProof="0" dirty="0" smtClean="0">
+            <a:endParaRPr kumimoji="0" lang="ko-KR" altLang="en-US" sz="1800" b="0" i="0" u="none" strike="noStrike" kern="0" cap="none" spc="0" normalizeH="0" baseline="0" noProof="0" dirty="0">
               <a:ln>
                 <a:noFill/>
               </a:ln>
@@ -8636,7 +8572,7 @@
               <a:tabLst/>
               <a:defRPr/>
             </a:pPr>
-            <a:endParaRPr kumimoji="0" lang="ko-KR" altLang="en-US" sz="1800" b="0" i="0" u="none" strike="noStrike" kern="0" cap="none" spc="0" normalizeH="0" baseline="0" noProof="0" dirty="0" smtClean="0">
+            <a:endParaRPr kumimoji="0" lang="ko-KR" altLang="en-US" sz="1800" b="0" i="0" u="none" strike="noStrike" kern="0" cap="none" spc="0" normalizeH="0" baseline="0" noProof="0" dirty="0">
               <a:ln>
                 <a:noFill/>
               </a:ln>
@@ -8727,7 +8663,7 @@
               <a:tabLst/>
               <a:defRPr/>
             </a:pPr>
-            <a:endParaRPr kumimoji="0" lang="ko-KR" altLang="en-US" sz="1800" b="0" i="0" u="none" strike="noStrike" kern="0" cap="none" spc="0" normalizeH="0" baseline="0" noProof="0" smtClean="0">
+            <a:endParaRPr kumimoji="0" lang="ko-KR" altLang="en-US" sz="1800" b="0" i="0" u="none" strike="noStrike" kern="0" cap="none" spc="0" normalizeH="0" baseline="0" noProof="0">
               <a:ln>
                 <a:noFill/>
               </a:ln>
@@ -8786,7 +8722,7 @@
               <a:defRPr/>
             </a:pPr>
             <a:r>
-              <a:rPr kumimoji="0" lang="ko-KR" altLang="en-US" sz="1100" b="0" i="0" u="none" strike="noStrike" kern="0" cap="none" spc="0" normalizeH="0" baseline="0" noProof="0" dirty="0" smtClean="0">
+              <a:rPr kumimoji="0" lang="ko-KR" altLang="en-US" sz="1100" b="0" i="0" u="none" strike="noStrike" kern="0" cap="none" spc="0" normalizeH="0" baseline="0" noProof="0" dirty="0">
                 <a:ln>
                   <a:noFill/>
                 </a:ln>
@@ -8848,7 +8784,7 @@
               <a:tabLst/>
               <a:defRPr/>
             </a:pPr>
-            <a:endParaRPr kumimoji="0" lang="ko-KR" altLang="en-US" sz="1800" b="0" i="0" u="none" strike="noStrike" kern="0" cap="none" spc="0" normalizeH="0" baseline="0" noProof="0" dirty="0" smtClean="0">
+            <a:endParaRPr kumimoji="0" lang="ko-KR" altLang="en-US" sz="1800" b="0" i="0" u="none" strike="noStrike" kern="0" cap="none" spc="0" normalizeH="0" baseline="0" noProof="0" dirty="0">
               <a:ln>
                 <a:noFill/>
               </a:ln>
@@ -8910,7 +8846,7 @@
               <a:defRPr/>
             </a:pPr>
             <a:r>
-              <a:rPr kumimoji="0" lang="ko-KR" altLang="en-US" sz="1200" b="0" i="0" u="none" strike="noStrike" kern="0" cap="none" spc="0" normalizeH="0" baseline="0" noProof="0" dirty="0" smtClean="0">
+              <a:rPr kumimoji="0" lang="ko-KR" altLang="en-US" sz="1200" b="0" i="0" u="none" strike="noStrike" kern="0" cap="none" spc="0" normalizeH="0" baseline="0" noProof="0" dirty="0">
                 <a:ln>
                   <a:noFill/>
                 </a:ln>
@@ -9008,7 +8944,7 @@
               <a:defRPr/>
             </a:pPr>
             <a:r>
-              <a:rPr kumimoji="0" lang="en-US" altLang="ko-KR" sz="1800" b="0" i="0" u="none" strike="noStrike" kern="0" cap="none" spc="0" normalizeH="0" baseline="0" noProof="0" dirty="0" smtClean="0">
+              <a:rPr kumimoji="0" lang="en-US" altLang="ko-KR" sz="1800" b="0" i="0" u="none" strike="noStrike" kern="0" cap="none" spc="0" normalizeH="0" baseline="0" noProof="0" dirty="0">
                 <a:ln>
                   <a:noFill/>
                 </a:ln>
@@ -9021,7 +8957,7 @@
               </a:rPr>
               <a:t>v</a:t>
             </a:r>
-            <a:endParaRPr kumimoji="0" lang="ko-KR" altLang="en-US" sz="1800" b="0" i="0" u="none" strike="noStrike" kern="0" cap="none" spc="0" normalizeH="0" baseline="0" noProof="0" dirty="0" smtClean="0">
+            <a:endParaRPr kumimoji="0" lang="ko-KR" altLang="en-US" sz="1800" b="0" i="0" u="none" strike="noStrike" kern="0" cap="none" spc="0" normalizeH="0" baseline="0" noProof="0" dirty="0">
               <a:ln>
                 <a:noFill/>
               </a:ln>
@@ -9112,7 +9048,7 @@
               <a:tabLst/>
               <a:defRPr/>
             </a:pPr>
-            <a:endParaRPr kumimoji="0" lang="ko-KR" altLang="en-US" sz="1800" b="0" i="0" u="none" strike="noStrike" kern="0" cap="none" spc="0" normalizeH="0" baseline="0" noProof="0" dirty="0" smtClean="0">
+            <a:endParaRPr kumimoji="0" lang="ko-KR" altLang="en-US" sz="1800" b="0" i="0" u="none" strike="noStrike" kern="0" cap="none" spc="0" normalizeH="0" baseline="0" noProof="0" dirty="0">
               <a:ln>
                 <a:noFill/>
               </a:ln>
@@ -9198,7 +9134,7 @@
               <a:defRPr/>
             </a:pPr>
             <a:r>
-              <a:rPr kumimoji="0" lang="ko-KR" altLang="en-US" sz="900" b="0" i="0" u="none" strike="noStrike" kern="0" cap="none" spc="0" normalizeH="0" baseline="0" noProof="0" dirty="0" err="1" smtClean="0">
+              <a:rPr kumimoji="0" lang="ko-KR" altLang="en-US" sz="900" b="0" i="0" u="none" strike="noStrike" kern="0" cap="none" spc="0" normalizeH="0" baseline="0" noProof="0" dirty="0" err="1">
                 <a:ln>
                   <a:noFill/>
                 </a:ln>
@@ -9209,7 +9145,7 @@
               </a:rPr>
               <a:t>질적변수</a:t>
             </a:r>
-            <a:endParaRPr kumimoji="0" lang="ko-KR" altLang="en-US" sz="900" b="0" i="0" u="none" strike="noStrike" kern="0" cap="none" spc="0" normalizeH="0" baseline="0" noProof="0" dirty="0" smtClean="0">
+            <a:endParaRPr kumimoji="0" lang="ko-KR" altLang="en-US" sz="900" b="0" i="0" u="none" strike="noStrike" kern="0" cap="none" spc="0" normalizeH="0" baseline="0" noProof="0" dirty="0">
               <a:ln>
                 <a:noFill/>
               </a:ln>
@@ -9351,13 +9287,6 @@
   <p:clrMapOvr>
     <a:masterClrMapping/>
   </p:clrMapOvr>
-  <p:timing>
-    <p:tnLst>
-      <p:par>
-        <p:cTn id="1" dur="indefinite" restart="never" nodeType="tmRoot"/>
-      </p:par>
-    </p:tnLst>
-  </p:timing>
 </p:sld>
 </file>
 
@@ -9582,7 +9511,7 @@
               <a:defRPr/>
             </a:pPr>
             <a:r>
-              <a:rPr kumimoji="0" lang="ko-KR" altLang="en-US" sz="1800" b="0" i="0" u="none" strike="noStrike" kern="1200" cap="none" spc="0" normalizeH="0" baseline="0" noProof="0" dirty="0" smtClean="0">
+              <a:rPr kumimoji="0" lang="ko-KR" altLang="en-US" sz="1800" b="0" i="0" u="none" strike="noStrike" kern="1200" cap="none" spc="0" normalizeH="0" baseline="0" noProof="0" dirty="0">
                 <a:ln>
                   <a:noFill/>
                 </a:ln>
@@ -9598,7 +9527,7 @@
               </a:rPr>
               <a:t>변수설정</a:t>
             </a:r>
-            <a:endParaRPr kumimoji="0" lang="en-US" altLang="ko-KR" sz="1012" b="0" i="0" u="none" strike="noStrike" kern="1200" cap="none" spc="0" normalizeH="0" baseline="0" noProof="0" dirty="0" smtClean="0">
+            <a:endParaRPr kumimoji="0" lang="en-US" altLang="ko-KR" sz="1012" b="0" i="0" u="none" strike="noStrike" kern="1200" cap="none" spc="0" normalizeH="0" baseline="0" noProof="0" dirty="0">
               <a:ln>
                 <a:noFill/>
               </a:ln>
@@ -9632,7 +9561,7 @@
               <a:defRPr/>
             </a:pPr>
             <a:r>
-              <a:rPr kumimoji="0" lang="en-US" altLang="ko-KR" sz="1410" b="0" i="0" u="none" strike="noStrike" kern="1200" cap="none" spc="0" normalizeH="0" baseline="0" noProof="0" dirty="0" smtClean="0">
+              <a:rPr kumimoji="0" lang="en-US" altLang="ko-KR" sz="1410" b="0" i="0" u="none" strike="noStrike" kern="1200" cap="none" spc="0" normalizeH="0" baseline="0" noProof="0" dirty="0">
                 <a:ln>
                   <a:noFill/>
                 </a:ln>
@@ -9660,7 +9589,7 @@
           <p:nvPr>
             <p:extLst>
               <p:ext uri="{D42A27DB-BD31-4B8C-83A1-F6EECF244321}">
-                <p14:modId xmlns:p14="http://schemas.microsoft.com/office/powerpoint/2010/main" val="1522427672"/>
+                <p14:modId xmlns:p14="http://schemas.microsoft.com/office/powerpoint/2010/main" val="166334915"/>
               </p:ext>
             </p:extLst>
           </p:nvPr>
@@ -9720,7 +9649,7 @@
                     <a:p>
                       <a:pPr algn="ctr" latinLnBrk="1"/>
                       <a:r>
-                        <a:rPr lang="en-US" altLang="ko-KR" sz="1200" b="1" dirty="0" smtClean="0">
+                        <a:rPr lang="en-US" altLang="ko-KR" sz="1200" b="1" dirty="0">
                           <a:solidFill>
                             <a:schemeClr val="tx1"/>
                           </a:solidFill>
@@ -9858,7 +9787,7 @@
                     <a:p>
                       <a:pPr algn="ctr" latinLnBrk="1"/>
                       <a:r>
-                        <a:rPr lang="en-US" altLang="ko-KR" sz="1200" b="1" dirty="0" smtClean="0">
+                        <a:rPr lang="en-US" altLang="ko-KR" sz="1200" b="1" dirty="0">
                           <a:solidFill>
                             <a:schemeClr val="tx1"/>
                           </a:solidFill>
@@ -10014,7 +9943,7 @@
                     <a:p>
                       <a:pPr algn="ctr" latinLnBrk="1"/>
                       <a:r>
-                        <a:rPr lang="ko-KR" altLang="en-US" sz="1200" b="1" dirty="0" smtClean="0">
+                        <a:rPr lang="ko-KR" altLang="en-US" sz="1200" b="1" dirty="0">
                           <a:solidFill>
                             <a:schemeClr val="tx1"/>
                           </a:solidFill>
@@ -10113,7 +10042,7 @@
                     <a:p>
                       <a:pPr algn="ctr" latinLnBrk="1"/>
                       <a:r>
-                        <a:rPr lang="en-US" altLang="ko-KR" sz="1200" b="1" dirty="0" smtClean="0">
+                        <a:rPr lang="en-US" altLang="ko-KR" sz="1200" b="1" dirty="0">
                           <a:solidFill>
                             <a:schemeClr val="tx1"/>
                           </a:solidFill>
@@ -10139,7 +10068,7 @@
                     <a:p>
                       <a:pPr algn="ctr" latinLnBrk="1"/>
                       <a:r>
-                        <a:rPr lang="en-US" altLang="ko-KR" sz="1200" b="1" dirty="0" smtClean="0">
+                        <a:rPr lang="en-US" altLang="ko-KR" sz="1200" b="1" dirty="0">
                           <a:solidFill>
                             <a:schemeClr val="tx1"/>
                           </a:solidFill>
@@ -10238,7 +10167,7 @@
                     <a:p>
                       <a:pPr algn="ctr" latinLnBrk="1"/>
                       <a:r>
-                        <a:rPr lang="ko-KR" altLang="en-US" sz="1200" b="1" dirty="0" smtClean="0">
+                        <a:rPr lang="ko-KR" altLang="en-US" sz="1200" b="1" dirty="0">
                           <a:solidFill>
                             <a:schemeClr val="tx1"/>
                           </a:solidFill>
@@ -10337,7 +10266,7 @@
                     <a:p>
                       <a:pPr algn="ctr" latinLnBrk="1"/>
                       <a:r>
-                        <a:rPr lang="en-US" altLang="ko-KR" sz="1200" b="1" dirty="0" smtClean="0">
+                        <a:rPr lang="en-US" altLang="ko-KR" sz="1200" b="1" dirty="0">
                           <a:solidFill>
                             <a:schemeClr val="tx1"/>
                           </a:solidFill>
@@ -10443,7 +10372,7 @@
                     <a:p>
                       <a:pPr latinLnBrk="1"/>
                       <a:r>
-                        <a:rPr lang="ko-KR" altLang="en-US" sz="1200" dirty="0" smtClean="0">
+                        <a:rPr lang="ko-KR" altLang="en-US" sz="1200" dirty="0">
                           <a:solidFill>
                             <a:schemeClr val="tx1"/>
                           </a:solidFill>
@@ -10452,13 +10381,6 @@
                         </a:rPr>
                         <a:t>벌점방법</a:t>
                       </a:r>
-                      <a:endParaRPr lang="ko-KR" altLang="en-US" sz="1200" dirty="0">
-                        <a:solidFill>
-                          <a:schemeClr val="tx1"/>
-                        </a:solidFill>
-                        <a:latin typeface="+mn-lt"/>
-                        <a:ea typeface="+mn-ea"/>
-                      </a:endParaRPr>
                     </a:p>
                   </a:txBody>
                   <a:tcPr/>
@@ -10543,7 +10465,7 @@
                     <a:p>
                       <a:pPr latinLnBrk="1"/>
                       <a:r>
-                        <a:rPr lang="en-US" altLang="ko-KR" sz="1200" dirty="0" smtClean="0">
+                        <a:rPr lang="en-US" altLang="ko-KR" sz="1200" dirty="0">
                           <a:solidFill>
                             <a:schemeClr val="tx1"/>
                           </a:solidFill>
@@ -10553,7 +10475,7 @@
                         <a:t>radio</a:t>
                       </a:r>
                       <a:r>
-                        <a:rPr lang="en-US" altLang="ko-KR" sz="1200" baseline="0" dirty="0" smtClean="0">
+                        <a:rPr lang="en-US" altLang="ko-KR" sz="1200" baseline="0" dirty="0">
                           <a:solidFill>
                             <a:schemeClr val="tx1"/>
                           </a:solidFill>
@@ -10583,15 +10505,15 @@
                         <a:buChar char="•"/>
                       </a:pPr>
                       <a:r>
-                        <a:rPr lang="en-US" altLang="ko-KR" sz="1200" dirty="0" smtClean="0"/>
+                        <a:rPr lang="en-US" altLang="ko-KR" sz="1200" dirty="0"/>
                         <a:t>Ridge, Lasso, Elastic net </a:t>
                       </a:r>
                       <a:r>
-                        <a:rPr lang="ko-KR" altLang="en-US" sz="1200" dirty="0" smtClean="0"/>
+                        <a:rPr lang="ko-KR" altLang="en-US" sz="1200" dirty="0"/>
                         <a:t>중 하나를 선택할 수 있음</a:t>
                       </a:r>
                       <a:r>
-                        <a:rPr lang="en-US" altLang="ko-KR" sz="1200" dirty="0" smtClean="0"/>
+                        <a:rPr lang="en-US" altLang="ko-KR" sz="1200" dirty="0"/>
                         <a:t>. </a:t>
                       </a:r>
                     </a:p>
@@ -10601,7 +10523,7 @@
                         <a:buChar char="•"/>
                       </a:pPr>
                       <a:r>
-                        <a:rPr lang="ko-KR" altLang="en-US" sz="1200" dirty="0" smtClean="0">
+                        <a:rPr lang="ko-KR" altLang="en-US" sz="1200" dirty="0">
                           <a:solidFill>
                             <a:schemeClr val="tx1"/>
                           </a:solidFill>
@@ -10611,7 +10533,7 @@
                         <a:t>디폴트는 </a:t>
                       </a:r>
                       <a:r>
-                        <a:rPr lang="en-US" altLang="ko-KR" sz="1200" dirty="0" smtClean="0">
+                        <a:rPr lang="en-US" altLang="ko-KR" sz="1200" dirty="0">
                           <a:solidFill>
                             <a:schemeClr val="tx1"/>
                           </a:solidFill>
@@ -10711,7 +10633,7 @@
                     <a:p>
                       <a:pPr latinLnBrk="1"/>
                       <a:r>
-                        <a:rPr lang="en-US" altLang="ko-KR" sz="1200" dirty="0" smtClean="0">
+                        <a:rPr lang="en-US" altLang="ko-KR" sz="1200" dirty="0">
                           <a:solidFill>
                             <a:schemeClr val="tx1"/>
                           </a:solidFill>
@@ -10741,7 +10663,7 @@
                         <a:buChar char="•"/>
                       </a:pPr>
                       <a:r>
-                        <a:rPr lang="ko-KR" altLang="en-US" sz="1200" dirty="0" smtClean="0">
+                        <a:rPr lang="ko-KR" altLang="en-US" sz="1200" dirty="0">
                           <a:solidFill>
                             <a:schemeClr val="tx1"/>
                           </a:solidFill>
@@ -10751,11 +10673,11 @@
                         <a:t>순서대로 </a:t>
                       </a:r>
                       <a:r>
-                        <a:rPr lang="en-US" altLang="ko-KR" sz="1200" dirty="0" smtClean="0"/>
+                        <a:rPr lang="en-US" altLang="ko-KR" sz="1200" dirty="0"/>
                         <a:t>‘Ridge‘, ‘Lasso’, ‘EN’</a:t>
                       </a:r>
                       <a:r>
-                        <a:rPr lang="ko-KR" altLang="en-US" sz="1200" dirty="0" smtClean="0"/>
+                        <a:rPr lang="ko-KR" altLang="en-US" sz="1200" dirty="0"/>
                         <a:t>으로 입력</a:t>
                       </a:r>
                       <a:endParaRPr lang="ko-KR" altLang="en-US" sz="1200" dirty="0">
@@ -10856,7 +10778,7 @@
                     <a:p>
                       <a:pPr latinLnBrk="1"/>
                       <a:r>
-                        <a:rPr lang="ko-KR" altLang="en-US" sz="1200" dirty="0" smtClean="0">
+                        <a:rPr lang="ko-KR" altLang="en-US" sz="1200" dirty="0">
                           <a:solidFill>
                             <a:schemeClr val="tx1"/>
                           </a:solidFill>
@@ -10866,7 +10788,7 @@
                         <a:t>벌점방법 </a:t>
                       </a:r>
                       <a:r>
-                        <a:rPr lang="en-US" altLang="ko-KR" sz="1200" dirty="0" smtClean="0">
+                        <a:rPr lang="en-US" altLang="ko-KR" sz="1200" dirty="0">
                           <a:solidFill>
                             <a:schemeClr val="tx1"/>
                           </a:solidFill>
@@ -10876,7 +10798,7 @@
                         <a:t>&gt; </a:t>
                       </a:r>
                       <a:r>
-                        <a:rPr lang="en-US" altLang="ko-KR" sz="1200" baseline="0" dirty="0" smtClean="0">
+                        <a:rPr lang="en-US" altLang="ko-KR" sz="1200" baseline="0" dirty="0">
                           <a:solidFill>
                             <a:schemeClr val="tx1"/>
                           </a:solidFill>
@@ -10886,7 +10808,7 @@
                         <a:t>Elastic net &gt; </a:t>
                       </a:r>
                       <a:r>
-                        <a:rPr lang="en-US" altLang="ko-KR" sz="1200" dirty="0" smtClean="0">
+                        <a:rPr lang="en-US" altLang="ko-KR" sz="1200" dirty="0">
                           <a:solidFill>
                             <a:schemeClr val="tx1"/>
                           </a:solidFill>
@@ -10896,7 +10818,7 @@
                         <a:t>Elastic net </a:t>
                       </a:r>
                       <a:r>
-                        <a:rPr lang="ko-KR" altLang="en-US" sz="1200" dirty="0" smtClean="0">
+                        <a:rPr lang="ko-KR" altLang="en-US" sz="1200" dirty="0">
                           <a:solidFill>
                             <a:schemeClr val="tx1"/>
                           </a:solidFill>
@@ -10905,13 +10827,6 @@
                         </a:rPr>
                         <a:t>벌점</a:t>
                       </a:r>
-                      <a:endParaRPr lang="ko-KR" altLang="en-US" sz="1200" dirty="0">
-                        <a:solidFill>
-                          <a:schemeClr val="tx1"/>
-                        </a:solidFill>
-                        <a:latin typeface="+mn-lt"/>
-                        <a:ea typeface="+mn-ea"/>
-                      </a:endParaRPr>
                     </a:p>
                   </a:txBody>
                   <a:tcPr/>
@@ -11029,15 +10944,15 @@
                         <a:defRPr/>
                       </a:pPr>
                       <a:r>
-                        <a:rPr lang="en-US" altLang="ko-KR" sz="1200" dirty="0" smtClean="0"/>
+                        <a:rPr lang="en-US" altLang="ko-KR" sz="1200" dirty="0"/>
                         <a:t>Elastic net</a:t>
                       </a:r>
                       <a:r>
-                        <a:rPr lang="ko-KR" altLang="en-US" sz="1200" dirty="0" smtClean="0"/>
+                        <a:rPr lang="ko-KR" altLang="en-US" sz="1200" dirty="0"/>
                         <a:t>이 선택되면 활성화</a:t>
                       </a:r>
                       <a:r>
-                        <a:rPr lang="en-US" altLang="ko-KR" sz="1200" dirty="0" smtClean="0"/>
+                        <a:rPr lang="en-US" altLang="ko-KR" sz="1200" dirty="0"/>
                         <a:t>. </a:t>
                       </a:r>
                     </a:p>
@@ -11060,7 +10975,7 @@
                         <a:defRPr/>
                       </a:pPr>
                       <a:r>
-                        <a:rPr lang="en-US" altLang="ko-KR" sz="1200" baseline="0" dirty="0" smtClean="0">
+                        <a:rPr lang="en-US" altLang="ko-KR" sz="1200" baseline="0" dirty="0">
                           <a:solidFill>
                             <a:schemeClr val="tx1"/>
                           </a:solidFill>
@@ -11070,7 +10985,7 @@
                         <a:t>0</a:t>
                       </a:r>
                       <a:r>
-                        <a:rPr lang="ko-KR" altLang="en-US" sz="1200" baseline="0" dirty="0" smtClean="0">
+                        <a:rPr lang="ko-KR" altLang="en-US" sz="1200" baseline="0" dirty="0">
                           <a:solidFill>
                             <a:schemeClr val="tx1"/>
                           </a:solidFill>
@@ -11080,7 +10995,7 @@
                         <a:t>과 </a:t>
                       </a:r>
                       <a:r>
-                        <a:rPr lang="en-US" altLang="ko-KR" sz="1200" baseline="0" dirty="0" smtClean="0">
+                        <a:rPr lang="en-US" altLang="ko-KR" sz="1200" baseline="0" dirty="0">
                           <a:solidFill>
                             <a:schemeClr val="tx1"/>
                           </a:solidFill>
@@ -11090,7 +11005,7 @@
                         <a:t>1</a:t>
                       </a:r>
                       <a:r>
-                        <a:rPr lang="ko-KR" altLang="en-US" sz="1200" baseline="0" dirty="0" smtClean="0">
+                        <a:rPr lang="ko-KR" altLang="en-US" sz="1200" baseline="0" dirty="0">
                           <a:solidFill>
                             <a:schemeClr val="tx1"/>
                           </a:solidFill>
@@ -11100,7 +11015,7 @@
                         <a:t>사이의 값을 입력받을 수 있음</a:t>
                       </a:r>
                       <a:r>
-                        <a:rPr lang="en-US" altLang="ko-KR" sz="1200" baseline="0" dirty="0" smtClean="0">
+                        <a:rPr lang="en-US" altLang="ko-KR" sz="1200" baseline="0" dirty="0">
                           <a:solidFill>
                             <a:schemeClr val="tx1"/>
                           </a:solidFill>
@@ -11110,7 +11025,7 @@
                         <a:t>. (0, 1 </a:t>
                       </a:r>
                       <a:r>
-                        <a:rPr lang="ko-KR" altLang="en-US" sz="1200" baseline="0" dirty="0" smtClean="0">
+                        <a:rPr lang="ko-KR" altLang="en-US" sz="1200" baseline="0" dirty="0">
                           <a:solidFill>
                             <a:schemeClr val="tx1"/>
                           </a:solidFill>
@@ -11120,7 +11035,7 @@
                         <a:t>포함하지 않음</a:t>
                       </a:r>
                       <a:r>
-                        <a:rPr lang="en-US" altLang="ko-KR" sz="1200" baseline="0" dirty="0" smtClean="0">
+                        <a:rPr lang="en-US" altLang="ko-KR" sz="1200" baseline="0" dirty="0">
                           <a:solidFill>
                             <a:schemeClr val="tx1"/>
                           </a:solidFill>
@@ -11149,7 +11064,7 @@
                         <a:defRPr/>
                       </a:pPr>
                       <a:r>
-                        <a:rPr lang="ko-KR" altLang="en-US" sz="1200" baseline="0" dirty="0" smtClean="0">
+                        <a:rPr lang="ko-KR" altLang="en-US" sz="1200" baseline="0" dirty="0">
                           <a:solidFill>
                             <a:schemeClr val="tx1"/>
                           </a:solidFill>
@@ -11159,7 +11074,7 @@
                         <a:t>디폴트 </a:t>
                       </a:r>
                       <a:r>
-                        <a:rPr lang="en-US" altLang="ko-KR" sz="1200" baseline="0" dirty="0" smtClean="0">
+                        <a:rPr lang="en-US" altLang="ko-KR" sz="1200" baseline="0" dirty="0">
                           <a:solidFill>
                             <a:schemeClr val="tx1"/>
                           </a:solidFill>
@@ -11252,7 +11167,7 @@
                     <a:p>
                       <a:pPr latinLnBrk="1"/>
                       <a:r>
-                        <a:rPr lang="en-US" altLang="ko-KR" sz="1200" dirty="0" smtClean="0">
+                        <a:rPr lang="en-US" altLang="ko-KR" sz="1200" dirty="0">
                           <a:solidFill>
                             <a:schemeClr val="tx1"/>
                           </a:solidFill>
@@ -11282,7 +11197,7 @@
                         <a:buChar char="•"/>
                       </a:pPr>
                       <a:r>
-                        <a:rPr lang="ko-KR" altLang="en-US" sz="1200" baseline="0" dirty="0" smtClean="0">
+                        <a:rPr lang="ko-KR" altLang="en-US" sz="1200" baseline="0" dirty="0">
                           <a:solidFill>
                             <a:schemeClr val="tx1"/>
                           </a:solidFill>
@@ -11291,7 +11206,7 @@
                         </a:rPr>
                         <a:t>입력받은 숫자를 입력</a:t>
                       </a:r>
-                      <a:endParaRPr lang="en-US" altLang="ko-KR" sz="1200" baseline="0" dirty="0" smtClean="0">
+                      <a:endParaRPr lang="en-US" altLang="ko-KR" sz="1200" baseline="0" dirty="0">
                         <a:solidFill>
                           <a:schemeClr val="tx1"/>
                         </a:solidFill>
@@ -11389,7 +11304,7 @@
                     <a:p>
                       <a:pPr latinLnBrk="1"/>
                       <a:r>
-                        <a:rPr lang="ko-KR" altLang="en-US" sz="1200" dirty="0" smtClean="0">
+                        <a:rPr lang="ko-KR" altLang="en-US" sz="1200" dirty="0">
                           <a:solidFill>
                             <a:schemeClr val="tx1"/>
                           </a:solidFill>
@@ -11399,7 +11314,7 @@
                         <a:t>조율모수 </a:t>
                       </a:r>
                       <a:r>
-                        <a:rPr lang="en-US" altLang="ko-KR" sz="1200" dirty="0" smtClean="0">
+                        <a:rPr lang="en-US" altLang="ko-KR" sz="1200" dirty="0">
                           <a:solidFill>
                             <a:schemeClr val="tx1"/>
                           </a:solidFill>
@@ -11409,7 +11324,7 @@
                         <a:t>&gt; </a:t>
                       </a:r>
                       <a:r>
-                        <a:rPr lang="ko-KR" altLang="en-US" sz="1200" kern="1200" baseline="0" dirty="0" smtClean="0">
+                        <a:rPr lang="ko-KR" altLang="en-US" sz="1200" kern="1200" baseline="0" dirty="0">
                           <a:solidFill>
                             <a:schemeClr val="tx1"/>
                           </a:solidFill>
@@ -11510,7 +11425,7 @@
                     <a:p>
                       <a:pPr latinLnBrk="1"/>
                       <a:r>
-                        <a:rPr lang="en-US" altLang="ko-KR" sz="1200" dirty="0" smtClean="0">
+                        <a:rPr lang="en-US" altLang="ko-KR" sz="1200" dirty="0">
                           <a:solidFill>
                             <a:schemeClr val="tx1"/>
                           </a:solidFill>
@@ -11540,19 +11455,19 @@
                         <a:buChar char="•"/>
                       </a:pPr>
                       <a:r>
-                        <a:rPr lang="ko-KR" altLang="en-US" sz="1200" dirty="0" smtClean="0"/>
+                        <a:rPr lang="ko-KR" altLang="en-US" sz="1200" dirty="0"/>
                         <a:t>격자 탐색</a:t>
                       </a:r>
                       <a:r>
-                        <a:rPr lang="en-US" altLang="ko-KR" sz="1200" dirty="0" smtClean="0"/>
+                        <a:rPr lang="en-US" altLang="ko-KR" sz="1200" dirty="0"/>
                         <a:t>, </a:t>
                       </a:r>
                       <a:r>
-                        <a:rPr lang="ko-KR" altLang="en-US" sz="1200" dirty="0" smtClean="0"/>
+                        <a:rPr lang="ko-KR" altLang="en-US" sz="1200" dirty="0"/>
                         <a:t>사용자 정의 중 하나를 선택할 수 있음</a:t>
                       </a:r>
                       <a:r>
-                        <a:rPr lang="en-US" altLang="ko-KR" sz="1200" dirty="0" smtClean="0"/>
+                        <a:rPr lang="en-US" altLang="ko-KR" sz="1200" dirty="0"/>
                         <a:t>. </a:t>
                       </a:r>
                     </a:p>
@@ -11562,7 +11477,7 @@
                         <a:buChar char="•"/>
                       </a:pPr>
                       <a:r>
-                        <a:rPr lang="ko-KR" altLang="en-US" sz="1200" baseline="0" dirty="0" smtClean="0">
+                        <a:rPr lang="ko-KR" altLang="en-US" sz="1200" baseline="0" dirty="0">
                           <a:solidFill>
                             <a:schemeClr val="tx1"/>
                           </a:solidFill>
@@ -11571,7 +11486,7 @@
                         </a:rPr>
                         <a:t>디폴트는 격자 탐색</a:t>
                       </a:r>
-                      <a:endParaRPr lang="en-US" altLang="ko-KR" sz="1200" baseline="0" dirty="0" smtClean="0">
+                      <a:endParaRPr lang="en-US" altLang="ko-KR" sz="1200" baseline="0" dirty="0">
                         <a:solidFill>
                           <a:schemeClr val="tx1"/>
                         </a:solidFill>
@@ -11662,7 +11577,7 @@
                     <a:p>
                       <a:pPr latinLnBrk="1"/>
                       <a:r>
-                        <a:rPr lang="en-US" altLang="ko-KR" sz="1200" dirty="0" err="1" smtClean="0">
+                        <a:rPr lang="en-US" altLang="ko-KR" sz="1200" dirty="0" err="1">
                           <a:solidFill>
                             <a:schemeClr val="tx1"/>
                           </a:solidFill>
@@ -11705,7 +11620,7 @@
                         <a:defRPr/>
                       </a:pPr>
                       <a:r>
-                        <a:rPr lang="ko-KR" altLang="en-US" sz="1200" dirty="0" smtClean="0">
+                        <a:rPr lang="ko-KR" altLang="en-US" sz="1200" dirty="0">
                           <a:solidFill>
                             <a:schemeClr val="tx1"/>
                           </a:solidFill>
@@ -11715,14 +11630,14 @@
                         <a:t>순서대로 </a:t>
                       </a:r>
                       <a:r>
-                        <a:rPr lang="en-US" altLang="ko-KR" sz="1200" dirty="0" smtClean="0"/>
+                        <a:rPr lang="en-US" altLang="ko-KR" sz="1200" dirty="0"/>
                         <a:t>‘Grid’, ‘Custom’</a:t>
                       </a:r>
                       <a:r>
-                        <a:rPr lang="ko-KR" altLang="en-US" sz="1200" dirty="0" smtClean="0"/>
+                        <a:rPr lang="ko-KR" altLang="en-US" sz="1200" dirty="0"/>
                         <a:t>으로 입력</a:t>
                       </a:r>
-                      <a:endParaRPr lang="en-US" altLang="ko-KR" sz="1200" dirty="0" smtClean="0"/>
+                      <a:endParaRPr lang="en-US" altLang="ko-KR" sz="1200" dirty="0"/>
                     </a:p>
                     <a:p>
                       <a:pPr marL="0" indent="0" latinLnBrk="1">
@@ -11754,7 +11669,7 @@
                     <a:p>
                       <a:pPr latinLnBrk="1"/>
                       <a:r>
-                        <a:rPr lang="ko-KR" altLang="en-US" sz="1200" baseline="0" dirty="0" smtClean="0">
+                        <a:rPr lang="ko-KR" altLang="en-US" sz="1200" baseline="0" dirty="0">
                           <a:solidFill>
                             <a:schemeClr val="tx1"/>
                           </a:solidFill>
@@ -11764,7 +11679,7 @@
                         <a:t>탐색방법 </a:t>
                       </a:r>
                       <a:r>
-                        <a:rPr lang="en-US" altLang="ko-KR" sz="1200" baseline="0" dirty="0" smtClean="0">
+                        <a:rPr lang="en-US" altLang="ko-KR" sz="1200" baseline="0" dirty="0">
                           <a:solidFill>
                             <a:schemeClr val="tx1"/>
                           </a:solidFill>
@@ -11774,7 +11689,7 @@
                         <a:t>&gt; </a:t>
                       </a:r>
                       <a:r>
-                        <a:rPr lang="ko-KR" altLang="en-US" sz="1200" baseline="0" dirty="0" smtClean="0">
+                        <a:rPr lang="ko-KR" altLang="en-US" sz="1200" baseline="0" dirty="0">
                           <a:solidFill>
                             <a:schemeClr val="tx1"/>
                           </a:solidFill>
@@ -11784,7 +11699,7 @@
                         <a:t>격자탐색 </a:t>
                       </a:r>
                       <a:r>
-                        <a:rPr lang="en-US" altLang="ko-KR" sz="1200" baseline="0" dirty="0" smtClean="0">
+                        <a:rPr lang="en-US" altLang="ko-KR" sz="1200" baseline="0" dirty="0">
                           <a:solidFill>
                             <a:schemeClr val="tx1"/>
                           </a:solidFill>
@@ -11794,7 +11709,7 @@
                         <a:t>&gt; </a:t>
                       </a:r>
                       <a:r>
-                        <a:rPr lang="ko-KR" altLang="en-US" sz="1200" baseline="0" dirty="0" smtClean="0">
+                        <a:rPr lang="ko-KR" altLang="en-US" sz="1200" baseline="0" dirty="0">
                           <a:solidFill>
                             <a:schemeClr val="tx1"/>
                           </a:solidFill>
@@ -11803,7 +11718,7 @@
                         </a:rPr>
                         <a:t>개수</a:t>
                       </a:r>
-                      <a:endParaRPr lang="en-US" altLang="ko-KR" sz="1200" baseline="0" dirty="0" smtClean="0">
+                      <a:endParaRPr lang="en-US" altLang="ko-KR" sz="1200" baseline="0" dirty="0">
                         <a:solidFill>
                           <a:schemeClr val="tx1"/>
                         </a:solidFill>
@@ -11836,109 +11751,6 @@
                         <a:tabLst/>
                         <a:defRPr/>
                       </a:pPr>
-                      <a:endParaRPr lang="ko-KR" altLang="en-US" sz="1200" dirty="0" smtClean="0">
-                        <a:solidFill>
-                          <a:schemeClr val="tx1"/>
-                        </a:solidFill>
-                        <a:latin typeface="+mn-lt"/>
-                        <a:ea typeface="+mn-ea"/>
-                      </a:endParaRPr>
-                    </a:p>
-                  </a:txBody>
-                  <a:tcPr/>
-                </a:tc>
-                <a:tc>
-                  <a:txBody>
-                    <a:bodyPr/>
-                    <a:lstStyle/>
-                    <a:p>
-                      <a:pPr marL="171450" indent="-171450" latinLnBrk="1">
-                        <a:buFont typeface="Arial" panose="020B0604020202020204" pitchFamily="34" charset="0"/>
-                        <a:buChar char="•"/>
-                      </a:pPr>
-                      <a:r>
-                        <a:rPr lang="ko-KR" altLang="en-US" sz="1200" dirty="0" smtClean="0"/>
-                        <a:t>격자탐색이 선택되면 개수 활성화</a:t>
-                      </a:r>
-                      <a:r>
-                        <a:rPr lang="en-US" altLang="ko-KR" sz="1200" dirty="0" smtClean="0"/>
-                        <a:t>.</a:t>
-                      </a:r>
-                    </a:p>
-                    <a:p>
-                      <a:pPr marL="171450" indent="-171450" latinLnBrk="1">
-                        <a:buFont typeface="Arial" panose="020B0604020202020204" pitchFamily="34" charset="0"/>
-                        <a:buChar char="•"/>
-                      </a:pPr>
-                      <a:r>
-                        <a:rPr lang="ko-KR" altLang="en-US" sz="1200" dirty="0" smtClean="0"/>
-                        <a:t>개수는 </a:t>
-                      </a:r>
-                      <a:r>
-                        <a:rPr lang="en-US" altLang="ko-KR" sz="1200" dirty="0" smtClean="0"/>
-                        <a:t>2</a:t>
-                      </a:r>
-                      <a:r>
-                        <a:rPr lang="ko-KR" altLang="en-US" sz="1200" dirty="0" smtClean="0"/>
-                        <a:t>이상의 양의 정수만 가능</a:t>
-                      </a:r>
-                      <a:r>
-                        <a:rPr lang="en-US" altLang="ko-KR" sz="1200" dirty="0" smtClean="0"/>
-                        <a:t>. </a:t>
-                      </a:r>
-                    </a:p>
-                    <a:p>
-                      <a:pPr marL="171450" indent="-171450" latinLnBrk="1">
-                        <a:buFont typeface="Arial" panose="020B0604020202020204" pitchFamily="34" charset="0"/>
-                        <a:buChar char="•"/>
-                      </a:pPr>
-                      <a:r>
-                        <a:rPr lang="ko-KR" altLang="en-US" sz="1200" dirty="0" smtClean="0">
-                          <a:solidFill>
-                            <a:schemeClr val="tx1"/>
-                          </a:solidFill>
-                          <a:latin typeface="+mn-lt"/>
-                          <a:ea typeface="+mn-ea"/>
-                        </a:rPr>
-                        <a:t>디폴트는 </a:t>
-                      </a:r>
-                      <a:r>
-                        <a:rPr lang="en-US" altLang="ko-KR" sz="1200" dirty="0" smtClean="0">
-                          <a:solidFill>
-                            <a:schemeClr val="tx1"/>
-                          </a:solidFill>
-                          <a:latin typeface="+mn-lt"/>
-                          <a:ea typeface="+mn-ea"/>
-                        </a:rPr>
-                        <a:t>100</a:t>
-                      </a:r>
-                      <a:endParaRPr lang="ko-KR" altLang="en-US" sz="1200" dirty="0">
-                        <a:solidFill>
-                          <a:schemeClr val="tx1"/>
-                        </a:solidFill>
-                        <a:latin typeface="+mn-lt"/>
-                        <a:ea typeface="+mn-ea"/>
-                      </a:endParaRPr>
-                    </a:p>
-                  </a:txBody>
-                  <a:tcPr/>
-                </a:tc>
-                <a:tc>
-                  <a:txBody>
-                    <a:bodyPr/>
-                    <a:lstStyle/>
-                    <a:p>
-                      <a:pPr latinLnBrk="1"/>
-                      <a:r>
-                        <a:rPr lang="en-US" altLang="ko-KR" sz="1200" dirty="0" err="1" smtClean="0">
-                          <a:solidFill>
-                            <a:schemeClr val="tx1"/>
-                          </a:solidFill>
-                          <a:latin typeface="+mn-lt"/>
-                          <a:ea typeface="+mn-ea"/>
-                        </a:rPr>
-                        <a:t>Grid.Num</a:t>
-                      </a:r>
                       <a:endParaRPr lang="ko-KR" altLang="en-US" sz="1200" dirty="0">
                         <a:solidFill>
                           <a:schemeClr val="tx1"/>
@@ -11960,14 +11772,60 @@
                         <a:buChar char="•"/>
                       </a:pPr>
                       <a:r>
-                        <a:rPr lang="ko-KR" altLang="en-US" sz="1200" dirty="0" smtClean="0">
+                        <a:rPr lang="ko-KR" altLang="en-US" sz="1200" dirty="0"/>
+                        <a:t>격자탐색이 선택되면 개수 활성화</a:t>
+                      </a:r>
+                      <a:r>
+                        <a:rPr lang="en-US" altLang="ko-KR" sz="1200" dirty="0"/>
+                        <a:t>.</a:t>
+                      </a:r>
+                    </a:p>
+                    <a:p>
+                      <a:pPr marL="171450" indent="-171450" latinLnBrk="1">
+                        <a:buFont typeface="Arial" panose="020B0604020202020204" pitchFamily="34" charset="0"/>
+                        <a:buChar char="•"/>
+                      </a:pPr>
+                      <a:r>
+                        <a:rPr lang="ko-KR" altLang="en-US" sz="1200" dirty="0"/>
+                        <a:t>개수는 </a:t>
+                      </a:r>
+                      <a:r>
+                        <a:rPr lang="en-US" altLang="ko-KR" sz="1200" dirty="0"/>
+                        <a:t>2</a:t>
+                      </a:r>
+                      <a:r>
+                        <a:rPr lang="ko-KR" altLang="en-US" sz="1200" dirty="0"/>
+                        <a:t>이상의 양의 정수만 가능</a:t>
+                      </a:r>
+                      <a:r>
+                        <a:rPr lang="en-US" altLang="ko-KR" sz="1200" dirty="0"/>
+                        <a:t>. </a:t>
+                      </a:r>
+                    </a:p>
+                    <a:p>
+                      <a:pPr marL="171450" indent="-171450" latinLnBrk="1">
+                        <a:buFont typeface="Arial" panose="020B0604020202020204" pitchFamily="34" charset="0"/>
+                        <a:buChar char="•"/>
+                      </a:pPr>
+                      <a:r>
+                        <a:rPr lang="ko-KR" altLang="en-US" sz="1200" dirty="0">
                           <a:solidFill>
                             <a:schemeClr val="tx1"/>
                           </a:solidFill>
                           <a:latin typeface="+mn-lt"/>
                           <a:ea typeface="+mn-ea"/>
                         </a:rPr>
-                        <a:t>입력받은 숫자를 입력</a:t>
+                        <a:t>디폴트는 </a:t>
+                      </a:r>
+                      <a:r>
+                        <a:rPr lang="en-US" altLang="ko-KR" sz="1200" dirty="0">
+                          <a:solidFill>
+                            <a:schemeClr val="tx1"/>
+                          </a:solidFill>
+                          <a:latin typeface="+mn-lt"/>
+                          <a:ea typeface="+mn-ea"/>
+                        </a:rPr>
+                        <a:t>100</a:t>
                       </a:r>
                       <a:endParaRPr lang="ko-KR" altLang="en-US" sz="1200" dirty="0">
                         <a:solidFill>
@@ -11976,6 +11834,56 @@
                         <a:latin typeface="+mn-lt"/>
                         <a:ea typeface="+mn-ea"/>
                       </a:endParaRPr>
+                    </a:p>
+                  </a:txBody>
+                  <a:tcPr/>
+                </a:tc>
+                <a:tc>
+                  <a:txBody>
+                    <a:bodyPr/>
+                    <a:lstStyle/>
+                    <a:p>
+                      <a:pPr latinLnBrk="1"/>
+                      <a:r>
+                        <a:rPr lang="en-US" altLang="ko-KR" sz="1200" dirty="0" err="1">
+                          <a:solidFill>
+                            <a:schemeClr val="tx1"/>
+                          </a:solidFill>
+                          <a:latin typeface="+mn-lt"/>
+                          <a:ea typeface="+mn-ea"/>
+                        </a:rPr>
+                        <a:t>Grid.Num</a:t>
+                      </a:r>
+                      <a:endParaRPr lang="ko-KR" altLang="en-US" sz="1200" dirty="0">
+                        <a:solidFill>
+                          <a:schemeClr val="tx1"/>
+                        </a:solidFill>
+                        <a:latin typeface="+mn-lt"/>
+                        <a:ea typeface="+mn-ea"/>
+                      </a:endParaRPr>
+                    </a:p>
+                  </a:txBody>
+                  <a:tcPr/>
+                </a:tc>
+                <a:tc>
+                  <a:txBody>
+                    <a:bodyPr/>
+                    <a:lstStyle/>
+                    <a:p>
+                      <a:pPr marL="171450" indent="-171450" latinLnBrk="1">
+                        <a:buFont typeface="Arial" panose="020B0604020202020204" pitchFamily="34" charset="0"/>
+                        <a:buChar char="•"/>
+                      </a:pPr>
+                      <a:r>
+                        <a:rPr lang="ko-KR" altLang="en-US" sz="1200" dirty="0">
+                          <a:solidFill>
+                            <a:schemeClr val="tx1"/>
+                          </a:solidFill>
+                          <a:latin typeface="+mn-lt"/>
+                          <a:ea typeface="+mn-ea"/>
+                        </a:rPr>
+                        <a:t>입력받은 숫자를 입력</a:t>
+                      </a:r>
                     </a:p>
                   </a:txBody>
                   <a:tcPr/>
@@ -12067,7 +11975,7 @@
                     <a:p>
                       <a:pPr latinLnBrk="1"/>
                       <a:r>
-                        <a:rPr lang="ko-KR" altLang="en-US" sz="1200" kern="1200" baseline="0" dirty="0" smtClean="0">
+                        <a:rPr lang="ko-KR" altLang="en-US" sz="1200" kern="1200" baseline="0" dirty="0">
                           <a:solidFill>
                             <a:schemeClr val="tx1"/>
                           </a:solidFill>
@@ -12078,7 +11986,7 @@
                         <a:t>탐색방법</a:t>
                       </a:r>
                       <a:r>
-                        <a:rPr lang="ko-KR" altLang="en-US" sz="1200" dirty="0" smtClean="0">
+                        <a:rPr lang="ko-KR" altLang="en-US" sz="1200" dirty="0">
                           <a:solidFill>
                             <a:schemeClr val="tx1"/>
                           </a:solidFill>
@@ -12088,7 +11996,7 @@
                         <a:t> </a:t>
                       </a:r>
                       <a:r>
-                        <a:rPr lang="en-US" altLang="ko-KR" sz="1200" dirty="0" smtClean="0">
+                        <a:rPr lang="en-US" altLang="ko-KR" sz="1200" dirty="0">
                           <a:solidFill>
                             <a:schemeClr val="tx1"/>
                           </a:solidFill>
@@ -12098,7 +12006,7 @@
                         <a:t>&gt; </a:t>
                       </a:r>
                       <a:r>
-                        <a:rPr lang="ko-KR" altLang="en-US" sz="1200" dirty="0" smtClean="0">
+                        <a:rPr lang="ko-KR" altLang="en-US" sz="1200" dirty="0">
                           <a:solidFill>
                             <a:schemeClr val="tx1"/>
                           </a:solidFill>
@@ -12107,13 +12015,6 @@
                         </a:rPr>
                         <a:t>사용자정의</a:t>
                       </a:r>
-                      <a:endParaRPr lang="ko-KR" altLang="en-US" sz="1200" dirty="0">
-                        <a:solidFill>
-                          <a:schemeClr val="tx1"/>
-                        </a:solidFill>
-                        <a:latin typeface="+mn-lt"/>
-                        <a:ea typeface="+mn-ea"/>
-                      </a:endParaRPr>
                     </a:p>
                   </a:txBody>
                   <a:tcPr/>
@@ -12218,11 +12119,11 @@
                         <a:buChar char="•"/>
                       </a:pPr>
                       <a:r>
-                        <a:rPr lang="ko-KR" altLang="en-US" sz="1200" dirty="0" smtClean="0"/>
+                        <a:rPr lang="ko-KR" altLang="en-US" sz="1200" dirty="0"/>
                         <a:t>사용자 정의가 선택되면 아래의 입력칸이 활성화</a:t>
                       </a:r>
                       <a:r>
-                        <a:rPr lang="en-US" altLang="ko-KR" sz="1200" dirty="0" smtClean="0"/>
+                        <a:rPr lang="en-US" altLang="ko-KR" sz="1200" dirty="0"/>
                         <a:t>.</a:t>
                       </a:r>
                     </a:p>
@@ -12232,10 +12133,10 @@
                         <a:buChar char="•"/>
                       </a:pPr>
                       <a:r>
-                        <a:rPr lang="ko-KR" altLang="en-US" sz="1200" dirty="0" smtClean="0"/>
+                        <a:rPr lang="ko-KR" altLang="en-US" sz="1200" dirty="0"/>
                         <a:t>사용자 정의가 선택되면 반드시 입력되어야 함</a:t>
                       </a:r>
-                      <a:endParaRPr lang="en-US" altLang="ko-KR" sz="1200" dirty="0" smtClean="0"/>
+                      <a:endParaRPr lang="en-US" altLang="ko-KR" sz="1200" dirty="0"/>
                     </a:p>
                     <a:p>
                       <a:pPr marL="171450" indent="-171450" latinLnBrk="1">
@@ -12243,19 +12144,19 @@
                         <a:buChar char="•"/>
                       </a:pPr>
                       <a:r>
-                        <a:rPr lang="ko-KR" altLang="en-US" sz="1200" dirty="0" smtClean="0"/>
+                        <a:rPr lang="ko-KR" altLang="en-US" sz="1200" dirty="0"/>
                         <a:t>입력칸에는 쉼표</a:t>
                       </a:r>
                       <a:r>
-                        <a:rPr lang="en-US" altLang="ko-KR" sz="1200" dirty="0" smtClean="0"/>
+                        <a:rPr lang="en-US" altLang="ko-KR" sz="1200" dirty="0"/>
                         <a:t>(,)</a:t>
                       </a:r>
                       <a:r>
-                        <a:rPr lang="ko-KR" altLang="en-US" sz="1200" dirty="0" smtClean="0"/>
+                        <a:rPr lang="ko-KR" altLang="en-US" sz="1200" dirty="0"/>
                         <a:t>로 구분되는 적어도 하나의 실수만 입력가능</a:t>
                       </a:r>
                       <a:r>
-                        <a:rPr lang="en-US" altLang="ko-KR" sz="1200" dirty="0" smtClean="0"/>
+                        <a:rPr lang="en-US" altLang="ko-KR" sz="1200" dirty="0"/>
                         <a:t>. </a:t>
                       </a:r>
                     </a:p>
@@ -12265,19 +12166,19 @@
                         <a:buChar char="•"/>
                       </a:pPr>
                       <a:r>
-                        <a:rPr lang="ko-KR" altLang="en-US" sz="1200" dirty="0" smtClean="0"/>
+                        <a:rPr lang="ko-KR" altLang="en-US" sz="1200" dirty="0"/>
                         <a:t>쉼표는 제일 처음과 마지막에 올 수 없고</a:t>
                       </a:r>
                       <a:r>
-                        <a:rPr lang="en-US" altLang="ko-KR" sz="1200" dirty="0" smtClean="0"/>
+                        <a:rPr lang="en-US" altLang="ko-KR" sz="1200" dirty="0"/>
                         <a:t>, </a:t>
                       </a:r>
                       <a:r>
-                        <a:rPr lang="ko-KR" altLang="en-US" sz="1200" dirty="0" smtClean="0"/>
+                        <a:rPr lang="ko-KR" altLang="en-US" sz="1200" dirty="0"/>
                         <a:t>연속으로 입력될 수 없음</a:t>
                       </a:r>
                       <a:r>
-                        <a:rPr lang="en-US" altLang="ko-KR" sz="1200" dirty="0" smtClean="0"/>
+                        <a:rPr lang="en-US" altLang="ko-KR" sz="1200" dirty="0"/>
                         <a:t>.</a:t>
                       </a:r>
                     </a:p>
@@ -12364,7 +12265,7 @@
                     <a:p>
                       <a:pPr latinLnBrk="1"/>
                       <a:r>
-                        <a:rPr lang="en-US" altLang="ko-KR" sz="1200" dirty="0" err="1" smtClean="0">
+                        <a:rPr lang="en-US" altLang="ko-KR" sz="1200" dirty="0" err="1">
                           <a:solidFill>
                             <a:schemeClr val="tx1"/>
                           </a:solidFill>
@@ -12394,7 +12295,7 @@
                         <a:buChar char="•"/>
                       </a:pPr>
                       <a:r>
-                        <a:rPr lang="ko-KR" altLang="en-US" sz="1200" dirty="0" smtClean="0">
+                        <a:rPr lang="ko-KR" altLang="en-US" sz="1200" dirty="0">
                           <a:solidFill>
                             <a:schemeClr val="tx1"/>
                           </a:solidFill>
@@ -12403,7 +12304,7 @@
                         </a:rPr>
                         <a:t>입력받은 숫자를 입력</a:t>
                       </a:r>
-                      <a:endParaRPr lang="en-US" altLang="ko-KR" sz="1200" dirty="0" smtClean="0">
+                      <a:endParaRPr lang="en-US" altLang="ko-KR" sz="1200" dirty="0">
                         <a:solidFill>
                           <a:schemeClr val="tx1"/>
                         </a:solidFill>
@@ -12417,7 +12318,7 @@
                         <a:buChar char="•"/>
                       </a:pPr>
                       <a:r>
-                        <a:rPr lang="ko-KR" altLang="en-US" sz="1200" dirty="0" smtClean="0">
+                        <a:rPr lang="ko-KR" altLang="en-US" sz="1200" dirty="0">
                           <a:solidFill>
                             <a:schemeClr val="tx1"/>
                           </a:solidFill>
@@ -12427,7 +12328,7 @@
                         <a:t>여러개의 숫자가 쉼표로 구분되어</a:t>
                       </a:r>
                       <a:r>
-                        <a:rPr lang="ko-KR" altLang="en-US" sz="1200" baseline="0" dirty="0" smtClean="0">
+                        <a:rPr lang="ko-KR" altLang="en-US" sz="1200" baseline="0" dirty="0">
                           <a:solidFill>
                             <a:schemeClr val="tx1"/>
                           </a:solidFill>
@@ -12437,7 +12338,7 @@
                         <a:t> 입력되면 </a:t>
                       </a:r>
                       <a:r>
-                        <a:rPr lang="en-US" altLang="ko-KR" sz="1200" baseline="0" dirty="0" smtClean="0">
+                        <a:rPr lang="en-US" altLang="ko-KR" sz="1200" baseline="0" dirty="0">
                           <a:solidFill>
                             <a:schemeClr val="tx1"/>
                           </a:solidFill>
@@ -12447,7 +12348,7 @@
                         <a:t>c(,,)</a:t>
                       </a:r>
                       <a:r>
-                        <a:rPr lang="ko-KR" altLang="en-US" sz="1200" baseline="0" dirty="0" smtClean="0">
+                        <a:rPr lang="ko-KR" altLang="en-US" sz="1200" baseline="0" dirty="0">
                           <a:solidFill>
                             <a:schemeClr val="tx1"/>
                           </a:solidFill>
@@ -12481,7 +12382,7 @@
                     <a:p>
                       <a:pPr latinLnBrk="1"/>
                       <a:r>
-                        <a:rPr lang="ko-KR" altLang="en-US" sz="1200" dirty="0" err="1" smtClean="0">
+                        <a:rPr lang="ko-KR" altLang="en-US" sz="1200" dirty="0" err="1">
                           <a:solidFill>
                             <a:srgbClr val="00B050"/>
                           </a:solidFill>
@@ -12491,7 +12392,7 @@
                         <a:t>조율모수</a:t>
                       </a:r>
                       <a:r>
-                        <a:rPr lang="ko-KR" altLang="en-US" sz="1200" dirty="0" smtClean="0">
+                        <a:rPr lang="ko-KR" altLang="en-US" sz="1200" dirty="0">
                           <a:solidFill>
                             <a:srgbClr val="00B050"/>
                           </a:solidFill>
@@ -12501,7 +12402,7 @@
                         <a:t> </a:t>
                       </a:r>
                       <a:r>
-                        <a:rPr lang="en-US" altLang="ko-KR" sz="1200" dirty="0" smtClean="0">
+                        <a:rPr lang="en-US" altLang="ko-KR" sz="1200" dirty="0">
                           <a:solidFill>
                             <a:srgbClr val="00B050"/>
                           </a:solidFill>
@@ -12511,7 +12412,7 @@
                         <a:t>&gt; </a:t>
                       </a:r>
                       <a:r>
-                        <a:rPr lang="ko-KR" altLang="en-US" sz="1200" dirty="0" smtClean="0">
+                        <a:rPr lang="ko-KR" altLang="en-US" sz="1200" dirty="0">
                           <a:solidFill>
                             <a:srgbClr val="00B050"/>
                           </a:solidFill>
@@ -12520,13 +12421,6 @@
                         </a:rPr>
                         <a:t>교차검증</a:t>
                       </a:r>
-                      <a:endParaRPr lang="ko-KR" altLang="en-US" sz="1200" dirty="0">
-                        <a:solidFill>
-                          <a:srgbClr val="00B050"/>
-                        </a:solidFill>
-                        <a:latin typeface="+mn-lt"/>
-                        <a:ea typeface="+mn-ea"/>
-                      </a:endParaRPr>
                     </a:p>
                   </a:txBody>
                   <a:tcPr/>
@@ -12538,7 +12432,7 @@
                     <a:p>
                       <a:pPr latinLnBrk="1"/>
                       <a:r>
-                        <a:rPr lang="en-US" altLang="ko-KR" sz="1200" dirty="0" smtClean="0">
+                        <a:rPr lang="en-US" altLang="ko-KR" sz="1200" dirty="0">
                           <a:solidFill>
                             <a:srgbClr val="00B050"/>
                           </a:solidFill>
@@ -12568,57 +12462,46 @@
                         <a:buChar char="•"/>
                       </a:pPr>
                       <a:r>
-                        <a:rPr lang="en-US" altLang="ko-KR" sz="1200" dirty="0" smtClean="0">
+                        <a:rPr lang="en-US" altLang="ko-KR" sz="1200" dirty="0">
                           <a:solidFill>
                             <a:srgbClr val="00B050"/>
                           </a:solidFill>
                         </a:rPr>
-                        <a:t>K-fold,</a:t>
-                      </a:r>
-                      <a:r>
-                        <a:rPr lang="en-US" altLang="ko-KR" sz="1200" baseline="0" dirty="0" smtClean="0">
+                        <a:t>K-fold</a:t>
+                      </a:r>
+                      <a:r>
+                        <a:rPr lang="ko-KR" altLang="en-US" sz="1200" dirty="0">
                           <a:solidFill>
                             <a:srgbClr val="00B050"/>
                           </a:solidFill>
                         </a:rPr>
-                        <a:t> Leave-One-Out </a:t>
-                      </a:r>
-                      <a:r>
-                        <a:rPr lang="ko-KR" altLang="en-US" sz="1200" baseline="0" dirty="0" smtClean="0">
+                        <a:t>만 메뉴에 존재하고</a:t>
+                      </a:r>
+                      <a:r>
+                        <a:rPr lang="en-US" altLang="ko-KR" sz="1200" dirty="0">
                           <a:solidFill>
                             <a:srgbClr val="00B050"/>
                           </a:solidFill>
                         </a:rPr>
-                        <a:t>중 하나를 선택할 수 있음</a:t>
-                      </a:r>
-                      <a:endParaRPr lang="en-US" altLang="ko-KR" sz="1200" baseline="0" dirty="0" smtClean="0">
-                        <a:solidFill>
-                          <a:srgbClr val="00B050"/>
-                        </a:solidFill>
-                      </a:endParaRPr>
-                    </a:p>
-                    <a:p>
-                      <a:pPr marL="171450" indent="-171450" latinLnBrk="1">
-                        <a:buFont typeface="Arial" panose="020B0604020202020204" pitchFamily="34" charset="0"/>
-                        <a:buChar char="•"/>
-                      </a:pPr>
-                      <a:r>
-                        <a:rPr lang="ko-KR" altLang="en-US" sz="1200" baseline="0" dirty="0" smtClean="0">
+                        <a:t>,</a:t>
+                      </a:r>
+                      <a:r>
+                        <a:rPr lang="ko-KR" altLang="en-US" sz="1200" dirty="0">
                           <a:solidFill>
                             <a:srgbClr val="00B050"/>
                           </a:solidFill>
                         </a:rPr>
-                        <a:t>디폴트는 </a:t>
-                      </a:r>
-                      <a:r>
-                        <a:rPr lang="en-US" altLang="ko-KR" sz="1200" baseline="0" dirty="0" smtClean="0">
+                        <a:t> 항상 </a:t>
+                      </a:r>
+                      <a:r>
+                        <a:rPr lang="ko-KR" altLang="en-US" sz="1200" dirty="0" err="1">
                           <a:solidFill>
                             <a:srgbClr val="00B050"/>
                           </a:solidFill>
                         </a:rPr>
-                        <a:t>K-fold</a:t>
-                      </a:r>
-                      <a:endParaRPr lang="en-US" altLang="ko-KR" sz="1200" dirty="0" smtClean="0">
+                        <a:t>선택되어있음</a:t>
+                      </a:r>
+                      <a:endParaRPr lang="en-US" altLang="ko-KR" sz="1200" dirty="0">
                         <a:solidFill>
                           <a:srgbClr val="00B050"/>
                         </a:solidFill>
@@ -12634,7 +12517,7 @@
                     <a:p>
                       <a:pPr latinLnBrk="1"/>
                       <a:r>
-                        <a:rPr lang="en-US" altLang="ko-KR" sz="1200" dirty="0" err="1" smtClean="0">
+                        <a:rPr lang="en-US" altLang="ko-KR" sz="1200" dirty="0" err="1">
                           <a:solidFill>
                             <a:srgbClr val="00B050"/>
                           </a:solidFill>
@@ -12664,42 +12547,25 @@
                         <a:buChar char="•"/>
                       </a:pPr>
                       <a:r>
-                        <a:rPr lang="ko-KR" altLang="en-US" sz="1200" dirty="0" smtClean="0">
+                        <a:rPr lang="en-US" altLang="ko-KR" sz="1200">
                           <a:solidFill>
                             <a:srgbClr val="00B050"/>
                           </a:solidFill>
                           <a:latin typeface="+mn-lt"/>
                           <a:ea typeface="+mn-ea"/>
                         </a:rPr>
-                        <a:t>순서대로 </a:t>
-                      </a:r>
-                      <a:r>
-                        <a:rPr lang="en-US" altLang="ko-KR" sz="1200" dirty="0" smtClean="0">
+                        <a:t>‘KFOLD’</a:t>
+                      </a:r>
+                      <a:r>
+                        <a:rPr lang="ko-KR" altLang="en-US" sz="1200" dirty="0">
                           <a:solidFill>
                             <a:srgbClr val="00B050"/>
                           </a:solidFill>
                           <a:latin typeface="+mn-lt"/>
                           <a:ea typeface="+mn-ea"/>
                         </a:rPr>
-                        <a:t>‘KFOLD’, ‘LOOCV’</a:t>
-                      </a:r>
-                      <a:r>
-                        <a:rPr lang="ko-KR" altLang="en-US" sz="1200" dirty="0" smtClean="0">
-                          <a:solidFill>
-                            <a:srgbClr val="00B050"/>
-                          </a:solidFill>
-                          <a:latin typeface="+mn-lt"/>
-                          <a:ea typeface="+mn-ea"/>
-                        </a:rPr>
-                        <a:t>로 입력</a:t>
-                      </a:r>
-                      <a:endParaRPr lang="ko-KR" altLang="en-US" sz="1200" dirty="0">
-                        <a:solidFill>
-                          <a:srgbClr val="00B050"/>
-                        </a:solidFill>
-                        <a:latin typeface="+mn-lt"/>
-                        <a:ea typeface="+mn-ea"/>
-                      </a:endParaRPr>
+                        <a:t> 입력</a:t>
+                      </a:r>
                     </a:p>
                   </a:txBody>
                   <a:tcPr/>
@@ -12718,7 +12584,7 @@
                     <a:p>
                       <a:pPr latinLnBrk="1"/>
                       <a:r>
-                        <a:rPr lang="ko-KR" altLang="en-US" sz="1200" dirty="0" smtClean="0">
+                        <a:rPr lang="ko-KR" altLang="en-US" sz="1200" dirty="0">
                           <a:solidFill>
                             <a:srgbClr val="00B050"/>
                           </a:solidFill>
@@ -12728,7 +12594,7 @@
                         <a:t>교차검증 </a:t>
                       </a:r>
                       <a:r>
-                        <a:rPr lang="en-US" altLang="ko-KR" sz="1200" dirty="0" smtClean="0">
+                        <a:rPr lang="en-US" altLang="ko-KR" sz="1200" dirty="0">
                           <a:solidFill>
                             <a:srgbClr val="00B050"/>
                           </a:solidFill>
@@ -12738,7 +12604,7 @@
                         <a:t>&gt; K-fold &gt;</a:t>
                       </a:r>
                       <a:r>
-                        <a:rPr lang="en-US" altLang="ko-KR" sz="1200" baseline="0" dirty="0" smtClean="0">
+                        <a:rPr lang="en-US" altLang="ko-KR" sz="1200" baseline="0" dirty="0">
                           <a:solidFill>
                             <a:srgbClr val="00B050"/>
                           </a:solidFill>
@@ -12785,7 +12651,7 @@
                         <a:buChar char="•"/>
                       </a:pPr>
                       <a:r>
-                        <a:rPr lang="ko-KR" altLang="en-US" sz="1200" dirty="0" smtClean="0">
+                        <a:rPr lang="ko-KR" altLang="en-US" sz="1200" dirty="0">
                           <a:solidFill>
                             <a:srgbClr val="00B050"/>
                           </a:solidFill>
@@ -12793,7 +12659,7 @@
                         <a:t>교차검증에서 </a:t>
                       </a:r>
                       <a:r>
-                        <a:rPr lang="en-US" altLang="ko-KR" sz="1200" dirty="0" smtClean="0">
+                        <a:rPr lang="en-US" altLang="ko-KR" sz="1200" dirty="0">
                           <a:solidFill>
                             <a:srgbClr val="00B050"/>
                           </a:solidFill>
@@ -12801,14 +12667,14 @@
                         <a:t>K-fold</a:t>
                       </a:r>
                       <a:r>
-                        <a:rPr lang="ko-KR" altLang="en-US" sz="1200" dirty="0" smtClean="0">
+                        <a:rPr lang="ko-KR" altLang="en-US" sz="1200" dirty="0">
                           <a:solidFill>
                             <a:srgbClr val="00B050"/>
                           </a:solidFill>
                         </a:rPr>
                         <a:t>가 선택되면 활성화</a:t>
                       </a:r>
-                      <a:endParaRPr lang="en-US" altLang="ko-KR" sz="1200" dirty="0" smtClean="0">
+                      <a:endParaRPr lang="en-US" altLang="ko-KR" sz="1200" dirty="0">
                         <a:solidFill>
                           <a:srgbClr val="00B050"/>
                         </a:solidFill>
@@ -12820,7 +12686,7 @@
                         <a:buChar char="•"/>
                       </a:pPr>
                       <a:r>
-                        <a:rPr lang="en-US" altLang="ko-KR" sz="1200" baseline="0" dirty="0" smtClean="0">
+                        <a:rPr lang="en-US" altLang="ko-KR" sz="1200" baseline="0" dirty="0">
                           <a:solidFill>
                             <a:srgbClr val="00B050"/>
                           </a:solidFill>
@@ -12828,30 +12694,14 @@
                         <a:t>3 </a:t>
                       </a:r>
                       <a:r>
-                        <a:rPr lang="ko-KR" altLang="en-US" sz="1200" baseline="0" dirty="0" smtClean="0">
+                        <a:rPr lang="ko-KR" altLang="en-US" sz="1200" baseline="0" dirty="0">
                           <a:solidFill>
                             <a:srgbClr val="00B050"/>
                           </a:solidFill>
                         </a:rPr>
-                        <a:t>이상의 </a:t>
-                      </a:r>
-                      <a:r>
-                        <a:rPr lang="ko-KR" altLang="en-US" sz="1200" baseline="0" dirty="0" smtClean="0">
-                          <a:solidFill>
-                            <a:srgbClr val="00B050"/>
-                          </a:solidFill>
-                        </a:rPr>
-                        <a:t>정수만을 </a:t>
-                      </a:r>
-                      <a:r>
-                        <a:rPr lang="ko-KR" altLang="en-US" sz="1200" baseline="0" dirty="0" smtClean="0">
-                          <a:solidFill>
-                            <a:srgbClr val="00B050"/>
-                          </a:solidFill>
-                        </a:rPr>
-                        <a:t>입력할 수 있음</a:t>
-                      </a:r>
-                      <a:endParaRPr lang="en-US" altLang="ko-KR" sz="1200" dirty="0" smtClean="0">
+                        <a:t>이상의 정수만을 입력할 수 있음</a:t>
+                      </a:r>
+                      <a:endParaRPr lang="en-US" altLang="ko-KR" sz="1200" dirty="0">
                         <a:solidFill>
                           <a:srgbClr val="00B050"/>
                         </a:solidFill>
@@ -12867,7 +12717,7 @@
                     <a:p>
                       <a:pPr latinLnBrk="1"/>
                       <a:r>
-                        <a:rPr lang="en-US" altLang="ko-KR" sz="1200" dirty="0" smtClean="0">
+                        <a:rPr lang="en-US" altLang="ko-KR" sz="1200" dirty="0">
                           <a:solidFill>
                             <a:srgbClr val="00B050"/>
                           </a:solidFill>
@@ -12877,7 +12727,7 @@
                         <a:t>k (</a:t>
                       </a:r>
                       <a:r>
-                        <a:rPr lang="ko-KR" altLang="en-US" sz="1200" dirty="0" smtClean="0">
+                        <a:rPr lang="ko-KR" altLang="en-US" sz="1200" dirty="0">
                           <a:solidFill>
                             <a:srgbClr val="00B050"/>
                           </a:solidFill>
@@ -12887,7 +12737,7 @@
                         <a:t>소문자</a:t>
                       </a:r>
                       <a:r>
-                        <a:rPr lang="en-US" altLang="ko-KR" sz="1200" dirty="0" smtClean="0">
+                        <a:rPr lang="en-US" altLang="ko-KR" sz="1200" dirty="0">
                           <a:solidFill>
                             <a:srgbClr val="00B050"/>
                           </a:solidFill>
@@ -12917,7 +12767,7 @@
                         <a:buChar char="•"/>
                       </a:pPr>
                       <a:r>
-                        <a:rPr lang="ko-KR" altLang="en-US" sz="1200" dirty="0" smtClean="0">
+                        <a:rPr lang="ko-KR" altLang="en-US" sz="1200" dirty="0">
                           <a:solidFill>
                             <a:srgbClr val="00B050"/>
                           </a:solidFill>
@@ -12926,13 +12776,6 @@
                         </a:rPr>
                         <a:t>입력 받은 숫자를 입력</a:t>
                       </a:r>
-                      <a:endParaRPr lang="ko-KR" altLang="en-US" sz="1200" dirty="0">
-                        <a:solidFill>
-                          <a:srgbClr val="00B050"/>
-                        </a:solidFill>
-                        <a:latin typeface="+mn-lt"/>
-                        <a:ea typeface="+mn-ea"/>
-                      </a:endParaRPr>
                     </a:p>
                   </a:txBody>
                   <a:tcPr/>
@@ -12951,7 +12794,7 @@
                     <a:p>
                       <a:pPr latinLnBrk="1"/>
                       <a:r>
-                        <a:rPr lang="ko-KR" altLang="en-US" sz="1200" dirty="0" smtClean="0">
+                        <a:rPr lang="ko-KR" altLang="en-US" sz="1200" dirty="0">
                           <a:solidFill>
                             <a:schemeClr val="tx1"/>
                           </a:solidFill>
@@ -12961,7 +12804,7 @@
                         <a:t>조율모수 </a:t>
                       </a:r>
                       <a:r>
-                        <a:rPr lang="en-US" altLang="ko-KR" sz="1200" dirty="0" smtClean="0">
+                        <a:rPr lang="en-US" altLang="ko-KR" sz="1200" dirty="0">
                           <a:solidFill>
                             <a:schemeClr val="tx1"/>
                           </a:solidFill>
@@ -12971,7 +12814,7 @@
                         <a:t>&gt; </a:t>
                       </a:r>
                       <a:r>
-                        <a:rPr lang="ko-KR" altLang="en-US" sz="1200" dirty="0" smtClean="0">
+                        <a:rPr lang="ko-KR" altLang="en-US" sz="1200" dirty="0">
                           <a:solidFill>
                             <a:schemeClr val="tx1"/>
                           </a:solidFill>
@@ -12980,13 +12823,6 @@
                         </a:rPr>
                         <a:t>정확도 지표</a:t>
                       </a:r>
-                      <a:endParaRPr lang="ko-KR" altLang="en-US" sz="1200" dirty="0">
-                        <a:solidFill>
-                          <a:schemeClr val="tx1"/>
-                        </a:solidFill>
-                        <a:latin typeface="+mn-lt"/>
-                        <a:ea typeface="+mn-ea"/>
-                      </a:endParaRPr>
                     </a:p>
                   </a:txBody>
                   <a:tcPr/>
@@ -12998,7 +12834,7 @@
                     <a:p>
                       <a:pPr latinLnBrk="1"/>
                       <a:r>
-                        <a:rPr lang="en-US" altLang="ko-KR" sz="1200" dirty="0" smtClean="0">
+                        <a:rPr lang="en-US" altLang="ko-KR" sz="1200" dirty="0">
                           <a:solidFill>
                             <a:schemeClr val="tx1"/>
                           </a:solidFill>
@@ -13028,7 +12864,7 @@
                         <a:buChar char="•"/>
                       </a:pPr>
                       <a:r>
-                        <a:rPr lang="ko-KR" altLang="en-US" sz="1200" dirty="0" smtClean="0">
+                        <a:rPr lang="ko-KR" altLang="en-US" sz="1200" dirty="0">
                           <a:solidFill>
                             <a:schemeClr val="tx1"/>
                           </a:solidFill>
@@ -13036,7 +12872,7 @@
                         <a:t>평균표준오차</a:t>
                       </a:r>
                       <a:r>
-                        <a:rPr lang="en-US" altLang="ko-KR" sz="1200" baseline="0" dirty="0" smtClean="0">
+                        <a:rPr lang="en-US" altLang="ko-KR" sz="1200" baseline="0" dirty="0">
                           <a:solidFill>
                             <a:schemeClr val="tx1"/>
                           </a:solidFill>
@@ -13044,7 +12880,7 @@
                         <a:t> (MSE), </a:t>
                       </a:r>
                       <a:r>
-                        <a:rPr lang="ko-KR" altLang="en-US" sz="1200" baseline="0" dirty="0" smtClean="0">
+                        <a:rPr lang="ko-KR" altLang="en-US" sz="1200" baseline="0" dirty="0">
                           <a:solidFill>
                             <a:schemeClr val="tx1"/>
                           </a:solidFill>
@@ -13052,7 +12888,7 @@
                         <a:t>평균절대오차 </a:t>
                       </a:r>
                       <a:r>
-                        <a:rPr lang="en-US" altLang="ko-KR" sz="1200" baseline="0" dirty="0" smtClean="0">
+                        <a:rPr lang="en-US" altLang="ko-KR" sz="1200" baseline="0" dirty="0">
                           <a:solidFill>
                             <a:schemeClr val="tx1"/>
                           </a:solidFill>
@@ -13060,7 +12896,7 @@
                         <a:t>(MAE) </a:t>
                       </a:r>
                       <a:r>
-                        <a:rPr lang="ko-KR" altLang="en-US" sz="1200" dirty="0" smtClean="0">
+                        <a:rPr lang="ko-KR" altLang="en-US" sz="1200" dirty="0">
                           <a:solidFill>
                             <a:schemeClr val="tx1"/>
                           </a:solidFill>
@@ -13068,7 +12904,7 @@
                         <a:t>중 하나를 선택할 수 있음</a:t>
                       </a:r>
                       <a:r>
-                        <a:rPr lang="en-US" altLang="ko-KR" sz="1200" dirty="0" smtClean="0">
+                        <a:rPr lang="en-US" altLang="ko-KR" sz="1200" dirty="0">
                           <a:solidFill>
                             <a:schemeClr val="tx1"/>
                           </a:solidFill>
@@ -13082,7 +12918,7 @@
                         <a:buChar char="•"/>
                       </a:pPr>
                       <a:r>
-                        <a:rPr lang="ko-KR" altLang="en-US" sz="1200" baseline="0" dirty="0" smtClean="0">
+                        <a:rPr lang="ko-KR" altLang="en-US" sz="1200" baseline="0" dirty="0">
                           <a:solidFill>
                             <a:schemeClr val="tx1"/>
                           </a:solidFill>
@@ -13091,7 +12927,7 @@
                         </a:rPr>
                         <a:t>디폴트는 평균표준오차</a:t>
                       </a:r>
-                      <a:endParaRPr lang="en-US" altLang="ko-KR" sz="1200" dirty="0" smtClean="0">
+                      <a:endParaRPr lang="en-US" altLang="ko-KR" sz="1200" dirty="0">
                         <a:solidFill>
                           <a:schemeClr val="tx1"/>
                         </a:solidFill>
@@ -13107,7 +12943,7 @@
                     <a:p>
                       <a:pPr latinLnBrk="1"/>
                       <a:r>
-                        <a:rPr lang="en-US" altLang="ko-KR" sz="1200" dirty="0" err="1" smtClean="0">
+                        <a:rPr lang="en-US" altLang="ko-KR" sz="1200" dirty="0" err="1">
                           <a:solidFill>
                             <a:schemeClr val="tx1"/>
                           </a:solidFill>
@@ -13137,7 +12973,7 @@
                         <a:buChar char="•"/>
                       </a:pPr>
                       <a:r>
-                        <a:rPr lang="ko-KR" altLang="en-US" sz="1200" dirty="0" smtClean="0">
+                        <a:rPr lang="ko-KR" altLang="en-US" sz="1200" dirty="0">
                           <a:solidFill>
                             <a:schemeClr val="tx1"/>
                           </a:solidFill>
@@ -13147,7 +12983,7 @@
                         <a:t>순서대로 </a:t>
                       </a:r>
                       <a:r>
-                        <a:rPr lang="en-US" altLang="ko-KR" sz="1200" dirty="0" smtClean="0">
+                        <a:rPr lang="en-US" altLang="ko-KR" sz="1200" dirty="0">
                           <a:solidFill>
                             <a:schemeClr val="tx1"/>
                           </a:solidFill>
@@ -13157,7 +12993,7 @@
                         <a:t>‘MSE’, ‘MAE’</a:t>
                       </a:r>
                       <a:r>
-                        <a:rPr lang="ko-KR" altLang="en-US" sz="1200" dirty="0" smtClean="0">
+                        <a:rPr lang="ko-KR" altLang="en-US" sz="1200" dirty="0">
                           <a:solidFill>
                             <a:schemeClr val="tx1"/>
                           </a:solidFill>
@@ -13166,13 +13002,6 @@
                         </a:rPr>
                         <a:t>로 입력</a:t>
                       </a:r>
-                      <a:endParaRPr lang="ko-KR" altLang="en-US" sz="1200" dirty="0">
-                        <a:solidFill>
-                          <a:schemeClr val="tx1"/>
-                        </a:solidFill>
-                        <a:latin typeface="+mn-lt"/>
-                        <a:ea typeface="+mn-ea"/>
-                      </a:endParaRPr>
                     </a:p>
                   </a:txBody>
                   <a:tcPr/>
@@ -13524,7 +13353,7 @@
               <a:tabLst/>
               <a:defRPr/>
             </a:pPr>
-            <a:endParaRPr kumimoji="0" lang="ko-KR" altLang="en-US" sz="1800" b="0" i="0" u="none" strike="noStrike" kern="0" cap="none" spc="0" normalizeH="0" baseline="0" noProof="0" smtClean="0">
+            <a:endParaRPr kumimoji="0" lang="ko-KR" altLang="en-US" sz="1800" b="0" i="0" u="none" strike="noStrike" kern="0" cap="none" spc="0" normalizeH="0" baseline="0" noProof="0">
               <a:ln>
                 <a:noFill/>
               </a:ln>
@@ -13583,7 +13412,7 @@
               <a:defRPr/>
             </a:pPr>
             <a:r>
-              <a:rPr kumimoji="0" lang="ko-KR" altLang="en-US" sz="1200" b="0" i="0" u="none" strike="noStrike" kern="0" cap="none" spc="0" normalizeH="0" baseline="0" noProof="0" dirty="0" smtClean="0">
+              <a:rPr kumimoji="0" lang="ko-KR" altLang="en-US" sz="1200" b="0" i="0" u="none" strike="noStrike" kern="0" cap="none" spc="0" normalizeH="0" baseline="0" noProof="0" dirty="0">
                 <a:ln>
                   <a:noFill/>
                 </a:ln>
@@ -13729,7 +13558,7 @@
               <a:tabLst/>
               <a:defRPr/>
             </a:pPr>
-            <a:endParaRPr kumimoji="0" lang="ko-KR" altLang="en-US" sz="1200" b="0" i="0" u="none" strike="noStrike" kern="0" cap="none" spc="0" normalizeH="0" baseline="0" noProof="0" smtClean="0">
+            <a:endParaRPr kumimoji="0" lang="ko-KR" altLang="en-US" sz="1200" b="0" i="0" u="none" strike="noStrike" kern="0" cap="none" spc="0" normalizeH="0" baseline="0" noProof="0">
               <a:ln>
                 <a:noFill/>
               </a:ln>
@@ -13791,7 +13620,7 @@
               <a:tabLst/>
               <a:defRPr/>
             </a:pPr>
-            <a:endParaRPr kumimoji="0" lang="ko-KR" altLang="en-US" sz="1200" b="0" i="0" u="none" strike="noStrike" kern="0" cap="none" spc="0" normalizeH="0" baseline="0" noProof="0" smtClean="0">
+            <a:endParaRPr kumimoji="0" lang="ko-KR" altLang="en-US" sz="1200" b="0" i="0" u="none" strike="noStrike" kern="0" cap="none" spc="0" normalizeH="0" baseline="0" noProof="0">
               <a:ln>
                 <a:noFill/>
               </a:ln>
@@ -13894,7 +13723,7 @@
               <a:tabLst/>
               <a:defRPr/>
             </a:pPr>
-            <a:endParaRPr kumimoji="0" lang="ko-KR" altLang="en-US" sz="1200" b="0" i="0" u="none" strike="noStrike" kern="0" cap="none" spc="0" normalizeH="0" baseline="0" noProof="0" smtClean="0">
+            <a:endParaRPr kumimoji="0" lang="ko-KR" altLang="en-US" sz="1200" b="0" i="0" u="none" strike="noStrike" kern="0" cap="none" spc="0" normalizeH="0" baseline="0" noProof="0">
               <a:ln>
                 <a:noFill/>
               </a:ln>
@@ -14034,7 +13863,7 @@
               <a:defRPr/>
             </a:pPr>
             <a:r>
-              <a:rPr kumimoji="0" lang="en-US" altLang="ko-KR" sz="1200" b="0" i="0" u="none" strike="noStrike" kern="0" cap="none" spc="0" normalizeH="0" baseline="0" noProof="0" dirty="0" smtClean="0">
+              <a:rPr kumimoji="0" lang="en-US" altLang="ko-KR" sz="1200" b="0" i="0" u="none" strike="noStrike" kern="0" cap="none" spc="0" normalizeH="0" baseline="0" noProof="0" dirty="0">
                 <a:ln>
                   <a:noFill/>
                 </a:ln>
@@ -14050,7 +13879,7 @@
               </a:rPr>
               <a:t>0.5</a:t>
             </a:r>
-            <a:endParaRPr kumimoji="0" lang="ko-KR" altLang="en-US" sz="1200" b="0" i="0" u="none" strike="noStrike" kern="0" cap="none" spc="0" normalizeH="0" baseline="0" noProof="0" dirty="0" smtClean="0">
+            <a:endParaRPr kumimoji="0" lang="ko-KR" altLang="en-US" sz="1200" b="0" i="0" u="none" strike="noStrike" kern="0" cap="none" spc="0" normalizeH="0" baseline="0" noProof="0" dirty="0">
               <a:ln>
                 <a:noFill/>
               </a:ln>
@@ -14114,7 +13943,7 @@
               <a:tabLst/>
               <a:defRPr/>
             </a:pPr>
-            <a:endParaRPr kumimoji="0" lang="ko-KR" altLang="en-US" sz="1800" b="0" i="0" u="none" strike="noStrike" kern="0" cap="none" spc="0" normalizeH="0" baseline="0" noProof="0" smtClean="0">
+            <a:endParaRPr kumimoji="0" lang="ko-KR" altLang="en-US" sz="1800" b="0" i="0" u="none" strike="noStrike" kern="0" cap="none" spc="0" normalizeH="0" baseline="0" noProof="0">
               <a:ln>
                 <a:noFill/>
               </a:ln>
@@ -14173,7 +14002,7 @@
               <a:defRPr/>
             </a:pPr>
             <a:r>
-              <a:rPr kumimoji="0" lang="ko-KR" altLang="en-US" sz="1200" b="0" i="0" u="none" strike="noStrike" kern="0" cap="none" spc="0" normalizeH="0" baseline="0" noProof="0" dirty="0" smtClean="0">
+              <a:rPr kumimoji="0" lang="ko-KR" altLang="en-US" sz="1200" b="0" i="0" u="none" strike="noStrike" kern="0" cap="none" spc="0" normalizeH="0" baseline="0" noProof="0" dirty="0">
                 <a:ln>
                   <a:noFill/>
                 </a:ln>
@@ -14188,7 +14017,7 @@
               <a:t>조율 </a:t>
             </a:r>
             <a:r>
-              <a:rPr kumimoji="0" lang="ko-KR" altLang="en-US" sz="1200" b="0" i="0" u="none" strike="noStrike" kern="0" cap="none" spc="0" normalizeH="0" baseline="0" noProof="0" dirty="0" err="1" smtClean="0">
+              <a:rPr kumimoji="0" lang="ko-KR" altLang="en-US" sz="1200" b="0" i="0" u="none" strike="noStrike" kern="0" cap="none" spc="0" normalizeH="0" baseline="0" noProof="0" dirty="0" err="1">
                 <a:ln>
                   <a:noFill/>
                 </a:ln>
@@ -14202,7 +14031,7 @@
               </a:rPr>
               <a:t>모수</a:t>
             </a:r>
-            <a:endParaRPr kumimoji="0" lang="ko-KR" altLang="en-US" sz="1200" b="0" i="0" u="none" strike="noStrike" kern="0" cap="none" spc="0" normalizeH="0" baseline="0" noProof="0" dirty="0" smtClean="0">
+            <a:endParaRPr kumimoji="0" lang="ko-KR" altLang="en-US" sz="1200" b="0" i="0" u="none" strike="noStrike" kern="0" cap="none" spc="0" normalizeH="0" baseline="0" noProof="0" dirty="0">
               <a:ln>
                 <a:noFill/>
               </a:ln>
@@ -14314,7 +14143,7 @@
               <a:tabLst/>
               <a:defRPr/>
             </a:pPr>
-            <a:endParaRPr kumimoji="0" lang="ko-KR" altLang="en-US" sz="1200" b="0" i="0" u="none" strike="noStrike" kern="0" cap="none" spc="0" normalizeH="0" baseline="0" noProof="0" smtClean="0">
+            <a:endParaRPr kumimoji="0" lang="ko-KR" altLang="en-US" sz="1200" b="0" i="0" u="none" strike="noStrike" kern="0" cap="none" spc="0" normalizeH="0" baseline="0" noProof="0">
               <a:ln>
                 <a:noFill/>
               </a:ln>
@@ -14412,7 +14241,7 @@
               <a:defRPr/>
             </a:pPr>
             <a:r>
-              <a:rPr kumimoji="0" lang="en-US" altLang="ko-KR" sz="1200" b="0" i="0" u="none" strike="noStrike" kern="0" cap="none" spc="0" normalizeH="0" baseline="0" noProof="0" dirty="0" smtClean="0">
+              <a:rPr kumimoji="0" lang="en-US" altLang="ko-KR" sz="1200" b="0" i="0" u="none" strike="noStrike" kern="0" cap="none" spc="0" normalizeH="0" baseline="0" noProof="0" dirty="0">
                 <a:ln>
                   <a:noFill/>
                 </a:ln>
@@ -14428,7 +14257,7 @@
               </a:rPr>
               <a:t>100</a:t>
             </a:r>
-            <a:endParaRPr kumimoji="0" lang="ko-KR" altLang="en-US" sz="1200" b="0" i="0" u="none" strike="noStrike" kern="0" cap="none" spc="0" normalizeH="0" baseline="0" noProof="0" dirty="0" smtClean="0">
+            <a:endParaRPr kumimoji="0" lang="ko-KR" altLang="en-US" sz="1200" b="0" i="0" u="none" strike="noStrike" kern="0" cap="none" spc="0" normalizeH="0" baseline="0" noProof="0" dirty="0">
               <a:ln>
                 <a:noFill/>
               </a:ln>
@@ -14478,7 +14307,7 @@
               <a:t>사용자 정의 </a:t>
             </a:r>
             <a:r>
-              <a:rPr lang="en-US" altLang="ko-KR" sz="1200" dirty="0" smtClean="0">
+              <a:rPr lang="en-US" altLang="ko-KR" sz="1200" dirty="0">
                 <a:solidFill>
                   <a:prstClr val="black"/>
                 </a:solidFill>
@@ -14487,13 +14316,13 @@
               <a:t>(</a:t>
             </a:r>
             <a:r>
-              <a:rPr lang="ko-KR" altLang="en-US" sz="1200" dirty="0" smtClean="0">
+              <a:rPr lang="ko-KR" altLang="en-US" sz="1200" dirty="0">
                 <a:latin typeface="Calibri" panose="020F0502020204030204"/>
               </a:rPr>
               <a:t>쉼표</a:t>
             </a:r>
             <a:r>
-              <a:rPr lang="en-US" altLang="ko-KR" sz="1200" dirty="0" smtClean="0">
+              <a:rPr lang="en-US" altLang="ko-KR" sz="1200" dirty="0">
                 <a:latin typeface="Calibri" panose="020F0502020204030204"/>
               </a:rPr>
               <a:t> </a:t>
@@ -14576,7 +14405,7 @@
               <a:tabLst/>
               <a:defRPr/>
             </a:pPr>
-            <a:endParaRPr kumimoji="0" lang="ko-KR" altLang="en-US" sz="1200" b="0" i="0" u="none" strike="noStrike" kern="0" cap="none" spc="0" normalizeH="0" baseline="0" noProof="0" smtClean="0">
+            <a:endParaRPr kumimoji="0" lang="ko-KR" altLang="en-US" sz="1200" b="0" i="0" u="none" strike="noStrike" kern="0" cap="none" spc="0" normalizeH="0" baseline="0" noProof="0">
               <a:ln>
                 <a:noFill/>
               </a:ln>
@@ -14638,7 +14467,7 @@
               <a:tabLst/>
               <a:defRPr/>
             </a:pPr>
-            <a:endParaRPr kumimoji="0" lang="ko-KR" altLang="en-US" sz="1200" b="0" i="0" u="none" strike="noStrike" kern="0" cap="none" spc="0" normalizeH="0" baseline="0" noProof="0" dirty="0" smtClean="0">
+            <a:endParaRPr kumimoji="0" lang="ko-KR" altLang="en-US" sz="1200" b="0" i="0" u="none" strike="noStrike" kern="0" cap="none" spc="0" normalizeH="0" baseline="0" noProof="0" dirty="0">
               <a:ln>
                 <a:noFill/>
               </a:ln>
@@ -14700,7 +14529,7 @@
               <a:tabLst/>
               <a:defRPr/>
             </a:pPr>
-            <a:endParaRPr kumimoji="0" lang="ko-KR" altLang="en-US" sz="1800" b="0" i="0" u="none" strike="noStrike" kern="0" cap="none" spc="0" normalizeH="0" baseline="0" noProof="0" dirty="0" smtClean="0">
+            <a:endParaRPr kumimoji="0" lang="ko-KR" altLang="en-US" sz="1800" b="0" i="0" u="none" strike="noStrike" kern="0" cap="none" spc="0" normalizeH="0" baseline="0" noProof="0" dirty="0">
               <a:ln>
                 <a:noFill/>
               </a:ln>
@@ -14762,7 +14591,7 @@
               <a:defRPr/>
             </a:pPr>
             <a:r>
-              <a:rPr kumimoji="0" lang="ko-KR" altLang="en-US" sz="1200" b="0" i="0" u="none" strike="noStrike" kern="0" cap="none" spc="0" normalizeH="0" baseline="0" noProof="0" dirty="0" smtClean="0">
+              <a:rPr kumimoji="0" lang="ko-KR" altLang="en-US" sz="1200" b="0" i="0" u="none" strike="noStrike" kern="0" cap="none" spc="0" normalizeH="0" baseline="0" noProof="0" dirty="0">
                 <a:ln>
                   <a:noFill/>
                 </a:ln>
@@ -14824,7 +14653,7 @@
               <a:defRPr/>
             </a:pPr>
             <a:r>
-              <a:rPr kumimoji="0" lang="ko-KR" altLang="en-US" sz="1200" b="0" i="0" u="none" strike="noStrike" kern="0" cap="none" spc="0" normalizeH="0" baseline="0" noProof="0" dirty="0" smtClean="0">
+              <a:rPr kumimoji="0" lang="ko-KR" altLang="en-US" sz="1200" b="0" i="0" u="none" strike="noStrike" kern="0" cap="none" spc="0" normalizeH="0" baseline="0" noProof="0" dirty="0">
                 <a:ln>
                   <a:noFill/>
                 </a:ln>
@@ -14886,7 +14715,7 @@
               <a:defRPr/>
             </a:pPr>
             <a:r>
-              <a:rPr kumimoji="0" lang="ko-KR" altLang="en-US" sz="1200" b="0" i="0" u="none" strike="noStrike" kern="0" cap="none" spc="0" normalizeH="0" baseline="0" noProof="0" dirty="0" smtClean="0">
+              <a:rPr kumimoji="0" lang="ko-KR" altLang="en-US" sz="1200" b="0" i="0" u="none" strike="noStrike" kern="0" cap="none" spc="0" normalizeH="0" baseline="0" noProof="0" dirty="0">
                 <a:ln>
                   <a:noFill/>
                 </a:ln>
@@ -14948,7 +14777,7 @@
               <a:defRPr/>
             </a:pPr>
             <a:r>
-              <a:rPr kumimoji="0" lang="ko-KR" altLang="en-US" sz="1200" b="0" i="0" u="none" strike="noStrike" kern="0" cap="none" spc="0" normalizeH="0" baseline="0" noProof="0" dirty="0" smtClean="0">
+              <a:rPr kumimoji="0" lang="ko-KR" altLang="en-US" sz="1200" b="0" i="0" u="none" strike="noStrike" kern="0" cap="none" spc="0" normalizeH="0" baseline="0" noProof="0" dirty="0">
                 <a:ln>
                   <a:noFill/>
                 </a:ln>
@@ -15012,7 +14841,7 @@
               <a:tabLst/>
               <a:defRPr/>
             </a:pPr>
-            <a:endParaRPr kumimoji="0" lang="ko-KR" altLang="en-US" sz="1800" b="0" i="0" u="none" strike="noStrike" kern="0" cap="none" spc="0" normalizeH="0" baseline="0" noProof="0" smtClean="0">
+            <a:endParaRPr kumimoji="0" lang="ko-KR" altLang="en-US" sz="1800" b="0" i="0" u="none" strike="noStrike" kern="0" cap="none" spc="0" normalizeH="0" baseline="0" noProof="0">
               <a:ln>
                 <a:noFill/>
               </a:ln>
@@ -15071,7 +14900,7 @@
               <a:defRPr/>
             </a:pPr>
             <a:r>
-              <a:rPr lang="ko-KR" altLang="en-US" sz="1200" kern="0" noProof="0" dirty="0" smtClean="0">
+              <a:rPr lang="ko-KR" altLang="en-US" sz="1200" kern="0" noProof="0" dirty="0">
                 <a:solidFill>
                   <a:prstClr val="black"/>
                 </a:solidFill>
@@ -15080,7 +14909,7 @@
               <a:t>탐색</a:t>
             </a:r>
             <a:r>
-              <a:rPr kumimoji="0" lang="ko-KR" altLang="en-US" sz="1200" b="0" i="0" u="none" strike="noStrike" kern="0" cap="none" spc="0" normalizeH="0" baseline="0" noProof="0" dirty="0" smtClean="0">
+              <a:rPr kumimoji="0" lang="ko-KR" altLang="en-US" sz="1200" b="0" i="0" u="none" strike="noStrike" kern="0" cap="none" spc="0" normalizeH="0" baseline="0" noProof="0" dirty="0">
                 <a:ln>
                   <a:noFill/>
                 </a:ln>
@@ -15106,7 +14935,7 @@
         <p:spPr>
           <a:xfrm>
             <a:off x="909915" y="4872177"/>
-            <a:ext cx="551754" cy="276999"/>
+            <a:ext cx="547842" cy="276999"/>
           </a:xfrm>
           <a:prstGeom prst="rect">
             <a:avLst/>
@@ -15121,7 +14950,7 @@
           <a:p>
             <a:pPr defTabSz="914400"/>
             <a:r>
-              <a:rPr lang="en-US" altLang="ko-KR" sz="1200" dirty="0" smtClean="0">
+              <a:rPr lang="en-US" altLang="ko-KR" sz="1200" dirty="0">
                 <a:solidFill>
                   <a:srgbClr val="00B050"/>
                 </a:solidFill>
@@ -15185,110 +15014,7 @@
               <a:tabLst/>
               <a:defRPr/>
             </a:pPr>
-            <a:endParaRPr kumimoji="0" lang="ko-KR" altLang="en-US" sz="1200" b="0" i="0" u="none" strike="noStrike" kern="0" cap="none" spc="0" normalizeH="0" baseline="0" noProof="0" smtClean="0">
-              <a:ln>
-                <a:noFill/>
-              </a:ln>
-              <a:solidFill>
-                <a:srgbClr val="00B050"/>
-              </a:solidFill>
-              <a:effectLst/>
-              <a:uLnTx/>
-              <a:uFillTx/>
-              <a:latin typeface="Calibri" panose="020F0502020204030204"/>
-              <a:ea typeface="맑은 고딕" panose="020B0503020000020004" pitchFamily="34" charset="-127"/>
-              <a:cs typeface="+mn-cs"/>
-            </a:endParaRPr>
-          </a:p>
-        </p:txBody>
-      </p:sp>
-      <p:sp>
-        <p:nvSpPr>
-          <p:cNvPr id="44" name="TextBox 43"/>
-          <p:cNvSpPr txBox="1"/>
-          <p:nvPr/>
-        </p:nvSpPr>
-        <p:spPr>
-          <a:xfrm>
-            <a:off x="909915" y="5451575"/>
-            <a:ext cx="1163267" cy="276999"/>
-          </a:xfrm>
-          <a:prstGeom prst="rect">
-            <a:avLst/>
-          </a:prstGeom>
-          <a:noFill/>
-        </p:spPr>
-        <p:txBody>
-          <a:bodyPr wrap="none" rtlCol="0">
-            <a:spAutoFit/>
-          </a:bodyPr>
-          <a:lstStyle/>
-          <a:p>
-            <a:pPr defTabSz="914400"/>
-            <a:r>
-              <a:rPr lang="en-US" altLang="ko-KR" sz="1200" dirty="0" smtClean="0">
-                <a:solidFill>
-                  <a:srgbClr val="00B050"/>
-                </a:solidFill>
-                <a:latin typeface="Calibri" panose="020F0502020204030204"/>
-              </a:rPr>
-              <a:t>Leave-One-Out</a:t>
-            </a:r>
-            <a:endParaRPr lang="ko-KR" altLang="en-US" sz="1200" dirty="0">
-              <a:solidFill>
-                <a:srgbClr val="00B050"/>
-              </a:solidFill>
-              <a:latin typeface="Calibri" panose="020F0502020204030204"/>
-            </a:endParaRPr>
-          </a:p>
-        </p:txBody>
-      </p:sp>
-      <p:sp>
-        <p:nvSpPr>
-          <p:cNvPr id="45" name="타원 100"/>
-          <p:cNvSpPr/>
-          <p:nvPr/>
-        </p:nvSpPr>
-        <p:spPr>
-          <a:xfrm>
-            <a:off x="820211" y="5543492"/>
-            <a:ext cx="75672" cy="72001"/>
-          </a:xfrm>
-          <a:prstGeom prst="ellipse">
-            <a:avLst/>
-          </a:prstGeom>
-          <a:noFill/>
-          <a:ln w="12700" cap="flat" cmpd="sng" algn="ctr">
-            <a:solidFill>
-              <a:sysClr val="windowText" lastClr="000000"/>
-            </a:solidFill>
-            <a:prstDash val="solid"/>
-            <a:miter lim="800000"/>
-          </a:ln>
-          <a:effectLst/>
-        </p:spPr>
-        <p:txBody>
-          <a:bodyPr rtlCol="0" anchor="ctr"/>
-          <a:lstStyle/>
-          <a:p>
-            <a:pPr marL="0" marR="0" lvl="0" indent="0" algn="ctr" defTabSz="914400" eaLnBrk="1" fontAlgn="auto" latinLnBrk="0" hangingPunct="1">
-              <a:lnSpc>
-                <a:spcPct val="100000"/>
-              </a:lnSpc>
-              <a:spcBef>
-                <a:spcPts val="0"/>
-              </a:spcBef>
-              <a:spcAft>
-                <a:spcPts val="0"/>
-              </a:spcAft>
-              <a:buClrTx/>
-              <a:buSzTx/>
-              <a:buFontTx/>
-              <a:buNone/>
-              <a:tabLst/>
-              <a:defRPr/>
-            </a:pPr>
-            <a:endParaRPr kumimoji="0" lang="ko-KR" altLang="en-US" sz="1200" b="0" i="0" u="none" strike="noStrike" kern="0" cap="none" spc="0" normalizeH="0" baseline="0" noProof="0" smtClean="0">
+            <a:endParaRPr kumimoji="0" lang="ko-KR" altLang="en-US" sz="1200" b="0" i="0" u="none" strike="noStrike" kern="0" cap="none" spc="0" normalizeH="0" baseline="0" noProof="0">
               <a:ln>
                 <a:noFill/>
               </a:ln>
@@ -15352,7 +15078,7 @@
               <a:tabLst/>
               <a:defRPr/>
             </a:pPr>
-            <a:endParaRPr kumimoji="0" lang="ko-KR" altLang="en-US" sz="1800" b="0" i="0" u="none" strike="noStrike" kern="0" cap="none" spc="0" normalizeH="0" baseline="0" noProof="0" smtClean="0">
+            <a:endParaRPr kumimoji="0" lang="ko-KR" altLang="en-US" sz="1800" b="0" i="0" u="none" strike="noStrike" kern="0" cap="none" spc="0" normalizeH="0" baseline="0" noProof="0">
               <a:ln>
                 <a:noFill/>
               </a:ln>
@@ -15411,7 +15137,7 @@
               <a:defRPr/>
             </a:pPr>
             <a:r>
-              <a:rPr kumimoji="0" lang="ko-KR" altLang="en-US" sz="1200" b="0" i="0" u="none" strike="noStrike" kern="0" cap="none" spc="0" normalizeH="0" baseline="0" noProof="0" dirty="0" smtClean="0">
+              <a:rPr kumimoji="0" lang="ko-KR" altLang="en-US" sz="1200" b="0" i="0" u="none" strike="noStrike" kern="0" cap="none" spc="0" normalizeH="0" baseline="0" noProof="0" dirty="0">
                 <a:ln>
                   <a:noFill/>
                 </a:ln>
@@ -15452,13 +15178,13 @@
           <a:p>
             <a:pPr defTabSz="914400"/>
             <a:r>
-              <a:rPr lang="ko-KR" altLang="en-US" sz="1200" dirty="0" smtClean="0">
+              <a:rPr lang="ko-KR" altLang="en-US" sz="1200" dirty="0">
                 <a:latin typeface="Calibri" panose="020F0502020204030204"/>
               </a:rPr>
               <a:t>평균표준오차</a:t>
             </a:r>
             <a:r>
-              <a:rPr lang="en-US" altLang="ko-KR" sz="1200" dirty="0" smtClean="0">
+              <a:rPr lang="en-US" altLang="ko-KR" sz="1200" dirty="0">
                 <a:latin typeface="Calibri" panose="020F0502020204030204"/>
               </a:rPr>
               <a:t> (MSE)</a:t>
@@ -15516,7 +15242,7 @@
               <a:tabLst/>
               <a:defRPr/>
             </a:pPr>
-            <a:endParaRPr kumimoji="0" lang="ko-KR" altLang="en-US" sz="1200" b="0" i="0" u="none" strike="noStrike" kern="0" cap="none" spc="0" normalizeH="0" baseline="0" noProof="0" smtClean="0">
+            <a:endParaRPr kumimoji="0" lang="ko-KR" altLang="en-US" sz="1200" b="0" i="0" u="none" strike="noStrike" kern="0" cap="none" spc="0" normalizeH="0" baseline="0" noProof="0">
               <a:ln>
                 <a:noFill/>
               </a:ln>
@@ -15554,13 +15280,13 @@
           <a:p>
             <a:pPr defTabSz="914400"/>
             <a:r>
-              <a:rPr lang="ko-KR" altLang="en-US" sz="1200" dirty="0" smtClean="0">
+              <a:rPr lang="ko-KR" altLang="en-US" sz="1200" dirty="0">
                 <a:latin typeface="Calibri" panose="020F0502020204030204"/>
               </a:rPr>
               <a:t>평균절대오차 </a:t>
             </a:r>
             <a:r>
-              <a:rPr lang="en-US" altLang="ko-KR" sz="1200" dirty="0" smtClean="0">
+              <a:rPr lang="en-US" altLang="ko-KR" sz="1200" dirty="0">
                 <a:latin typeface="Calibri" panose="020F0502020204030204"/>
               </a:rPr>
               <a:t>(MAE)</a:t>
@@ -15616,7 +15342,7 @@
               <a:tabLst/>
               <a:defRPr/>
             </a:pPr>
-            <a:endParaRPr kumimoji="0" lang="ko-KR" altLang="en-US" sz="1200" b="0" i="0" u="none" strike="noStrike" kern="0" cap="none" spc="0" normalizeH="0" baseline="0" noProof="0" smtClean="0">
+            <a:endParaRPr kumimoji="0" lang="ko-KR" altLang="en-US" sz="1200" b="0" i="0" u="none" strike="noStrike" kern="0" cap="none" spc="0" normalizeH="0" baseline="0" noProof="0">
               <a:ln>
                 <a:noFill/>
               </a:ln>
@@ -15677,7 +15403,7 @@
               <a:tabLst/>
               <a:defRPr/>
             </a:pPr>
-            <a:endParaRPr kumimoji="0" lang="ko-KR" altLang="en-US" sz="1800" b="0" i="0" u="none" strike="noStrike" kern="0" cap="none" spc="0" normalizeH="0" baseline="0" noProof="0" smtClean="0">
+            <a:endParaRPr kumimoji="0" lang="ko-KR" altLang="en-US" sz="1800" b="0" i="0" u="none" strike="noStrike" kern="0" cap="none" spc="0" normalizeH="0" baseline="0" noProof="0">
               <a:ln>
                 <a:noFill/>
               </a:ln>
@@ -15733,12 +15459,12 @@
               <a:defRPr/>
             </a:pPr>
             <a:r>
-              <a:rPr lang="ko-KR" altLang="en-US" sz="1200" kern="0" noProof="0" dirty="0" smtClean="0">
+              <a:rPr lang="ko-KR" altLang="en-US" sz="1200" kern="0" noProof="0" dirty="0">
                 <a:latin typeface="Calibri" panose="020F0502020204030204"/>
               </a:rPr>
               <a:t>정확도 지표</a:t>
             </a:r>
-            <a:endParaRPr kumimoji="0" lang="ko-KR" altLang="en-US" sz="1200" b="0" i="0" u="none" strike="noStrike" kern="0" cap="none" spc="0" normalizeH="0" baseline="0" noProof="0" dirty="0" smtClean="0">
+            <a:endParaRPr kumimoji="0" lang="ko-KR" altLang="en-US" sz="1200" b="0" i="0" u="none" strike="noStrike" kern="0" cap="none" spc="0" normalizeH="0" baseline="0" noProof="0" dirty="0">
               <a:ln>
                 <a:noFill/>
               </a:ln>
@@ -15774,7 +15500,7 @@
           <a:p>
             <a:pPr defTabSz="914400"/>
             <a:r>
-              <a:rPr lang="en-US" altLang="ko-KR" sz="1200" dirty="0" smtClean="0">
+              <a:rPr lang="en-US" altLang="ko-KR" sz="1200" dirty="0">
                 <a:solidFill>
                   <a:srgbClr val="00B050"/>
                 </a:solidFill>
@@ -15837,7 +15563,7 @@
               <a:defRPr/>
             </a:pPr>
             <a:r>
-              <a:rPr kumimoji="0" lang="en-US" altLang="ko-KR" sz="1200" b="0" i="0" u="none" strike="noStrike" kern="0" cap="none" spc="0" normalizeH="0" baseline="0" noProof="0" dirty="0" smtClean="0">
+              <a:rPr kumimoji="0" lang="en-US" altLang="ko-KR" sz="1200" b="0" i="0" u="none" strike="noStrike" kern="0" cap="none" spc="0" normalizeH="0" baseline="0" noProof="0" dirty="0">
                 <a:ln>
                   <a:noFill/>
                 </a:ln>
@@ -15853,7 +15579,7 @@
               </a:rPr>
               <a:t>10</a:t>
             </a:r>
-            <a:endParaRPr kumimoji="0" lang="ko-KR" altLang="en-US" sz="1200" b="0" i="0" u="none" strike="noStrike" kern="0" cap="none" spc="0" normalizeH="0" baseline="0" noProof="0" dirty="0" smtClean="0">
+            <a:endParaRPr kumimoji="0" lang="ko-KR" altLang="en-US" sz="1200" b="0" i="0" u="none" strike="noStrike" kern="0" cap="none" spc="0" normalizeH="0" baseline="0" noProof="0" dirty="0">
               <a:ln>
                 <a:noFill/>
               </a:ln>
@@ -15880,13 +15606,6 @@
   <p:clrMapOvr>
     <a:masterClrMapping/>
   </p:clrMapOvr>
-  <p:timing>
-    <p:tnLst>
-      <p:par>
-        <p:cTn id="1" dur="indefinite" restart="never" nodeType="tmRoot"/>
-      </p:par>
-    </p:tnLst>
-  </p:timing>
 </p:sld>
 </file>
 
@@ -16111,7 +15830,7 @@
               <a:defRPr/>
             </a:pPr>
             <a:r>
-              <a:rPr kumimoji="0" lang="ko-KR" altLang="en-US" sz="1400" b="0" i="0" u="none" strike="noStrike" kern="1200" cap="none" spc="0" normalizeH="0" baseline="0" noProof="0" dirty="0" smtClean="0">
+              <a:rPr kumimoji="0" lang="ko-KR" altLang="en-US" sz="1400" b="0" i="0" u="none" strike="noStrike" kern="1200" cap="none" spc="0" normalizeH="0" baseline="0" noProof="0" dirty="0">
                 <a:ln>
                   <a:noFill/>
                 </a:ln>
@@ -16124,7 +15843,7 @@
               </a:rPr>
               <a:t>자료분할</a:t>
             </a:r>
-            <a:endParaRPr kumimoji="0" lang="en-US" altLang="ko-KR" sz="1400" b="0" i="0" u="none" strike="noStrike" kern="1200" cap="none" spc="0" normalizeH="0" baseline="0" noProof="0" dirty="0" smtClean="0">
+            <a:endParaRPr kumimoji="0" lang="en-US" altLang="ko-KR" sz="1400" b="0" i="0" u="none" strike="noStrike" kern="1200" cap="none" spc="0" normalizeH="0" baseline="0" noProof="0" dirty="0">
               <a:ln>
                 <a:noFill/>
               </a:ln>
@@ -16154,7 +15873,7 @@
               <a:tabLst/>
               <a:defRPr/>
             </a:pPr>
-            <a:endParaRPr kumimoji="0" lang="en-US" altLang="ko-KR" sz="1400" b="0" i="0" u="none" strike="noStrike" kern="1200" cap="none" spc="0" normalizeH="0" baseline="0" noProof="0" dirty="0" smtClean="0">
+            <a:endParaRPr kumimoji="0" lang="en-US" altLang="ko-KR" sz="1400" b="0" i="0" u="none" strike="noStrike" kern="1200" cap="none" spc="0" normalizeH="0" baseline="0" noProof="0" dirty="0">
               <a:ln>
                 <a:noFill/>
               </a:ln>
@@ -16184,7 +15903,7 @@
               <a:tabLst/>
               <a:defRPr/>
             </a:pPr>
-            <a:endParaRPr kumimoji="0" lang="en-US" altLang="ko-KR" sz="1400" b="0" i="0" u="none" strike="noStrike" kern="1200" cap="none" spc="0" normalizeH="0" baseline="0" noProof="0" dirty="0" smtClean="0">
+            <a:endParaRPr kumimoji="0" lang="en-US" altLang="ko-KR" sz="1400" b="0" i="0" u="none" strike="noStrike" kern="1200" cap="none" spc="0" normalizeH="0" baseline="0" noProof="0" dirty="0">
               <a:ln>
                 <a:noFill/>
               </a:ln>
@@ -16320,7 +16039,7 @@
                     <a:p>
                       <a:pPr algn="ctr" latinLnBrk="1"/>
                       <a:r>
-                        <a:rPr lang="en-US" altLang="ko-KR" sz="1200" b="1" dirty="0" smtClean="0">
+                        <a:rPr lang="en-US" altLang="ko-KR" sz="1200" b="1" dirty="0">
                           <a:solidFill>
                             <a:sysClr val="windowText" lastClr="000000"/>
                           </a:solidFill>
@@ -16458,7 +16177,7 @@
                     <a:p>
                       <a:pPr algn="ctr" latinLnBrk="1"/>
                       <a:r>
-                        <a:rPr lang="en-US" altLang="ko-KR" sz="1200" b="1" dirty="0" smtClean="0">
+                        <a:rPr lang="en-US" altLang="ko-KR" sz="1200" b="1" dirty="0">
                           <a:solidFill>
                             <a:sysClr val="windowText" lastClr="000000"/>
                           </a:solidFill>
@@ -16614,7 +16333,7 @@
                     <a:p>
                       <a:pPr algn="ctr" latinLnBrk="1"/>
                       <a:r>
-                        <a:rPr lang="ko-KR" altLang="en-US" sz="1200" b="1" dirty="0" smtClean="0">
+                        <a:rPr lang="ko-KR" altLang="en-US" sz="1200" b="1" dirty="0">
                           <a:solidFill>
                             <a:sysClr val="windowText" lastClr="000000"/>
                           </a:solidFill>
@@ -16713,7 +16432,7 @@
                     <a:p>
                       <a:pPr algn="ctr" latinLnBrk="1"/>
                       <a:r>
-                        <a:rPr lang="en-US" altLang="ko-KR" sz="1200" b="1" dirty="0" smtClean="0">
+                        <a:rPr lang="en-US" altLang="ko-KR" sz="1200" b="1" dirty="0">
                           <a:solidFill>
                             <a:sysClr val="windowText" lastClr="000000"/>
                           </a:solidFill>
@@ -16739,7 +16458,7 @@
                     <a:p>
                       <a:pPr algn="ctr" latinLnBrk="1"/>
                       <a:r>
-                        <a:rPr lang="en-US" altLang="ko-KR" sz="1200" b="1" dirty="0" smtClean="0">
+                        <a:rPr lang="en-US" altLang="ko-KR" sz="1200" b="1" dirty="0">
                           <a:solidFill>
                             <a:sysClr val="windowText" lastClr="000000"/>
                           </a:solidFill>
@@ -16838,7 +16557,7 @@
                     <a:p>
                       <a:pPr algn="ctr" latinLnBrk="1"/>
                       <a:r>
-                        <a:rPr lang="ko-KR" altLang="en-US" sz="1200" b="1" dirty="0" smtClean="0">
+                        <a:rPr lang="ko-KR" altLang="en-US" sz="1200" b="1" dirty="0">
                           <a:solidFill>
                             <a:sysClr val="windowText" lastClr="000000"/>
                           </a:solidFill>
@@ -16937,7 +16656,7 @@
                     <a:p>
                       <a:pPr algn="ctr" latinLnBrk="1"/>
                       <a:r>
-                        <a:rPr lang="en-US" altLang="ko-KR" sz="1200" b="1" dirty="0" smtClean="0">
+                        <a:rPr lang="en-US" altLang="ko-KR" sz="1200" b="1" dirty="0">
                           <a:solidFill>
                             <a:sysClr val="windowText" lastClr="000000"/>
                           </a:solidFill>
@@ -17043,7 +16762,7 @@
                     <a:p>
                       <a:pPr latinLnBrk="1"/>
                       <a:r>
-                        <a:rPr lang="ko-KR" altLang="en-US" sz="1200" dirty="0" smtClean="0">
+                        <a:rPr lang="ko-KR" altLang="en-US" sz="1200" dirty="0">
                           <a:solidFill>
                             <a:sysClr val="windowText" lastClr="000000"/>
                           </a:solidFill>
@@ -17052,13 +16771,6 @@
                         </a:rPr>
                         <a:t>변수목록</a:t>
                       </a:r>
-                      <a:endParaRPr lang="ko-KR" altLang="en-US" sz="1200" dirty="0">
-                        <a:solidFill>
-                          <a:sysClr val="windowText" lastClr="000000"/>
-                        </a:solidFill>
-                        <a:latin typeface="+mn-lt"/>
-                        <a:ea typeface="+mn-ea"/>
-                      </a:endParaRPr>
                     </a:p>
                   </a:txBody>
                   <a:tcPr/>
@@ -17163,7 +16875,7 @@
                         <a:buChar char="•"/>
                       </a:pPr>
                       <a:r>
-                        <a:rPr kumimoji="0" lang="ko-KR" altLang="en-US" sz="1200" b="0" i="0" u="none" strike="noStrike" kern="1200" cap="none" spc="0" normalizeH="0" baseline="0" noProof="0" dirty="0" smtClean="0">
+                        <a:rPr kumimoji="0" lang="ko-KR" altLang="en-US" sz="1200" b="0" i="0" u="none" strike="noStrike" kern="1200" cap="none" spc="0" normalizeH="0" baseline="0" noProof="0" dirty="0">
                           <a:ln>
                             <a:noFill/>
                           </a:ln>
@@ -17180,7 +16892,7 @@
                         <a:t>변수설정 탭에서 선택되고 남은 변수들의 목록</a:t>
                       </a:r>
                       <a:r>
-                        <a:rPr kumimoji="0" lang="en-US" altLang="ko-KR" sz="1200" b="0" i="0" u="none" strike="noStrike" kern="1200" cap="none" spc="0" normalizeH="0" baseline="0" noProof="0" dirty="0" smtClean="0">
+                        <a:rPr kumimoji="0" lang="en-US" altLang="ko-KR" sz="1200" b="0" i="0" u="none" strike="noStrike" kern="1200" cap="none" spc="0" normalizeH="0" baseline="0" noProof="0" dirty="0">
                           <a:ln>
                             <a:noFill/>
                           </a:ln>
@@ -17203,7 +16915,7 @@
                         <a:buChar char="•"/>
                       </a:pPr>
                       <a:r>
-                        <a:rPr kumimoji="0" lang="ko-KR" altLang="en-US" sz="1200" b="0" i="0" u="none" strike="noStrike" kern="1200" cap="none" spc="0" normalizeH="0" baseline="0" noProof="0" dirty="0" smtClean="0">
+                        <a:rPr kumimoji="0" lang="ko-KR" altLang="en-US" sz="1200" b="0" i="0" u="none" strike="noStrike" kern="1200" cap="none" spc="0" normalizeH="0" baseline="0" noProof="0" dirty="0">
                           <a:ln>
                             <a:noFill/>
                           </a:ln>
@@ -17220,7 +16932,7 @@
                         <a:t>즉</a:t>
                       </a:r>
                       <a:r>
-                        <a:rPr kumimoji="0" lang="en-US" altLang="ko-KR" sz="1200" b="0" i="0" u="none" strike="noStrike" kern="1200" cap="none" spc="0" normalizeH="0" baseline="0" noProof="0" dirty="0" smtClean="0">
+                        <a:rPr kumimoji="0" lang="en-US" altLang="ko-KR" sz="1200" b="0" i="0" u="none" strike="noStrike" kern="1200" cap="none" spc="0" normalizeH="0" baseline="0" noProof="0" dirty="0">
                           <a:ln>
                             <a:noFill/>
                           </a:ln>
@@ -17237,7 +16949,7 @@
                         <a:t>, </a:t>
                       </a:r>
                       <a:r>
-                        <a:rPr kumimoji="0" lang="ko-KR" altLang="en-US" sz="1200" b="0" i="0" u="none" strike="noStrike" kern="1200" cap="none" spc="0" normalizeH="0" baseline="0" noProof="0" dirty="0" smtClean="0">
+                        <a:rPr kumimoji="0" lang="ko-KR" altLang="en-US" sz="1200" b="0" i="0" u="none" strike="noStrike" kern="1200" cap="none" spc="0" normalizeH="0" baseline="0" noProof="0" dirty="0">
                           <a:ln>
                             <a:noFill/>
                           </a:ln>
@@ -17254,7 +16966,7 @@
                         <a:t>변수설정에서 종속변수</a:t>
                       </a:r>
                       <a:r>
-                        <a:rPr kumimoji="0" lang="en-US" altLang="ko-KR" sz="1200" b="0" i="0" u="none" strike="noStrike" kern="1200" cap="none" spc="0" normalizeH="0" baseline="0" noProof="0" dirty="0" smtClean="0">
+                        <a:rPr kumimoji="0" lang="en-US" altLang="ko-KR" sz="1200" b="0" i="0" u="none" strike="noStrike" kern="1200" cap="none" spc="0" normalizeH="0" baseline="0" noProof="0" dirty="0">
                           <a:ln>
                             <a:noFill/>
                           </a:ln>
@@ -17271,7 +16983,7 @@
                         <a:t>, </a:t>
                       </a:r>
                       <a:r>
-                        <a:rPr kumimoji="0" lang="ko-KR" altLang="en-US" sz="1200" b="0" i="0" u="none" strike="noStrike" kern="1200" cap="none" spc="0" normalizeH="0" baseline="0" noProof="0" dirty="0" err="1" smtClean="0">
+                        <a:rPr kumimoji="0" lang="ko-KR" altLang="en-US" sz="1200" b="0" i="0" u="none" strike="noStrike" kern="1200" cap="none" spc="0" normalizeH="0" baseline="0" noProof="0" dirty="0" err="1">
                           <a:ln>
                             <a:noFill/>
                           </a:ln>
@@ -17288,7 +17000,7 @@
                         <a:t>질적변수</a:t>
                       </a:r>
                       <a:r>
-                        <a:rPr kumimoji="0" lang="en-US" altLang="ko-KR" sz="1200" b="0" i="0" u="none" strike="noStrike" kern="1200" cap="none" spc="0" normalizeH="0" baseline="0" noProof="0" dirty="0" smtClean="0">
+                        <a:rPr kumimoji="0" lang="en-US" altLang="ko-KR" sz="1200" b="0" i="0" u="none" strike="noStrike" kern="1200" cap="none" spc="0" normalizeH="0" baseline="0" noProof="0" dirty="0">
                           <a:ln>
                             <a:noFill/>
                           </a:ln>
@@ -17305,7 +17017,7 @@
                         <a:t>, </a:t>
                       </a:r>
                       <a:r>
-                        <a:rPr kumimoji="0" lang="ko-KR" altLang="en-US" sz="1200" b="0" i="0" u="none" strike="noStrike" kern="1200" cap="none" spc="0" normalizeH="0" baseline="0" noProof="0" dirty="0" err="1" smtClean="0">
+                        <a:rPr kumimoji="0" lang="ko-KR" altLang="en-US" sz="1200" b="0" i="0" u="none" strike="noStrike" kern="1200" cap="none" spc="0" normalizeH="0" baseline="0" noProof="0" dirty="0" err="1">
                           <a:ln>
                             <a:noFill/>
                           </a:ln>
@@ -17322,7 +17034,7 @@
                         <a:t>양적변수로</a:t>
                       </a:r>
                       <a:r>
-                        <a:rPr kumimoji="0" lang="ko-KR" altLang="en-US" sz="1200" b="0" i="0" u="none" strike="noStrike" kern="1200" cap="none" spc="0" normalizeH="0" baseline="0" noProof="0" dirty="0" smtClean="0">
+                        <a:rPr kumimoji="0" lang="ko-KR" altLang="en-US" sz="1200" b="0" i="0" u="none" strike="noStrike" kern="1200" cap="none" spc="0" normalizeH="0" baseline="0" noProof="0" dirty="0">
                           <a:ln>
                             <a:noFill/>
                           </a:ln>
@@ -17546,7 +17258,7 @@
                     <a:p>
                       <a:pPr latinLnBrk="1"/>
                       <a:r>
-                        <a:rPr lang="ko-KR" altLang="en-US" sz="1200" dirty="0" smtClean="0">
+                        <a:rPr lang="ko-KR" altLang="en-US" sz="1200" dirty="0">
                           <a:solidFill>
                             <a:sysClr val="windowText" lastClr="000000"/>
                           </a:solidFill>
@@ -17556,7 +17268,7 @@
                         <a:t>훈련 및 검증</a:t>
                       </a:r>
                       <a:r>
-                        <a:rPr lang="ko-KR" altLang="en-US" sz="1200" baseline="0" dirty="0" smtClean="0">
+                        <a:rPr lang="ko-KR" altLang="en-US" sz="1200" baseline="0" dirty="0">
                           <a:solidFill>
                             <a:sysClr val="windowText" lastClr="000000"/>
                           </a:solidFill>
@@ -17566,7 +17278,7 @@
                         <a:t> </a:t>
                       </a:r>
                       <a:r>
-                        <a:rPr lang="en-US" altLang="ko-KR" sz="1200" baseline="0" dirty="0" smtClean="0">
+                        <a:rPr lang="en-US" altLang="ko-KR" sz="1200" baseline="0" dirty="0">
                           <a:solidFill>
                             <a:sysClr val="windowText" lastClr="000000"/>
                           </a:solidFill>
@@ -17576,7 +17288,7 @@
                         <a:t>(</a:t>
                       </a:r>
                       <a:r>
-                        <a:rPr lang="ko-KR" altLang="en-US" sz="1200" baseline="0" dirty="0" smtClean="0">
+                        <a:rPr lang="ko-KR" altLang="en-US" sz="1200" baseline="0" dirty="0">
                           <a:solidFill>
                             <a:sysClr val="windowText" lastClr="000000"/>
                           </a:solidFill>
@@ -17586,7 +17298,7 @@
                         <a:t>필수</a:t>
                       </a:r>
                       <a:r>
-                        <a:rPr lang="en-US" altLang="ko-KR" sz="1200" baseline="0" dirty="0" smtClean="0">
+                        <a:rPr lang="en-US" altLang="ko-KR" sz="1200" baseline="0" dirty="0">
                           <a:solidFill>
                             <a:sysClr val="windowText" lastClr="000000"/>
                           </a:solidFill>
@@ -17686,7 +17398,7 @@
                     <a:p>
                       <a:pPr latinLnBrk="1"/>
                       <a:r>
-                        <a:rPr lang="en-US" altLang="ko-KR" sz="1200" dirty="0" smtClean="0">
+                        <a:rPr lang="en-US" altLang="ko-KR" sz="1200" dirty="0">
                           <a:solidFill>
                             <a:sysClr val="windowText" lastClr="000000"/>
                           </a:solidFill>
@@ -17729,7 +17441,7 @@
                         <a:defRPr/>
                       </a:pPr>
                       <a:r>
-                        <a:rPr kumimoji="0" lang="en-US" altLang="ko-KR" sz="1200" b="0" i="0" u="none" strike="noStrike" kern="1200" cap="none" spc="0" normalizeH="0" baseline="0" noProof="0" dirty="0" smtClean="0">
+                        <a:rPr kumimoji="0" lang="en-US" altLang="ko-KR" sz="1200" b="0" i="0" u="none" strike="noStrike" kern="1200" cap="none" spc="0" normalizeH="0" baseline="0" noProof="0" dirty="0">
                           <a:ln>
                             <a:noFill/>
                           </a:ln>
@@ -17746,7 +17458,7 @@
                         <a:t>‘</a:t>
                       </a:r>
                       <a:r>
-                        <a:rPr kumimoji="0" lang="ko-KR" altLang="en-US" sz="1200" b="0" i="0" u="none" strike="noStrike" kern="1200" cap="none" spc="0" normalizeH="0" baseline="0" noProof="0" dirty="0" smtClean="0">
+                        <a:rPr kumimoji="0" lang="ko-KR" altLang="en-US" sz="1200" b="0" i="0" u="none" strike="noStrike" kern="1200" cap="none" spc="0" normalizeH="0" baseline="0" noProof="0" dirty="0">
                           <a:ln>
                             <a:noFill/>
                           </a:ln>
@@ -17763,7 +17475,7 @@
                         <a:t>모든 데이터를 훈련에 이용</a:t>
                       </a:r>
                       <a:r>
-                        <a:rPr kumimoji="0" lang="en-US" altLang="ko-KR" sz="1200" b="0" i="0" u="none" strike="noStrike" kern="1200" cap="none" spc="0" normalizeH="0" baseline="0" noProof="0" dirty="0" smtClean="0">
+                        <a:rPr kumimoji="0" lang="en-US" altLang="ko-KR" sz="1200" b="0" i="0" u="none" strike="noStrike" kern="1200" cap="none" spc="0" normalizeH="0" baseline="0" noProof="0" dirty="0">
                           <a:ln>
                             <a:noFill/>
                           </a:ln>
@@ -17780,7 +17492,7 @@
                         <a:t>’,</a:t>
                       </a:r>
                       <a:r>
-                        <a:rPr kumimoji="0" lang="ko-KR" altLang="en-US" sz="1200" b="0" i="0" u="none" strike="noStrike" kern="1200" cap="none" spc="0" normalizeH="0" baseline="0" noProof="0" dirty="0" smtClean="0">
+                        <a:rPr kumimoji="0" lang="ko-KR" altLang="en-US" sz="1200" b="0" i="0" u="none" strike="noStrike" kern="1200" cap="none" spc="0" normalizeH="0" baseline="0" noProof="0" dirty="0">
                           <a:ln>
                             <a:noFill/>
                           </a:ln>
@@ -17797,7 +17509,7 @@
                         <a:t> </a:t>
                       </a:r>
                       <a:r>
-                        <a:rPr kumimoji="0" lang="en-US" altLang="ko-KR" sz="1200" b="0" i="0" u="none" strike="noStrike" kern="1200" cap="none" spc="0" normalizeH="0" baseline="0" noProof="0" dirty="0" smtClean="0">
+                        <a:rPr kumimoji="0" lang="en-US" altLang="ko-KR" sz="1200" b="0" i="0" u="none" strike="noStrike" kern="1200" cap="none" spc="0" normalizeH="0" baseline="0" noProof="0" dirty="0">
                           <a:ln>
                             <a:noFill/>
                           </a:ln>
@@ -17814,7 +17526,7 @@
                         <a:t>‘</a:t>
                       </a:r>
                       <a:r>
-                        <a:rPr kumimoji="0" lang="ko-KR" altLang="en-US" sz="1200" b="0" i="0" u="none" strike="noStrike" kern="1200" cap="none" spc="0" normalizeH="0" baseline="0" noProof="0" dirty="0" smtClean="0">
+                        <a:rPr kumimoji="0" lang="ko-KR" altLang="en-US" sz="1200" b="0" i="0" u="none" strike="noStrike" kern="1200" cap="none" spc="0" normalizeH="0" baseline="0" noProof="0" dirty="0">
                           <a:ln>
                             <a:noFill/>
                           </a:ln>
@@ -17831,7 +17543,7 @@
                         <a:t>비율에 따라 임의로 분할</a:t>
                       </a:r>
                       <a:r>
-                        <a:rPr kumimoji="0" lang="en-US" altLang="ko-KR" sz="1200" b="0" i="0" u="none" strike="noStrike" kern="1200" cap="none" spc="0" normalizeH="0" baseline="0" noProof="0" dirty="0" smtClean="0">
+                        <a:rPr kumimoji="0" lang="en-US" altLang="ko-KR" sz="1200" b="0" i="0" u="none" strike="noStrike" kern="1200" cap="none" spc="0" normalizeH="0" baseline="0" noProof="0" dirty="0">
                           <a:ln>
                             <a:noFill/>
                           </a:ln>
@@ -17848,7 +17560,7 @@
                         <a:t>’, ‘</a:t>
                       </a:r>
                       <a:r>
-                        <a:rPr kumimoji="0" lang="ko-KR" altLang="en-US" sz="1200" b="0" i="0" u="none" strike="noStrike" kern="1200" cap="none" spc="0" normalizeH="0" baseline="0" noProof="0" dirty="0" smtClean="0">
+                        <a:rPr kumimoji="0" lang="ko-KR" altLang="en-US" sz="1200" b="0" i="0" u="none" strike="noStrike" kern="1200" cap="none" spc="0" normalizeH="0" baseline="0" noProof="0" dirty="0">
                           <a:ln>
                             <a:noFill/>
                           </a:ln>
@@ -17865,7 +17577,7 @@
                         <a:t>변수로 분할</a:t>
                       </a:r>
                       <a:r>
-                        <a:rPr kumimoji="0" lang="en-US" altLang="ko-KR" sz="1200" b="0" i="0" u="none" strike="noStrike" kern="1200" cap="none" spc="0" normalizeH="0" baseline="0" noProof="0" dirty="0" smtClean="0">
+                        <a:rPr kumimoji="0" lang="en-US" altLang="ko-KR" sz="1200" b="0" i="0" u="none" strike="noStrike" kern="1200" cap="none" spc="0" normalizeH="0" baseline="0" noProof="0" dirty="0">
                           <a:ln>
                             <a:noFill/>
                           </a:ln>
@@ -17882,7 +17594,7 @@
                         <a:t>’ </a:t>
                       </a:r>
                       <a:r>
-                        <a:rPr kumimoji="0" lang="ko-KR" altLang="en-US" sz="1200" b="0" i="0" u="none" strike="noStrike" kern="1200" cap="none" spc="0" normalizeH="0" baseline="0" noProof="0" dirty="0" smtClean="0">
+                        <a:rPr kumimoji="0" lang="ko-KR" altLang="en-US" sz="1200" b="0" i="0" u="none" strike="noStrike" kern="1200" cap="none" spc="0" normalizeH="0" baseline="0" noProof="0" dirty="0">
                           <a:ln>
                             <a:noFill/>
                           </a:ln>
@@ -17898,7 +17610,7 @@
                         </a:rPr>
                         <a:t>중 하나를 선택할 수 있음</a:t>
                       </a:r>
-                      <a:endParaRPr kumimoji="0" lang="en-US" altLang="ko-KR" sz="1200" b="0" i="0" u="none" strike="noStrike" kern="1200" cap="none" spc="0" normalizeH="0" baseline="0" noProof="0" dirty="0" smtClean="0">
+                      <a:endParaRPr kumimoji="0" lang="en-US" altLang="ko-KR" sz="1200" b="0" i="0" u="none" strike="noStrike" kern="1200" cap="none" spc="0" normalizeH="0" baseline="0" noProof="0" dirty="0">
                         <a:ln>
                           <a:noFill/>
                         </a:ln>
@@ -17932,7 +17644,7 @@
                         <a:defRPr/>
                       </a:pPr>
                       <a:r>
-                        <a:rPr kumimoji="0" lang="ko-KR" altLang="en-US" sz="1200" b="0" i="0" u="none" strike="noStrike" kern="1200" cap="none" spc="0" normalizeH="0" baseline="0" noProof="0" dirty="0" smtClean="0">
+                        <a:rPr kumimoji="0" lang="ko-KR" altLang="en-US" sz="1200" b="0" i="0" u="none" strike="noStrike" kern="1200" cap="none" spc="0" normalizeH="0" baseline="0" noProof="0" dirty="0">
                           <a:ln>
                             <a:noFill/>
                           </a:ln>
@@ -17948,7 +17660,7 @@
                         </a:rPr>
                         <a:t>선택되지 않은 옵션의 하위메뉴는 비활성화 처리</a:t>
                       </a:r>
-                      <a:endParaRPr kumimoji="0" lang="en-US" altLang="ko-KR" sz="1200" b="0" i="0" u="none" strike="noStrike" kern="1200" cap="none" spc="0" normalizeH="0" baseline="0" noProof="0" dirty="0" smtClean="0">
+                      <a:endParaRPr kumimoji="0" lang="en-US" altLang="ko-KR" sz="1200" b="0" i="0" u="none" strike="noStrike" kern="1200" cap="none" spc="0" normalizeH="0" baseline="0" noProof="0" dirty="0">
                         <a:ln>
                           <a:noFill/>
                         </a:ln>
@@ -17982,7 +17694,7 @@
                         <a:defRPr/>
                       </a:pPr>
                       <a:r>
-                        <a:rPr kumimoji="0" lang="ko-KR" altLang="en-US" sz="1200" b="0" i="0" u="none" strike="noStrike" kern="1200" cap="none" spc="0" normalizeH="0" baseline="0" noProof="0" dirty="0" smtClean="0">
+                        <a:rPr kumimoji="0" lang="ko-KR" altLang="en-US" sz="1200" b="0" i="0" u="none" strike="noStrike" kern="1200" cap="none" spc="0" normalizeH="0" baseline="0" noProof="0" dirty="0">
                           <a:ln>
                             <a:noFill/>
                           </a:ln>
@@ -17999,7 +17711,7 @@
                         <a:t>디폴트는 </a:t>
                       </a:r>
                       <a:r>
-                        <a:rPr kumimoji="0" lang="en-US" altLang="ko-KR" sz="1200" b="0" i="0" u="none" strike="noStrike" kern="1200" cap="none" spc="0" normalizeH="0" baseline="0" noProof="0" dirty="0" smtClean="0">
+                        <a:rPr kumimoji="0" lang="en-US" altLang="ko-KR" sz="1200" b="0" i="0" u="none" strike="noStrike" kern="1200" cap="none" spc="0" normalizeH="0" baseline="0" noProof="0" dirty="0">
                           <a:ln>
                             <a:noFill/>
                           </a:ln>
@@ -18016,7 +17728,7 @@
                         <a:t>‘</a:t>
                       </a:r>
                       <a:r>
-                        <a:rPr kumimoji="0" lang="ko-KR" altLang="en-US" sz="1200" b="0" i="0" u="none" strike="noStrike" kern="1200" cap="none" spc="0" normalizeH="0" baseline="0" noProof="0" dirty="0" smtClean="0">
+                        <a:rPr kumimoji="0" lang="ko-KR" altLang="en-US" sz="1200" b="0" i="0" u="none" strike="noStrike" kern="1200" cap="none" spc="0" normalizeH="0" baseline="0" noProof="0" dirty="0">
                           <a:ln>
                             <a:noFill/>
                           </a:ln>
@@ -18033,7 +17745,7 @@
                         <a:t>모든 데이터를 훈련에 이용</a:t>
                       </a:r>
                       <a:r>
-                        <a:rPr kumimoji="0" lang="en-US" altLang="ko-KR" sz="1200" b="0" i="0" u="none" strike="noStrike" kern="1200" cap="none" spc="0" normalizeH="0" baseline="0" noProof="0" dirty="0" smtClean="0">
+                        <a:rPr kumimoji="0" lang="en-US" altLang="ko-KR" sz="1200" b="0" i="0" u="none" strike="noStrike" kern="1200" cap="none" spc="0" normalizeH="0" baseline="0" noProof="0" dirty="0">
                           <a:ln>
                             <a:noFill/>
                           </a:ln>
@@ -18133,7 +17845,7 @@
                     <a:p>
                       <a:pPr latinLnBrk="1"/>
                       <a:r>
-                        <a:rPr lang="en-US" altLang="ko-KR" sz="1200" kern="1200" dirty="0" err="1" smtClean="0">
+                        <a:rPr lang="en-US" altLang="ko-KR" sz="1200" kern="1200" dirty="0" err="1">
                           <a:solidFill>
                             <a:sysClr val="windowText" lastClr="000000"/>
                           </a:solidFill>
@@ -18165,7 +17877,7 @@
                         <a:buChar char="•"/>
                       </a:pPr>
                       <a:r>
-                        <a:rPr kumimoji="0" lang="ko-KR" altLang="en-US" sz="1200" b="0" i="0" u="none" strike="noStrike" kern="1200" cap="none" spc="0" normalizeH="0" baseline="0" noProof="0" dirty="0" smtClean="0">
+                        <a:rPr kumimoji="0" lang="ko-KR" altLang="en-US" sz="1200" b="0" i="0" u="none" strike="noStrike" kern="1200" cap="none" spc="0" normalizeH="0" baseline="0" noProof="0" dirty="0">
                           <a:ln>
                             <a:noFill/>
                           </a:ln>
@@ -18182,7 +17894,7 @@
                         <a:t>순서대로 </a:t>
                       </a:r>
                       <a:r>
-                        <a:rPr kumimoji="0" lang="en-US" altLang="ko-KR" sz="1200" b="0" i="0" u="none" strike="noStrike" kern="1200" cap="none" spc="0" normalizeH="0" baseline="0" noProof="0" dirty="0" smtClean="0">
+                        <a:rPr kumimoji="0" lang="en-US" altLang="ko-KR" sz="1200" b="0" i="0" u="none" strike="noStrike" kern="1200" cap="none" spc="0" normalizeH="0" baseline="0" noProof="0" dirty="0">
                           <a:ln>
                             <a:noFill/>
                           </a:ln>
@@ -18199,7 +17911,7 @@
                         <a:t>‘all’, ‘percent’, ‘variable’</a:t>
                       </a:r>
                       <a:r>
-                        <a:rPr kumimoji="0" lang="ko-KR" altLang="en-US" sz="1200" b="0" i="0" u="none" strike="noStrike" kern="1200" cap="none" spc="0" normalizeH="0" baseline="0" noProof="0" dirty="0" smtClean="0">
+                        <a:rPr kumimoji="0" lang="ko-KR" altLang="en-US" sz="1200" b="0" i="0" u="none" strike="noStrike" kern="1200" cap="none" spc="0" normalizeH="0" baseline="0" noProof="0" dirty="0">
                           <a:ln>
                             <a:noFill/>
                           </a:ln>
@@ -18215,7 +17927,7 @@
                         </a:rPr>
                         <a:t>로 입력</a:t>
                       </a:r>
-                      <a:endParaRPr lang="en-US" altLang="ko-KR" sz="1200" dirty="0" smtClean="0">
+                      <a:endParaRPr lang="en-US" altLang="ko-KR" sz="1200" dirty="0">
                         <a:solidFill>
                           <a:sysClr val="windowText" lastClr="000000"/>
                         </a:solidFill>
@@ -18239,7 +17951,7 @@
                     <a:lstStyle/>
                     <a:p>
                       <a:r>
-                        <a:rPr kumimoji="0" lang="ko-KR" altLang="en-US" sz="1200" b="0" i="0" u="none" strike="noStrike" kern="1200" cap="none" spc="0" normalizeH="0" baseline="0" noProof="0" dirty="0" smtClean="0">
+                        <a:rPr kumimoji="0" lang="ko-KR" altLang="en-US" sz="1200" b="0" i="0" u="none" strike="noStrike" kern="1200" cap="none" spc="0" normalizeH="0" baseline="0" noProof="0" dirty="0">
                           <a:ln>
                             <a:noFill/>
                           </a:ln>
@@ -18256,7 +17968,7 @@
                         <a:t>비율에 따라 임의로 분할 </a:t>
                       </a:r>
                       <a:r>
-                        <a:rPr kumimoji="0" lang="en-US" altLang="ko-KR" sz="1200" b="0" i="0" u="none" strike="noStrike" kern="1200" cap="none" spc="0" normalizeH="0" baseline="0" noProof="0" dirty="0" smtClean="0">
+                        <a:rPr kumimoji="0" lang="en-US" altLang="ko-KR" sz="1200" b="0" i="0" u="none" strike="noStrike" kern="1200" cap="none" spc="0" normalizeH="0" baseline="0" noProof="0" dirty="0">
                           <a:ln>
                             <a:noFill/>
                           </a:ln>
@@ -18273,7 +17985,7 @@
                         <a:t>&gt; </a:t>
                       </a:r>
                       <a:r>
-                        <a:rPr kumimoji="0" lang="ko-KR" altLang="en-US" sz="1200" b="0" i="0" u="none" strike="noStrike" kern="1200" cap="none" spc="0" normalizeH="0" baseline="0" noProof="0" dirty="0" smtClean="0">
+                        <a:rPr kumimoji="0" lang="ko-KR" altLang="en-US" sz="1200" b="0" i="0" u="none" strike="noStrike" kern="1200" cap="none" spc="0" normalizeH="0" baseline="0" noProof="0" dirty="0">
                           <a:ln>
                             <a:noFill/>
                           </a:ln>
@@ -18324,7 +18036,7 @@
                         <a:buChar char="•"/>
                       </a:pPr>
                       <a:r>
-                        <a:rPr kumimoji="0" lang="en-US" altLang="ko-KR" sz="1200" b="0" i="0" u="none" strike="noStrike" kern="1200" cap="none" spc="0" normalizeH="0" baseline="0" noProof="0" dirty="0" smtClean="0">
+                        <a:rPr kumimoji="0" lang="en-US" altLang="ko-KR" sz="1200" b="0" i="0" u="none" strike="noStrike" kern="1200" cap="none" spc="0" normalizeH="0" baseline="0" noProof="0" dirty="0">
                           <a:ln>
                             <a:noFill/>
                           </a:ln>
@@ -18341,7 +18053,7 @@
                         <a:t>1 </a:t>
                       </a:r>
                       <a:r>
-                        <a:rPr kumimoji="0" lang="ko-KR" altLang="en-US" sz="1200" b="0" i="0" u="none" strike="noStrike" kern="1200" cap="none" spc="0" normalizeH="0" baseline="0" noProof="0" dirty="0" smtClean="0">
+                        <a:rPr kumimoji="0" lang="ko-KR" altLang="en-US" sz="1200" b="0" i="0" u="none" strike="noStrike" kern="1200" cap="none" spc="0" normalizeH="0" baseline="0" noProof="0" dirty="0">
                           <a:ln>
                             <a:noFill/>
                           </a:ln>
@@ -18358,7 +18070,7 @@
                         <a:t>부터 </a:t>
                       </a:r>
                       <a:r>
-                        <a:rPr kumimoji="0" lang="en-US" altLang="ko-KR" sz="1200" b="0" i="0" u="none" strike="noStrike" kern="1200" cap="none" spc="0" normalizeH="0" baseline="0" noProof="0" dirty="0" smtClean="0">
+                        <a:rPr kumimoji="0" lang="en-US" altLang="ko-KR" sz="1200" b="0" i="0" u="none" strike="noStrike" kern="1200" cap="none" spc="0" normalizeH="0" baseline="0" noProof="0" dirty="0">
                           <a:ln>
                             <a:noFill/>
                           </a:ln>
@@ -18375,7 +18087,7 @@
                         <a:t>100</a:t>
                       </a:r>
                       <a:r>
-                        <a:rPr kumimoji="0" lang="ko-KR" altLang="en-US" sz="1200" b="0" i="0" u="none" strike="noStrike" kern="1200" cap="none" spc="0" normalizeH="0" baseline="0" noProof="0" dirty="0" smtClean="0">
+                        <a:rPr kumimoji="0" lang="ko-KR" altLang="en-US" sz="1200" b="0" i="0" u="none" strike="noStrike" kern="1200" cap="none" spc="0" normalizeH="0" baseline="0" noProof="0" dirty="0">
                           <a:ln>
                             <a:noFill/>
                           </a:ln>
@@ -18391,7 +18103,7 @@
                         </a:rPr>
                         <a:t>까지의 정수로 입력할 수 있음</a:t>
                       </a:r>
-                      <a:endParaRPr kumimoji="0" lang="en-US" altLang="ko-KR" sz="1200" b="0" i="0" u="none" strike="noStrike" kern="1200" cap="none" spc="0" normalizeH="0" baseline="0" noProof="0" dirty="0" smtClean="0">
+                      <a:endParaRPr kumimoji="0" lang="en-US" altLang="ko-KR" sz="1200" b="0" i="0" u="none" strike="noStrike" kern="1200" cap="none" spc="0" normalizeH="0" baseline="0" noProof="0" dirty="0">
                         <a:ln>
                           <a:noFill/>
                         </a:ln>
@@ -18412,7 +18124,7 @@
                         <a:buChar char="•"/>
                       </a:pPr>
                       <a:r>
-                        <a:rPr kumimoji="0" lang="en-US" altLang="ko-KR" sz="1200" b="0" i="0" u="none" strike="noStrike" kern="1200" cap="none" spc="0" normalizeH="0" baseline="0" noProof="0" dirty="0" smtClean="0">
+                        <a:rPr kumimoji="0" lang="en-US" altLang="ko-KR" sz="1200" b="0" i="0" u="none" strike="noStrike" kern="1200" cap="none" spc="0" normalizeH="0" baseline="0" noProof="0" dirty="0">
                           <a:ln>
                             <a:noFill/>
                           </a:ln>
@@ -18429,7 +18141,7 @@
                         <a:t>0 </a:t>
                       </a:r>
                       <a:r>
-                        <a:rPr kumimoji="0" lang="ko-KR" altLang="en-US" sz="1200" b="0" i="0" u="none" strike="noStrike" kern="1200" cap="none" spc="0" normalizeH="0" baseline="0" noProof="0" dirty="0" smtClean="0">
+                        <a:rPr kumimoji="0" lang="ko-KR" altLang="en-US" sz="1200" b="0" i="0" u="none" strike="noStrike" kern="1200" cap="none" spc="0" normalizeH="0" baseline="0" noProof="0" dirty="0">
                           <a:ln>
                             <a:noFill/>
                           </a:ln>
@@ -18446,7 +18158,7 @@
                         <a:t>이하 혹은 </a:t>
                       </a:r>
                       <a:r>
-                        <a:rPr kumimoji="0" lang="en-US" altLang="ko-KR" sz="1200" b="0" i="0" u="none" strike="noStrike" kern="1200" cap="none" spc="0" normalizeH="0" baseline="0" noProof="0" dirty="0" smtClean="0">
+                        <a:rPr kumimoji="0" lang="en-US" altLang="ko-KR" sz="1200" b="0" i="0" u="none" strike="noStrike" kern="1200" cap="none" spc="0" normalizeH="0" baseline="0" noProof="0" dirty="0">
                           <a:ln>
                             <a:noFill/>
                           </a:ln>
@@ -18463,7 +18175,7 @@
                         <a:t>101 </a:t>
                       </a:r>
                       <a:r>
-                        <a:rPr kumimoji="0" lang="ko-KR" altLang="en-US" sz="1200" b="0" i="0" u="none" strike="noStrike" kern="1200" cap="none" spc="0" normalizeH="0" baseline="0" noProof="0" dirty="0" smtClean="0">
+                        <a:rPr kumimoji="0" lang="ko-KR" altLang="en-US" sz="1200" b="0" i="0" u="none" strike="noStrike" kern="1200" cap="none" spc="0" normalizeH="0" baseline="0" noProof="0" dirty="0">
                           <a:ln>
                             <a:noFill/>
                           </a:ln>
@@ -18480,7 +18192,7 @@
                         <a:t>이상의 정수가 입력되면 </a:t>
                       </a:r>
                       <a:r>
-                        <a:rPr kumimoji="0" lang="ko-KR" altLang="en-US" sz="1200" b="0" i="0" u="none" strike="noStrike" kern="1200" cap="none" spc="0" normalizeH="0" baseline="0" noProof="0" dirty="0" err="1" smtClean="0">
+                        <a:rPr kumimoji="0" lang="ko-KR" altLang="en-US" sz="1200" b="0" i="0" u="none" strike="noStrike" kern="1200" cap="none" spc="0" normalizeH="0" baseline="0" noProof="0" dirty="0" err="1">
                           <a:ln>
                             <a:noFill/>
                           </a:ln>
@@ -18497,7 +18209,7 @@
                         <a:t>팝업창으로</a:t>
                       </a:r>
                       <a:r>
-                        <a:rPr kumimoji="0" lang="ko-KR" altLang="en-US" sz="1200" b="0" i="0" u="none" strike="noStrike" kern="1200" cap="none" spc="0" normalizeH="0" baseline="0" noProof="0" dirty="0" smtClean="0">
+                        <a:rPr kumimoji="0" lang="ko-KR" altLang="en-US" sz="1200" b="0" i="0" u="none" strike="noStrike" kern="1200" cap="none" spc="0" normalizeH="0" baseline="0" noProof="0" dirty="0">
                           <a:ln>
                             <a:noFill/>
                           </a:ln>
@@ -18514,7 +18226,7 @@
                         <a:t> ‘</a:t>
                       </a:r>
                       <a:r>
-                        <a:rPr kumimoji="0" lang="en-US" altLang="ko-KR" sz="1200" b="0" i="0" u="none" strike="noStrike" kern="1200" cap="none" spc="0" normalizeH="0" baseline="0" noProof="0" dirty="0" smtClean="0">
+                        <a:rPr kumimoji="0" lang="en-US" altLang="ko-KR" sz="1200" b="0" i="0" u="none" strike="noStrike" kern="1200" cap="none" spc="0" normalizeH="0" baseline="0" noProof="0" dirty="0">
                           <a:ln>
                             <a:noFill/>
                           </a:ln>
@@ -18531,7 +18243,7 @@
                         <a:t>1 </a:t>
                       </a:r>
                       <a:r>
-                        <a:rPr kumimoji="0" lang="ko-KR" altLang="en-US" sz="1200" b="0" i="0" u="none" strike="noStrike" kern="1200" cap="none" spc="0" normalizeH="0" baseline="0" noProof="0" dirty="0" smtClean="0">
+                        <a:rPr kumimoji="0" lang="ko-KR" altLang="en-US" sz="1200" b="0" i="0" u="none" strike="noStrike" kern="1200" cap="none" spc="0" normalizeH="0" baseline="0" noProof="0" dirty="0">
                           <a:ln>
                             <a:noFill/>
                           </a:ln>
@@ -18548,7 +18260,7 @@
                         <a:t>부터 </a:t>
                       </a:r>
                       <a:r>
-                        <a:rPr kumimoji="0" lang="en-US" altLang="ko-KR" sz="1200" b="0" i="0" u="none" strike="noStrike" kern="1200" cap="none" spc="0" normalizeH="0" baseline="0" noProof="0" dirty="0" smtClean="0">
+                        <a:rPr kumimoji="0" lang="en-US" altLang="ko-KR" sz="1200" b="0" i="0" u="none" strike="noStrike" kern="1200" cap="none" spc="0" normalizeH="0" baseline="0" noProof="0" dirty="0">
                           <a:ln>
                             <a:noFill/>
                           </a:ln>
@@ -18565,7 +18277,7 @@
                         <a:t>100 </a:t>
                       </a:r>
                       <a:r>
-                        <a:rPr kumimoji="0" lang="ko-KR" altLang="en-US" sz="1200" b="0" i="0" u="none" strike="noStrike" kern="1200" cap="none" spc="0" normalizeH="0" baseline="0" noProof="0" dirty="0" smtClean="0">
+                        <a:rPr kumimoji="0" lang="ko-KR" altLang="en-US" sz="1200" b="0" i="0" u="none" strike="noStrike" kern="1200" cap="none" spc="0" normalizeH="0" baseline="0" noProof="0" dirty="0">
                           <a:ln>
                             <a:noFill/>
                           </a:ln>
@@ -18582,7 +18294,7 @@
                         <a:t>까지의 정수만 입력할 수 있습니다</a:t>
                       </a:r>
                       <a:r>
-                        <a:rPr kumimoji="0" lang="en-US" altLang="ko-KR" sz="1200" b="0" i="0" u="none" strike="noStrike" kern="1200" cap="none" spc="0" normalizeH="0" baseline="0" noProof="0" dirty="0" smtClean="0">
+                        <a:rPr kumimoji="0" lang="en-US" altLang="ko-KR" sz="1200" b="0" i="0" u="none" strike="noStrike" kern="1200" cap="none" spc="0" normalizeH="0" baseline="0" noProof="0" dirty="0">
                           <a:ln>
                             <a:noFill/>
                           </a:ln>
@@ -18599,7 +18311,7 @@
                         <a:t>.</a:t>
                       </a:r>
                       <a:r>
-                        <a:rPr kumimoji="0" lang="ko-KR" altLang="en-US" sz="1200" b="0" i="0" u="none" strike="noStrike" kern="1200" cap="none" spc="0" normalizeH="0" baseline="0" noProof="0" dirty="0" smtClean="0">
+                        <a:rPr kumimoji="0" lang="ko-KR" altLang="en-US" sz="1200" b="0" i="0" u="none" strike="noStrike" kern="1200" cap="none" spc="0" normalizeH="0" baseline="0" noProof="0" dirty="0">
                           <a:ln>
                             <a:noFill/>
                           </a:ln>
@@ -18615,7 +18327,7 @@
                         </a:rPr>
                         <a:t>＇라는 메시지를 띄움</a:t>
                       </a:r>
-                      <a:endParaRPr kumimoji="0" lang="en-US" altLang="ko-KR" sz="1200" b="0" i="0" u="none" strike="noStrike" kern="1200" cap="none" spc="0" normalizeH="0" baseline="0" noProof="0" dirty="0" smtClean="0">
+                      <a:endParaRPr kumimoji="0" lang="en-US" altLang="ko-KR" sz="1200" b="0" i="0" u="none" strike="noStrike" kern="1200" cap="none" spc="0" normalizeH="0" baseline="0" noProof="0" dirty="0">
                         <a:ln>
                           <a:noFill/>
                         </a:ln>
@@ -18636,7 +18348,7 @@
                         <a:buChar char="•"/>
                       </a:pPr>
                       <a:r>
-                        <a:rPr kumimoji="0" lang="ko-KR" altLang="en-US" sz="1200" b="0" i="0" u="none" strike="noStrike" kern="1200" cap="none" spc="0" normalizeH="0" baseline="0" noProof="0" dirty="0" smtClean="0">
+                        <a:rPr kumimoji="0" lang="ko-KR" altLang="en-US" sz="1200" b="0" i="0" u="none" strike="noStrike" kern="1200" cap="none" spc="0" normalizeH="0" baseline="0" noProof="0" dirty="0">
                           <a:ln>
                             <a:noFill/>
                           </a:ln>
@@ -18653,7 +18365,7 @@
                         <a:t>디폴트는 </a:t>
                       </a:r>
                       <a:r>
-                        <a:rPr kumimoji="0" lang="en-US" altLang="ko-KR" sz="1200" b="0" i="0" u="none" strike="noStrike" kern="1200" cap="none" spc="0" normalizeH="0" baseline="0" noProof="0" dirty="0" smtClean="0">
+                        <a:rPr kumimoji="0" lang="en-US" altLang="ko-KR" sz="1200" b="0" i="0" u="none" strike="noStrike" kern="1200" cap="none" spc="0" normalizeH="0" baseline="0" noProof="0" dirty="0">
                           <a:ln>
                             <a:noFill/>
                           </a:ln>
@@ -18760,7 +18472,7 @@
                     <a:p>
                       <a:pPr latinLnBrk="1"/>
                       <a:r>
-                        <a:rPr lang="en-US" altLang="ko-KR" sz="1200" dirty="0" err="1" smtClean="0">
+                        <a:rPr lang="en-US" altLang="ko-KR" sz="1200" dirty="0" err="1">
                           <a:solidFill>
                             <a:sysClr val="windowText" lastClr="000000"/>
                           </a:solidFill>
@@ -18790,7 +18502,7 @@
                         <a:buChar char="•"/>
                       </a:pPr>
                       <a:r>
-                        <a:rPr lang="ko-KR" altLang="en-US" sz="1200" dirty="0" smtClean="0">
+                        <a:rPr lang="ko-KR" altLang="en-US" sz="1200" dirty="0">
                           <a:solidFill>
                             <a:sysClr val="windowText" lastClr="000000"/>
                           </a:solidFill>
@@ -18799,7 +18511,7 @@
                         </a:rPr>
                         <a:t>입력된 값을 숫자로 입력</a:t>
                       </a:r>
-                      <a:endParaRPr lang="en-US" altLang="ko-KR" sz="1200" dirty="0" smtClean="0">
+                      <a:endParaRPr lang="en-US" altLang="ko-KR" sz="1200" dirty="0">
                         <a:solidFill>
                           <a:sysClr val="windowText" lastClr="000000"/>
                         </a:solidFill>
@@ -18837,7 +18549,7 @@
                     <a:p>
                       <a:pPr latinLnBrk="1"/>
                       <a:r>
-                        <a:rPr kumimoji="0" lang="ko-KR" altLang="en-US" sz="1200" b="0" i="0" u="none" strike="noStrike" kern="1200" cap="none" spc="0" normalizeH="0" baseline="0" noProof="0" dirty="0" smtClean="0">
+                        <a:rPr kumimoji="0" lang="ko-KR" altLang="en-US" sz="1200" b="0" i="0" u="none" strike="noStrike" kern="1200" cap="none" spc="0" normalizeH="0" baseline="0" noProof="0" dirty="0">
                           <a:ln>
                             <a:noFill/>
                           </a:ln>
@@ -18854,7 +18566,7 @@
                         <a:t>비율에 따라 임의로 분할 </a:t>
                       </a:r>
                       <a:r>
-                        <a:rPr kumimoji="0" lang="en-US" altLang="ko-KR" sz="1200" b="0" i="0" u="none" strike="noStrike" kern="1200" cap="none" spc="0" normalizeH="0" baseline="0" noProof="0" dirty="0" smtClean="0">
+                        <a:rPr kumimoji="0" lang="en-US" altLang="ko-KR" sz="1200" b="0" i="0" u="none" strike="noStrike" kern="1200" cap="none" spc="0" normalizeH="0" baseline="0" noProof="0" dirty="0">
                           <a:ln>
                             <a:noFill/>
                           </a:ln>
@@ -18871,7 +18583,7 @@
                         <a:t>&gt; </a:t>
                       </a:r>
                       <a:r>
-                        <a:rPr kumimoji="0" lang="ko-KR" altLang="en-US" sz="1200" b="0" i="0" u="none" strike="noStrike" kern="1200" cap="none" spc="0" normalizeH="0" baseline="0" noProof="0" dirty="0" smtClean="0">
+                        <a:rPr kumimoji="0" lang="ko-KR" altLang="en-US" sz="1200" b="0" i="0" u="none" strike="noStrike" kern="1200" cap="none" spc="0" normalizeH="0" baseline="0" noProof="0" dirty="0">
                           <a:ln>
                             <a:noFill/>
                           </a:ln>
@@ -18887,7 +18599,7 @@
                         </a:rPr>
                         <a:t>시험자료</a:t>
                       </a:r>
-                      <a:endParaRPr lang="en-US" altLang="ko-KR" sz="1200" baseline="0" dirty="0" smtClean="0">
+                      <a:endParaRPr lang="en-US" altLang="ko-KR" sz="1200" baseline="0" dirty="0">
                         <a:solidFill>
                           <a:sysClr val="windowText" lastClr="000000"/>
                         </a:solidFill>
@@ -18920,7 +18632,7 @@
                         <a:tabLst/>
                         <a:defRPr/>
                       </a:pPr>
-                      <a:endParaRPr lang="ko-KR" altLang="en-US" sz="1200" dirty="0" smtClean="0">
+                      <a:endParaRPr lang="ko-KR" altLang="en-US" sz="1200" dirty="0">
                         <a:solidFill>
                           <a:sysClr val="windowText" lastClr="000000"/>
                         </a:solidFill>
@@ -18954,7 +18666,7 @@
                         <a:defRPr/>
                       </a:pPr>
                       <a:r>
-                        <a:rPr kumimoji="0" lang="ko-KR" altLang="en-US" sz="1200" b="0" i="0" u="none" strike="noStrike" kern="1200" cap="none" spc="0" normalizeH="0" baseline="0" noProof="0" dirty="0" smtClean="0">
+                        <a:rPr kumimoji="0" lang="ko-KR" altLang="en-US" sz="1200" b="0" i="0" u="none" strike="noStrike" kern="1200" cap="none" spc="0" normalizeH="0" baseline="0" noProof="0" dirty="0">
                           <a:ln>
                             <a:noFill/>
                           </a:ln>
@@ -18971,7 +18683,7 @@
                         <a:t>훈련자료에서 </a:t>
                       </a:r>
                       <a:r>
-                        <a:rPr kumimoji="0" lang="ko-KR" altLang="en-US" sz="1200" b="0" i="0" u="none" strike="noStrike" kern="1200" cap="none" spc="0" normalizeH="0" baseline="0" noProof="0" dirty="0" err="1" smtClean="0">
+                        <a:rPr kumimoji="0" lang="ko-KR" altLang="en-US" sz="1200" b="0" i="0" u="none" strike="noStrike" kern="1200" cap="none" spc="0" normalizeH="0" baseline="0" noProof="0" dirty="0" err="1">
                           <a:ln>
                             <a:noFill/>
                           </a:ln>
@@ -18988,7 +18700,7 @@
                         <a:t>입력받은</a:t>
                       </a:r>
                       <a:r>
-                        <a:rPr kumimoji="0" lang="ko-KR" altLang="en-US" sz="1200" b="0" i="0" u="none" strike="noStrike" kern="1200" cap="none" spc="0" normalizeH="0" baseline="0" noProof="0" dirty="0" smtClean="0">
+                        <a:rPr kumimoji="0" lang="ko-KR" altLang="en-US" sz="1200" b="0" i="0" u="none" strike="noStrike" kern="1200" cap="none" spc="0" normalizeH="0" baseline="0" noProof="0" dirty="0">
                           <a:ln>
                             <a:noFill/>
                           </a:ln>
@@ -19005,7 +18717,7 @@
                         <a:t> 값을 </a:t>
                       </a:r>
                       <a:r>
-                        <a:rPr kumimoji="0" lang="en-US" altLang="ko-KR" sz="1200" b="0" i="0" u="none" strike="noStrike" kern="1200" cap="none" spc="0" normalizeH="0" baseline="0" noProof="0" dirty="0" smtClean="0">
+                        <a:rPr kumimoji="0" lang="en-US" altLang="ko-KR" sz="1200" b="0" i="0" u="none" strike="noStrike" kern="1200" cap="none" spc="0" normalizeH="0" baseline="0" noProof="0" dirty="0">
                           <a:ln>
                             <a:noFill/>
                           </a:ln>
@@ -19022,7 +18734,7 @@
                         <a:t>100</a:t>
                       </a:r>
                       <a:r>
-                        <a:rPr kumimoji="0" lang="ko-KR" altLang="en-US" sz="1200" b="0" i="0" u="none" strike="noStrike" kern="1200" cap="none" spc="0" normalizeH="0" baseline="0" noProof="0" dirty="0" smtClean="0">
+                        <a:rPr kumimoji="0" lang="ko-KR" altLang="en-US" sz="1200" b="0" i="0" u="none" strike="noStrike" kern="1200" cap="none" spc="0" normalizeH="0" baseline="0" noProof="0" dirty="0">
                           <a:ln>
                             <a:noFill/>
                           </a:ln>
@@ -19039,7 +18751,7 @@
                         <a:t>에서 제한 값을 표시</a:t>
                       </a:r>
                       <a:r>
-                        <a:rPr kumimoji="0" lang="en-US" altLang="ko-KR" sz="1200" b="0" i="0" u="none" strike="noStrike" kern="1200" cap="none" spc="0" normalizeH="0" baseline="0" noProof="0" dirty="0" smtClean="0">
+                        <a:rPr kumimoji="0" lang="en-US" altLang="ko-KR" sz="1200" b="0" i="0" u="none" strike="noStrike" kern="1200" cap="none" spc="0" normalizeH="0" baseline="0" noProof="0" dirty="0">
                           <a:ln>
                             <a:noFill/>
                           </a:ln>
@@ -19056,7 +18768,7 @@
                         <a:t>. (</a:t>
                       </a:r>
                       <a:r>
-                        <a:rPr kumimoji="0" lang="ko-KR" altLang="en-US" sz="1200" b="0" i="0" u="none" strike="noStrike" kern="1200" cap="none" spc="0" normalizeH="0" baseline="0" noProof="0" dirty="0" smtClean="0">
+                        <a:rPr kumimoji="0" lang="ko-KR" altLang="en-US" sz="1200" b="0" i="0" u="none" strike="noStrike" kern="1200" cap="none" spc="0" normalizeH="0" baseline="0" noProof="0" dirty="0">
                           <a:ln>
                             <a:noFill/>
                           </a:ln>
@@ -19073,7 +18785,7 @@
                         <a:t>유저가 조작할 수 없음</a:t>
                       </a:r>
                       <a:r>
-                        <a:rPr kumimoji="0" lang="en-US" altLang="ko-KR" sz="1200" b="0" i="0" u="none" strike="noStrike" kern="1200" cap="none" spc="0" normalizeH="0" baseline="0" noProof="0" dirty="0" smtClean="0">
+                        <a:rPr kumimoji="0" lang="en-US" altLang="ko-KR" sz="1200" b="0" i="0" u="none" strike="noStrike" kern="1200" cap="none" spc="0" normalizeH="0" baseline="0" noProof="0" dirty="0">
                           <a:ln>
                             <a:noFill/>
                           </a:ln>
@@ -19217,7 +18929,7 @@
                     <a:p>
                       <a:pPr latinLnBrk="1"/>
                       <a:r>
-                        <a:rPr kumimoji="0" lang="ko-KR" altLang="en-US" sz="1200" b="0" i="0" u="none" strike="noStrike" kern="1200" cap="none" spc="0" normalizeH="0" baseline="0" noProof="0" dirty="0" smtClean="0">
+                        <a:rPr kumimoji="0" lang="ko-KR" altLang="en-US" sz="1200" b="0" i="0" u="none" strike="noStrike" kern="1200" cap="none" spc="0" normalizeH="0" baseline="0" noProof="0" dirty="0">
                           <a:ln>
                             <a:noFill/>
                           </a:ln>
@@ -19234,7 +18946,7 @@
                         <a:t>변수로 분할 </a:t>
                       </a:r>
                       <a:r>
-                        <a:rPr kumimoji="0" lang="en-US" altLang="ko-KR" sz="1200" b="0" i="0" u="none" strike="noStrike" kern="1200" cap="none" spc="0" normalizeH="0" baseline="0" noProof="0" dirty="0" smtClean="0">
+                        <a:rPr kumimoji="0" lang="en-US" altLang="ko-KR" sz="1200" b="0" i="0" u="none" strike="noStrike" kern="1200" cap="none" spc="0" normalizeH="0" baseline="0" noProof="0" dirty="0">
                           <a:ln>
                             <a:noFill/>
                           </a:ln>
@@ -19251,7 +18963,7 @@
                         <a:t>&gt; </a:t>
                       </a:r>
                       <a:r>
-                        <a:rPr kumimoji="0" lang="ko-KR" altLang="en-US" sz="1200" b="0" i="0" u="none" strike="noStrike" kern="1200" cap="none" spc="0" normalizeH="0" baseline="0" noProof="0" dirty="0" smtClean="0">
+                        <a:rPr kumimoji="0" lang="ko-KR" altLang="en-US" sz="1200" b="0" i="0" u="none" strike="noStrike" kern="1200" cap="none" spc="0" normalizeH="0" baseline="0" noProof="0" dirty="0">
                           <a:ln>
                             <a:noFill/>
                           </a:ln>
@@ -19268,7 +18980,7 @@
                         <a:t>분할변수</a:t>
                       </a:r>
                       <a:r>
-                        <a:rPr kumimoji="0" lang="en-US" altLang="ko-KR" sz="1200" b="0" i="0" u="none" strike="noStrike" kern="1200" cap="none" spc="0" normalizeH="0" baseline="0" noProof="0" dirty="0" smtClean="0">
+                        <a:rPr kumimoji="0" lang="en-US" altLang="ko-KR" sz="1200" b="0" i="0" u="none" strike="noStrike" kern="1200" cap="none" spc="0" normalizeH="0" baseline="0" noProof="0" dirty="0">
                           <a:ln>
                             <a:noFill/>
                           </a:ln>
@@ -19408,7 +19120,7 @@
                         <a:defRPr/>
                       </a:pPr>
                       <a:r>
-                        <a:rPr lang="ko-KR" altLang="en-US" sz="1200" dirty="0" smtClean="0">
+                        <a:rPr lang="ko-KR" altLang="en-US" sz="1200" dirty="0">
                           <a:solidFill>
                             <a:sysClr val="windowText" lastClr="000000"/>
                           </a:solidFill>
@@ -19418,7 +19130,7 @@
                         <a:t>변수목록으로부터</a:t>
                       </a:r>
                       <a:r>
-                        <a:rPr lang="ko-KR" altLang="en-US" sz="1200" baseline="0" dirty="0" smtClean="0">
+                        <a:rPr lang="ko-KR" altLang="en-US" sz="1200" baseline="0" dirty="0">
                           <a:solidFill>
                             <a:sysClr val="windowText" lastClr="000000"/>
                           </a:solidFill>
@@ -19427,7 +19139,7 @@
                         </a:rPr>
                         <a:t> 하나 선택</a:t>
                       </a:r>
-                      <a:endParaRPr lang="en-US" altLang="ko-KR" sz="1200" baseline="0" dirty="0" smtClean="0">
+                      <a:endParaRPr lang="en-US" altLang="ko-KR" sz="1200" baseline="0" dirty="0">
                         <a:solidFill>
                           <a:sysClr val="windowText" lastClr="000000"/>
                         </a:solidFill>
@@ -19454,7 +19166,7 @@
                         <a:defRPr/>
                       </a:pPr>
                       <a:r>
-                        <a:rPr lang="ko-KR" altLang="en-US" sz="1200" baseline="0" dirty="0" smtClean="0">
+                        <a:rPr lang="ko-KR" altLang="en-US" sz="1200" baseline="0" dirty="0">
                           <a:solidFill>
                             <a:sysClr val="windowText" lastClr="000000"/>
                           </a:solidFill>
@@ -19463,7 +19175,7 @@
                         </a:rPr>
                         <a:t>선택된 변수는 변수목록에서 삭제</a:t>
                       </a:r>
-                      <a:endParaRPr lang="en-US" altLang="ko-KR" sz="1200" baseline="0" dirty="0" smtClean="0">
+                      <a:endParaRPr lang="en-US" altLang="ko-KR" sz="1200" baseline="0" dirty="0">
                         <a:solidFill>
                           <a:sysClr val="windowText" lastClr="000000"/>
                         </a:solidFill>
@@ -19490,7 +19202,7 @@
                         <a:defRPr/>
                       </a:pPr>
                       <a:r>
-                        <a:rPr lang="ko-KR" altLang="en-US" sz="1200" dirty="0" smtClean="0">
+                        <a:rPr lang="ko-KR" altLang="en-US" sz="1200" dirty="0">
                           <a:solidFill>
                             <a:sysClr val="windowText" lastClr="000000"/>
                           </a:solidFill>
@@ -19500,7 +19212,7 @@
                         <a:t>변수로 분할이 선택되면 반드시 변수가 하나는 선택되어야 함</a:t>
                       </a:r>
                       <a:r>
-                        <a:rPr lang="en-US" altLang="ko-KR" sz="1200" dirty="0" smtClean="0">
+                        <a:rPr lang="en-US" altLang="ko-KR" sz="1200" dirty="0">
                           <a:solidFill>
                             <a:sysClr val="windowText" lastClr="000000"/>
                           </a:solidFill>
@@ -19509,7 +19221,7 @@
                         </a:rPr>
                         <a:t>.</a:t>
                       </a:r>
-                      <a:endParaRPr lang="en-US" altLang="ko-KR" sz="1200" baseline="0" dirty="0" smtClean="0">
+                      <a:endParaRPr lang="en-US" altLang="ko-KR" sz="1200" baseline="0" dirty="0">
                         <a:solidFill>
                           <a:sysClr val="windowText" lastClr="000000"/>
                         </a:solidFill>
@@ -19600,7 +19312,7 @@
                     <a:p>
                       <a:pPr latinLnBrk="1"/>
                       <a:r>
-                        <a:rPr lang="en-US" altLang="ko-KR" sz="1200" dirty="0" err="1" smtClean="0">
+                        <a:rPr lang="en-US" altLang="ko-KR" sz="1200" dirty="0" err="1">
                           <a:solidFill>
                             <a:sysClr val="windowText" lastClr="000000"/>
                           </a:solidFill>
@@ -19630,7 +19342,7 @@
                         <a:buChar char="•"/>
                       </a:pPr>
                       <a:r>
-                        <a:rPr lang="ko-KR" altLang="en-US" sz="1200" dirty="0" smtClean="0">
+                        <a:rPr lang="ko-KR" altLang="en-US" sz="1200" dirty="0">
                           <a:solidFill>
                             <a:sysClr val="windowText" lastClr="000000"/>
                           </a:solidFill>
@@ -19640,7 +19352,7 @@
                         <a:t>입력된 </a:t>
                       </a:r>
                       <a:r>
-                        <a:rPr lang="ko-KR" altLang="en-US" sz="1200" dirty="0" err="1" smtClean="0">
+                        <a:rPr lang="ko-KR" altLang="en-US" sz="1200" dirty="0" err="1">
                           <a:solidFill>
                             <a:sysClr val="windowText" lastClr="000000"/>
                           </a:solidFill>
@@ -19650,7 +19362,7 @@
                         <a:t>변수명을</a:t>
                       </a:r>
                       <a:r>
-                        <a:rPr lang="ko-KR" altLang="en-US" sz="1200" dirty="0" smtClean="0">
+                        <a:rPr lang="ko-KR" altLang="en-US" sz="1200" dirty="0">
                           <a:solidFill>
                             <a:sysClr val="windowText" lastClr="000000"/>
                           </a:solidFill>
@@ -19660,7 +19372,7 @@
                         <a:t> 문자로 입력</a:t>
                       </a:r>
                       <a:r>
-                        <a:rPr lang="en-US" altLang="ko-KR" sz="1200" dirty="0" smtClean="0">
+                        <a:rPr lang="en-US" altLang="ko-KR" sz="1200" dirty="0">
                           <a:solidFill>
                             <a:sysClr val="windowText" lastClr="000000"/>
                           </a:solidFill>
@@ -19676,7 +19388,7 @@
                         <a:buChar char="•"/>
                       </a:pPr>
                       <a:r>
-                        <a:rPr lang="ko-KR" altLang="en-US" sz="1200" dirty="0" smtClean="0">
+                        <a:rPr lang="ko-KR" altLang="en-US" sz="1200" dirty="0">
                           <a:solidFill>
                             <a:sysClr val="windowText" lastClr="000000"/>
                           </a:solidFill>
@@ -19686,7 +19398,7 @@
                         <a:t>디폴트는 </a:t>
                       </a:r>
                       <a:r>
-                        <a:rPr lang="en-US" altLang="ko-KR" sz="1200" dirty="0" smtClean="0">
+                        <a:rPr lang="en-US" altLang="ko-KR" sz="1200" dirty="0">
                           <a:solidFill>
                             <a:sysClr val="windowText" lastClr="000000"/>
                           </a:solidFill>
@@ -19696,7 +19408,7 @@
                         <a:t>NULL</a:t>
                       </a:r>
                       <a:r>
-                        <a:rPr lang="ko-KR" altLang="en-US" sz="1200" baseline="0" dirty="0" smtClean="0">
+                        <a:rPr lang="ko-KR" altLang="en-US" sz="1200" baseline="0" dirty="0">
                           <a:solidFill>
                             <a:sysClr val="windowText" lastClr="000000"/>
                           </a:solidFill>
@@ -19706,7 +19418,7 @@
                         <a:t> </a:t>
                       </a:r>
                       <a:r>
-                        <a:rPr lang="en-US" altLang="ko-KR" sz="1200" baseline="0" dirty="0" smtClean="0">
+                        <a:rPr lang="en-US" altLang="ko-KR" sz="1200" baseline="0" dirty="0">
                           <a:solidFill>
                             <a:sysClr val="windowText" lastClr="000000"/>
                           </a:solidFill>
@@ -19716,7 +19428,7 @@
                         <a:t>(</a:t>
                       </a:r>
                       <a:r>
-                        <a:rPr lang="ko-KR" altLang="en-US" sz="1200" baseline="0" dirty="0" smtClean="0">
+                        <a:rPr lang="ko-KR" altLang="en-US" sz="1200" baseline="0" dirty="0">
                           <a:solidFill>
                             <a:sysClr val="windowText" lastClr="000000"/>
                           </a:solidFill>
@@ -19726,7 +19438,7 @@
                         <a:t>즉</a:t>
                       </a:r>
                       <a:r>
-                        <a:rPr lang="en-US" altLang="ko-KR" sz="1200" baseline="0" dirty="0" smtClean="0">
+                        <a:rPr lang="en-US" altLang="ko-KR" sz="1200" baseline="0" dirty="0">
                           <a:solidFill>
                             <a:sysClr val="windowText" lastClr="000000"/>
                           </a:solidFill>
@@ -19736,7 +19448,7 @@
                         <a:t>, </a:t>
                       </a:r>
                       <a:r>
-                        <a:rPr lang="ko-KR" altLang="en-US" sz="1200" baseline="0" dirty="0" smtClean="0">
+                        <a:rPr lang="ko-KR" altLang="en-US" sz="1200" baseline="0" dirty="0">
                           <a:solidFill>
                             <a:sysClr val="windowText" lastClr="000000"/>
                           </a:solidFill>
@@ -19746,7 +19458,7 @@
                         <a:t>변수로 분할이 선택되지 않았을 때</a:t>
                       </a:r>
                       <a:r>
-                        <a:rPr lang="en-US" altLang="ko-KR" sz="1200" baseline="0" dirty="0" smtClean="0">
+                        <a:rPr lang="en-US" altLang="ko-KR" sz="1200" baseline="0" dirty="0">
                           <a:solidFill>
                             <a:sysClr val="windowText" lastClr="000000"/>
                           </a:solidFill>
@@ -19821,7 +19533,7 @@
               <a:tabLst/>
               <a:defRPr/>
             </a:pPr>
-            <a:endParaRPr kumimoji="0" lang="ko-KR" altLang="en-US" sz="1800" b="0" i="0" u="none" strike="noStrike" kern="0" cap="none" spc="0" normalizeH="0" baseline="0" noProof="0" dirty="0" smtClean="0">
+            <a:endParaRPr kumimoji="0" lang="ko-KR" altLang="en-US" sz="1800" b="0" i="0" u="none" strike="noStrike" kern="0" cap="none" spc="0" normalizeH="0" baseline="0" noProof="0" dirty="0">
               <a:ln>
                 <a:noFill/>
               </a:ln>
@@ -20028,7 +19740,7 @@
               <a:defRPr/>
             </a:pPr>
             <a:r>
-              <a:rPr kumimoji="0" lang="ko-KR" altLang="en-US" sz="1200" b="0" i="0" u="none" strike="noStrike" kern="0" cap="none" spc="0" normalizeH="0" baseline="0" noProof="0" dirty="0" smtClean="0">
+              <a:rPr kumimoji="0" lang="ko-KR" altLang="en-US" sz="1200" b="0" i="0" u="none" strike="noStrike" kern="0" cap="none" spc="0" normalizeH="0" baseline="0" noProof="0" dirty="0">
                 <a:ln>
                   <a:noFill/>
                 </a:ln>
@@ -20090,7 +19802,7 @@
               <a:defRPr/>
             </a:pPr>
             <a:r>
-              <a:rPr kumimoji="0" lang="ko-KR" altLang="en-US" sz="1200" b="0" i="0" u="none" strike="noStrike" kern="0" cap="none" spc="0" normalizeH="0" baseline="0" noProof="0" dirty="0" smtClean="0">
+              <a:rPr kumimoji="0" lang="ko-KR" altLang="en-US" sz="1200" b="0" i="0" u="none" strike="noStrike" kern="0" cap="none" spc="0" normalizeH="0" baseline="0" noProof="0" dirty="0">
                 <a:ln>
                   <a:noFill/>
                 </a:ln>
@@ -20152,7 +19864,7 @@
               <a:defRPr/>
             </a:pPr>
             <a:r>
-              <a:rPr kumimoji="0" lang="ko-KR" altLang="en-US" sz="1200" b="0" i="0" u="none" strike="noStrike" kern="0" cap="none" spc="0" normalizeH="0" baseline="0" noProof="0" dirty="0" smtClean="0">
+              <a:rPr kumimoji="0" lang="ko-KR" altLang="en-US" sz="1200" b="0" i="0" u="none" strike="noStrike" kern="0" cap="none" spc="0" normalizeH="0" baseline="0" noProof="0" dirty="0">
                 <a:ln>
                   <a:noFill/>
                 </a:ln>
@@ -20214,7 +19926,7 @@
               <a:defRPr/>
             </a:pPr>
             <a:r>
-              <a:rPr kumimoji="0" lang="ko-KR" altLang="en-US" sz="1200" b="0" i="0" u="none" strike="noStrike" kern="0" cap="none" spc="0" normalizeH="0" baseline="0" noProof="0" dirty="0" smtClean="0">
+              <a:rPr kumimoji="0" lang="ko-KR" altLang="en-US" sz="1200" b="0" i="0" u="none" strike="noStrike" kern="0" cap="none" spc="0" normalizeH="0" baseline="0" noProof="0" dirty="0">
                 <a:ln>
                   <a:noFill/>
                 </a:ln>
@@ -20422,7 +20134,7 @@
               <a:defRPr/>
             </a:pPr>
             <a:r>
-              <a:rPr kumimoji="0" lang="ko-KR" altLang="en-US" sz="1000" b="0" i="0" u="none" strike="noStrike" kern="0" cap="none" spc="0" normalizeH="0" baseline="0" noProof="0" dirty="0" smtClean="0">
+              <a:rPr kumimoji="0" lang="ko-KR" altLang="en-US" sz="1000" b="0" i="0" u="none" strike="noStrike" kern="0" cap="none" spc="0" normalizeH="0" baseline="0" noProof="0" dirty="0">
                 <a:ln>
                   <a:noFill/>
                 </a:ln>
@@ -20488,7 +20200,7 @@
               <a:tabLst/>
               <a:defRPr/>
             </a:pPr>
-            <a:endParaRPr kumimoji="0" lang="ko-KR" altLang="en-US" sz="1800" b="0" i="0" u="none" strike="noStrike" kern="0" cap="none" spc="0" normalizeH="0" baseline="0" noProof="0" dirty="0" smtClean="0">
+            <a:endParaRPr kumimoji="0" lang="ko-KR" altLang="en-US" sz="1800" b="0" i="0" u="none" strike="noStrike" kern="0" cap="none" spc="0" normalizeH="0" baseline="0" noProof="0" dirty="0">
               <a:ln>
                 <a:noFill/>
               </a:ln>
@@ -20547,7 +20259,7 @@
               <a:defRPr/>
             </a:pPr>
             <a:r>
-              <a:rPr kumimoji="0" lang="ko-KR" altLang="en-US" sz="1200" b="0" i="0" u="none" strike="noStrike" kern="0" cap="none" spc="0" normalizeH="0" baseline="0" noProof="0" dirty="0" smtClean="0">
+              <a:rPr kumimoji="0" lang="ko-KR" altLang="en-US" sz="1200" b="0" i="0" u="none" strike="noStrike" kern="0" cap="none" spc="0" normalizeH="0" baseline="0" noProof="0" dirty="0">
                 <a:ln>
                   <a:noFill/>
                 </a:ln>
@@ -20606,7 +20318,7 @@
               <a:defRPr/>
             </a:pPr>
             <a:r>
-              <a:rPr kumimoji="0" lang="ko-KR" altLang="en-US" sz="1100" b="0" i="0" u="none" strike="noStrike" kern="0" cap="none" spc="0" normalizeH="0" baseline="0" noProof="0" dirty="0" smtClean="0">
+              <a:rPr kumimoji="0" lang="ko-KR" altLang="en-US" sz="1100" b="0" i="0" u="none" strike="noStrike" kern="0" cap="none" spc="0" normalizeH="0" baseline="0" noProof="0" dirty="0">
                 <a:ln>
                   <a:noFill/>
                 </a:ln>
@@ -20621,7 +20333,7 @@
               <a:t>모든</a:t>
             </a:r>
             <a:r>
-              <a:rPr kumimoji="0" lang="ko-KR" altLang="en-US" sz="1100" b="0" i="0" u="none" strike="noStrike" kern="0" cap="none" spc="0" normalizeH="0" noProof="0" dirty="0" smtClean="0">
+              <a:rPr kumimoji="0" lang="ko-KR" altLang="en-US" sz="1100" b="0" i="0" u="none" strike="noStrike" kern="0" cap="none" spc="0" normalizeH="0" noProof="0" dirty="0">
                 <a:ln>
                   <a:noFill/>
                 </a:ln>
@@ -20635,7 +20347,7 @@
               </a:rPr>
               <a:t> 데이터를 훈련에 이용</a:t>
             </a:r>
-            <a:endParaRPr kumimoji="0" lang="ko-KR" altLang="en-US" sz="1100" b="0" i="0" u="none" strike="noStrike" kern="0" cap="none" spc="0" normalizeH="0" baseline="0" noProof="0" dirty="0" smtClean="0">
+            <a:endParaRPr kumimoji="0" lang="ko-KR" altLang="en-US" sz="1100" b="0" i="0" u="none" strike="noStrike" kern="0" cap="none" spc="0" normalizeH="0" baseline="0" noProof="0" dirty="0">
               <a:ln>
                 <a:noFill/>
               </a:ln>
@@ -20697,7 +20409,7 @@
               <a:tabLst/>
               <a:defRPr/>
             </a:pPr>
-            <a:endParaRPr kumimoji="0" lang="ko-KR" altLang="en-US" sz="1200" b="0" i="0" u="none" strike="noStrike" kern="0" cap="none" spc="0" normalizeH="0" baseline="0" noProof="0" smtClean="0">
+            <a:endParaRPr kumimoji="0" lang="ko-KR" altLang="en-US" sz="1200" b="0" i="0" u="none" strike="noStrike" kern="0" cap="none" spc="0" normalizeH="0" baseline="0" noProof="0">
               <a:ln>
                 <a:noFill/>
               </a:ln>
@@ -20756,7 +20468,7 @@
               <a:defRPr/>
             </a:pPr>
             <a:r>
-              <a:rPr kumimoji="0" lang="ko-KR" altLang="en-US" sz="1100" b="0" i="0" u="none" strike="noStrike" kern="0" cap="none" spc="0" normalizeH="0" baseline="0" noProof="0" dirty="0" smtClean="0">
+              <a:rPr kumimoji="0" lang="ko-KR" altLang="en-US" sz="1100" b="0" i="0" u="none" strike="noStrike" kern="0" cap="none" spc="0" normalizeH="0" baseline="0" noProof="0" dirty="0">
                 <a:ln>
                   <a:noFill/>
                 </a:ln>
@@ -20818,7 +20530,7 @@
               <a:tabLst/>
               <a:defRPr/>
             </a:pPr>
-            <a:endParaRPr kumimoji="0" lang="ko-KR" altLang="en-US" sz="1200" b="0" i="0" u="none" strike="noStrike" kern="0" cap="none" spc="0" normalizeH="0" baseline="0" noProof="0" smtClean="0">
+            <a:endParaRPr kumimoji="0" lang="ko-KR" altLang="en-US" sz="1200" b="0" i="0" u="none" strike="noStrike" kern="0" cap="none" spc="0" normalizeH="0" baseline="0" noProof="0">
               <a:ln>
                 <a:noFill/>
               </a:ln>
@@ -20859,7 +20571,7 @@
           <a:p>
             <a:pPr defTabSz="914400"/>
             <a:r>
-              <a:rPr lang="ko-KR" altLang="en-US" sz="1000" dirty="0" smtClean="0">
+              <a:rPr lang="ko-KR" altLang="en-US" sz="1000" dirty="0">
                 <a:solidFill>
                   <a:prstClr val="black"/>
                 </a:solidFill>
@@ -20868,22 +20580,13 @@
               <a:t>훈련 </a:t>
             </a:r>
             <a:r>
-              <a:rPr lang="en-US" altLang="ko-KR" sz="1000" dirty="0" smtClean="0">
-                <a:solidFill>
-                  <a:prstClr val="black"/>
-                </a:solidFill>
-                <a:latin typeface="Calibri" panose="020F0502020204030204"/>
-              </a:rPr>
-              <a:t>(</a:t>
-            </a:r>
-            <a:r>
               <a:rPr lang="en-US" altLang="ko-KR" sz="1000" dirty="0">
                 <a:solidFill>
                   <a:prstClr val="black"/>
                 </a:solidFill>
                 <a:latin typeface="Calibri" panose="020F0502020204030204"/>
               </a:rPr>
-              <a:t>training) </a:t>
+              <a:t>(training) </a:t>
             </a:r>
             <a:r>
               <a:rPr lang="ko-KR" altLang="en-US" sz="1000" dirty="0">
@@ -20943,7 +20646,7 @@
               <a:defRPr/>
             </a:pPr>
             <a:r>
-              <a:rPr kumimoji="0" lang="en-US" altLang="ko-KR" sz="1000" b="0" i="0" u="none" strike="noStrike" kern="0" cap="none" spc="0" normalizeH="0" baseline="0" noProof="0" dirty="0" smtClean="0">
+              <a:rPr kumimoji="0" lang="en-US" altLang="ko-KR" sz="1000" b="0" i="0" u="none" strike="noStrike" kern="0" cap="none" spc="0" normalizeH="0" baseline="0" noProof="0" dirty="0">
                 <a:ln>
                   <a:noFill/>
                 </a:ln>
@@ -20959,7 +20662,7 @@
               </a:rPr>
               <a:t>70</a:t>
             </a:r>
-            <a:endParaRPr kumimoji="0" lang="ko-KR" altLang="en-US" sz="1000" b="0" i="0" u="none" strike="noStrike" kern="0" cap="none" spc="0" normalizeH="0" baseline="0" noProof="0" dirty="0" smtClean="0">
+            <a:endParaRPr kumimoji="0" lang="ko-KR" altLang="en-US" sz="1000" b="0" i="0" u="none" strike="noStrike" kern="0" cap="none" spc="0" normalizeH="0" baseline="0" noProof="0" dirty="0">
               <a:ln>
                 <a:noFill/>
               </a:ln>
@@ -21040,7 +20743,7 @@
           <a:p>
             <a:pPr defTabSz="914400"/>
             <a:r>
-              <a:rPr lang="ko-KR" altLang="en-US" sz="1000" dirty="0" smtClean="0">
+              <a:rPr lang="ko-KR" altLang="en-US" sz="1000" dirty="0">
                 <a:solidFill>
                   <a:prstClr val="black"/>
                 </a:solidFill>
@@ -21049,7 +20752,7 @@
               <a:t>시험 </a:t>
             </a:r>
             <a:r>
-              <a:rPr lang="en-US" altLang="ko-KR" sz="1000" dirty="0" smtClean="0">
+              <a:rPr lang="en-US" altLang="ko-KR" sz="1000" dirty="0">
                 <a:solidFill>
                   <a:prstClr val="black"/>
                 </a:solidFill>
@@ -21113,7 +20816,7 @@
               <a:defRPr/>
             </a:pPr>
             <a:r>
-              <a:rPr kumimoji="0" lang="en-US" altLang="ko-KR" sz="1000" b="0" i="0" u="none" strike="noStrike" kern="0" cap="none" spc="0" normalizeH="0" baseline="0" noProof="0" dirty="0" smtClean="0">
+              <a:rPr kumimoji="0" lang="en-US" altLang="ko-KR" sz="1000" b="0" i="0" u="none" strike="noStrike" kern="0" cap="none" spc="0" normalizeH="0" baseline="0" noProof="0" dirty="0">
                 <a:ln>
                   <a:noFill/>
                 </a:ln>
@@ -21129,7 +20832,7 @@
               </a:rPr>
               <a:t>30</a:t>
             </a:r>
-            <a:endParaRPr kumimoji="0" lang="ko-KR" altLang="en-US" sz="1000" b="0" i="0" u="none" strike="noStrike" kern="0" cap="none" spc="0" normalizeH="0" baseline="0" noProof="0" dirty="0" smtClean="0">
+            <a:endParaRPr kumimoji="0" lang="ko-KR" altLang="en-US" sz="1000" b="0" i="0" u="none" strike="noStrike" kern="0" cap="none" spc="0" normalizeH="0" baseline="0" noProof="0" dirty="0">
               <a:ln>
                 <a:noFill/>
               </a:ln>
@@ -21228,7 +20931,7 @@
               <a:defRPr/>
             </a:pPr>
             <a:r>
-              <a:rPr kumimoji="0" lang="ko-KR" altLang="en-US" sz="1100" b="0" i="0" u="none" strike="noStrike" kern="0" cap="none" spc="0" normalizeH="0" baseline="0" noProof="0" dirty="0" smtClean="0">
+              <a:rPr kumimoji="0" lang="ko-KR" altLang="en-US" sz="1100" b="0" i="0" u="none" strike="noStrike" kern="0" cap="none" spc="0" normalizeH="0" baseline="0" noProof="0" dirty="0">
                 <a:ln>
                   <a:noFill/>
                 </a:ln>
@@ -21290,7 +20993,7 @@
               <a:tabLst/>
               <a:defRPr/>
             </a:pPr>
-            <a:endParaRPr kumimoji="0" lang="ko-KR" altLang="en-US" sz="1200" b="0" i="0" u="none" strike="noStrike" kern="0" cap="none" spc="0" normalizeH="0" baseline="0" noProof="0" smtClean="0">
+            <a:endParaRPr kumimoji="0" lang="ko-KR" altLang="en-US" sz="1200" b="0" i="0" u="none" strike="noStrike" kern="0" cap="none" spc="0" normalizeH="0" baseline="0" noProof="0">
               <a:ln>
                 <a:noFill/>
               </a:ln>
@@ -21352,7 +21055,7 @@
               <a:tabLst/>
               <a:defRPr/>
             </a:pPr>
-            <a:endParaRPr kumimoji="0" lang="ko-KR" altLang="en-US" sz="1800" b="0" i="0" u="none" strike="noStrike" kern="0" cap="none" spc="0" normalizeH="0" baseline="0" noProof="0" dirty="0" smtClean="0">
+            <a:endParaRPr kumimoji="0" lang="ko-KR" altLang="en-US" sz="1800" b="0" i="0" u="none" strike="noStrike" kern="0" cap="none" spc="0" normalizeH="0" baseline="0" noProof="0" dirty="0">
               <a:ln>
                 <a:noFill/>
               </a:ln>
@@ -21429,7 +21132,7 @@
               <a:t>, 2: </a:t>
             </a:r>
             <a:r>
-              <a:rPr lang="ko-KR" altLang="en-US" sz="900" dirty="0" smtClean="0">
+              <a:rPr lang="ko-KR" altLang="en-US" sz="900" dirty="0">
                 <a:solidFill>
                   <a:prstClr val="black"/>
                 </a:solidFill>
@@ -21438,7 +21141,7 @@
               <a:t>시험</a:t>
             </a:r>
             <a:r>
-              <a:rPr lang="en-US" altLang="ko-KR" sz="900" dirty="0" smtClean="0">
+              <a:rPr lang="en-US" altLang="ko-KR" sz="900" dirty="0">
                 <a:solidFill>
                   <a:prstClr val="black"/>
                 </a:solidFill>
@@ -21465,13 +21168,6 @@
   <p:clrMapOvr>
     <a:masterClrMapping/>
   </p:clrMapOvr>
-  <p:timing>
-    <p:tnLst>
-      <p:par>
-        <p:cTn id="1" dur="indefinite" restart="never" nodeType="tmRoot"/>
-      </p:par>
-    </p:tnLst>
-  </p:timing>
 </p:sld>
 </file>
 
@@ -21757,7 +21453,7 @@
               <a:defRPr/>
             </a:pPr>
             <a:r>
-              <a:rPr kumimoji="0" lang="ko-KR" altLang="en-US" sz="1400" b="0" i="0" u="none" strike="noStrike" kern="1200" cap="none" spc="0" normalizeH="0" baseline="0" noProof="0" dirty="0" smtClean="0">
+              <a:rPr kumimoji="0" lang="ko-KR" altLang="en-US" sz="1400" b="0" i="0" u="none" strike="noStrike" kern="1200" cap="none" spc="0" normalizeH="0" baseline="0" noProof="0" dirty="0">
                 <a:ln>
                   <a:noFill/>
                 </a:ln>
@@ -21771,7 +21467,7 @@
               <a:t>출력옵션 </a:t>
             </a:r>
             <a:r>
-              <a:rPr kumimoji="0" lang="en-US" altLang="ko-KR" sz="1400" b="0" i="0" u="none" strike="noStrike" kern="1200" cap="none" spc="0" normalizeH="0" baseline="0" noProof="0" dirty="0" smtClean="0">
+              <a:rPr kumimoji="0" lang="en-US" altLang="ko-KR" sz="1400" b="0" i="0" u="none" strike="noStrike" kern="1200" cap="none" spc="0" normalizeH="0" baseline="0" noProof="0" dirty="0">
                 <a:ln>
                   <a:noFill/>
                 </a:ln>
@@ -21785,7 +21481,7 @@
               <a:t>– </a:t>
             </a:r>
             <a:r>
-              <a:rPr kumimoji="0" lang="ko-KR" altLang="en-US" sz="1400" b="0" i="0" u="none" strike="noStrike" kern="1200" cap="none" spc="0" normalizeH="0" baseline="0" noProof="0" dirty="0" smtClean="0">
+              <a:rPr kumimoji="0" lang="ko-KR" altLang="en-US" sz="1400" b="0" i="0" u="none" strike="noStrike" kern="1200" cap="none" spc="0" normalizeH="0" baseline="0" noProof="0" dirty="0">
                 <a:ln>
                   <a:noFill/>
                 </a:ln>
@@ -21798,7 +21494,7 @@
               </a:rPr>
               <a:t>출력</a:t>
             </a:r>
-            <a:endParaRPr kumimoji="0" lang="en-US" altLang="ko-KR" sz="1400" b="0" i="0" u="none" strike="noStrike" kern="1200" cap="none" spc="0" normalizeH="0" baseline="0" noProof="0" dirty="0" smtClean="0">
+            <a:endParaRPr kumimoji="0" lang="en-US" altLang="ko-KR" sz="1400" b="0" i="0" u="none" strike="noStrike" kern="1200" cap="none" spc="0" normalizeH="0" baseline="0" noProof="0" dirty="0">
               <a:ln>
                 <a:noFill/>
               </a:ln>
@@ -21828,7 +21524,7 @@
               <a:tabLst/>
               <a:defRPr/>
             </a:pPr>
-            <a:endParaRPr kumimoji="0" lang="en-US" altLang="ko-KR" sz="1400" b="0" i="0" u="none" strike="noStrike" kern="1200" cap="none" spc="0" normalizeH="0" baseline="0" noProof="0" dirty="0" smtClean="0">
+            <a:endParaRPr kumimoji="0" lang="en-US" altLang="ko-KR" sz="1400" b="0" i="0" u="none" strike="noStrike" kern="1200" cap="none" spc="0" normalizeH="0" baseline="0" noProof="0" dirty="0">
               <a:ln>
                 <a:noFill/>
               </a:ln>
@@ -21858,7 +21554,7 @@
               <a:tabLst/>
               <a:defRPr/>
             </a:pPr>
-            <a:endParaRPr kumimoji="0" lang="en-US" altLang="ko-KR" sz="1400" b="0" i="0" u="none" strike="noStrike" kern="1200" cap="none" spc="0" normalizeH="0" baseline="0" noProof="0" dirty="0" smtClean="0">
+            <a:endParaRPr kumimoji="0" lang="en-US" altLang="ko-KR" sz="1400" b="0" i="0" u="none" strike="noStrike" kern="1200" cap="none" spc="0" normalizeH="0" baseline="0" noProof="0" dirty="0">
               <a:ln>
                 <a:noFill/>
               </a:ln>
@@ -21941,7 +21637,7 @@
                     <a:p>
                       <a:pPr algn="ctr" latinLnBrk="1"/>
                       <a:r>
-                        <a:rPr lang="en-US" altLang="ko-KR" sz="1200" b="1" dirty="0" smtClean="0">
+                        <a:rPr lang="en-US" altLang="ko-KR" sz="1200" b="1" dirty="0">
                           <a:solidFill>
                             <a:schemeClr val="tx1"/>
                           </a:solidFill>
@@ -22079,7 +21775,7 @@
                     <a:p>
                       <a:pPr algn="ctr" latinLnBrk="1"/>
                       <a:r>
-                        <a:rPr lang="en-US" altLang="ko-KR" sz="1200" b="1" dirty="0" smtClean="0">
+                        <a:rPr lang="en-US" altLang="ko-KR" sz="1200" b="1" dirty="0">
                           <a:solidFill>
                             <a:schemeClr val="tx1"/>
                           </a:solidFill>
@@ -22235,7 +21931,7 @@
                     <a:p>
                       <a:pPr algn="ctr" latinLnBrk="1"/>
                       <a:r>
-                        <a:rPr lang="ko-KR" altLang="en-US" sz="1200" b="1" dirty="0" smtClean="0">
+                        <a:rPr lang="ko-KR" altLang="en-US" sz="1200" b="1" dirty="0">
                           <a:solidFill>
                             <a:schemeClr val="tx1"/>
                           </a:solidFill>
@@ -22334,7 +22030,7 @@
                     <a:p>
                       <a:pPr algn="ctr" latinLnBrk="1"/>
                       <a:r>
-                        <a:rPr lang="en-US" altLang="ko-KR" sz="1200" b="1" dirty="0" smtClean="0">
+                        <a:rPr lang="en-US" altLang="ko-KR" sz="1200" b="1" dirty="0">
                           <a:solidFill>
                             <a:schemeClr val="tx1"/>
                           </a:solidFill>
@@ -22360,7 +22056,7 @@
                     <a:p>
                       <a:pPr algn="ctr" latinLnBrk="1"/>
                       <a:r>
-                        <a:rPr lang="en-US" altLang="ko-KR" sz="1200" b="1" dirty="0" smtClean="0">
+                        <a:rPr lang="en-US" altLang="ko-KR" sz="1200" b="1" dirty="0">
                           <a:solidFill>
                             <a:schemeClr val="tx1"/>
                           </a:solidFill>
@@ -22459,7 +22155,7 @@
                     <a:p>
                       <a:pPr algn="ctr" latinLnBrk="1"/>
                       <a:r>
-                        <a:rPr lang="ko-KR" altLang="en-US" sz="1200" b="1" dirty="0" smtClean="0">
+                        <a:rPr lang="ko-KR" altLang="en-US" sz="1200" b="1" dirty="0">
                           <a:solidFill>
                             <a:schemeClr val="tx1"/>
                           </a:solidFill>
@@ -22558,7 +22254,7 @@
                     <a:p>
                       <a:pPr algn="ctr" latinLnBrk="1"/>
                       <a:r>
-                        <a:rPr lang="en-US" altLang="ko-KR" sz="1200" b="1" dirty="0" smtClean="0">
+                        <a:rPr lang="en-US" altLang="ko-KR" sz="1200" b="1" dirty="0">
                           <a:solidFill>
                             <a:schemeClr val="tx1"/>
                           </a:solidFill>
@@ -22607,7 +22303,7 @@
                         <a:defRPr/>
                       </a:pPr>
                       <a:r>
-                        <a:rPr lang="ko-KR" altLang="en-US" sz="1200" dirty="0" smtClean="0">
+                        <a:rPr lang="ko-KR" altLang="en-US" sz="1200" dirty="0">
                           <a:solidFill>
                             <a:srgbClr val="00B050"/>
                           </a:solidFill>
@@ -22633,7 +22329,7 @@
                     <a:p>
                       <a:pPr latinLnBrk="1"/>
                       <a:r>
-                        <a:rPr lang="en-US" altLang="ko-KR" sz="1200" dirty="0" smtClean="0">
+                        <a:rPr lang="en-US" altLang="ko-KR" sz="1200" dirty="0">
                           <a:solidFill>
                             <a:schemeClr val="tx1"/>
                           </a:solidFill>
@@ -22680,7 +22376,7 @@
                     <a:p>
                       <a:pPr latinLnBrk="1"/>
                       <a:r>
-                        <a:rPr lang="en-US" altLang="ko-KR" sz="1200" dirty="0" smtClean="0">
+                        <a:rPr lang="en-US" altLang="ko-KR" sz="1200" dirty="0">
                           <a:solidFill>
                             <a:srgbClr val="00B050"/>
                           </a:solidFill>
@@ -22723,7 +22419,7 @@
                         <a:defRPr/>
                       </a:pPr>
                       <a:r>
-                        <a:rPr kumimoji="0" lang="ko-KR" altLang="en-US" sz="1200" b="0" i="0" u="none" strike="noStrike" kern="1200" cap="none" spc="0" normalizeH="0" baseline="0" noProof="0" dirty="0" smtClean="0">
+                        <a:rPr kumimoji="0" lang="ko-KR" altLang="en-US" sz="1200" b="0" i="0" u="none" strike="noStrike" kern="1200" cap="none" spc="0" normalizeH="0" baseline="0" noProof="0" dirty="0">
                           <a:ln>
                             <a:noFill/>
                           </a:ln>
@@ -22740,7 +22436,7 @@
                         <a:t>선택되면 </a:t>
                       </a:r>
                       <a:r>
-                        <a:rPr kumimoji="0" lang="en-US" altLang="ko-KR" sz="1200" b="0" i="0" u="none" strike="noStrike" kern="1200" cap="none" spc="0" normalizeH="0" baseline="0" noProof="0" dirty="0" smtClean="0">
+                        <a:rPr kumimoji="0" lang="en-US" altLang="ko-KR" sz="1200" b="0" i="0" u="none" strike="noStrike" kern="1200" cap="none" spc="0" normalizeH="0" baseline="0" noProof="0" dirty="0">
                           <a:ln>
                             <a:noFill/>
                           </a:ln>
@@ -22757,7 +22453,7 @@
                         <a:t>TRUE, </a:t>
                       </a:r>
                       <a:r>
-                        <a:rPr kumimoji="0" lang="ko-KR" altLang="en-US" sz="1200" b="0" i="0" u="none" strike="noStrike" kern="1200" cap="none" spc="0" normalizeH="0" baseline="0" noProof="0" dirty="0" smtClean="0">
+                        <a:rPr kumimoji="0" lang="ko-KR" altLang="en-US" sz="1200" b="0" i="0" u="none" strike="noStrike" kern="1200" cap="none" spc="0" normalizeH="0" baseline="0" noProof="0" dirty="0">
                           <a:ln>
                             <a:noFill/>
                           </a:ln>
@@ -22774,7 +22470,7 @@
                         <a:t>아니면 </a:t>
                       </a:r>
                       <a:r>
-                        <a:rPr kumimoji="0" lang="en-US" altLang="ko-KR" sz="1200" b="0" i="0" u="none" strike="noStrike" kern="1200" cap="none" spc="0" normalizeH="0" baseline="0" noProof="0" dirty="0" smtClean="0">
+                        <a:rPr kumimoji="0" lang="en-US" altLang="ko-KR" sz="1200" b="0" i="0" u="none" strike="noStrike" kern="1200" cap="none" spc="0" normalizeH="0" baseline="0" noProof="0" dirty="0">
                           <a:ln>
                             <a:noFill/>
                           </a:ln>
@@ -22791,7 +22487,7 @@
                         <a:t>FALSE </a:t>
                       </a:r>
                       <a:r>
-                        <a:rPr kumimoji="0" lang="ko-KR" altLang="en-US" sz="1200" b="0" i="0" u="none" strike="noStrike" kern="1200" cap="none" spc="0" normalizeH="0" baseline="0" noProof="0" dirty="0" smtClean="0">
+                        <a:rPr kumimoji="0" lang="ko-KR" altLang="en-US" sz="1200" b="0" i="0" u="none" strike="noStrike" kern="1200" cap="none" spc="0" normalizeH="0" baseline="0" noProof="0" dirty="0">
                           <a:ln>
                             <a:noFill/>
                           </a:ln>
@@ -22807,7 +22503,7 @@
                         </a:rPr>
                         <a:t>입력</a:t>
                       </a:r>
-                      <a:endParaRPr kumimoji="0" lang="en-US" altLang="ko-KR" sz="1200" b="0" i="0" u="none" strike="noStrike" kern="1200" cap="none" spc="0" normalizeH="0" baseline="0" noProof="0" dirty="0" smtClean="0">
+                      <a:endParaRPr kumimoji="0" lang="en-US" altLang="ko-KR" sz="1200" b="0" i="0" u="none" strike="noStrike" kern="1200" cap="none" spc="0" normalizeH="0" baseline="0" noProof="0" dirty="0">
                         <a:ln>
                           <a:noFill/>
                         </a:ln>
@@ -22925,7 +22621,7 @@
                     <a:p>
                       <a:pPr latinLnBrk="1"/>
                       <a:r>
-                        <a:rPr lang="ko-KR" altLang="en-US" sz="1200" dirty="0" smtClean="0">
+                        <a:rPr lang="ko-KR" altLang="en-US" sz="1200" dirty="0">
                           <a:solidFill>
                             <a:srgbClr val="00B050"/>
                           </a:solidFill>
@@ -22934,13 +22630,6 @@
                         </a:rPr>
                         <a:t>최적모형의 회귀분석 결과 출력</a:t>
                       </a:r>
-                      <a:endParaRPr lang="ko-KR" altLang="en-US" sz="1200" dirty="0">
-                        <a:solidFill>
-                          <a:srgbClr val="00B050"/>
-                        </a:solidFill>
-                        <a:latin typeface="+mn-lt"/>
-                        <a:ea typeface="+mn-ea"/>
-                      </a:endParaRPr>
                     </a:p>
                   </a:txBody>
                   <a:tcPr/>
@@ -23025,7 +22714,7 @@
                     <a:p>
                       <a:pPr latinLnBrk="1"/>
                       <a:r>
-                        <a:rPr lang="en-US" altLang="ko-KR" sz="1200" dirty="0" smtClean="0">
+                        <a:rPr lang="en-US" altLang="ko-KR" sz="1200" dirty="0">
                           <a:solidFill>
                             <a:srgbClr val="00B050"/>
                           </a:solidFill>
@@ -23055,7 +22744,7 @@
                         <a:buChar char="•"/>
                       </a:pPr>
                       <a:r>
-                        <a:rPr lang="ko-KR" altLang="en-US" sz="1200" dirty="0" smtClean="0">
+                        <a:rPr lang="ko-KR" altLang="en-US" sz="1200" dirty="0">
                           <a:solidFill>
                             <a:srgbClr val="00B050"/>
                           </a:solidFill>
@@ -23065,7 +22754,7 @@
                         <a:t>이 옵션이 선택되면</a:t>
                       </a:r>
                       <a:r>
-                        <a:rPr lang="en-US" altLang="ko-KR" sz="1200" dirty="0" smtClean="0">
+                        <a:rPr lang="en-US" altLang="ko-KR" sz="1200" dirty="0">
                           <a:solidFill>
                             <a:srgbClr val="00B050"/>
                           </a:solidFill>
@@ -23075,7 +22764,7 @@
                         <a:t>, </a:t>
                       </a:r>
                       <a:r>
-                        <a:rPr lang="ko-KR" altLang="en-US" sz="1200" dirty="0" smtClean="0">
+                        <a:rPr lang="ko-KR" altLang="en-US" sz="1200" dirty="0">
                           <a:solidFill>
                             <a:srgbClr val="00B050"/>
                           </a:solidFill>
@@ -23085,7 +22774,7 @@
                         <a:t>출력메뉴 내의 하위메뉴가 모두 활성화됨</a:t>
                       </a:r>
                       <a:r>
-                        <a:rPr lang="en-US" altLang="ko-KR" sz="1200" dirty="0" smtClean="0">
+                        <a:rPr lang="en-US" altLang="ko-KR" sz="1200" dirty="0">
                           <a:solidFill>
                             <a:srgbClr val="00B050"/>
                           </a:solidFill>
@@ -23095,7 +22784,7 @@
                         <a:t>. (</a:t>
                       </a:r>
                       <a:r>
-                        <a:rPr lang="ko-KR" altLang="en-US" sz="1200" dirty="0" smtClean="0">
+                        <a:rPr lang="ko-KR" altLang="en-US" sz="1200" dirty="0">
                           <a:solidFill>
                             <a:srgbClr val="00B050"/>
                           </a:solidFill>
@@ -23105,7 +22794,7 @@
                         <a:t>즉</a:t>
                       </a:r>
                       <a:r>
-                        <a:rPr lang="en-US" altLang="ko-KR" sz="1200" dirty="0" smtClean="0">
+                        <a:rPr lang="en-US" altLang="ko-KR" sz="1200" dirty="0">
                           <a:solidFill>
                             <a:srgbClr val="00B050"/>
                           </a:solidFill>
@@ -23115,7 +22804,7 @@
                         <a:t>, </a:t>
                       </a:r>
                       <a:r>
-                        <a:rPr lang="ko-KR" altLang="en-US" sz="1200" dirty="0" smtClean="0">
+                        <a:rPr lang="ko-KR" altLang="en-US" sz="1200" dirty="0">
                           <a:solidFill>
                             <a:srgbClr val="00B050"/>
                           </a:solidFill>
@@ -23125,7 +22814,7 @@
                         <a:t>회귀계수</a:t>
                       </a:r>
                       <a:r>
-                        <a:rPr lang="en-US" altLang="ko-KR" sz="1200" dirty="0" smtClean="0">
+                        <a:rPr lang="en-US" altLang="ko-KR" sz="1200" dirty="0">
                           <a:solidFill>
                             <a:srgbClr val="00B050"/>
                           </a:solidFill>
@@ -23135,7 +22824,7 @@
                         <a:t>, </a:t>
                       </a:r>
                       <a:r>
-                        <a:rPr lang="ko-KR" altLang="en-US" sz="1200" dirty="0" smtClean="0">
+                        <a:rPr lang="ko-KR" altLang="en-US" sz="1200" dirty="0">
                           <a:solidFill>
                             <a:srgbClr val="00B050"/>
                           </a:solidFill>
@@ -23145,7 +22834,7 @@
                         <a:t>분산분석표</a:t>
                       </a:r>
                       <a:r>
-                        <a:rPr lang="en-US" altLang="ko-KR" sz="1200" dirty="0" smtClean="0">
+                        <a:rPr lang="en-US" altLang="ko-KR" sz="1200" dirty="0">
                           <a:solidFill>
                             <a:srgbClr val="00B050"/>
                           </a:solidFill>
@@ -23155,7 +22844,7 @@
                         <a:t>, </a:t>
                       </a:r>
                       <a:r>
-                        <a:rPr lang="ko-KR" altLang="en-US" sz="1200" dirty="0" smtClean="0">
+                        <a:rPr lang="ko-KR" altLang="en-US" sz="1200" dirty="0">
                           <a:solidFill>
                             <a:srgbClr val="00B050"/>
                           </a:solidFill>
@@ -23165,7 +22854,7 @@
                         <a:t>적합도 검정</a:t>
                       </a:r>
                       <a:r>
-                        <a:rPr lang="en-US" altLang="ko-KR" sz="1200" dirty="0" smtClean="0">
+                        <a:rPr lang="en-US" altLang="ko-KR" sz="1200" dirty="0">
                           <a:solidFill>
                             <a:srgbClr val="00B050"/>
                           </a:solidFill>
@@ -23175,7 +22864,7 @@
                         <a:t>, </a:t>
                       </a:r>
                       <a:r>
-                        <a:rPr lang="ko-KR" altLang="en-US" sz="1200" dirty="0" smtClean="0">
+                        <a:rPr lang="ko-KR" altLang="en-US" sz="1200" dirty="0">
                           <a:solidFill>
                             <a:srgbClr val="00B050"/>
                           </a:solidFill>
@@ -23185,7 +22874,7 @@
                         <a:t>잔차진단 그래프 등이 모두 활성화</a:t>
                       </a:r>
                       <a:r>
-                        <a:rPr lang="en-US" altLang="ko-KR" sz="1200" dirty="0" smtClean="0">
+                        <a:rPr lang="en-US" altLang="ko-KR" sz="1200" dirty="0">
                           <a:solidFill>
                             <a:srgbClr val="00B050"/>
                           </a:solidFill>
@@ -23201,7 +22890,7 @@
                         <a:buChar char="•"/>
                       </a:pPr>
                       <a:r>
-                        <a:rPr lang="ko-KR" altLang="en-US" sz="1200" dirty="0" smtClean="0">
+                        <a:rPr lang="ko-KR" altLang="en-US" sz="1200" dirty="0">
                           <a:solidFill>
                             <a:srgbClr val="00B050"/>
                           </a:solidFill>
@@ -23210,13 +22899,6 @@
                         </a:rPr>
                         <a:t>디폴트는 선택</a:t>
                       </a:r>
-                      <a:endParaRPr lang="ko-KR" altLang="en-US" sz="1200" dirty="0">
-                        <a:solidFill>
-                          <a:srgbClr val="00B050"/>
-                        </a:solidFill>
-                        <a:latin typeface="+mn-lt"/>
-                        <a:ea typeface="+mn-ea"/>
-                      </a:endParaRPr>
                     </a:p>
                   </a:txBody>
                   <a:tcPr/>
@@ -23301,7 +22983,7 @@
                     <a:p>
                       <a:pPr latinLnBrk="1"/>
                       <a:r>
-                        <a:rPr lang="en-US" altLang="ko-KR" sz="1200" dirty="0" err="1" smtClean="0">
+                        <a:rPr lang="en-US" altLang="ko-KR" sz="1200" dirty="0" err="1">
                           <a:solidFill>
                             <a:srgbClr val="00B050"/>
                           </a:solidFill>
@@ -23344,7 +23026,7 @@
                         <a:defRPr/>
                       </a:pPr>
                       <a:r>
-                        <a:rPr kumimoji="0" lang="ko-KR" altLang="en-US" sz="1200" b="0" i="0" u="none" strike="noStrike" kern="1200" cap="none" spc="0" normalizeH="0" baseline="0" noProof="0" dirty="0" smtClean="0">
+                        <a:rPr kumimoji="0" lang="ko-KR" altLang="en-US" sz="1200" b="0" i="0" u="none" strike="noStrike" kern="1200" cap="none" spc="0" normalizeH="0" baseline="0" noProof="0" dirty="0">
                           <a:ln>
                             <a:noFill/>
                           </a:ln>
@@ -23361,7 +23043,7 @@
                         <a:t>선택되면 </a:t>
                       </a:r>
                       <a:r>
-                        <a:rPr kumimoji="0" lang="en-US" altLang="ko-KR" sz="1200" b="0" i="0" u="none" strike="noStrike" kern="1200" cap="none" spc="0" normalizeH="0" baseline="0" noProof="0" dirty="0" smtClean="0">
+                        <a:rPr kumimoji="0" lang="en-US" altLang="ko-KR" sz="1200" b="0" i="0" u="none" strike="noStrike" kern="1200" cap="none" spc="0" normalizeH="0" baseline="0" noProof="0" dirty="0">
                           <a:ln>
                             <a:noFill/>
                           </a:ln>
@@ -23378,7 +23060,7 @@
                         <a:t>TRUE, </a:t>
                       </a:r>
                       <a:r>
-                        <a:rPr kumimoji="0" lang="ko-KR" altLang="en-US" sz="1200" b="0" i="0" u="none" strike="noStrike" kern="1200" cap="none" spc="0" normalizeH="0" baseline="0" noProof="0" dirty="0" smtClean="0">
+                        <a:rPr kumimoji="0" lang="ko-KR" altLang="en-US" sz="1200" b="0" i="0" u="none" strike="noStrike" kern="1200" cap="none" spc="0" normalizeH="0" baseline="0" noProof="0" dirty="0">
                           <a:ln>
                             <a:noFill/>
                           </a:ln>
@@ -23395,7 +23077,7 @@
                         <a:t>아니면 </a:t>
                       </a:r>
                       <a:r>
-                        <a:rPr kumimoji="0" lang="en-US" altLang="ko-KR" sz="1200" b="0" i="0" u="none" strike="noStrike" kern="1200" cap="none" spc="0" normalizeH="0" baseline="0" noProof="0" dirty="0" smtClean="0">
+                        <a:rPr kumimoji="0" lang="en-US" altLang="ko-KR" sz="1200" b="0" i="0" u="none" strike="noStrike" kern="1200" cap="none" spc="0" normalizeH="0" baseline="0" noProof="0" dirty="0">
                           <a:ln>
                             <a:noFill/>
                           </a:ln>
@@ -23412,7 +23094,7 @@
                         <a:t>FALSE </a:t>
                       </a:r>
                       <a:r>
-                        <a:rPr kumimoji="0" lang="ko-KR" altLang="en-US" sz="1200" b="0" i="0" u="none" strike="noStrike" kern="1200" cap="none" spc="0" normalizeH="0" baseline="0" noProof="0" dirty="0" smtClean="0">
+                        <a:rPr kumimoji="0" lang="ko-KR" altLang="en-US" sz="1200" b="0" i="0" u="none" strike="noStrike" kern="1200" cap="none" spc="0" normalizeH="0" baseline="0" noProof="0" dirty="0">
                           <a:ln>
                             <a:noFill/>
                           </a:ln>
@@ -23428,7 +23110,7 @@
                         </a:rPr>
                         <a:t>입력</a:t>
                       </a:r>
-                      <a:endParaRPr kumimoji="0" lang="en-US" altLang="ko-KR" sz="1200" b="0" i="0" u="none" strike="noStrike" kern="1200" cap="none" spc="0" normalizeH="0" baseline="0" noProof="0" dirty="0" smtClean="0">
+                      <a:endParaRPr kumimoji="0" lang="en-US" altLang="ko-KR" sz="1200" b="0" i="0" u="none" strike="noStrike" kern="1200" cap="none" spc="0" normalizeH="0" baseline="0" noProof="0" dirty="0">
                         <a:ln>
                           <a:noFill/>
                         </a:ln>
@@ -23546,7 +23228,7 @@
                     <a:p>
                       <a:pPr latinLnBrk="1"/>
                       <a:r>
-                        <a:rPr lang="ko-KR" altLang="en-US" sz="1200" dirty="0" smtClean="0">
+                        <a:rPr lang="ko-KR" altLang="en-US" sz="1200" dirty="0">
                           <a:solidFill>
                             <a:schemeClr val="tx1"/>
                           </a:solidFill>
@@ -23555,13 +23237,6 @@
                         </a:rPr>
                         <a:t>신뢰구간</a:t>
                       </a:r>
-                      <a:endParaRPr lang="ko-KR" altLang="en-US" sz="1200" dirty="0">
-                        <a:solidFill>
-                          <a:schemeClr val="tx1"/>
-                        </a:solidFill>
-                        <a:latin typeface="+mn-lt"/>
-                        <a:ea typeface="+mn-ea"/>
-                      </a:endParaRPr>
                     </a:p>
                   </a:txBody>
                   <a:tcPr/>
@@ -23646,7 +23321,7 @@
                     <a:p>
                       <a:pPr latinLnBrk="1"/>
                       <a:r>
-                        <a:rPr lang="en-US" altLang="ko-KR" sz="1200" dirty="0" smtClean="0">
+                        <a:rPr lang="en-US" altLang="ko-KR" sz="1200" dirty="0">
                           <a:solidFill>
                             <a:schemeClr val="tx1"/>
                           </a:solidFill>
@@ -23675,7 +23350,7 @@
                         <a:buChar char="•"/>
                       </a:pPr>
                       <a:r>
-                        <a:rPr lang="ko-KR" altLang="en-US" sz="1200" dirty="0" smtClean="0">
+                        <a:rPr lang="ko-KR" altLang="en-US" sz="1200" dirty="0">
                           <a:solidFill>
                             <a:schemeClr val="tx1"/>
                           </a:solidFill>
@@ -23684,13 +23359,6 @@
                         </a:rPr>
                         <a:t>디폴트는 선택</a:t>
                       </a:r>
-                      <a:endParaRPr lang="ko-KR" altLang="en-US" sz="1200" dirty="0">
-                        <a:solidFill>
-                          <a:schemeClr val="tx1"/>
-                        </a:solidFill>
-                        <a:latin typeface="+mn-lt"/>
-                        <a:ea typeface="+mn-ea"/>
-                      </a:endParaRPr>
                     </a:p>
                   </a:txBody>
                   <a:tcPr/>
@@ -23775,7 +23443,7 @@
                     <a:p>
                       <a:pPr latinLnBrk="1"/>
                       <a:r>
-                        <a:rPr lang="en-US" altLang="ko-KR" sz="1200" dirty="0" smtClean="0">
+                        <a:rPr lang="en-US" altLang="ko-KR" sz="1200" dirty="0">
                           <a:solidFill>
                             <a:schemeClr val="tx1"/>
                           </a:solidFill>
@@ -23804,7 +23472,7 @@
                         <a:buChar char="•"/>
                       </a:pPr>
                       <a:r>
-                        <a:rPr lang="ko-KR" altLang="en-US" sz="1200" dirty="0" smtClean="0">
+                        <a:rPr lang="ko-KR" altLang="en-US" sz="1200" dirty="0">
                           <a:solidFill>
                             <a:schemeClr val="tx1"/>
                           </a:solidFill>
@@ -23813,7 +23481,7 @@
                         <a:t>선택되면 </a:t>
                       </a:r>
                       <a:r>
-                        <a:rPr lang="en-US" altLang="ko-KR" sz="1200" dirty="0" smtClean="0">
+                        <a:rPr lang="en-US" altLang="ko-KR" sz="1200" dirty="0">
                           <a:solidFill>
                             <a:schemeClr val="tx1"/>
                           </a:solidFill>
@@ -23822,7 +23490,7 @@
                         <a:t>TRUE</a:t>
                       </a:r>
                       <a:r>
-                        <a:rPr lang="en-US" altLang="ko-KR" sz="1200" baseline="0" dirty="0" smtClean="0">
+                        <a:rPr lang="en-US" altLang="ko-KR" sz="1200" baseline="0" dirty="0">
                           <a:solidFill>
                             <a:schemeClr val="tx1"/>
                           </a:solidFill>
@@ -23831,7 +23499,7 @@
                         <a:t> </a:t>
                       </a:r>
                       <a:br>
-                        <a:rPr lang="en-US" altLang="ko-KR" sz="1200" baseline="0" dirty="0" smtClean="0">
+                        <a:rPr lang="en-US" altLang="ko-KR" sz="1200" baseline="0" dirty="0">
                           <a:solidFill>
                             <a:schemeClr val="tx1"/>
                           </a:solidFill>
@@ -23839,7 +23507,7 @@
                         </a:rPr>
                       </a:br>
                       <a:r>
-                        <a:rPr lang="ko-KR" altLang="en-US" sz="1200" baseline="0" dirty="0" smtClean="0">
+                        <a:rPr lang="ko-KR" altLang="en-US" sz="1200" baseline="0" dirty="0">
                           <a:solidFill>
                             <a:schemeClr val="tx1"/>
                           </a:solidFill>
@@ -23848,7 +23516,7 @@
                         <a:t>그렇지 않으면 </a:t>
                       </a:r>
                       <a:r>
-                        <a:rPr lang="en-US" altLang="ko-KR" sz="1200" baseline="0" dirty="0" smtClean="0">
+                        <a:rPr lang="en-US" altLang="ko-KR" sz="1200" baseline="0" dirty="0">
                           <a:solidFill>
                             <a:schemeClr val="tx1"/>
                           </a:solidFill>
@@ -23954,7 +23622,7 @@
                     <a:p>
                       <a:pPr latinLnBrk="1"/>
                       <a:r>
-                        <a:rPr lang="ko-KR" altLang="en-US" sz="1200" dirty="0" smtClean="0">
+                        <a:rPr lang="ko-KR" altLang="en-US" sz="1200" dirty="0">
                           <a:solidFill>
                             <a:schemeClr val="tx1"/>
                           </a:solidFill>
@@ -23963,13 +23631,6 @@
                         </a:rPr>
                         <a:t>신뢰수준</a:t>
                       </a:r>
-                      <a:endParaRPr lang="ko-KR" altLang="en-US" sz="1200" dirty="0">
-                        <a:solidFill>
-                          <a:schemeClr val="tx1"/>
-                        </a:solidFill>
-                        <a:latin typeface="+mn-lt"/>
-                        <a:ea typeface="+mn-ea"/>
-                      </a:endParaRPr>
                     </a:p>
                   </a:txBody>
                   <a:tcPr/>
@@ -24054,7 +23715,7 @@
                     <a:p>
                       <a:pPr latinLnBrk="1"/>
                       <a:r>
-                        <a:rPr lang="ko-KR" altLang="en-US" sz="1200" dirty="0" smtClean="0">
+                        <a:rPr lang="ko-KR" altLang="en-US" sz="1200" dirty="0">
                           <a:solidFill>
                             <a:schemeClr val="tx1"/>
                           </a:solidFill>
@@ -24063,13 +23724,6 @@
                         </a:rPr>
                         <a:t>입력</a:t>
                       </a:r>
-                      <a:endParaRPr lang="ko-KR" altLang="en-US" sz="1200" dirty="0">
-                        <a:solidFill>
-                          <a:schemeClr val="tx1"/>
-                        </a:solidFill>
-                        <a:latin typeface="+mn-lt"/>
-                        <a:ea typeface="+mn-ea"/>
-                      </a:endParaRPr>
                     </a:p>
                   </a:txBody>
                   <a:tcPr/>
@@ -24097,7 +23751,7 @@
                         <a:defRPr/>
                       </a:pPr>
                       <a:r>
-                        <a:rPr lang="ko-KR" altLang="en-US" sz="1200" dirty="0" smtClean="0">
+                        <a:rPr lang="ko-KR" altLang="en-US" sz="1200" dirty="0">
                           <a:solidFill>
                             <a:schemeClr val="tx1"/>
                           </a:solidFill>
@@ -24105,7 +23759,7 @@
                         </a:rPr>
                         <a:t>신뢰구간이 선택되면 활성화</a:t>
                       </a:r>
-                      <a:endParaRPr lang="en-US" altLang="ko-KR" sz="1200" dirty="0" smtClean="0">
+                      <a:endParaRPr lang="en-US" altLang="ko-KR" sz="1200" dirty="0">
                         <a:solidFill>
                           <a:schemeClr val="tx1"/>
                         </a:solidFill>
@@ -24131,7 +23785,7 @@
                         <a:defRPr/>
                       </a:pPr>
                       <a:r>
-                        <a:rPr lang="en-US" altLang="ko-KR" sz="1200" dirty="0" smtClean="0">
+                        <a:rPr lang="en-US" altLang="ko-KR" sz="1200" dirty="0">
                           <a:solidFill>
                             <a:schemeClr val="tx1"/>
                           </a:solidFill>
@@ -24141,7 +23795,7 @@
                         <a:t>0~1</a:t>
                       </a:r>
                       <a:r>
-                        <a:rPr lang="ko-KR" altLang="en-US" sz="1200" dirty="0" smtClean="0">
+                        <a:rPr lang="ko-KR" altLang="en-US" sz="1200" dirty="0">
                           <a:solidFill>
                             <a:schemeClr val="tx1"/>
                           </a:solidFill>
@@ -24150,7 +23804,7 @@
                         </a:rPr>
                         <a:t>의 값을 가질 수 있음</a:t>
                       </a:r>
-                      <a:endParaRPr lang="en-US" altLang="ko-KR" sz="1200" dirty="0" smtClean="0">
+                      <a:endParaRPr lang="en-US" altLang="ko-KR" sz="1200" dirty="0">
                         <a:solidFill>
                           <a:schemeClr val="tx1"/>
                         </a:solidFill>
@@ -24177,7 +23831,7 @@
                         <a:defRPr/>
                       </a:pPr>
                       <a:r>
-                        <a:rPr lang="ko-KR" altLang="en-US" sz="1200" dirty="0" smtClean="0">
+                        <a:rPr lang="ko-KR" altLang="en-US" sz="1200" dirty="0">
                           <a:solidFill>
                             <a:schemeClr val="tx1"/>
                           </a:solidFill>
@@ -24187,7 +23841,7 @@
                         <a:t>디폴트 </a:t>
                       </a:r>
                       <a:r>
-                        <a:rPr lang="en-US" altLang="ko-KR" sz="1200" dirty="0" smtClean="0">
+                        <a:rPr lang="en-US" altLang="ko-KR" sz="1200" dirty="0">
                           <a:solidFill>
                             <a:schemeClr val="tx1"/>
                           </a:solidFill>
@@ -24196,7 +23850,7 @@
                         </a:rPr>
                         <a:t>0.95</a:t>
                       </a:r>
-                      <a:endParaRPr lang="ko-KR" altLang="en-US" sz="1200" dirty="0" smtClean="0">
+                      <a:endParaRPr lang="ko-KR" altLang="en-US" sz="1200" dirty="0">
                         <a:solidFill>
                           <a:schemeClr val="tx1"/>
                         </a:solidFill>
@@ -24287,7 +23941,7 @@
                     <a:p>
                       <a:pPr latinLnBrk="1"/>
                       <a:r>
-                        <a:rPr lang="en-US" altLang="ko-KR" sz="1200" dirty="0" err="1" smtClean="0">
+                        <a:rPr lang="en-US" altLang="ko-KR" sz="1200" dirty="0" err="1">
                           <a:solidFill>
                             <a:schemeClr val="tx1"/>
                           </a:solidFill>
@@ -24316,7 +23970,7 @@
                         <a:buChar char="•"/>
                       </a:pPr>
                       <a:r>
-                        <a:rPr lang="ko-KR" altLang="en-US" sz="1200" baseline="0" dirty="0" smtClean="0">
+                        <a:rPr lang="ko-KR" altLang="en-US" sz="1200" baseline="0" dirty="0">
                           <a:solidFill>
                             <a:schemeClr val="tx1"/>
                           </a:solidFill>
@@ -24326,7 +23980,7 @@
                         <a:t>입력 받은 값을</a:t>
                       </a:r>
                       <a:r>
-                        <a:rPr lang="en-US" altLang="ko-KR" sz="1200" baseline="0" dirty="0" smtClean="0">
+                        <a:rPr lang="en-US" altLang="ko-KR" sz="1200" baseline="0" dirty="0">
                           <a:solidFill>
                             <a:schemeClr val="tx1"/>
                           </a:solidFill>
@@ -24336,7 +23990,7 @@
                         <a:t> </a:t>
                       </a:r>
                       <a:r>
-                        <a:rPr lang="ko-KR" altLang="en-US" sz="1200" baseline="0" dirty="0" smtClean="0">
+                        <a:rPr lang="ko-KR" altLang="en-US" sz="1200" baseline="0" dirty="0">
                           <a:solidFill>
                             <a:schemeClr val="tx1"/>
                           </a:solidFill>
@@ -24345,7 +23999,7 @@
                         </a:rPr>
                         <a:t>숫자로 입력</a:t>
                       </a:r>
-                      <a:endParaRPr lang="en-US" altLang="ko-KR" sz="1200" baseline="0" dirty="0" smtClean="0">
+                      <a:endParaRPr lang="en-US" altLang="ko-KR" sz="1200" baseline="0" dirty="0">
                         <a:solidFill>
                           <a:schemeClr val="tx1"/>
                         </a:solidFill>
@@ -24443,7 +24097,7 @@
                     <a:p>
                       <a:pPr latinLnBrk="1"/>
                       <a:r>
-                        <a:rPr lang="ko-KR" altLang="en-US" sz="1200" dirty="0" smtClean="0">
+                        <a:rPr lang="ko-KR" altLang="en-US" sz="1200" dirty="0">
                           <a:solidFill>
                             <a:schemeClr val="tx1"/>
                           </a:solidFill>
@@ -24453,7 +24107,7 @@
                         <a:t>분산팽창지수</a:t>
                       </a:r>
                       <a:r>
-                        <a:rPr lang="en-US" altLang="ko-KR" sz="1200" dirty="0" smtClean="0">
+                        <a:rPr lang="en-US" altLang="ko-KR" sz="1200" dirty="0">
                           <a:solidFill>
                             <a:schemeClr val="tx1"/>
                           </a:solidFill>
@@ -24553,7 +24207,7 @@
                     <a:p>
                       <a:pPr latinLnBrk="1"/>
                       <a:r>
-                        <a:rPr lang="en-US" altLang="ko-KR" sz="1200" dirty="0" smtClean="0">
+                        <a:rPr lang="en-US" altLang="ko-KR" sz="1200" dirty="0">
                           <a:solidFill>
                             <a:schemeClr val="tx1"/>
                           </a:solidFill>
@@ -24672,7 +24326,7 @@
                     <a:p>
                       <a:pPr latinLnBrk="1"/>
                       <a:r>
-                        <a:rPr lang="en-US" altLang="ko-KR" sz="1200" dirty="0" smtClean="0">
+                        <a:rPr lang="en-US" altLang="ko-KR" sz="1200" dirty="0">
                           <a:solidFill>
                             <a:schemeClr val="tx1"/>
                           </a:solidFill>
@@ -24701,7 +24355,7 @@
                         <a:buChar char="•"/>
                       </a:pPr>
                       <a:r>
-                        <a:rPr lang="ko-KR" altLang="en-US" sz="1200" dirty="0" smtClean="0">
+                        <a:rPr lang="ko-KR" altLang="en-US" sz="1200" dirty="0">
                           <a:solidFill>
                             <a:schemeClr val="tx1"/>
                           </a:solidFill>
@@ -24710,7 +24364,7 @@
                         <a:t>선택되면 </a:t>
                       </a:r>
                       <a:r>
-                        <a:rPr lang="en-US" altLang="ko-KR" sz="1200" dirty="0" smtClean="0">
+                        <a:rPr lang="en-US" altLang="ko-KR" sz="1200" dirty="0">
                           <a:solidFill>
                             <a:schemeClr val="tx1"/>
                           </a:solidFill>
@@ -24719,7 +24373,7 @@
                         <a:t>TRUE</a:t>
                       </a:r>
                       <a:r>
-                        <a:rPr lang="en-US" altLang="ko-KR" sz="1200" baseline="0" dirty="0" smtClean="0">
+                        <a:rPr lang="en-US" altLang="ko-KR" sz="1200" baseline="0" dirty="0">
                           <a:solidFill>
                             <a:schemeClr val="tx1"/>
                           </a:solidFill>
@@ -24728,7 +24382,7 @@
                         <a:t> </a:t>
                       </a:r>
                       <a:br>
-                        <a:rPr lang="en-US" altLang="ko-KR" sz="1200" baseline="0" dirty="0" smtClean="0">
+                        <a:rPr lang="en-US" altLang="ko-KR" sz="1200" baseline="0" dirty="0">
                           <a:solidFill>
                             <a:schemeClr val="tx1"/>
                           </a:solidFill>
@@ -24736,7 +24390,7 @@
                         </a:rPr>
                       </a:br>
                       <a:r>
-                        <a:rPr lang="ko-KR" altLang="en-US" sz="1200" baseline="0" dirty="0" smtClean="0">
+                        <a:rPr lang="ko-KR" altLang="en-US" sz="1200" baseline="0" dirty="0">
                           <a:solidFill>
                             <a:schemeClr val="tx1"/>
                           </a:solidFill>
@@ -24745,7 +24399,7 @@
                         <a:t>그렇지 않으면 </a:t>
                       </a:r>
                       <a:r>
-                        <a:rPr lang="en-US" altLang="ko-KR" sz="1200" baseline="0" dirty="0" smtClean="0">
+                        <a:rPr lang="en-US" altLang="ko-KR" sz="1200" baseline="0" dirty="0">
                           <a:solidFill>
                             <a:schemeClr val="tx1"/>
                           </a:solidFill>
@@ -24778,7 +24432,7 @@
                     <a:p>
                       <a:pPr latinLnBrk="1"/>
                       <a:r>
-                        <a:rPr lang="ko-KR" altLang="en-US" sz="1200" baseline="0" dirty="0" smtClean="0">
+                        <a:rPr lang="ko-KR" altLang="en-US" sz="1200" baseline="0" dirty="0">
                           <a:solidFill>
                             <a:schemeClr val="tx1"/>
                           </a:solidFill>
@@ -24787,7 +24441,7 @@
                         </a:rPr>
                         <a:t>분산분석표</a:t>
                       </a:r>
-                      <a:endParaRPr lang="en-US" altLang="ko-KR" sz="1200" baseline="0" dirty="0" smtClean="0">
+                      <a:endParaRPr lang="en-US" altLang="ko-KR" sz="1200" baseline="0" dirty="0">
                         <a:solidFill>
                           <a:schemeClr val="tx1"/>
                         </a:solidFill>
@@ -24821,70 +24475,13 @@
                         <a:defRPr/>
                       </a:pPr>
                       <a:r>
-                        <a:rPr lang="en-US" altLang="ko-KR" sz="1200" dirty="0" smtClean="0">
+                        <a:rPr lang="en-US" altLang="ko-KR" sz="1200" dirty="0">
                           <a:solidFill>
                             <a:schemeClr val="tx1"/>
                           </a:solidFill>
                           <a:latin typeface="+mn-lt"/>
                         </a:rPr>
                         <a:t>Check box</a:t>
-                      </a:r>
-                      <a:endParaRPr lang="ko-KR" altLang="en-US" sz="1200" dirty="0" smtClean="0">
-                        <a:solidFill>
-                          <a:schemeClr val="tx1"/>
-                        </a:solidFill>
-                        <a:latin typeface="+mn-lt"/>
-                        <a:ea typeface="+mn-ea"/>
-                      </a:endParaRPr>
-                    </a:p>
-                  </a:txBody>
-                  <a:tcPr/>
-                </a:tc>
-                <a:tc>
-                  <a:txBody>
-                    <a:bodyPr/>
-                    <a:lstStyle/>
-                    <a:p>
-                      <a:pPr marL="171450" indent="-171450" latinLnBrk="1">
-                        <a:buFont typeface="Arial" panose="020B0604020202020204" pitchFamily="34" charset="0"/>
-                        <a:buChar char="•"/>
-                      </a:pPr>
-                      <a:r>
-                        <a:rPr lang="ko-KR" altLang="en-US" sz="1200" dirty="0" smtClean="0">
-                          <a:solidFill>
-                            <a:schemeClr val="tx1"/>
-                          </a:solidFill>
-                          <a:latin typeface="+mn-lt"/>
-                          <a:ea typeface="+mn-ea"/>
-                        </a:rPr>
-                        <a:t>디폴트는 선택</a:t>
-                      </a:r>
-                      <a:endParaRPr lang="ko-KR" altLang="en-US" sz="1200" dirty="0">
-                        <a:solidFill>
-                          <a:schemeClr val="tx1"/>
-                        </a:solidFill>
-                        <a:latin typeface="+mn-lt"/>
-                        <a:ea typeface="+mn-ea"/>
-                      </a:endParaRPr>
-                    </a:p>
-                  </a:txBody>
-                  <a:tcPr/>
-                </a:tc>
-                <a:tc>
-                  <a:txBody>
-                    <a:bodyPr/>
-                    <a:lstStyle/>
-                    <a:p>
-                      <a:pPr latinLnBrk="1"/>
-                      <a:r>
-                        <a:rPr lang="en-US" altLang="ko-KR" sz="1200" dirty="0" smtClean="0">
-                          <a:solidFill>
-                            <a:schemeClr val="tx1"/>
-                          </a:solidFill>
-                          <a:latin typeface="+mn-lt"/>
-                          <a:ea typeface="+mn-ea"/>
-                        </a:rPr>
-                        <a:t>ANOVA</a:t>
                       </a:r>
                       <a:endParaRPr lang="ko-KR" altLang="en-US" sz="1200" dirty="0">
                         <a:solidFill>
@@ -24907,7 +24504,57 @@
                         <a:buChar char="•"/>
                       </a:pPr>
                       <a:r>
-                        <a:rPr lang="ko-KR" altLang="en-US" sz="1200" dirty="0" smtClean="0">
+                        <a:rPr lang="ko-KR" altLang="en-US" sz="1200" dirty="0">
+                          <a:solidFill>
+                            <a:schemeClr val="tx1"/>
+                          </a:solidFill>
+                          <a:latin typeface="+mn-lt"/>
+                          <a:ea typeface="+mn-ea"/>
+                        </a:rPr>
+                        <a:t>디폴트는 선택</a:t>
+                      </a:r>
+                    </a:p>
+                  </a:txBody>
+                  <a:tcPr/>
+                </a:tc>
+                <a:tc>
+                  <a:txBody>
+                    <a:bodyPr/>
+                    <a:lstStyle/>
+                    <a:p>
+                      <a:pPr latinLnBrk="1"/>
+                      <a:r>
+                        <a:rPr lang="en-US" altLang="ko-KR" sz="1200" dirty="0">
+                          <a:solidFill>
+                            <a:schemeClr val="tx1"/>
+                          </a:solidFill>
+                          <a:latin typeface="+mn-lt"/>
+                          <a:ea typeface="+mn-ea"/>
+                        </a:rPr>
+                        <a:t>ANOVA</a:t>
+                      </a:r>
+                      <a:endParaRPr lang="ko-KR" altLang="en-US" sz="1200" dirty="0">
+                        <a:solidFill>
+                          <a:schemeClr val="tx1"/>
+                        </a:solidFill>
+                        <a:latin typeface="+mn-lt"/>
+                        <a:ea typeface="+mn-ea"/>
+                      </a:endParaRPr>
+                    </a:p>
+                  </a:txBody>
+                  <a:tcPr/>
+                </a:tc>
+                <a:tc>
+                  <a:txBody>
+                    <a:bodyPr/>
+                    <a:lstStyle/>
+                    <a:p>
+                      <a:pPr marL="171450" indent="-171450" latinLnBrk="1">
+                        <a:buFont typeface="Arial" panose="020B0604020202020204" pitchFamily="34" charset="0"/>
+                        <a:buChar char="•"/>
+                      </a:pPr>
+                      <a:r>
+                        <a:rPr lang="ko-KR" altLang="en-US" sz="1200" dirty="0">
                           <a:solidFill>
                             <a:schemeClr val="tx1"/>
                           </a:solidFill>
@@ -24916,7 +24563,7 @@
                         <a:t>선택되면 </a:t>
                       </a:r>
                       <a:r>
-                        <a:rPr lang="en-US" altLang="ko-KR" sz="1200" dirty="0" smtClean="0">
+                        <a:rPr lang="en-US" altLang="ko-KR" sz="1200" dirty="0">
                           <a:solidFill>
                             <a:schemeClr val="tx1"/>
                           </a:solidFill>
@@ -24925,7 +24572,7 @@
                         <a:t>TRUE</a:t>
                       </a:r>
                       <a:r>
-                        <a:rPr lang="en-US" altLang="ko-KR" sz="1200" baseline="0" dirty="0" smtClean="0">
+                        <a:rPr lang="en-US" altLang="ko-KR" sz="1200" baseline="0" dirty="0">
                           <a:solidFill>
                             <a:schemeClr val="tx1"/>
                           </a:solidFill>
@@ -24934,7 +24581,7 @@
                         <a:t> </a:t>
                       </a:r>
                       <a:br>
-                        <a:rPr lang="en-US" altLang="ko-KR" sz="1200" baseline="0" dirty="0" smtClean="0">
+                        <a:rPr lang="en-US" altLang="ko-KR" sz="1200" baseline="0" dirty="0">
                           <a:solidFill>
                             <a:schemeClr val="tx1"/>
                           </a:solidFill>
@@ -24942,7 +24589,7 @@
                         </a:rPr>
                       </a:br>
                       <a:r>
-                        <a:rPr lang="ko-KR" altLang="en-US" sz="1200" baseline="0" dirty="0" smtClean="0">
+                        <a:rPr lang="ko-KR" altLang="en-US" sz="1200" baseline="0" dirty="0">
                           <a:solidFill>
                             <a:schemeClr val="tx1"/>
                           </a:solidFill>
@@ -24951,7 +24598,7 @@
                         <a:t>그렇지 않으면 </a:t>
                       </a:r>
                       <a:r>
-                        <a:rPr lang="en-US" altLang="ko-KR" sz="1200" baseline="0" dirty="0" smtClean="0">
+                        <a:rPr lang="en-US" altLang="ko-KR" sz="1200" baseline="0" dirty="0">
                           <a:solidFill>
                             <a:schemeClr val="tx1"/>
                           </a:solidFill>
@@ -25057,7 +24704,7 @@
                     <a:p>
                       <a:pPr latinLnBrk="1"/>
                       <a:r>
-                        <a:rPr lang="ko-KR" altLang="en-US" sz="1200" dirty="0" smtClean="0">
+                        <a:rPr lang="ko-KR" altLang="en-US" sz="1200" dirty="0">
                           <a:solidFill>
                             <a:schemeClr val="tx1"/>
                           </a:solidFill>
@@ -25067,7 +24714,7 @@
                         <a:t>분산분석표 </a:t>
                       </a:r>
                       <a:r>
-                        <a:rPr lang="en-US" altLang="ko-KR" sz="1200" dirty="0" smtClean="0">
+                        <a:rPr lang="en-US" altLang="ko-KR" sz="1200" dirty="0">
                           <a:solidFill>
                             <a:schemeClr val="tx1"/>
                           </a:solidFill>
@@ -25077,7 +24724,7 @@
                         <a:t>&gt; </a:t>
                       </a:r>
                       <a:r>
-                        <a:rPr lang="ko-KR" altLang="en-US" sz="1200" dirty="0" err="1" smtClean="0">
+                        <a:rPr lang="ko-KR" altLang="en-US" sz="1200" dirty="0" err="1">
                           <a:solidFill>
                             <a:schemeClr val="tx1"/>
                           </a:solidFill>
@@ -25177,7 +24824,7 @@
                     <a:p>
                       <a:pPr latinLnBrk="1"/>
                       <a:r>
-                        <a:rPr lang="en-US" altLang="ko-KR" sz="1200" dirty="0" smtClean="0">
+                        <a:rPr lang="en-US" altLang="ko-KR" sz="1200" dirty="0">
                           <a:solidFill>
                             <a:schemeClr val="tx1"/>
                           </a:solidFill>
@@ -25219,7 +24866,7 @@
                         <a:defRPr/>
                       </a:pPr>
                       <a:r>
-                        <a:rPr lang="ko-KR" altLang="en-US" sz="1200" dirty="0" smtClean="0">
+                        <a:rPr lang="ko-KR" altLang="en-US" sz="1200" dirty="0">
                           <a:solidFill>
                             <a:schemeClr val="tx1"/>
                           </a:solidFill>
@@ -25227,7 +24874,7 @@
                         </a:rPr>
                         <a:t>분산분석표가 선택되면 활성화</a:t>
                       </a:r>
-                      <a:endParaRPr lang="en-US" altLang="ko-KR" sz="1200" dirty="0" smtClean="0">
+                      <a:endParaRPr lang="en-US" altLang="ko-KR" sz="1200" dirty="0">
                         <a:solidFill>
                           <a:schemeClr val="tx1"/>
                         </a:solidFill>
@@ -25253,7 +24900,7 @@
                         <a:defRPr/>
                       </a:pPr>
                       <a:r>
-                        <a:rPr lang="ko-KR" altLang="en-US" sz="1200" dirty="0" smtClean="0">
+                        <a:rPr lang="ko-KR" altLang="en-US" sz="1200" dirty="0">
                           <a:solidFill>
                             <a:schemeClr val="tx1"/>
                           </a:solidFill>
@@ -25263,7 +24910,7 @@
                         <a:t>화살표를 누르면</a:t>
                       </a:r>
                       <a:r>
-                        <a:rPr lang="en-US" altLang="ko-KR" sz="1200" baseline="0" dirty="0" smtClean="0">
+                        <a:rPr lang="en-US" altLang="ko-KR" sz="1200" baseline="0" dirty="0">
                           <a:solidFill>
                             <a:schemeClr val="tx1"/>
                           </a:solidFill>
@@ -25273,7 +24920,7 @@
                         <a:t> I, II, III</a:t>
                       </a:r>
                       <a:r>
-                        <a:rPr lang="ko-KR" altLang="en-US" sz="1200" baseline="0" dirty="0" smtClean="0">
+                        <a:rPr lang="ko-KR" altLang="en-US" sz="1200" baseline="0" dirty="0">
                           <a:solidFill>
                             <a:schemeClr val="tx1"/>
                           </a:solidFill>
@@ -25283,7 +24930,7 @@
                         <a:t> 중 하나를 선택할 수 있음</a:t>
                       </a:r>
                       <a:r>
-                        <a:rPr lang="en-US" altLang="ko-KR" sz="1200" baseline="0" dirty="0" smtClean="0">
+                        <a:rPr lang="en-US" altLang="ko-KR" sz="1200" baseline="0" dirty="0">
                           <a:solidFill>
                             <a:schemeClr val="tx1"/>
                           </a:solidFill>
@@ -25312,7 +24959,7 @@
                         <a:defRPr/>
                       </a:pPr>
                       <a:r>
-                        <a:rPr lang="ko-KR" altLang="en-US" sz="1200" baseline="0" dirty="0" smtClean="0">
+                        <a:rPr lang="ko-KR" altLang="en-US" sz="1200" baseline="0" dirty="0">
                           <a:solidFill>
                             <a:schemeClr val="tx1"/>
                           </a:solidFill>
@@ -25322,7 +24969,7 @@
                         <a:t>디폴트 </a:t>
                       </a:r>
                       <a:r>
-                        <a:rPr lang="en-US" altLang="ko-KR" sz="1200" baseline="0" dirty="0" smtClean="0">
+                        <a:rPr lang="en-US" altLang="ko-KR" sz="1200" baseline="0" dirty="0">
                           <a:solidFill>
                             <a:schemeClr val="tx1"/>
                           </a:solidFill>
@@ -25331,7 +24978,7 @@
                         </a:rPr>
                         <a:t>III</a:t>
                       </a:r>
-                      <a:endParaRPr lang="ko-KR" altLang="en-US" sz="1200" dirty="0" smtClean="0">
+                      <a:endParaRPr lang="ko-KR" altLang="en-US" sz="1200" dirty="0">
                         <a:solidFill>
                           <a:schemeClr val="tx1"/>
                         </a:solidFill>
@@ -25422,7 +25069,7 @@
                     <a:p>
                       <a:pPr latinLnBrk="1"/>
                       <a:r>
-                        <a:rPr lang="en-US" altLang="ko-KR" sz="1200" dirty="0" err="1" smtClean="0">
+                        <a:rPr lang="en-US" altLang="ko-KR" sz="1200" dirty="0" err="1">
                           <a:solidFill>
                             <a:schemeClr val="tx1"/>
                           </a:solidFill>
@@ -25432,7 +25079,7 @@
                         <a:t>ss</a:t>
                       </a:r>
                       <a:r>
-                        <a:rPr lang="en-US" altLang="ko-KR" sz="1200" dirty="0" smtClean="0">
+                        <a:rPr lang="en-US" altLang="ko-KR" sz="1200" dirty="0">
                           <a:solidFill>
                             <a:schemeClr val="tx1"/>
                           </a:solidFill>
@@ -25442,7 +25089,7 @@
                         <a:t> (</a:t>
                       </a:r>
                       <a:r>
-                        <a:rPr lang="ko-KR" altLang="en-US" sz="1200" dirty="0" smtClean="0">
+                        <a:rPr lang="ko-KR" altLang="en-US" sz="1200" dirty="0">
                           <a:solidFill>
                             <a:schemeClr val="tx1"/>
                           </a:solidFill>
@@ -25452,7 +25099,7 @@
                         <a:t>소문자</a:t>
                       </a:r>
                       <a:r>
-                        <a:rPr lang="en-US" altLang="ko-KR" sz="1200" dirty="0" smtClean="0">
+                        <a:rPr lang="en-US" altLang="ko-KR" sz="1200" dirty="0">
                           <a:solidFill>
                             <a:schemeClr val="tx1"/>
                           </a:solidFill>
@@ -25482,7 +25129,7 @@
                         <a:buChar char="•"/>
                       </a:pPr>
                       <a:r>
-                        <a:rPr lang="en-US" altLang="ko-KR" sz="1200" dirty="0" smtClean="0">
+                        <a:rPr lang="en-US" altLang="ko-KR" sz="1200" dirty="0">
                           <a:solidFill>
                             <a:schemeClr val="tx1"/>
                           </a:solidFill>
@@ -25492,7 +25139,7 @@
                         <a:t>UI</a:t>
                       </a:r>
                       <a:r>
-                        <a:rPr lang="ko-KR" altLang="en-US" sz="1200" dirty="0" smtClean="0">
+                        <a:rPr lang="ko-KR" altLang="en-US" sz="1200" dirty="0">
                           <a:solidFill>
                             <a:schemeClr val="tx1"/>
                           </a:solidFill>
@@ -25502,7 +25149,7 @@
                         <a:t>의 </a:t>
                       </a:r>
                       <a:r>
-                        <a:rPr lang="en-US" altLang="ko-KR" sz="1200" dirty="0" smtClean="0">
+                        <a:rPr lang="en-US" altLang="ko-KR" sz="1200" dirty="0">
                           <a:solidFill>
                             <a:schemeClr val="tx1"/>
                           </a:solidFill>
@@ -25512,7 +25159,7 @@
                         <a:t>I,</a:t>
                       </a:r>
                       <a:r>
-                        <a:rPr lang="en-US" altLang="ko-KR" sz="1200" baseline="0" dirty="0" smtClean="0">
+                        <a:rPr lang="en-US" altLang="ko-KR" sz="1200" baseline="0" dirty="0">
                           <a:solidFill>
                             <a:schemeClr val="tx1"/>
                           </a:solidFill>
@@ -25522,7 +25169,7 @@
                         <a:t> II, III</a:t>
                       </a:r>
                       <a:r>
-                        <a:rPr lang="ko-KR" altLang="en-US" sz="1200" baseline="0" dirty="0" smtClean="0">
+                        <a:rPr lang="ko-KR" altLang="en-US" sz="1200" baseline="0" dirty="0">
                           <a:solidFill>
                             <a:schemeClr val="tx1"/>
                           </a:solidFill>
@@ -25532,7 +25179,7 @@
                         <a:t>는 각각 코드의 인자에 </a:t>
                       </a:r>
                       <a:r>
-                        <a:rPr lang="en-US" altLang="ko-KR" sz="1200" baseline="0" dirty="0" smtClean="0">
+                        <a:rPr lang="en-US" altLang="ko-KR" sz="1200" baseline="0" dirty="0">
                           <a:solidFill>
                             <a:schemeClr val="tx1"/>
                           </a:solidFill>
@@ -25542,7 +25189,7 @@
                         <a:t>I, II, III</a:t>
                       </a:r>
                       <a:r>
-                        <a:rPr lang="ko-KR" altLang="en-US" sz="1200" baseline="0" dirty="0" smtClean="0">
+                        <a:rPr lang="ko-KR" altLang="en-US" sz="1200" baseline="0" dirty="0">
                           <a:solidFill>
                             <a:schemeClr val="tx1"/>
                           </a:solidFill>
@@ -25649,7 +25296,7 @@
                     <a:p>
                       <a:pPr latinLnBrk="1"/>
                       <a:r>
-                        <a:rPr lang="ko-KR" altLang="en-US" sz="1200" dirty="0" smtClean="0">
+                        <a:rPr lang="ko-KR" altLang="en-US" sz="1200" dirty="0">
                           <a:solidFill>
                             <a:schemeClr val="tx1"/>
                           </a:solidFill>
@@ -25658,13 +25305,6 @@
                         </a:rPr>
                         <a:t>적합도검정</a:t>
                       </a:r>
-                      <a:endParaRPr lang="ko-KR" altLang="en-US" sz="1200" dirty="0">
-                        <a:solidFill>
-                          <a:schemeClr val="tx1"/>
-                        </a:solidFill>
-                        <a:latin typeface="+mn-lt"/>
-                        <a:ea typeface="+mn-ea"/>
-                      </a:endParaRPr>
                     </a:p>
                   </a:txBody>
                   <a:tcPr/>
@@ -25749,7 +25389,7 @@
                     <a:p>
                       <a:pPr latinLnBrk="1"/>
                       <a:r>
-                        <a:rPr lang="en-US" altLang="ko-KR" sz="1200" dirty="0" smtClean="0">
+                        <a:rPr lang="en-US" altLang="ko-KR" sz="1200" dirty="0">
                           <a:solidFill>
                             <a:schemeClr val="tx1"/>
                           </a:solidFill>
@@ -25868,7 +25508,7 @@
                     <a:p>
                       <a:pPr latinLnBrk="1"/>
                       <a:r>
-                        <a:rPr lang="en-US" altLang="ko-KR" sz="1200" dirty="0" smtClean="0">
+                        <a:rPr lang="en-US" altLang="ko-KR" sz="1200" dirty="0">
                           <a:solidFill>
                             <a:schemeClr val="tx1"/>
                           </a:solidFill>
@@ -25897,7 +25537,7 @@
                         <a:buChar char="•"/>
                       </a:pPr>
                       <a:r>
-                        <a:rPr lang="ko-KR" altLang="en-US" sz="1200" dirty="0" smtClean="0">
+                        <a:rPr lang="ko-KR" altLang="en-US" sz="1200" dirty="0">
                           <a:solidFill>
                             <a:schemeClr val="tx1"/>
                           </a:solidFill>
@@ -25906,7 +25546,7 @@
                         <a:t>선택되면 </a:t>
                       </a:r>
                       <a:r>
-                        <a:rPr lang="en-US" altLang="ko-KR" sz="1200" dirty="0" smtClean="0">
+                        <a:rPr lang="en-US" altLang="ko-KR" sz="1200" dirty="0">
                           <a:solidFill>
                             <a:schemeClr val="tx1"/>
                           </a:solidFill>
@@ -25915,7 +25555,7 @@
                         <a:t>TRUE</a:t>
                       </a:r>
                       <a:r>
-                        <a:rPr lang="en-US" altLang="ko-KR" sz="1200" baseline="0" dirty="0" smtClean="0">
+                        <a:rPr lang="en-US" altLang="ko-KR" sz="1200" baseline="0" dirty="0">
                           <a:solidFill>
                             <a:schemeClr val="tx1"/>
                           </a:solidFill>
@@ -25924,7 +25564,7 @@
                         <a:t> </a:t>
                       </a:r>
                       <a:br>
-                        <a:rPr lang="en-US" altLang="ko-KR" sz="1200" baseline="0" dirty="0" smtClean="0">
+                        <a:rPr lang="en-US" altLang="ko-KR" sz="1200" baseline="0" dirty="0">
                           <a:solidFill>
                             <a:schemeClr val="tx1"/>
                           </a:solidFill>
@@ -25932,7 +25572,7 @@
                         </a:rPr>
                       </a:br>
                       <a:r>
-                        <a:rPr lang="ko-KR" altLang="en-US" sz="1200" baseline="0" dirty="0" smtClean="0">
+                        <a:rPr lang="ko-KR" altLang="en-US" sz="1200" baseline="0" dirty="0">
                           <a:solidFill>
                             <a:schemeClr val="tx1"/>
                           </a:solidFill>
@@ -25941,7 +25581,7 @@
                         <a:t>그렇지 않으면 </a:t>
                       </a:r>
                       <a:r>
-                        <a:rPr lang="en-US" altLang="ko-KR" sz="1200" baseline="0" dirty="0" smtClean="0">
+                        <a:rPr lang="en-US" altLang="ko-KR" sz="1200" baseline="0" dirty="0">
                           <a:solidFill>
                             <a:schemeClr val="tx1"/>
                           </a:solidFill>
@@ -26047,7 +25687,7 @@
                     <a:p>
                       <a:pPr latinLnBrk="1"/>
                       <a:r>
-                        <a:rPr lang="ko-KR" altLang="en-US" sz="1200" dirty="0" err="1" smtClean="0">
+                        <a:rPr lang="ko-KR" altLang="en-US" sz="1200" dirty="0" err="1">
                           <a:solidFill>
                             <a:schemeClr val="tx1"/>
                           </a:solidFill>
@@ -26147,7 +25787,7 @@
                     <a:p>
                       <a:pPr latinLnBrk="1"/>
                       <a:r>
-                        <a:rPr lang="en-US" altLang="ko-KR" sz="1200" dirty="0" smtClean="0">
+                        <a:rPr lang="en-US" altLang="ko-KR" sz="1200" dirty="0">
                           <a:solidFill>
                             <a:schemeClr val="tx1"/>
                           </a:solidFill>
@@ -26266,7 +25906,7 @@
                     <a:p>
                       <a:pPr latinLnBrk="1"/>
                       <a:r>
-                        <a:rPr lang="en-US" altLang="ko-KR" sz="1200" dirty="0" smtClean="0">
+                        <a:rPr lang="en-US" altLang="ko-KR" sz="1200" dirty="0">
                           <a:solidFill>
                             <a:schemeClr val="tx1"/>
                           </a:solidFill>
@@ -26296,7 +25936,7 @@
                         <a:buChar char="•"/>
                       </a:pPr>
                       <a:r>
-                        <a:rPr lang="ko-KR" altLang="en-US" sz="1200" dirty="0" smtClean="0">
+                        <a:rPr lang="ko-KR" altLang="en-US" sz="1200" dirty="0">
                           <a:solidFill>
                             <a:schemeClr val="tx1"/>
                           </a:solidFill>
@@ -26305,7 +25945,7 @@
                         <a:t>선택되면 </a:t>
                       </a:r>
                       <a:r>
-                        <a:rPr lang="en-US" altLang="ko-KR" sz="1200" dirty="0" smtClean="0">
+                        <a:rPr lang="en-US" altLang="ko-KR" sz="1200" dirty="0">
                           <a:solidFill>
                             <a:schemeClr val="tx1"/>
                           </a:solidFill>
@@ -26314,7 +25954,7 @@
                         <a:t>TRUE</a:t>
                       </a:r>
                       <a:r>
-                        <a:rPr lang="en-US" altLang="ko-KR" sz="1200" baseline="0" dirty="0" smtClean="0">
+                        <a:rPr lang="en-US" altLang="ko-KR" sz="1200" baseline="0" dirty="0">
                           <a:solidFill>
                             <a:schemeClr val="tx1"/>
                           </a:solidFill>
@@ -26323,7 +25963,7 @@
                         <a:t> </a:t>
                       </a:r>
                       <a:br>
-                        <a:rPr lang="en-US" altLang="ko-KR" sz="1200" baseline="0" dirty="0" smtClean="0">
+                        <a:rPr lang="en-US" altLang="ko-KR" sz="1200" baseline="0" dirty="0">
                           <a:solidFill>
                             <a:schemeClr val="tx1"/>
                           </a:solidFill>
@@ -26331,7 +25971,7 @@
                         </a:rPr>
                       </a:br>
                       <a:r>
-                        <a:rPr lang="ko-KR" altLang="en-US" sz="1200" baseline="0" dirty="0" smtClean="0">
+                        <a:rPr lang="ko-KR" altLang="en-US" sz="1200" baseline="0" dirty="0">
                           <a:solidFill>
                             <a:schemeClr val="tx1"/>
                           </a:solidFill>
@@ -26340,7 +25980,7 @@
                         <a:t>그렇지 않으면 </a:t>
                       </a:r>
                       <a:r>
-                        <a:rPr lang="en-US" altLang="ko-KR" sz="1200" baseline="0" dirty="0" smtClean="0">
+                        <a:rPr lang="en-US" altLang="ko-KR" sz="1200" baseline="0" dirty="0">
                           <a:solidFill>
                             <a:schemeClr val="tx1"/>
                           </a:solidFill>
@@ -26414,7 +26054,7 @@
               <a:tabLst/>
               <a:defRPr/>
             </a:pPr>
-            <a:endParaRPr kumimoji="0" lang="ko-KR" altLang="en-US" sz="1800" b="0" i="0" u="none" strike="noStrike" kern="0" cap="none" spc="0" normalizeH="0" baseline="0" noProof="0" dirty="0" smtClean="0">
+            <a:endParaRPr kumimoji="0" lang="ko-KR" altLang="en-US" sz="1800" b="0" i="0" u="none" strike="noStrike" kern="0" cap="none" spc="0" normalizeH="0" baseline="0" noProof="0" dirty="0">
               <a:ln>
                 <a:noFill/>
               </a:ln>
@@ -26612,7 +26252,7 @@
               <a:defRPr/>
             </a:pPr>
             <a:r>
-              <a:rPr kumimoji="0" lang="ko-KR" altLang="en-US" sz="1200" b="0" i="0" u="none" strike="noStrike" kern="0" cap="none" spc="0" normalizeH="0" baseline="0" noProof="0" dirty="0" smtClean="0">
+              <a:rPr kumimoji="0" lang="ko-KR" altLang="en-US" sz="1200" b="0" i="0" u="none" strike="noStrike" kern="0" cap="none" spc="0" normalizeH="0" baseline="0" noProof="0" dirty="0">
                 <a:ln>
                   <a:noFill/>
                 </a:ln>
@@ -26671,7 +26311,7 @@
               <a:defRPr/>
             </a:pPr>
             <a:r>
-              <a:rPr kumimoji="0" lang="ko-KR" altLang="en-US" sz="1200" b="0" i="0" u="none" strike="noStrike" kern="0" cap="none" spc="0" normalizeH="0" baseline="0" noProof="0" dirty="0" smtClean="0">
+              <a:rPr kumimoji="0" lang="ko-KR" altLang="en-US" sz="1200" b="0" i="0" u="none" strike="noStrike" kern="0" cap="none" spc="0" normalizeH="0" baseline="0" noProof="0" dirty="0">
                 <a:ln>
                   <a:noFill/>
                 </a:ln>
@@ -26730,7 +26370,7 @@
               <a:defRPr/>
             </a:pPr>
             <a:r>
-              <a:rPr kumimoji="0" lang="ko-KR" altLang="en-US" sz="1200" b="0" i="0" u="none" strike="noStrike" kern="0" cap="none" spc="0" normalizeH="0" baseline="0" noProof="0" dirty="0" smtClean="0">
+              <a:rPr kumimoji="0" lang="ko-KR" altLang="en-US" sz="1200" b="0" i="0" u="none" strike="noStrike" kern="0" cap="none" spc="0" normalizeH="0" baseline="0" noProof="0" dirty="0">
                 <a:ln>
                   <a:noFill/>
                 </a:ln>
@@ -26789,7 +26429,7 @@
               <a:defRPr/>
             </a:pPr>
             <a:r>
-              <a:rPr kumimoji="0" lang="ko-KR" altLang="en-US" sz="1200" b="0" i="0" u="none" strike="noStrike" kern="0" cap="none" spc="0" normalizeH="0" baseline="0" noProof="0" dirty="0" smtClean="0">
+              <a:rPr kumimoji="0" lang="ko-KR" altLang="en-US" sz="1200" b="0" i="0" u="none" strike="noStrike" kern="0" cap="none" spc="0" normalizeH="0" baseline="0" noProof="0" dirty="0">
                 <a:ln>
                   <a:noFill/>
                 </a:ln>
@@ -26875,7 +26515,7 @@
               <a:tabLst/>
               <a:defRPr/>
             </a:pPr>
-            <a:endParaRPr kumimoji="0" lang="ko-KR" altLang="en-US" sz="1800" b="0" i="0" u="none" strike="noStrike" kern="0" cap="none" spc="0" normalizeH="0" baseline="0" noProof="0" smtClean="0">
+            <a:endParaRPr kumimoji="0" lang="ko-KR" altLang="en-US" sz="1800" b="0" i="0" u="none" strike="noStrike" kern="0" cap="none" spc="0" normalizeH="0" baseline="0" noProof="0">
               <a:ln>
                 <a:noFill/>
               </a:ln>
@@ -26931,7 +26571,7 @@
               <a:defRPr/>
             </a:pPr>
             <a:r>
-              <a:rPr kumimoji="0" lang="ko-KR" altLang="en-US" sz="1600" b="0" i="0" u="none" strike="noStrike" kern="0" cap="none" spc="0" normalizeH="0" baseline="0" noProof="0" dirty="0" smtClean="0">
+              <a:rPr kumimoji="0" lang="ko-KR" altLang="en-US" sz="1600" b="0" i="0" u="none" strike="noStrike" kern="0" cap="none" spc="0" normalizeH="0" baseline="0" noProof="0" dirty="0">
                 <a:ln>
                   <a:noFill/>
                 </a:ln>
@@ -26992,7 +26632,7 @@
               <a:tabLst/>
               <a:defRPr/>
             </a:pPr>
-            <a:endParaRPr kumimoji="0" lang="ko-KR" altLang="en-US" sz="1800" b="0" i="0" u="none" strike="noStrike" kern="0" cap="none" spc="0" normalizeH="0" baseline="0" noProof="0" smtClean="0">
+            <a:endParaRPr kumimoji="0" lang="ko-KR" altLang="en-US" sz="1800" b="0" i="0" u="none" strike="noStrike" kern="0" cap="none" spc="0" normalizeH="0" baseline="0" noProof="0">
               <a:ln>
                 <a:noFill/>
               </a:ln>
@@ -27048,7 +26688,7 @@
               <a:defRPr/>
             </a:pPr>
             <a:r>
-              <a:rPr kumimoji="0" lang="ko-KR" altLang="en-US" sz="1600" b="0" i="0" u="none" strike="noStrike" kern="0" cap="none" spc="0" normalizeH="0" baseline="0" noProof="0" dirty="0" smtClean="0">
+              <a:rPr kumimoji="0" lang="ko-KR" altLang="en-US" sz="1600" b="0" i="0" u="none" strike="noStrike" kern="0" cap="none" spc="0" normalizeH="0" baseline="0" noProof="0" dirty="0">
                 <a:ln>
                   <a:noFill/>
                 </a:ln>
@@ -27279,7 +26919,7 @@
               <a:defRPr/>
             </a:pPr>
             <a:r>
-              <a:rPr kumimoji="0" lang="ko-KR" altLang="en-US" sz="1200" b="0" i="0" u="none" strike="noStrike" kern="0" cap="none" spc="0" normalizeH="0" baseline="0" noProof="0" dirty="0" smtClean="0">
+              <a:rPr kumimoji="0" lang="ko-KR" altLang="en-US" sz="1200" b="0" i="0" u="none" strike="noStrike" kern="0" cap="none" spc="0" normalizeH="0" baseline="0" noProof="0" dirty="0">
                 <a:ln>
                   <a:noFill/>
                 </a:ln>
@@ -27290,15 +26930,6 @@
               </a:rPr>
               <a:t>회귀계수</a:t>
             </a:r>
-            <a:endParaRPr kumimoji="0" lang="ko-KR" altLang="en-US" sz="1200" b="0" i="0" u="none" strike="noStrike" kern="0" cap="none" spc="0" normalizeH="0" baseline="0" noProof="0" dirty="0">
-              <a:ln>
-                <a:noFill/>
-              </a:ln>
-              <a:effectLst/>
-              <a:uLnTx/>
-              <a:uFillTx/>
-              <a:latin typeface="Calibri" panose="020F0502020204030204"/>
-            </a:endParaRPr>
           </a:p>
         </p:txBody>
       </p:sp>
@@ -27594,7 +27225,7 @@
               <a:defRPr/>
             </a:pPr>
             <a:r>
-              <a:rPr kumimoji="0" lang="en-US" altLang="ko-KR" sz="1200" b="0" i="0" u="none" strike="noStrike" kern="0" cap="none" spc="0" normalizeH="0" baseline="0" noProof="0" dirty="0" smtClean="0">
+              <a:rPr kumimoji="0" lang="en-US" altLang="ko-KR" sz="1200" b="0" i="0" u="none" strike="noStrike" kern="0" cap="none" spc="0" normalizeH="0" baseline="0" noProof="0" dirty="0">
                 <a:ln>
                   <a:noFill/>
                 </a:ln>
@@ -27667,7 +27298,7 @@
               <a:defRPr/>
             </a:pPr>
             <a:r>
-              <a:rPr kumimoji="0" lang="en-US" altLang="ko-KR" sz="1800" b="0" i="0" u="none" strike="noStrike" kern="0" cap="none" spc="0" normalizeH="0" baseline="0" noProof="0" dirty="0" smtClean="0">
+              <a:rPr kumimoji="0" lang="en-US" altLang="ko-KR" sz="1800" b="0" i="0" u="none" strike="noStrike" kern="0" cap="none" spc="0" normalizeH="0" baseline="0" noProof="0" dirty="0">
                 <a:ln>
                   <a:noFill/>
                 </a:ln>
@@ -27718,14 +27349,11 @@
           <a:p>
             <a:pPr defTabSz="914400"/>
             <a:r>
-              <a:rPr lang="ko-KR" altLang="en-US" sz="1200" dirty="0" smtClean="0">
+              <a:rPr lang="ko-KR" altLang="en-US" sz="1200" dirty="0">
                 <a:latin typeface="Calibri" panose="020F0502020204030204"/>
               </a:rPr>
               <a:t>분산분석표</a:t>
             </a:r>
-            <a:endParaRPr lang="ko-KR" altLang="en-US" sz="1200" dirty="0">
-              <a:latin typeface="Calibri" panose="020F0502020204030204"/>
-            </a:endParaRPr>
           </a:p>
         </p:txBody>
       </p:sp>
@@ -27810,7 +27438,7 @@
               <a:defRPr/>
             </a:pPr>
             <a:r>
-              <a:rPr kumimoji="0" lang="en-US" altLang="ko-KR" sz="1100" b="0" i="0" u="none" strike="noStrike" kern="0" cap="none" spc="0" normalizeH="0" baseline="0" noProof="0" dirty="0" smtClean="0">
+              <a:rPr kumimoji="0" lang="en-US" altLang="ko-KR" sz="1100" b="0" i="0" u="none" strike="noStrike" kern="0" cap="none" spc="0" normalizeH="0" baseline="0" noProof="0" dirty="0">
                 <a:ln>
                   <a:noFill/>
                 </a:ln>
@@ -28077,17 +27705,8 @@
               <a:rPr lang="ko-KR" altLang="en-US" sz="1200" dirty="0">
                 <a:latin typeface="Calibri" panose="020F0502020204030204"/>
               </a:rPr>
-              <a:t>적합도 </a:t>
+              <a:t>적합도 검정</a:t>
             </a:r>
-            <a:r>
-              <a:rPr lang="ko-KR" altLang="en-US" sz="1200" dirty="0" smtClean="0">
-                <a:latin typeface="Calibri" panose="020F0502020204030204"/>
-              </a:rPr>
-              <a:t>검정</a:t>
-            </a:r>
-            <a:endParaRPr lang="ko-KR" altLang="en-US" sz="1200" dirty="0">
-              <a:latin typeface="Calibri" panose="020F0502020204030204"/>
-            </a:endParaRPr>
           </a:p>
         </p:txBody>
       </p:sp>
@@ -28133,7 +27752,7 @@
               <a:defRPr/>
             </a:pPr>
             <a:r>
-              <a:rPr kumimoji="0" lang="ko-KR" altLang="en-US" sz="1200" b="0" i="0" u="none" strike="noStrike" kern="0" cap="none" spc="0" normalizeH="0" baseline="0" noProof="0" dirty="0" smtClean="0">
+              <a:rPr kumimoji="0" lang="ko-KR" altLang="en-US" sz="1200" b="0" i="0" u="none" strike="noStrike" kern="0" cap="none" spc="0" normalizeH="0" baseline="0" noProof="0" dirty="0">
                 <a:ln>
                   <a:noFill/>
                 </a:ln>
@@ -28144,15 +27763,6 @@
               </a:rPr>
               <a:t>최적모형의 회귀분석 결과 출력</a:t>
             </a:r>
-            <a:endParaRPr kumimoji="0" lang="ko-KR" altLang="en-US" sz="1200" b="0" i="0" u="none" strike="noStrike" kern="0" cap="none" spc="0" normalizeH="0" baseline="0" noProof="0" dirty="0">
-              <a:ln>
-                <a:noFill/>
-              </a:ln>
-              <a:effectLst/>
-              <a:uLnTx/>
-              <a:uFillTx/>
-              <a:latin typeface="Calibri" panose="020F0502020204030204"/>
-            </a:endParaRPr>
           </a:p>
         </p:txBody>
       </p:sp>
@@ -28204,7 +27814,7 @@
               <a:defRPr/>
             </a:pPr>
             <a:r>
-              <a:rPr kumimoji="0" lang="en-US" altLang="ko-KR" sz="1800" b="0" i="0" u="none" strike="noStrike" kern="0" cap="none" spc="0" normalizeH="0" baseline="0" noProof="0" dirty="0" smtClean="0">
+              <a:rPr kumimoji="0" lang="en-US" altLang="ko-KR" sz="1800" b="0" i="0" u="none" strike="noStrike" kern="0" cap="none" spc="0" normalizeH="0" baseline="0" noProof="0" dirty="0">
                 <a:ln>
                   <a:noFill/>
                 </a:ln>
@@ -28276,7 +27886,7 @@
               <a:tabLst/>
               <a:defRPr/>
             </a:pPr>
-            <a:endParaRPr kumimoji="0" lang="ko-KR" altLang="en-US" sz="1800" b="0" i="0" u="none" strike="noStrike" kern="0" cap="none" spc="0" normalizeH="0" baseline="0" noProof="0" smtClean="0">
+            <a:endParaRPr kumimoji="0" lang="ko-KR" altLang="en-US" sz="1800" b="0" i="0" u="none" strike="noStrike" kern="0" cap="none" spc="0" normalizeH="0" baseline="0" noProof="0">
               <a:ln>
                 <a:noFill/>
               </a:ln>
@@ -28314,7 +27924,7 @@
           <a:p>
             <a:pPr defTabSz="914400"/>
             <a:r>
-              <a:rPr lang="ko-KR" altLang="en-US" sz="1200" dirty="0" smtClean="0">
+              <a:rPr lang="ko-KR" altLang="en-US" sz="1200" dirty="0">
                 <a:solidFill>
                   <a:srgbClr val="00B050"/>
                 </a:solidFill>
@@ -28322,12 +27932,6 @@
               </a:rPr>
               <a:t>조율모수에 따른 해의 변화</a:t>
             </a:r>
-            <a:endParaRPr lang="ko-KR" altLang="en-US" sz="1200" dirty="0">
-              <a:solidFill>
-                <a:srgbClr val="00B050"/>
-              </a:solidFill>
-              <a:latin typeface="Calibri" panose="020F0502020204030204"/>
-            </a:endParaRPr>
           </a:p>
         </p:txBody>
       </p:sp>
@@ -28475,7 +28079,7 @@
           <a:p>
             <a:pPr defTabSz="914400"/>
             <a:r>
-              <a:rPr lang="ko-KR" altLang="en-US" sz="1200" dirty="0" err="1" smtClean="0">
+              <a:rPr lang="ko-KR" altLang="en-US" sz="1200" dirty="0" err="1">
                 <a:latin typeface="Calibri" panose="020F0502020204030204"/>
               </a:rPr>
               <a:t>적합값</a:t>
@@ -28779,14 +28383,11 @@
               </a:spcAft>
             </a:pPr>
             <a:r>
-              <a:rPr lang="ko-KR" altLang="en-US" sz="1200" dirty="0" smtClean="0">
+              <a:rPr lang="ko-KR" altLang="en-US" sz="1200" dirty="0">
                 <a:latin typeface="Calibri" panose="020F0502020204030204"/>
               </a:rPr>
               <a:t>스튜던트화 잔차</a:t>
             </a:r>
-            <a:endParaRPr lang="ko-KR" altLang="en-US" sz="1200" dirty="0">
-              <a:latin typeface="Calibri" panose="020F0502020204030204"/>
-            </a:endParaRPr>
           </a:p>
         </p:txBody>
       </p:sp>
@@ -29075,7 +28676,7 @@
               <a:defRPr/>
             </a:pPr>
             <a:r>
-              <a:rPr kumimoji="0" lang="ko-KR" altLang="en-US" sz="1200" b="0" i="0" u="none" strike="noStrike" kern="0" cap="none" spc="0" normalizeH="0" baseline="0" noProof="0" dirty="0" smtClean="0">
+              <a:rPr kumimoji="0" lang="ko-KR" altLang="en-US" sz="1200" b="0" i="0" u="none" strike="noStrike" kern="0" cap="none" spc="0" normalizeH="0" baseline="0" noProof="0" dirty="0">
                 <a:ln>
                   <a:noFill/>
                 </a:ln>
@@ -29086,15 +28687,6 @@
               </a:rPr>
               <a:t>훈련자료</a:t>
             </a:r>
-            <a:endParaRPr kumimoji="0" lang="ko-KR" altLang="en-US" sz="1200" b="0" i="0" u="none" strike="noStrike" kern="0" cap="none" spc="0" normalizeH="0" baseline="0" noProof="0" dirty="0">
-              <a:ln>
-                <a:noFill/>
-              </a:ln>
-              <a:effectLst/>
-              <a:uLnTx/>
-              <a:uFillTx/>
-              <a:latin typeface="Calibri" panose="020F0502020204030204"/>
-            </a:endParaRPr>
           </a:p>
         </p:txBody>
       </p:sp>
@@ -29201,7 +28793,7 @@
               <a:defRPr/>
             </a:pPr>
             <a:r>
-              <a:rPr kumimoji="0" lang="ko-KR" altLang="en-US" sz="1200" b="0" i="0" u="none" strike="noStrike" kern="0" cap="none" spc="0" normalizeH="0" baseline="0" noProof="0" dirty="0" smtClean="0">
+              <a:rPr kumimoji="0" lang="ko-KR" altLang="en-US" sz="1200" b="0" i="0" u="none" strike="noStrike" kern="0" cap="none" spc="0" normalizeH="0" baseline="0" noProof="0" dirty="0">
                 <a:ln>
                   <a:noFill/>
                 </a:ln>
@@ -29212,15 +28804,6 @@
               </a:rPr>
               <a:t>시험자료</a:t>
             </a:r>
-            <a:endParaRPr kumimoji="0" lang="ko-KR" altLang="en-US" sz="1200" b="0" i="0" u="none" strike="noStrike" kern="0" cap="none" spc="0" normalizeH="0" baseline="0" noProof="0" dirty="0">
-              <a:ln>
-                <a:noFill/>
-              </a:ln>
-              <a:effectLst/>
-              <a:uLnTx/>
-              <a:uFillTx/>
-              <a:latin typeface="Calibri" panose="020F0502020204030204"/>
-            </a:endParaRPr>
           </a:p>
         </p:txBody>
       </p:sp>
@@ -29307,7 +28890,7 @@
           <a:p>
             <a:pPr defTabSz="914400"/>
             <a:r>
-              <a:rPr lang="ko-KR" altLang="en-US" sz="1200" dirty="0" err="1" smtClean="0">
+              <a:rPr lang="ko-KR" altLang="en-US" sz="1200" dirty="0" err="1">
                 <a:latin typeface="Calibri" panose="020F0502020204030204"/>
               </a:rPr>
               <a:t>예측값</a:t>
@@ -29583,14 +29166,11 @@
           <a:p>
             <a:pPr defTabSz="914400"/>
             <a:r>
-              <a:rPr lang="ko-KR" altLang="en-US" sz="1200" dirty="0" smtClean="0">
+              <a:rPr lang="ko-KR" altLang="en-US" sz="1200" dirty="0">
                 <a:latin typeface="Calibri" panose="020F0502020204030204"/>
               </a:rPr>
               <a:t>쿡의 거리</a:t>
             </a:r>
-            <a:endParaRPr lang="ko-KR" altLang="en-US" sz="1200" dirty="0">
-              <a:latin typeface="Calibri" panose="020F0502020204030204"/>
-            </a:endParaRPr>
           </a:p>
         </p:txBody>
       </p:sp>
@@ -29681,7 +29261,7 @@
               <a:defRPr/>
             </a:pPr>
             <a:r>
-              <a:rPr kumimoji="0" lang="en-US" altLang="ko-KR" sz="1200" b="0" i="0" u="none" strike="noStrike" kern="0" cap="none" spc="0" normalizeH="0" baseline="0" noProof="0" dirty="0" smtClean="0">
+              <a:rPr kumimoji="0" lang="en-US" altLang="ko-KR" sz="1200" b="0" i="0" u="none" strike="noStrike" kern="0" cap="none" spc="0" normalizeH="0" baseline="0" noProof="0" dirty="0">
                 <a:ln>
                   <a:noFill/>
                 </a:ln>
@@ -29795,7 +29375,7 @@
               <a:defRPr/>
             </a:pPr>
             <a:r>
-              <a:rPr kumimoji="0" lang="en-US" altLang="ko-KR" sz="1200" b="0" i="0" u="none" strike="noStrike" kern="0" cap="none" spc="0" normalizeH="0" baseline="0" noProof="0" dirty="0" smtClean="0">
+              <a:rPr kumimoji="0" lang="en-US" altLang="ko-KR" sz="1200" b="0" i="0" u="none" strike="noStrike" kern="0" cap="none" spc="0" normalizeH="0" baseline="0" noProof="0" dirty="0">
                 <a:ln>
                   <a:noFill/>
                 </a:ln>
@@ -29905,14 +29485,11 @@
           <a:p>
             <a:pPr defTabSz="914400"/>
             <a:r>
-              <a:rPr lang="ko-KR" altLang="en-US" sz="1200" dirty="0" smtClean="0">
+              <a:rPr lang="ko-KR" altLang="en-US" sz="1200" dirty="0">
                 <a:latin typeface="Calibri" panose="020F0502020204030204"/>
               </a:rPr>
               <a:t>해트행렬의 대각원소</a:t>
             </a:r>
-            <a:endParaRPr lang="ko-KR" altLang="en-US" sz="1200" dirty="0">
-              <a:latin typeface="Calibri" panose="020F0502020204030204"/>
-            </a:endParaRPr>
           </a:p>
         </p:txBody>
       </p:sp>
@@ -29999,14 +29576,11 @@
           <a:p>
             <a:pPr defTabSz="914400"/>
             <a:r>
-              <a:rPr lang="ko-KR" altLang="en-US" sz="1200" dirty="0" smtClean="0">
+              <a:rPr lang="ko-KR" altLang="en-US" sz="1200" dirty="0">
                 <a:latin typeface="Calibri" panose="020F0502020204030204"/>
               </a:rPr>
               <a:t>자료분할지표</a:t>
             </a:r>
-            <a:endParaRPr lang="ko-KR" altLang="en-US" sz="1200" dirty="0">
-              <a:latin typeface="Calibri" panose="020F0502020204030204"/>
-            </a:endParaRPr>
           </a:p>
         </p:txBody>
       </p:sp>
@@ -30040,96 +29614,96 @@
               <a:defRPr/>
             </a:pPr>
             <a:r>
-              <a:rPr lang="ko-KR" altLang="en-US" sz="1200" dirty="0" smtClean="0">
+              <a:rPr lang="ko-KR" altLang="en-US" sz="1200" dirty="0">
                 <a:latin typeface="Calibri" panose="020F0502020204030204"/>
               </a:rPr>
               <a:t>최종 선택 모형이 </a:t>
             </a:r>
             <a:r>
-              <a:rPr lang="en-US" altLang="ko-KR" sz="1200" dirty="0" smtClean="0">
+              <a:rPr lang="en-US" altLang="ko-KR" sz="1200" dirty="0">
                 <a:latin typeface="Calibri" panose="020F0502020204030204"/>
               </a:rPr>
               <a:t>p&lt;=n</a:t>
             </a:r>
             <a:r>
-              <a:rPr lang="ko-KR" altLang="en-US" sz="1200" dirty="0" smtClean="0">
+              <a:rPr lang="ko-KR" altLang="en-US" sz="1200" dirty="0">
                 <a:latin typeface="Calibri" panose="020F0502020204030204"/>
               </a:rPr>
               <a:t>인 경우에 최종모형 결과를 제공하고</a:t>
             </a:r>
             <a:r>
-              <a:rPr lang="en-US" altLang="ko-KR" sz="1200" dirty="0" smtClean="0">
+              <a:rPr lang="en-US" altLang="ko-KR" sz="1200" dirty="0">
                 <a:latin typeface="Calibri" panose="020F0502020204030204"/>
               </a:rPr>
               <a:t>, </a:t>
             </a:r>
             <a:r>
-              <a:rPr lang="ko-KR" altLang="en-US" sz="1200" dirty="0" smtClean="0">
+              <a:rPr lang="ko-KR" altLang="en-US" sz="1200" dirty="0">
                 <a:latin typeface="Calibri" panose="020F0502020204030204"/>
               </a:rPr>
               <a:t>그렇지 않은 경우에는 </a:t>
             </a:r>
             <a:r>
-              <a:rPr lang="en-US" altLang="ko-KR" sz="1200" dirty="0" smtClean="0">
+              <a:rPr lang="en-US" altLang="ko-KR" sz="1200" dirty="0">
                 <a:latin typeface="Calibri" panose="020F0502020204030204"/>
               </a:rPr>
               <a:t>warning</a:t>
             </a:r>
             <a:r>
-              <a:rPr lang="ko-KR" altLang="en-US" sz="1200" dirty="0" smtClean="0">
+              <a:rPr lang="ko-KR" altLang="en-US" sz="1200" dirty="0">
                 <a:latin typeface="Calibri" panose="020F0502020204030204"/>
               </a:rPr>
               <a:t>으로 최종 선택된 모형의 </a:t>
             </a:r>
             <a:r>
-              <a:rPr lang="ko-KR" altLang="en-US" sz="1200" dirty="0" err="1" smtClean="0">
+              <a:rPr lang="ko-KR" altLang="en-US" sz="1200" dirty="0" err="1">
                 <a:latin typeface="Calibri" panose="020F0502020204030204"/>
               </a:rPr>
               <a:t>모수의</a:t>
             </a:r>
             <a:r>
-              <a:rPr lang="ko-KR" altLang="en-US" sz="1200" dirty="0" smtClean="0">
+              <a:rPr lang="ko-KR" altLang="en-US" sz="1200" dirty="0">
                 <a:latin typeface="Calibri" panose="020F0502020204030204"/>
               </a:rPr>
               <a:t> 수가 </a:t>
             </a:r>
             <a:r>
-              <a:rPr lang="en-US" altLang="ko-KR" sz="1200" dirty="0" smtClean="0">
+              <a:rPr lang="en-US" altLang="ko-KR" sz="1200" dirty="0">
                 <a:latin typeface="Calibri" panose="020F0502020204030204"/>
               </a:rPr>
               <a:t>observation </a:t>
             </a:r>
             <a:r>
-              <a:rPr lang="ko-KR" altLang="en-US" sz="1200" dirty="0" smtClean="0">
+              <a:rPr lang="ko-KR" altLang="en-US" sz="1200" dirty="0">
                 <a:latin typeface="Calibri" panose="020F0502020204030204"/>
               </a:rPr>
               <a:t>수보다 많아서 회귀분석 결과를 제공하지 </a:t>
             </a:r>
             <a:r>
-              <a:rPr lang="ko-KR" altLang="en-US" sz="1200" dirty="0" err="1" smtClean="0">
+              <a:rPr lang="ko-KR" altLang="en-US" sz="1200" dirty="0" err="1">
                 <a:latin typeface="Calibri" panose="020F0502020204030204"/>
               </a:rPr>
               <a:t>않는다를</a:t>
             </a:r>
             <a:r>
-              <a:rPr lang="ko-KR" altLang="en-US" sz="1200" dirty="0" smtClean="0">
+              <a:rPr lang="ko-KR" altLang="en-US" sz="1200" dirty="0">
                 <a:latin typeface="Calibri" panose="020F0502020204030204"/>
               </a:rPr>
               <a:t> 메시지를 </a:t>
             </a:r>
             <a:r>
-              <a:rPr lang="en-US" altLang="ko-KR" sz="1200" dirty="0" smtClean="0">
+              <a:rPr lang="en-US" altLang="ko-KR" sz="1200" dirty="0">
                 <a:latin typeface="Calibri" panose="020F0502020204030204"/>
               </a:rPr>
               <a:t>html</a:t>
             </a:r>
             <a:r>
-              <a:rPr lang="ko-KR" altLang="en-US" sz="1200" dirty="0" smtClean="0">
+              <a:rPr lang="ko-KR" altLang="en-US" sz="1200" dirty="0">
                 <a:latin typeface="Calibri" panose="020F0502020204030204"/>
               </a:rPr>
               <a:t>에 출력</a:t>
             </a:r>
-            <a:endParaRPr lang="en-US" altLang="ko-KR" sz="1200" dirty="0" smtClean="0">
+            <a:endParaRPr lang="en-US" altLang="ko-KR" sz="1200" dirty="0">
               <a:latin typeface="Calibri" panose="020F0502020204030204"/>
             </a:endParaRPr>
           </a:p>
@@ -30177,7 +29751,7 @@
               <a:defRPr/>
             </a:pPr>
             <a:r>
-              <a:rPr kumimoji="0" lang="ko-KR" altLang="en-US" sz="1200" b="0" i="0" u="none" strike="noStrike" kern="0" cap="none" spc="0" normalizeH="0" baseline="0" noProof="0" dirty="0" smtClean="0">
+              <a:rPr kumimoji="0" lang="ko-KR" altLang="en-US" sz="1200" b="0" i="0" u="none" strike="noStrike" kern="0" cap="none" spc="0" normalizeH="0" baseline="0" noProof="0" dirty="0">
                 <a:ln>
                   <a:noFill/>
                 </a:ln>
@@ -30191,18 +29765,6 @@
               </a:rPr>
               <a:t>최적모형의 회귀분석 결과 저장</a:t>
             </a:r>
-            <a:endParaRPr kumimoji="0" lang="ko-KR" altLang="en-US" sz="1200" b="0" i="0" u="none" strike="noStrike" kern="0" cap="none" spc="0" normalizeH="0" baseline="0" noProof="0" dirty="0">
-              <a:ln>
-                <a:noFill/>
-              </a:ln>
-              <a:solidFill>
-                <a:srgbClr val="00B050"/>
-              </a:solidFill>
-              <a:effectLst/>
-              <a:uLnTx/>
-              <a:uFillTx/>
-              <a:latin typeface="Calibri" panose="020F0502020204030204"/>
-            </a:endParaRPr>
           </a:p>
         </p:txBody>
       </p:sp>
@@ -30277,13 +29839,6 @@
   <p:clrMapOvr>
     <a:masterClrMapping/>
   </p:clrMapOvr>
-  <p:timing>
-    <p:tnLst>
-      <p:par>
-        <p:cTn id="1" dur="indefinite" restart="never" nodeType="tmRoot"/>
-      </p:par>
-    </p:tnLst>
-  </p:timing>
 </p:sld>
 </file>
 
@@ -30508,7 +30063,7 @@
               <a:defRPr/>
             </a:pPr>
             <a:r>
-              <a:rPr kumimoji="0" lang="ko-KR" altLang="en-US" sz="1400" b="0" i="0" u="none" strike="noStrike" kern="1200" cap="none" spc="0" normalizeH="0" baseline="0" noProof="0" dirty="0" smtClean="0">
+              <a:rPr kumimoji="0" lang="ko-KR" altLang="en-US" sz="1400" b="0" i="0" u="none" strike="noStrike" kern="1200" cap="none" spc="0" normalizeH="0" baseline="0" noProof="0" dirty="0">
                 <a:ln>
                   <a:noFill/>
                 </a:ln>
@@ -30522,7 +30077,7 @@
               <a:t>출력옵션 </a:t>
             </a:r>
             <a:r>
-              <a:rPr kumimoji="0" lang="en-US" altLang="ko-KR" sz="1400" b="0" i="0" u="none" strike="noStrike" kern="1200" cap="none" spc="0" normalizeH="0" baseline="0" noProof="0" dirty="0" smtClean="0">
+              <a:rPr kumimoji="0" lang="en-US" altLang="ko-KR" sz="1400" b="0" i="0" u="none" strike="noStrike" kern="1200" cap="none" spc="0" normalizeH="0" baseline="0" noProof="0" dirty="0">
                 <a:ln>
                   <a:noFill/>
                 </a:ln>
@@ -30536,7 +30091,7 @@
               <a:t>– </a:t>
             </a:r>
             <a:r>
-              <a:rPr kumimoji="0" lang="ko-KR" altLang="en-US" sz="1400" b="0" i="0" u="none" strike="noStrike" kern="1200" cap="none" spc="0" normalizeH="0" baseline="0" noProof="0" dirty="0" smtClean="0">
+              <a:rPr kumimoji="0" lang="ko-KR" altLang="en-US" sz="1400" b="0" i="0" u="none" strike="noStrike" kern="1200" cap="none" spc="0" normalizeH="0" baseline="0" noProof="0" dirty="0">
                 <a:ln>
                   <a:noFill/>
                 </a:ln>
@@ -30549,7 +30104,7 @@
               </a:rPr>
               <a:t>저장</a:t>
             </a:r>
-            <a:endParaRPr kumimoji="0" lang="en-US" altLang="ko-KR" sz="1400" b="0" i="0" u="none" strike="noStrike" kern="1200" cap="none" spc="0" normalizeH="0" baseline="0" noProof="0" dirty="0" smtClean="0">
+            <a:endParaRPr kumimoji="0" lang="en-US" altLang="ko-KR" sz="1400" b="0" i="0" u="none" strike="noStrike" kern="1200" cap="none" spc="0" normalizeH="0" baseline="0" noProof="0" dirty="0">
               <a:ln>
                 <a:noFill/>
               </a:ln>
@@ -30579,7 +30134,7 @@
               <a:tabLst/>
               <a:defRPr/>
             </a:pPr>
-            <a:endParaRPr kumimoji="0" lang="en-US" altLang="ko-KR" sz="1400" b="0" i="0" u="none" strike="noStrike" kern="1200" cap="none" spc="0" normalizeH="0" baseline="0" noProof="0" dirty="0" smtClean="0">
+            <a:endParaRPr kumimoji="0" lang="en-US" altLang="ko-KR" sz="1400" b="0" i="0" u="none" strike="noStrike" kern="1200" cap="none" spc="0" normalizeH="0" baseline="0" noProof="0" dirty="0">
               <a:ln>
                 <a:noFill/>
               </a:ln>
@@ -30662,7 +30217,7 @@
                     <a:p>
                       <a:pPr algn="ctr" latinLnBrk="1"/>
                       <a:r>
-                        <a:rPr lang="en-US" altLang="ko-KR" sz="1200" b="1" dirty="0" smtClean="0">
+                        <a:rPr lang="en-US" altLang="ko-KR" sz="1200" b="1" dirty="0">
                           <a:solidFill>
                             <a:schemeClr val="tx1"/>
                           </a:solidFill>
@@ -30800,7 +30355,7 @@
                     <a:p>
                       <a:pPr algn="ctr" latinLnBrk="1"/>
                       <a:r>
-                        <a:rPr lang="en-US" altLang="ko-KR" sz="1200" b="1" dirty="0" smtClean="0">
+                        <a:rPr lang="en-US" altLang="ko-KR" sz="1200" b="1" dirty="0">
                           <a:solidFill>
                             <a:schemeClr val="tx1"/>
                           </a:solidFill>
@@ -30956,7 +30511,7 @@
                     <a:p>
                       <a:pPr algn="ctr" latinLnBrk="1"/>
                       <a:r>
-                        <a:rPr lang="ko-KR" altLang="en-US" sz="1200" b="1" dirty="0" smtClean="0">
+                        <a:rPr lang="ko-KR" altLang="en-US" sz="1200" b="1" dirty="0">
                           <a:solidFill>
                             <a:schemeClr val="tx1"/>
                           </a:solidFill>
@@ -31055,7 +30610,7 @@
                     <a:p>
                       <a:pPr algn="ctr" latinLnBrk="1"/>
                       <a:r>
-                        <a:rPr lang="en-US" altLang="ko-KR" sz="1200" b="1" dirty="0" smtClean="0">
+                        <a:rPr lang="en-US" altLang="ko-KR" sz="1200" b="1" dirty="0">
                           <a:solidFill>
                             <a:schemeClr val="tx1"/>
                           </a:solidFill>
@@ -31081,7 +30636,7 @@
                     <a:p>
                       <a:pPr algn="ctr" latinLnBrk="1"/>
                       <a:r>
-                        <a:rPr lang="en-US" altLang="ko-KR" sz="1200" b="1" dirty="0" smtClean="0">
+                        <a:rPr lang="en-US" altLang="ko-KR" sz="1200" b="1" dirty="0">
                           <a:solidFill>
                             <a:schemeClr val="tx1"/>
                           </a:solidFill>
@@ -31180,7 +30735,7 @@
                     <a:p>
                       <a:pPr algn="ctr" latinLnBrk="1"/>
                       <a:r>
-                        <a:rPr lang="ko-KR" altLang="en-US" sz="1200" b="1" dirty="0" smtClean="0">
+                        <a:rPr lang="ko-KR" altLang="en-US" sz="1200" b="1" dirty="0">
                           <a:solidFill>
                             <a:schemeClr val="tx1"/>
                           </a:solidFill>
@@ -31279,7 +30834,7 @@
                     <a:p>
                       <a:pPr algn="ctr" latinLnBrk="1"/>
                       <a:r>
-                        <a:rPr lang="en-US" altLang="ko-KR" sz="1200" b="1" dirty="0" smtClean="0">
+                        <a:rPr lang="en-US" altLang="ko-KR" sz="1200" b="1" dirty="0">
                           <a:solidFill>
                             <a:schemeClr val="tx1"/>
                           </a:solidFill>
@@ -31385,7 +30940,7 @@
                     <a:p>
                       <a:pPr latinLnBrk="1"/>
                       <a:r>
-                        <a:rPr lang="ko-KR" altLang="en-US" sz="1200" dirty="0" smtClean="0">
+                        <a:rPr lang="ko-KR" altLang="en-US" sz="1200" dirty="0">
                           <a:solidFill>
                             <a:srgbClr val="00B050"/>
                           </a:solidFill>
@@ -31394,13 +30949,6 @@
                         </a:rPr>
                         <a:t>최적모형의 회귀분석 결과 출력</a:t>
                       </a:r>
-                      <a:endParaRPr lang="ko-KR" altLang="en-US" sz="1200" dirty="0">
-                        <a:solidFill>
-                          <a:srgbClr val="00B050"/>
-                        </a:solidFill>
-                        <a:latin typeface="+mn-lt"/>
-                        <a:ea typeface="+mn-ea"/>
-                      </a:endParaRPr>
                     </a:p>
                   </a:txBody>
                   <a:tcPr/>
@@ -31485,7 +31033,7 @@
                     <a:p>
                       <a:pPr latinLnBrk="1"/>
                       <a:r>
-                        <a:rPr lang="en-US" altLang="ko-KR" sz="1200" dirty="0" smtClean="0">
+                        <a:rPr lang="en-US" altLang="ko-KR" sz="1200" dirty="0">
                           <a:solidFill>
                             <a:srgbClr val="00B050"/>
                           </a:solidFill>
@@ -31515,7 +31063,7 @@
                         <a:buChar char="•"/>
                       </a:pPr>
                       <a:r>
-                        <a:rPr lang="ko-KR" altLang="en-US" sz="1200" dirty="0" smtClean="0">
+                        <a:rPr lang="ko-KR" altLang="en-US" sz="1200" dirty="0">
                           <a:solidFill>
                             <a:srgbClr val="00B050"/>
                           </a:solidFill>
@@ -31525,7 +31073,7 @@
                         <a:t>이 옵션이 선택되면</a:t>
                       </a:r>
                       <a:r>
-                        <a:rPr lang="en-US" altLang="ko-KR" sz="1200" dirty="0" smtClean="0">
+                        <a:rPr lang="en-US" altLang="ko-KR" sz="1200" dirty="0">
                           <a:solidFill>
                             <a:srgbClr val="00B050"/>
                           </a:solidFill>
@@ -31535,7 +31083,7 @@
                         <a:t>, </a:t>
                       </a:r>
                       <a:r>
-                        <a:rPr lang="ko-KR" altLang="en-US" sz="1200" dirty="0" smtClean="0">
+                        <a:rPr lang="ko-KR" altLang="en-US" sz="1200" dirty="0">
                           <a:solidFill>
                             <a:srgbClr val="00B050"/>
                           </a:solidFill>
@@ -31545,7 +31093,7 @@
                         <a:t>저장메뉴 내의 하위메뉴가 모두 활성화됨</a:t>
                       </a:r>
                       <a:r>
-                        <a:rPr lang="en-US" altLang="ko-KR" sz="1200" dirty="0" smtClean="0">
+                        <a:rPr lang="en-US" altLang="ko-KR" sz="1200" dirty="0">
                           <a:solidFill>
                             <a:srgbClr val="00B050"/>
                           </a:solidFill>
@@ -31561,7 +31109,7 @@
                         <a:buChar char="•"/>
                       </a:pPr>
                       <a:r>
-                        <a:rPr lang="ko-KR" altLang="en-US" sz="1200" dirty="0" smtClean="0">
+                        <a:rPr lang="ko-KR" altLang="en-US" sz="1200" dirty="0">
                           <a:solidFill>
                             <a:srgbClr val="00B050"/>
                           </a:solidFill>
@@ -31570,13 +31118,6 @@
                         </a:rPr>
                         <a:t>디폴트는 선택하지 않음</a:t>
                       </a:r>
-                      <a:endParaRPr lang="ko-KR" altLang="en-US" sz="1200" dirty="0">
-                        <a:solidFill>
-                          <a:srgbClr val="00B050"/>
-                        </a:solidFill>
-                        <a:latin typeface="+mn-lt"/>
-                        <a:ea typeface="+mn-ea"/>
-                      </a:endParaRPr>
                     </a:p>
                   </a:txBody>
                   <a:tcPr/>
@@ -31661,7 +31202,7 @@
                     <a:p>
                       <a:pPr latinLnBrk="1"/>
                       <a:r>
-                        <a:rPr lang="en-US" altLang="ko-KR" sz="1200" dirty="0" err="1" smtClean="0">
+                        <a:rPr lang="en-US" altLang="ko-KR" sz="1200" dirty="0" err="1">
                           <a:solidFill>
                             <a:srgbClr val="00B050"/>
                           </a:solidFill>
@@ -31704,7 +31245,7 @@
                         <a:defRPr/>
                       </a:pPr>
                       <a:r>
-                        <a:rPr kumimoji="0" lang="ko-KR" altLang="en-US" sz="1200" b="0" i="0" u="none" strike="noStrike" kern="1200" cap="none" spc="0" normalizeH="0" baseline="0" noProof="0" dirty="0" smtClean="0">
+                        <a:rPr kumimoji="0" lang="ko-KR" altLang="en-US" sz="1200" b="0" i="0" u="none" strike="noStrike" kern="1200" cap="none" spc="0" normalizeH="0" baseline="0" noProof="0" dirty="0">
                           <a:ln>
                             <a:noFill/>
                           </a:ln>
@@ -31721,7 +31262,7 @@
                         <a:t>선택되면 </a:t>
                       </a:r>
                       <a:r>
-                        <a:rPr kumimoji="0" lang="en-US" altLang="ko-KR" sz="1200" b="0" i="0" u="none" strike="noStrike" kern="1200" cap="none" spc="0" normalizeH="0" baseline="0" noProof="0" dirty="0" smtClean="0">
+                        <a:rPr kumimoji="0" lang="en-US" altLang="ko-KR" sz="1200" b="0" i="0" u="none" strike="noStrike" kern="1200" cap="none" spc="0" normalizeH="0" baseline="0" noProof="0" dirty="0">
                           <a:ln>
                             <a:noFill/>
                           </a:ln>
@@ -31738,7 +31279,7 @@
                         <a:t>TRUE, </a:t>
                       </a:r>
                       <a:r>
-                        <a:rPr kumimoji="0" lang="ko-KR" altLang="en-US" sz="1200" b="0" i="0" u="none" strike="noStrike" kern="1200" cap="none" spc="0" normalizeH="0" baseline="0" noProof="0" dirty="0" smtClean="0">
+                        <a:rPr kumimoji="0" lang="ko-KR" altLang="en-US" sz="1200" b="0" i="0" u="none" strike="noStrike" kern="1200" cap="none" spc="0" normalizeH="0" baseline="0" noProof="0" dirty="0">
                           <a:ln>
                             <a:noFill/>
                           </a:ln>
@@ -31755,7 +31296,7 @@
                         <a:t>아니면 </a:t>
                       </a:r>
                       <a:r>
-                        <a:rPr kumimoji="0" lang="en-US" altLang="ko-KR" sz="1200" b="0" i="0" u="none" strike="noStrike" kern="1200" cap="none" spc="0" normalizeH="0" baseline="0" noProof="0" dirty="0" smtClean="0">
+                        <a:rPr kumimoji="0" lang="en-US" altLang="ko-KR" sz="1200" b="0" i="0" u="none" strike="noStrike" kern="1200" cap="none" spc="0" normalizeH="0" baseline="0" noProof="0" dirty="0">
                           <a:ln>
                             <a:noFill/>
                           </a:ln>
@@ -31772,7 +31313,7 @@
                         <a:t>FALSE </a:t>
                       </a:r>
                       <a:r>
-                        <a:rPr kumimoji="0" lang="ko-KR" altLang="en-US" sz="1200" b="0" i="0" u="none" strike="noStrike" kern="1200" cap="none" spc="0" normalizeH="0" baseline="0" noProof="0" dirty="0" smtClean="0">
+                        <a:rPr kumimoji="0" lang="ko-KR" altLang="en-US" sz="1200" b="0" i="0" u="none" strike="noStrike" kern="1200" cap="none" spc="0" normalizeH="0" baseline="0" noProof="0" dirty="0">
                           <a:ln>
                             <a:noFill/>
                           </a:ln>
@@ -31788,7 +31329,7 @@
                         </a:rPr>
                         <a:t>입력</a:t>
                       </a:r>
-                      <a:endParaRPr kumimoji="0" lang="en-US" altLang="ko-KR" sz="1200" b="0" i="0" u="none" strike="noStrike" kern="1200" cap="none" spc="0" normalizeH="0" baseline="0" noProof="0" dirty="0" smtClean="0">
+                      <a:endParaRPr kumimoji="0" lang="en-US" altLang="ko-KR" sz="1200" b="0" i="0" u="none" strike="noStrike" kern="1200" cap="none" spc="0" normalizeH="0" baseline="0" noProof="0" dirty="0">
                         <a:ln>
                           <a:noFill/>
                         </a:ln>
@@ -31893,7 +31434,7 @@
                     <a:p>
                       <a:pPr latinLnBrk="1"/>
                       <a:r>
-                        <a:rPr lang="ko-KR" altLang="en-US" sz="1200" dirty="0" smtClean="0">
+                        <a:rPr lang="ko-KR" altLang="en-US" sz="1200" dirty="0">
                           <a:solidFill>
                             <a:schemeClr val="tx1"/>
                           </a:solidFill>
@@ -31902,13 +31443,6 @@
                         </a:rPr>
                         <a:t>적합값</a:t>
                       </a:r>
-                      <a:endParaRPr lang="ko-KR" altLang="en-US" sz="1200" dirty="0">
-                        <a:solidFill>
-                          <a:schemeClr val="tx1"/>
-                        </a:solidFill>
-                        <a:latin typeface="+mn-lt"/>
-                        <a:ea typeface="+mn-ea"/>
-                      </a:endParaRPr>
                     </a:p>
                   </a:txBody>
                   <a:tcPr/>
@@ -31993,7 +31527,7 @@
                     <a:p>
                       <a:pPr latinLnBrk="1"/>
                       <a:r>
-                        <a:rPr lang="en-US" altLang="ko-KR" sz="1200" dirty="0" smtClean="0">
+                        <a:rPr lang="en-US" altLang="ko-KR" sz="1200" dirty="0">
                           <a:solidFill>
                             <a:schemeClr val="tx1"/>
                           </a:solidFill>
@@ -32112,7 +31646,7 @@
                     <a:p>
                       <a:pPr latinLnBrk="1"/>
                       <a:r>
-                        <a:rPr lang="en-US" altLang="ko-KR" sz="1200" dirty="0" err="1" smtClean="0">
+                        <a:rPr lang="en-US" altLang="ko-KR" sz="1200" dirty="0" err="1">
                           <a:solidFill>
                             <a:schemeClr val="tx1"/>
                           </a:solidFill>
@@ -32141,7 +31675,7 @@
                         <a:buChar char="•"/>
                       </a:pPr>
                       <a:r>
-                        <a:rPr lang="ko-KR" altLang="en-US" sz="1200" dirty="0" smtClean="0">
+                        <a:rPr lang="ko-KR" altLang="en-US" sz="1200" dirty="0">
                           <a:solidFill>
                             <a:schemeClr val="tx1"/>
                           </a:solidFill>
@@ -32150,7 +31684,7 @@
                         <a:t>선택되면 </a:t>
                       </a:r>
                       <a:r>
-                        <a:rPr lang="en-US" altLang="ko-KR" sz="1200" dirty="0" smtClean="0">
+                        <a:rPr lang="en-US" altLang="ko-KR" sz="1200" dirty="0">
                           <a:solidFill>
                             <a:schemeClr val="tx1"/>
                           </a:solidFill>
@@ -32159,7 +31693,7 @@
                         <a:t>TRUE</a:t>
                       </a:r>
                       <a:r>
-                        <a:rPr lang="en-US" altLang="ko-KR" sz="1200" baseline="0" dirty="0" smtClean="0">
+                        <a:rPr lang="en-US" altLang="ko-KR" sz="1200" baseline="0" dirty="0">
                           <a:solidFill>
                             <a:schemeClr val="tx1"/>
                           </a:solidFill>
@@ -32168,7 +31702,7 @@
                         <a:t> </a:t>
                       </a:r>
                       <a:br>
-                        <a:rPr lang="en-US" altLang="ko-KR" sz="1200" baseline="0" dirty="0" smtClean="0">
+                        <a:rPr lang="en-US" altLang="ko-KR" sz="1200" baseline="0" dirty="0">
                           <a:solidFill>
                             <a:schemeClr val="tx1"/>
                           </a:solidFill>
@@ -32176,7 +31710,7 @@
                         </a:rPr>
                       </a:br>
                       <a:r>
-                        <a:rPr lang="ko-KR" altLang="en-US" sz="1200" baseline="0" dirty="0" smtClean="0">
+                        <a:rPr lang="ko-KR" altLang="en-US" sz="1200" baseline="0" dirty="0">
                           <a:solidFill>
                             <a:schemeClr val="tx1"/>
                           </a:solidFill>
@@ -32185,7 +31719,7 @@
                         <a:t>그렇지 않으면 </a:t>
                       </a:r>
                       <a:r>
-                        <a:rPr lang="en-US" altLang="ko-KR" sz="1200" baseline="0" dirty="0" smtClean="0">
+                        <a:rPr lang="en-US" altLang="ko-KR" sz="1200" baseline="0" dirty="0">
                           <a:solidFill>
                             <a:schemeClr val="tx1"/>
                           </a:solidFill>
@@ -32291,7 +31825,7 @@
                     <a:p>
                       <a:pPr latinLnBrk="1"/>
                       <a:r>
-                        <a:rPr lang="ko-KR" altLang="en-US" sz="1200" dirty="0" smtClean="0">
+                        <a:rPr lang="ko-KR" altLang="en-US" sz="1200" dirty="0">
                           <a:solidFill>
                             <a:schemeClr val="tx1"/>
                           </a:solidFill>
@@ -32390,7 +31924,7 @@
                     <a:p>
                       <a:pPr latinLnBrk="1"/>
                       <a:r>
-                        <a:rPr lang="en-US" altLang="ko-KR" sz="1200" dirty="0" smtClean="0">
+                        <a:rPr lang="en-US" altLang="ko-KR" sz="1200" dirty="0">
                           <a:solidFill>
                             <a:schemeClr val="tx1"/>
                           </a:solidFill>
@@ -32432,7 +31966,7 @@
                         <a:defRPr/>
                       </a:pPr>
                       <a:r>
-                        <a:rPr lang="ko-KR" altLang="en-US" sz="1200" dirty="0" smtClean="0">
+                        <a:rPr lang="ko-KR" altLang="en-US" sz="1200" dirty="0">
                           <a:solidFill>
                             <a:schemeClr val="tx1"/>
                           </a:solidFill>
@@ -32440,7 +31974,7 @@
                         </a:rPr>
                         <a:t>적합확률이 선택되면 활성화</a:t>
                       </a:r>
-                      <a:endParaRPr lang="ko-KR" altLang="en-US" sz="1200" dirty="0" smtClean="0">
+                      <a:endParaRPr lang="ko-KR" altLang="en-US" sz="1200" dirty="0">
                         <a:solidFill>
                           <a:schemeClr val="tx1"/>
                         </a:solidFill>
@@ -32531,7 +32065,7 @@
                     <a:p>
                       <a:pPr latinLnBrk="1"/>
                       <a:r>
-                        <a:rPr lang="en-US" altLang="ko-KR" sz="1200" dirty="0" err="1" smtClean="0">
+                        <a:rPr lang="en-US" altLang="ko-KR" sz="1200" dirty="0" err="1">
                           <a:solidFill>
                             <a:schemeClr val="tx1"/>
                           </a:solidFill>
@@ -32560,7 +32094,7 @@
                         <a:buChar char="•"/>
                       </a:pPr>
                       <a:r>
-                        <a:rPr lang="ko-KR" altLang="en-US" sz="1200" dirty="0" smtClean="0">
+                        <a:rPr lang="ko-KR" altLang="en-US" sz="1200" dirty="0">
                           <a:solidFill>
                             <a:schemeClr val="tx1"/>
                           </a:solidFill>
@@ -32569,7 +32103,7 @@
                         <a:t>선택되면 </a:t>
                       </a:r>
                       <a:r>
-                        <a:rPr lang="en-US" altLang="ko-KR" sz="1200" dirty="0" smtClean="0">
+                        <a:rPr lang="en-US" altLang="ko-KR" sz="1200" dirty="0">
                           <a:solidFill>
                             <a:schemeClr val="tx1"/>
                           </a:solidFill>
@@ -32578,7 +32112,7 @@
                         <a:t>TRUE</a:t>
                       </a:r>
                       <a:r>
-                        <a:rPr lang="en-US" altLang="ko-KR" sz="1200" baseline="0" dirty="0" smtClean="0">
+                        <a:rPr lang="en-US" altLang="ko-KR" sz="1200" baseline="0" dirty="0">
                           <a:solidFill>
                             <a:schemeClr val="tx1"/>
                           </a:solidFill>
@@ -32587,7 +32121,7 @@
                         <a:t> </a:t>
                       </a:r>
                       <a:br>
-                        <a:rPr lang="en-US" altLang="ko-KR" sz="1200" baseline="0" dirty="0" smtClean="0">
+                        <a:rPr lang="en-US" altLang="ko-KR" sz="1200" baseline="0" dirty="0">
                           <a:solidFill>
                             <a:schemeClr val="tx1"/>
                           </a:solidFill>
@@ -32595,7 +32129,7 @@
                         </a:rPr>
                       </a:br>
                       <a:r>
-                        <a:rPr lang="ko-KR" altLang="en-US" sz="1200" baseline="0" dirty="0" smtClean="0">
+                        <a:rPr lang="ko-KR" altLang="en-US" sz="1200" baseline="0" dirty="0">
                           <a:solidFill>
                             <a:schemeClr val="tx1"/>
                           </a:solidFill>
@@ -32604,7 +32138,7 @@
                         <a:t>그렇지 않으면 </a:t>
                       </a:r>
                       <a:r>
-                        <a:rPr lang="en-US" altLang="ko-KR" sz="1200" baseline="0" dirty="0" smtClean="0">
+                        <a:rPr lang="en-US" altLang="ko-KR" sz="1200" baseline="0" dirty="0">
                           <a:solidFill>
                             <a:schemeClr val="tx1"/>
                           </a:solidFill>
@@ -32612,7 +32146,7 @@
                         </a:rPr>
                         <a:t>FALSE</a:t>
                       </a:r>
-                      <a:endParaRPr lang="en-US" altLang="ko-KR" sz="1200" baseline="0" dirty="0" smtClean="0">
+                      <a:endParaRPr lang="en-US" altLang="ko-KR" sz="1200" baseline="0" dirty="0">
                         <a:solidFill>
                           <a:schemeClr val="tx1"/>
                         </a:solidFill>
@@ -32710,7 +32244,7 @@
                     <a:p>
                       <a:pPr latinLnBrk="1"/>
                       <a:r>
-                        <a:rPr lang="ko-KR" altLang="en-US" sz="1200" dirty="0" smtClean="0">
+                        <a:rPr lang="ko-KR" altLang="en-US" sz="1200" dirty="0">
                           <a:solidFill>
                             <a:schemeClr val="tx1"/>
                           </a:solidFill>
@@ -32809,7 +32343,7 @@
                     <a:p>
                       <a:pPr latinLnBrk="1"/>
                       <a:r>
-                        <a:rPr lang="en-US" altLang="ko-KR" sz="1200" dirty="0" smtClean="0">
+                        <a:rPr lang="en-US" altLang="ko-KR" sz="1200" dirty="0">
                           <a:solidFill>
                             <a:schemeClr val="tx1"/>
                           </a:solidFill>
@@ -32851,7 +32385,7 @@
                         <a:defRPr/>
                       </a:pPr>
                       <a:r>
-                        <a:rPr lang="ko-KR" altLang="en-US" sz="1200" dirty="0" smtClean="0">
+                        <a:rPr lang="ko-KR" altLang="en-US" sz="1200" dirty="0">
                           <a:solidFill>
                             <a:schemeClr val="tx1"/>
                           </a:solidFill>
@@ -32859,7 +32393,7 @@
                         </a:rPr>
                         <a:t>적합확률이 선택되면 활성화</a:t>
                       </a:r>
-                      <a:endParaRPr lang="ko-KR" altLang="en-US" sz="1200" dirty="0" smtClean="0">
+                      <a:endParaRPr lang="ko-KR" altLang="en-US" sz="1200" dirty="0">
                         <a:solidFill>
                           <a:schemeClr val="tx1"/>
                         </a:solidFill>
@@ -32950,7 +32484,7 @@
                     <a:p>
                       <a:pPr latinLnBrk="1"/>
                       <a:r>
-                        <a:rPr lang="en-US" altLang="ko-KR" sz="1200" dirty="0" err="1" smtClean="0">
+                        <a:rPr lang="en-US" altLang="ko-KR" sz="1200" dirty="0" err="1">
                           <a:solidFill>
                             <a:schemeClr val="tx1"/>
                           </a:solidFill>
@@ -32979,7 +32513,7 @@
                         <a:buChar char="•"/>
                       </a:pPr>
                       <a:r>
-                        <a:rPr lang="ko-KR" altLang="en-US" sz="1200" dirty="0" smtClean="0">
+                        <a:rPr lang="ko-KR" altLang="en-US" sz="1200" dirty="0">
                           <a:solidFill>
                             <a:schemeClr val="tx1"/>
                           </a:solidFill>
@@ -32988,7 +32522,7 @@
                         <a:t>선택되면 </a:t>
                       </a:r>
                       <a:r>
-                        <a:rPr lang="en-US" altLang="ko-KR" sz="1200" dirty="0" smtClean="0">
+                        <a:rPr lang="en-US" altLang="ko-KR" sz="1200" dirty="0">
                           <a:solidFill>
                             <a:schemeClr val="tx1"/>
                           </a:solidFill>
@@ -32997,7 +32531,7 @@
                         <a:t>TRUE</a:t>
                       </a:r>
                       <a:r>
-                        <a:rPr lang="en-US" altLang="ko-KR" sz="1200" baseline="0" dirty="0" smtClean="0">
+                        <a:rPr lang="en-US" altLang="ko-KR" sz="1200" baseline="0" dirty="0">
                           <a:solidFill>
                             <a:schemeClr val="tx1"/>
                           </a:solidFill>
@@ -33006,7 +32540,7 @@
                         <a:t> </a:t>
                       </a:r>
                       <a:br>
-                        <a:rPr lang="en-US" altLang="ko-KR" sz="1200" baseline="0" dirty="0" smtClean="0">
+                        <a:rPr lang="en-US" altLang="ko-KR" sz="1200" baseline="0" dirty="0">
                           <a:solidFill>
                             <a:schemeClr val="tx1"/>
                           </a:solidFill>
@@ -33014,7 +32548,7 @@
                         </a:rPr>
                       </a:br>
                       <a:r>
-                        <a:rPr lang="ko-KR" altLang="en-US" sz="1200" baseline="0" dirty="0" smtClean="0">
+                        <a:rPr lang="ko-KR" altLang="en-US" sz="1200" baseline="0" dirty="0">
                           <a:solidFill>
                             <a:schemeClr val="tx1"/>
                           </a:solidFill>
@@ -33023,7 +32557,7 @@
                         <a:t>그렇지 않으면 </a:t>
                       </a:r>
                       <a:r>
-                        <a:rPr lang="en-US" altLang="ko-KR" sz="1200" baseline="0" dirty="0" smtClean="0">
+                        <a:rPr lang="en-US" altLang="ko-KR" sz="1200" baseline="0" dirty="0">
                           <a:solidFill>
                             <a:schemeClr val="tx1"/>
                           </a:solidFill>
@@ -33031,7 +32565,7 @@
                         </a:rPr>
                         <a:t>FALSE</a:t>
                       </a:r>
-                      <a:endParaRPr lang="en-US" altLang="ko-KR" sz="1200" dirty="0" smtClean="0">
+                      <a:endParaRPr lang="en-US" altLang="ko-KR" sz="1200" dirty="0">
                         <a:solidFill>
                           <a:schemeClr val="tx1"/>
                         </a:solidFill>
@@ -33056,7 +32590,7 @@
                     <a:p>
                       <a:pPr latinLnBrk="1"/>
                       <a:r>
-                        <a:rPr lang="ko-KR" altLang="en-US" sz="1200" dirty="0" smtClean="0">
+                        <a:rPr lang="ko-KR" altLang="en-US" sz="1200" dirty="0">
                           <a:solidFill>
                             <a:schemeClr val="tx1"/>
                           </a:solidFill>
@@ -33065,13 +32599,6 @@
                         </a:rPr>
                         <a:t>신뢰수준</a:t>
                       </a:r>
-                      <a:endParaRPr lang="ko-KR" altLang="en-US" sz="1200" dirty="0">
-                        <a:solidFill>
-                          <a:schemeClr val="tx1"/>
-                        </a:solidFill>
-                        <a:latin typeface="+mn-lt"/>
-                        <a:ea typeface="+mn-ea"/>
-                      </a:endParaRPr>
                     </a:p>
                   </a:txBody>
                   <a:tcPr/>
@@ -33116,7 +32643,7 @@
                         <a:defRPr/>
                       </a:pPr>
                       <a:r>
-                        <a:rPr lang="ko-KR" altLang="en-US" sz="1200" dirty="0" smtClean="0">
+                        <a:rPr lang="ko-KR" altLang="en-US" sz="1200" dirty="0">
                           <a:solidFill>
                             <a:schemeClr val="tx1"/>
                           </a:solidFill>
@@ -33126,7 +32653,7 @@
                         <a:t>신뢰구간</a:t>
                       </a:r>
                       <a:r>
-                        <a:rPr lang="en-US" altLang="ko-KR" sz="1200" baseline="0" dirty="0" smtClean="0">
+                        <a:rPr lang="en-US" altLang="ko-KR" sz="1200" baseline="0" dirty="0">
                           <a:solidFill>
                             <a:schemeClr val="tx1"/>
                           </a:solidFill>
@@ -33136,7 +32663,7 @@
                         <a:t> </a:t>
                       </a:r>
                       <a:r>
-                        <a:rPr lang="ko-KR" altLang="en-US" sz="1200" baseline="0" dirty="0" smtClean="0">
+                        <a:rPr lang="ko-KR" altLang="en-US" sz="1200" baseline="0" dirty="0">
                           <a:solidFill>
                             <a:schemeClr val="tx1"/>
                           </a:solidFill>
@@ -33145,7 +32672,7 @@
                         </a:rPr>
                         <a:t>혹은 예측구간이 선택되면 활성화</a:t>
                       </a:r>
-                      <a:endParaRPr lang="en-US" altLang="ko-KR" sz="1200" baseline="0" dirty="0" smtClean="0">
+                      <a:endParaRPr lang="en-US" altLang="ko-KR" sz="1200" baseline="0" dirty="0">
                         <a:solidFill>
                           <a:schemeClr val="tx1"/>
                         </a:solidFill>
@@ -33172,7 +32699,7 @@
                         <a:defRPr/>
                       </a:pPr>
                       <a:r>
-                        <a:rPr lang="en-US" altLang="ko-KR" sz="1200" dirty="0" smtClean="0">
+                        <a:rPr lang="en-US" altLang="ko-KR" sz="1200" dirty="0">
                           <a:solidFill>
                             <a:schemeClr val="tx1"/>
                           </a:solidFill>
@@ -33182,7 +32709,7 @@
                         <a:t>0~1</a:t>
                       </a:r>
                       <a:r>
-                        <a:rPr lang="ko-KR" altLang="en-US" sz="1200" dirty="0" smtClean="0">
+                        <a:rPr lang="ko-KR" altLang="en-US" sz="1200" dirty="0">
                           <a:solidFill>
                             <a:schemeClr val="tx1"/>
                           </a:solidFill>
@@ -33191,7 +32718,7 @@
                         </a:rPr>
                         <a:t>의 값을 가질 수 있음</a:t>
                       </a:r>
-                      <a:endParaRPr lang="en-US" altLang="ko-KR" sz="1200" dirty="0" smtClean="0">
+                      <a:endParaRPr lang="en-US" altLang="ko-KR" sz="1200" dirty="0">
                         <a:solidFill>
                           <a:schemeClr val="tx1"/>
                         </a:solidFill>
@@ -33218,7 +32745,7 @@
                         <a:defRPr/>
                       </a:pPr>
                       <a:r>
-                        <a:rPr lang="ko-KR" altLang="en-US" sz="1200" dirty="0" smtClean="0">
+                        <a:rPr lang="ko-KR" altLang="en-US" sz="1200" dirty="0">
                           <a:solidFill>
                             <a:schemeClr val="tx1"/>
                           </a:solidFill>
@@ -33228,7 +32755,7 @@
                         <a:t>디폴트 </a:t>
                       </a:r>
                       <a:r>
-                        <a:rPr lang="en-US" altLang="ko-KR" sz="1200" dirty="0" smtClean="0">
+                        <a:rPr lang="en-US" altLang="ko-KR" sz="1200" dirty="0">
                           <a:solidFill>
                             <a:schemeClr val="tx1"/>
                           </a:solidFill>
@@ -33237,7 +32764,7 @@
                         </a:rPr>
                         <a:t>0.95</a:t>
                       </a:r>
-                      <a:endParaRPr lang="ko-KR" altLang="en-US" sz="1200" dirty="0" smtClean="0">
+                      <a:endParaRPr lang="ko-KR" altLang="en-US" sz="1200" dirty="0">
                         <a:solidFill>
                           <a:schemeClr val="tx1"/>
                         </a:solidFill>
@@ -33255,7 +32782,7 @@
                     <a:p>
                       <a:pPr latinLnBrk="1"/>
                       <a:r>
-                        <a:rPr lang="en-US" altLang="ko-KR" sz="1200" dirty="0" err="1" smtClean="0">
+                        <a:rPr lang="en-US" altLang="ko-KR" sz="1200" dirty="0" err="1">
                           <a:solidFill>
                             <a:schemeClr val="tx1"/>
                           </a:solidFill>
@@ -33297,7 +32824,7 @@
                         <a:defRPr/>
                       </a:pPr>
                       <a:r>
-                        <a:rPr lang="ko-KR" altLang="en-US" sz="1200" baseline="0" dirty="0" smtClean="0">
+                        <a:rPr lang="ko-KR" altLang="en-US" sz="1200" baseline="0" dirty="0">
                           <a:solidFill>
                             <a:schemeClr val="tx1"/>
                           </a:solidFill>
@@ -33307,7 +32834,7 @@
                         <a:t>입력 받은 값을</a:t>
                       </a:r>
                       <a:r>
-                        <a:rPr lang="en-US" altLang="ko-KR" sz="1200" baseline="0" dirty="0" smtClean="0">
+                        <a:rPr lang="en-US" altLang="ko-KR" sz="1200" baseline="0" dirty="0">
                           <a:solidFill>
                             <a:schemeClr val="tx1"/>
                           </a:solidFill>
@@ -33317,7 +32844,7 @@
                         <a:t> </a:t>
                       </a:r>
                       <a:r>
-                        <a:rPr lang="ko-KR" altLang="en-US" sz="1200" baseline="0" dirty="0" smtClean="0">
+                        <a:rPr lang="ko-KR" altLang="en-US" sz="1200" baseline="0" dirty="0">
                           <a:solidFill>
                             <a:schemeClr val="tx1"/>
                           </a:solidFill>
@@ -33326,7 +32853,7 @@
                         </a:rPr>
                         <a:t>숫자로 입력</a:t>
                       </a:r>
-                      <a:endParaRPr lang="en-US" altLang="ko-KR" sz="1200" baseline="0" dirty="0" smtClean="0">
+                      <a:endParaRPr lang="en-US" altLang="ko-KR" sz="1200" baseline="0" dirty="0">
                         <a:solidFill>
                           <a:schemeClr val="tx1"/>
                         </a:solidFill>
@@ -33351,7 +32878,7 @@
                     <a:p>
                       <a:pPr latinLnBrk="1"/>
                       <a:r>
-                        <a:rPr lang="ko-KR" altLang="en-US" sz="1200" dirty="0" err="1" smtClean="0">
+                        <a:rPr lang="ko-KR" altLang="en-US" sz="1200" dirty="0" err="1">
                           <a:solidFill>
                             <a:schemeClr val="tx1"/>
                           </a:solidFill>
@@ -33360,7 +32887,7 @@
                         <a:t>비표준화</a:t>
                       </a:r>
                       <a:r>
-                        <a:rPr lang="ko-KR" altLang="en-US" sz="1200" dirty="0" smtClean="0">
+                        <a:rPr lang="ko-KR" altLang="en-US" sz="1200" dirty="0">
                           <a:solidFill>
                             <a:schemeClr val="tx1"/>
                           </a:solidFill>
@@ -33369,7 +32896,7 @@
                         <a:t> </a:t>
                       </a:r>
                       <a:r>
-                        <a:rPr lang="ko-KR" altLang="en-US" sz="1200" dirty="0" err="1" smtClean="0">
+                        <a:rPr lang="ko-KR" altLang="en-US" sz="1200" dirty="0" err="1">
                           <a:solidFill>
                             <a:schemeClr val="tx1"/>
                           </a:solidFill>
@@ -33411,7 +32938,7 @@
                         <a:defRPr/>
                       </a:pPr>
                       <a:r>
-                        <a:rPr lang="en-US" altLang="ko-KR" sz="1200" dirty="0" smtClean="0">
+                        <a:rPr lang="en-US" altLang="ko-KR" sz="1200" dirty="0">
                           <a:solidFill>
                             <a:schemeClr val="tx1"/>
                           </a:solidFill>
@@ -33419,7 +32946,7 @@
                         </a:rPr>
                         <a:t>Check box</a:t>
                       </a:r>
-                      <a:endParaRPr lang="ko-KR" altLang="en-US" sz="1200" dirty="0" smtClean="0">
+                      <a:endParaRPr lang="ko-KR" altLang="en-US" sz="1200" dirty="0">
                         <a:solidFill>
                           <a:schemeClr val="tx1"/>
                         </a:solidFill>
@@ -33457,7 +32984,7 @@
                     <a:p>
                       <a:pPr latinLnBrk="1"/>
                       <a:r>
-                        <a:rPr lang="en-US" altLang="ko-KR" sz="1200" dirty="0" err="1" smtClean="0">
+                        <a:rPr lang="en-US" altLang="ko-KR" sz="1200" dirty="0" err="1">
                           <a:solidFill>
                             <a:schemeClr val="tx1"/>
                           </a:solidFill>
@@ -33486,7 +33013,7 @@
                         <a:buChar char="•"/>
                       </a:pPr>
                       <a:r>
-                        <a:rPr lang="ko-KR" altLang="en-US" sz="1200" dirty="0" smtClean="0">
+                        <a:rPr lang="ko-KR" altLang="en-US" sz="1200" dirty="0">
                           <a:solidFill>
                             <a:schemeClr val="tx1"/>
                           </a:solidFill>
@@ -33495,7 +33022,7 @@
                         <a:t>선택되면 </a:t>
                       </a:r>
                       <a:r>
-                        <a:rPr lang="en-US" altLang="ko-KR" sz="1200" dirty="0" smtClean="0">
+                        <a:rPr lang="en-US" altLang="ko-KR" sz="1200" dirty="0">
                           <a:solidFill>
                             <a:schemeClr val="tx1"/>
                           </a:solidFill>
@@ -33504,7 +33031,7 @@
                         <a:t>TRUE</a:t>
                       </a:r>
                       <a:r>
-                        <a:rPr lang="en-US" altLang="ko-KR" sz="1200" baseline="0" dirty="0" smtClean="0">
+                        <a:rPr lang="en-US" altLang="ko-KR" sz="1200" baseline="0" dirty="0">
                           <a:solidFill>
                             <a:schemeClr val="tx1"/>
                           </a:solidFill>
@@ -33513,7 +33040,7 @@
                         <a:t> </a:t>
                       </a:r>
                       <a:br>
-                        <a:rPr lang="en-US" altLang="ko-KR" sz="1200" baseline="0" dirty="0" smtClean="0">
+                        <a:rPr lang="en-US" altLang="ko-KR" sz="1200" baseline="0" dirty="0">
                           <a:solidFill>
                             <a:schemeClr val="tx1"/>
                           </a:solidFill>
@@ -33521,7 +33048,7 @@
                         </a:rPr>
                       </a:br>
                       <a:r>
-                        <a:rPr lang="ko-KR" altLang="en-US" sz="1200" baseline="0" dirty="0" smtClean="0">
+                        <a:rPr lang="ko-KR" altLang="en-US" sz="1200" baseline="0" dirty="0">
                           <a:solidFill>
                             <a:schemeClr val="tx1"/>
                           </a:solidFill>
@@ -33530,7 +33057,7 @@
                         <a:t>그렇지 않으면 </a:t>
                       </a:r>
                       <a:r>
-                        <a:rPr lang="en-US" altLang="ko-KR" sz="1200" baseline="0" dirty="0" smtClean="0">
+                        <a:rPr lang="en-US" altLang="ko-KR" sz="1200" baseline="0" dirty="0">
                           <a:solidFill>
                             <a:schemeClr val="tx1"/>
                           </a:solidFill>
@@ -33636,7 +33163,7 @@
                     <a:p>
                       <a:pPr latinLnBrk="1"/>
                       <a:r>
-                        <a:rPr lang="ko-KR" altLang="en-US" sz="1200" dirty="0" smtClean="0">
+                        <a:rPr lang="ko-KR" altLang="en-US" sz="1200" dirty="0">
                           <a:solidFill>
                             <a:schemeClr val="tx1"/>
                           </a:solidFill>
@@ -33645,7 +33172,7 @@
                         <a:t>표준화 </a:t>
                       </a:r>
                       <a:r>
-                        <a:rPr lang="ko-KR" altLang="en-US" sz="1200" dirty="0" err="1" smtClean="0">
+                        <a:rPr lang="ko-KR" altLang="en-US" sz="1200" dirty="0" err="1">
                           <a:solidFill>
                             <a:schemeClr val="tx1"/>
                           </a:solidFill>
@@ -33744,7 +33271,7 @@
                     <a:p>
                       <a:pPr latinLnBrk="1"/>
                       <a:r>
-                        <a:rPr lang="en-US" altLang="ko-KR" sz="1200" dirty="0" smtClean="0">
+                        <a:rPr lang="en-US" altLang="ko-KR" sz="1200" dirty="0">
                           <a:solidFill>
                             <a:schemeClr val="tx1"/>
                           </a:solidFill>
@@ -33863,7 +33390,7 @@
                     <a:p>
                       <a:pPr latinLnBrk="1"/>
                       <a:r>
-                        <a:rPr lang="en-US" altLang="ko-KR" sz="1200" dirty="0" err="1" smtClean="0">
+                        <a:rPr lang="en-US" altLang="ko-KR" sz="1200" dirty="0" err="1">
                           <a:solidFill>
                             <a:schemeClr val="tx1"/>
                           </a:solidFill>
@@ -33892,7 +33419,7 @@
                         <a:buChar char="•"/>
                       </a:pPr>
                       <a:r>
-                        <a:rPr lang="ko-KR" altLang="en-US" sz="1200" smtClean="0">
+                        <a:rPr lang="ko-KR" altLang="en-US" sz="1200">
                           <a:solidFill>
                             <a:schemeClr val="tx1"/>
                           </a:solidFill>
@@ -33901,7 +33428,7 @@
                         <a:t>선택되면 </a:t>
                       </a:r>
                       <a:r>
-                        <a:rPr lang="en-US" altLang="ko-KR" sz="1200" smtClean="0">
+                        <a:rPr lang="en-US" altLang="ko-KR" sz="1200">
                           <a:solidFill>
                             <a:schemeClr val="tx1"/>
                           </a:solidFill>
@@ -33910,7 +33437,7 @@
                         <a:t>TRUE</a:t>
                       </a:r>
                       <a:r>
-                        <a:rPr lang="en-US" altLang="ko-KR" sz="1200" baseline="0" smtClean="0">
+                        <a:rPr lang="en-US" altLang="ko-KR" sz="1200" baseline="0">
                           <a:solidFill>
                             <a:schemeClr val="tx1"/>
                           </a:solidFill>
@@ -33919,7 +33446,7 @@
                         <a:t> </a:t>
                       </a:r>
                       <a:br>
-                        <a:rPr lang="en-US" altLang="ko-KR" sz="1200" baseline="0" smtClean="0">
+                        <a:rPr lang="en-US" altLang="ko-KR" sz="1200" baseline="0">
                           <a:solidFill>
                             <a:schemeClr val="tx1"/>
                           </a:solidFill>
@@ -33927,7 +33454,7 @@
                         </a:rPr>
                       </a:br>
                       <a:r>
-                        <a:rPr lang="ko-KR" altLang="en-US" sz="1200" baseline="0" smtClean="0">
+                        <a:rPr lang="ko-KR" altLang="en-US" sz="1200" baseline="0">
                           <a:solidFill>
                             <a:schemeClr val="tx1"/>
                           </a:solidFill>
@@ -33936,7 +33463,7 @@
                         <a:t>그렇지 않으면 </a:t>
                       </a:r>
                       <a:r>
-                        <a:rPr lang="en-US" altLang="ko-KR" sz="1200" baseline="0" smtClean="0">
+                        <a:rPr lang="en-US" altLang="ko-KR" sz="1200" baseline="0">
                           <a:solidFill>
                             <a:schemeClr val="tx1"/>
                           </a:solidFill>
@@ -34042,7 +33569,7 @@
                     <a:p>
                       <a:pPr latinLnBrk="1"/>
                       <a:r>
-                        <a:rPr lang="ko-KR" altLang="en-US" sz="1200" dirty="0" smtClean="0">
+                        <a:rPr lang="ko-KR" altLang="en-US" sz="1200" dirty="0">
                           <a:solidFill>
                             <a:schemeClr val="tx1"/>
                           </a:solidFill>
@@ -34050,17 +33577,8 @@
                         </a:rPr>
                         <a:t>스튜던트화</a:t>
                       </a:r>
-                      <a:r>
-                        <a:rPr lang="en-US" altLang="ko-KR" sz="1200" dirty="0" smtClean="0">
-                          <a:solidFill>
-                            <a:schemeClr val="tx1"/>
-                          </a:solidFill>
-                          <a:latin typeface="+mn-lt"/>
-                        </a:rPr>
-                        <a:t/>
-                      </a:r>
                       <a:br>
-                        <a:rPr lang="en-US" altLang="ko-KR" sz="1200" dirty="0" smtClean="0">
+                        <a:rPr lang="en-US" altLang="ko-KR" sz="1200" dirty="0">
                           <a:solidFill>
                             <a:schemeClr val="tx1"/>
                           </a:solidFill>
@@ -34068,7 +33586,7 @@
                         </a:rPr>
                       </a:br>
                       <a:r>
-                        <a:rPr lang="ko-KR" altLang="en-US" sz="1200" dirty="0" err="1" smtClean="0">
+                        <a:rPr lang="ko-KR" altLang="en-US" sz="1200" dirty="0" err="1">
                           <a:solidFill>
                             <a:schemeClr val="tx1"/>
                           </a:solidFill>
@@ -34167,7 +33685,7 @@
                     <a:p>
                       <a:pPr latinLnBrk="1"/>
                       <a:r>
-                        <a:rPr lang="en-US" altLang="ko-KR" sz="1200" dirty="0" smtClean="0">
+                        <a:rPr lang="en-US" altLang="ko-KR" sz="1200" dirty="0">
                           <a:solidFill>
                             <a:schemeClr val="tx1"/>
                           </a:solidFill>
@@ -34286,7 +33804,7 @@
                     <a:p>
                       <a:pPr latinLnBrk="1"/>
                       <a:r>
-                        <a:rPr lang="en-US" altLang="ko-KR" sz="1200" dirty="0" err="1" smtClean="0">
+                        <a:rPr lang="en-US" altLang="ko-KR" sz="1200" dirty="0" err="1">
                           <a:solidFill>
                             <a:schemeClr val="tx1"/>
                           </a:solidFill>
@@ -34315,7 +33833,7 @@
                         <a:buChar char="•"/>
                       </a:pPr>
                       <a:r>
-                        <a:rPr lang="ko-KR" altLang="en-US" sz="1200" dirty="0" smtClean="0">
+                        <a:rPr lang="ko-KR" altLang="en-US" sz="1200" dirty="0">
                           <a:solidFill>
                             <a:schemeClr val="tx1"/>
                           </a:solidFill>
@@ -34324,7 +33842,7 @@
                         <a:t>선택되면 </a:t>
                       </a:r>
                       <a:r>
-                        <a:rPr lang="en-US" altLang="ko-KR" sz="1200" dirty="0" smtClean="0">
+                        <a:rPr lang="en-US" altLang="ko-KR" sz="1200" dirty="0">
                           <a:solidFill>
                             <a:schemeClr val="tx1"/>
                           </a:solidFill>
@@ -34333,7 +33851,7 @@
                         <a:t>TRUE</a:t>
                       </a:r>
                       <a:r>
-                        <a:rPr lang="en-US" altLang="ko-KR" sz="1200" baseline="0" dirty="0" smtClean="0">
+                        <a:rPr lang="en-US" altLang="ko-KR" sz="1200" baseline="0" dirty="0">
                           <a:solidFill>
                             <a:schemeClr val="tx1"/>
                           </a:solidFill>
@@ -34342,7 +33860,7 @@
                         <a:t> </a:t>
                       </a:r>
                       <a:br>
-                        <a:rPr lang="en-US" altLang="ko-KR" sz="1200" baseline="0" dirty="0" smtClean="0">
+                        <a:rPr lang="en-US" altLang="ko-KR" sz="1200" baseline="0" dirty="0">
                           <a:solidFill>
                             <a:schemeClr val="tx1"/>
                           </a:solidFill>
@@ -34350,7 +33868,7 @@
                         </a:rPr>
                       </a:br>
                       <a:r>
-                        <a:rPr lang="ko-KR" altLang="en-US" sz="1200" baseline="0" dirty="0" smtClean="0">
+                        <a:rPr lang="ko-KR" altLang="en-US" sz="1200" baseline="0" dirty="0">
                           <a:solidFill>
                             <a:schemeClr val="tx1"/>
                           </a:solidFill>
@@ -34359,7 +33877,7 @@
                         <a:t>그렇지 않으면 </a:t>
                       </a:r>
                       <a:r>
-                        <a:rPr lang="en-US" altLang="ko-KR" sz="1200" baseline="0" dirty="0" smtClean="0">
+                        <a:rPr lang="en-US" altLang="ko-KR" sz="1200" baseline="0" dirty="0">
                           <a:solidFill>
                             <a:schemeClr val="tx1"/>
                           </a:solidFill>
@@ -34465,7 +33983,7 @@
                     <a:p>
                       <a:pPr latinLnBrk="1"/>
                       <a:r>
-                        <a:rPr lang="ko-KR" altLang="en-US" sz="1200" dirty="0" err="1" smtClean="0">
+                        <a:rPr lang="ko-KR" altLang="en-US" sz="1200" dirty="0" err="1">
                           <a:solidFill>
                             <a:schemeClr val="tx1"/>
                           </a:solidFill>
@@ -34474,7 +33992,7 @@
                         <a:t>쿡의</a:t>
                       </a:r>
                       <a:r>
-                        <a:rPr lang="ko-KR" altLang="en-US" sz="1200" dirty="0" smtClean="0">
+                        <a:rPr lang="ko-KR" altLang="en-US" sz="1200" dirty="0">
                           <a:solidFill>
                             <a:schemeClr val="tx1"/>
                           </a:solidFill>
@@ -34573,7 +34091,7 @@
                     <a:p>
                       <a:pPr latinLnBrk="1"/>
                       <a:r>
-                        <a:rPr lang="en-US" altLang="ko-KR" sz="1200" dirty="0" smtClean="0">
+                        <a:rPr lang="en-US" altLang="ko-KR" sz="1200" dirty="0">
                           <a:solidFill>
                             <a:schemeClr val="tx1"/>
                           </a:solidFill>
@@ -34692,7 +34210,7 @@
                     <a:p>
                       <a:pPr latinLnBrk="1"/>
                       <a:r>
-                        <a:rPr lang="en-US" altLang="ko-KR" sz="1200" dirty="0" err="1" smtClean="0">
+                        <a:rPr lang="en-US" altLang="ko-KR" sz="1200" dirty="0" err="1">
                           <a:solidFill>
                             <a:schemeClr val="tx1"/>
                           </a:solidFill>
@@ -34721,7 +34239,7 @@
                         <a:buChar char="•"/>
                       </a:pPr>
                       <a:r>
-                        <a:rPr lang="ko-KR" altLang="en-US" sz="1200" dirty="0" smtClean="0">
+                        <a:rPr lang="ko-KR" altLang="en-US" sz="1200" dirty="0">
                           <a:solidFill>
                             <a:schemeClr val="tx1"/>
                           </a:solidFill>
@@ -34730,7 +34248,7 @@
                         <a:t>선택되면 </a:t>
                       </a:r>
                       <a:r>
-                        <a:rPr lang="en-US" altLang="ko-KR" sz="1200" dirty="0" smtClean="0">
+                        <a:rPr lang="en-US" altLang="ko-KR" sz="1200" dirty="0">
                           <a:solidFill>
                             <a:schemeClr val="tx1"/>
                           </a:solidFill>
@@ -34739,7 +34257,7 @@
                         <a:t>TRUE</a:t>
                       </a:r>
                       <a:r>
-                        <a:rPr lang="en-US" altLang="ko-KR" sz="1200" baseline="0" dirty="0" smtClean="0">
+                        <a:rPr lang="en-US" altLang="ko-KR" sz="1200" baseline="0" dirty="0">
                           <a:solidFill>
                             <a:schemeClr val="tx1"/>
                           </a:solidFill>
@@ -34748,7 +34266,7 @@
                         <a:t> </a:t>
                       </a:r>
                       <a:br>
-                        <a:rPr lang="en-US" altLang="ko-KR" sz="1200" baseline="0" dirty="0" smtClean="0">
+                        <a:rPr lang="en-US" altLang="ko-KR" sz="1200" baseline="0" dirty="0">
                           <a:solidFill>
                             <a:schemeClr val="tx1"/>
                           </a:solidFill>
@@ -34756,7 +34274,7 @@
                         </a:rPr>
                       </a:br>
                       <a:r>
-                        <a:rPr lang="ko-KR" altLang="en-US" sz="1200" baseline="0" dirty="0" smtClean="0">
+                        <a:rPr lang="ko-KR" altLang="en-US" sz="1200" baseline="0" dirty="0">
                           <a:solidFill>
                             <a:schemeClr val="tx1"/>
                           </a:solidFill>
@@ -34765,7 +34283,7 @@
                         <a:t>그렇지 않으면 </a:t>
                       </a:r>
                       <a:r>
-                        <a:rPr lang="en-US" altLang="ko-KR" sz="1200" baseline="0" dirty="0" smtClean="0">
+                        <a:rPr lang="en-US" altLang="ko-KR" sz="1200" baseline="0" dirty="0">
                           <a:solidFill>
                             <a:schemeClr val="tx1"/>
                           </a:solidFill>
@@ -34871,7 +34389,7 @@
                     <a:p>
                       <a:pPr latinLnBrk="1"/>
                       <a:r>
-                        <a:rPr lang="ko-KR" altLang="en-US" sz="1200" dirty="0" err="1" smtClean="0">
+                        <a:rPr lang="ko-KR" altLang="en-US" sz="1200" dirty="0" err="1">
                           <a:solidFill>
                             <a:schemeClr val="tx1"/>
                           </a:solidFill>
@@ -34879,7 +34397,7 @@
                         </a:rPr>
                         <a:t>해트행렬의</a:t>
                       </a:r>
-                      <a:endParaRPr lang="en-US" altLang="ko-KR" sz="1200" dirty="0" smtClean="0">
+                      <a:endParaRPr lang="en-US" altLang="ko-KR" sz="1200" dirty="0">
                         <a:solidFill>
                           <a:schemeClr val="tx1"/>
                         </a:solidFill>
@@ -34889,7 +34407,7 @@
                     <a:p>
                       <a:pPr latinLnBrk="1"/>
                       <a:r>
-                        <a:rPr lang="ko-KR" altLang="en-US" sz="1200" dirty="0" smtClean="0">
+                        <a:rPr lang="ko-KR" altLang="en-US" sz="1200" dirty="0">
                           <a:solidFill>
                             <a:schemeClr val="tx1"/>
                           </a:solidFill>
@@ -34988,7 +34506,7 @@
                     <a:p>
                       <a:pPr latinLnBrk="1"/>
                       <a:r>
-                        <a:rPr lang="en-US" altLang="ko-KR" sz="1200" dirty="0" smtClean="0">
+                        <a:rPr lang="en-US" altLang="ko-KR" sz="1200" dirty="0">
                           <a:solidFill>
                             <a:schemeClr val="tx1"/>
                           </a:solidFill>
@@ -35107,7 +34625,7 @@
                     <a:p>
                       <a:pPr latinLnBrk="1"/>
                       <a:r>
-                        <a:rPr lang="en-US" altLang="ko-KR" sz="1200" dirty="0" err="1" smtClean="0">
+                        <a:rPr lang="en-US" altLang="ko-KR" sz="1200" dirty="0" err="1">
                           <a:solidFill>
                             <a:schemeClr val="tx1"/>
                           </a:solidFill>
@@ -35136,7 +34654,7 @@
                         <a:buChar char="•"/>
                       </a:pPr>
                       <a:r>
-                        <a:rPr lang="ko-KR" altLang="en-US" sz="1200" dirty="0" smtClean="0">
+                        <a:rPr lang="ko-KR" altLang="en-US" sz="1200" dirty="0">
                           <a:solidFill>
                             <a:schemeClr val="tx1"/>
                           </a:solidFill>
@@ -35145,7 +34663,7 @@
                         <a:t>선택되면 </a:t>
                       </a:r>
                       <a:r>
-                        <a:rPr lang="en-US" altLang="ko-KR" sz="1200" dirty="0" smtClean="0">
+                        <a:rPr lang="en-US" altLang="ko-KR" sz="1200" dirty="0">
                           <a:solidFill>
                             <a:schemeClr val="tx1"/>
                           </a:solidFill>
@@ -35154,7 +34672,7 @@
                         <a:t>TRUE</a:t>
                       </a:r>
                       <a:r>
-                        <a:rPr lang="en-US" altLang="ko-KR" sz="1200" baseline="0" dirty="0" smtClean="0">
+                        <a:rPr lang="en-US" altLang="ko-KR" sz="1200" baseline="0" dirty="0">
                           <a:solidFill>
                             <a:schemeClr val="tx1"/>
                           </a:solidFill>
@@ -35163,7 +34681,7 @@
                         <a:t> </a:t>
                       </a:r>
                       <a:br>
-                        <a:rPr lang="en-US" altLang="ko-KR" sz="1200" baseline="0" dirty="0" smtClean="0">
+                        <a:rPr lang="en-US" altLang="ko-KR" sz="1200" baseline="0" dirty="0">
                           <a:solidFill>
                             <a:schemeClr val="tx1"/>
                           </a:solidFill>
@@ -35171,7 +34689,7 @@
                         </a:rPr>
                       </a:br>
                       <a:r>
-                        <a:rPr lang="ko-KR" altLang="en-US" sz="1200" baseline="0" dirty="0" smtClean="0">
+                        <a:rPr lang="ko-KR" altLang="en-US" sz="1200" baseline="0" dirty="0">
                           <a:solidFill>
                             <a:schemeClr val="tx1"/>
                           </a:solidFill>
@@ -35180,7 +34698,7 @@
                         <a:t>그렇지 않으면 </a:t>
                       </a:r>
                       <a:r>
-                        <a:rPr lang="en-US" altLang="ko-KR" sz="1200" baseline="0" dirty="0" smtClean="0">
+                        <a:rPr lang="en-US" altLang="ko-KR" sz="1200" baseline="0" dirty="0">
                           <a:solidFill>
                             <a:schemeClr val="tx1"/>
                           </a:solidFill>
@@ -35286,7 +34804,7 @@
                     <a:p>
                       <a:pPr latinLnBrk="1"/>
                       <a:r>
-                        <a:rPr lang="ko-KR" altLang="en-US" sz="1200" dirty="0" err="1" smtClean="0">
+                        <a:rPr lang="ko-KR" altLang="en-US" sz="1200" dirty="0" err="1">
                           <a:solidFill>
                             <a:schemeClr val="tx1"/>
                           </a:solidFill>
@@ -35385,7 +34903,7 @@
                     <a:p>
                       <a:pPr latinLnBrk="1"/>
                       <a:r>
-                        <a:rPr lang="en-US" altLang="ko-KR" sz="1200" dirty="0" smtClean="0">
+                        <a:rPr lang="en-US" altLang="ko-KR" sz="1200" dirty="0">
                           <a:solidFill>
                             <a:schemeClr val="tx1"/>
                           </a:solidFill>
@@ -35504,7 +35022,7 @@
                     <a:p>
                       <a:pPr latinLnBrk="1"/>
                       <a:r>
-                        <a:rPr lang="en-US" altLang="ko-KR" sz="1200" dirty="0" err="1" smtClean="0">
+                        <a:rPr lang="en-US" altLang="ko-KR" sz="1200" dirty="0" err="1">
                           <a:solidFill>
                             <a:schemeClr val="tx1"/>
                           </a:solidFill>
@@ -35533,7 +35051,7 @@
                         <a:buChar char="•"/>
                       </a:pPr>
                       <a:r>
-                        <a:rPr lang="ko-KR" altLang="en-US" sz="1200" dirty="0" smtClean="0">
+                        <a:rPr lang="ko-KR" altLang="en-US" sz="1200" dirty="0">
                           <a:solidFill>
                             <a:schemeClr val="tx1"/>
                           </a:solidFill>
@@ -35542,7 +35060,7 @@
                         <a:t>선택되면 </a:t>
                       </a:r>
                       <a:r>
-                        <a:rPr lang="en-US" altLang="ko-KR" sz="1200" dirty="0" smtClean="0">
+                        <a:rPr lang="en-US" altLang="ko-KR" sz="1200" dirty="0">
                           <a:solidFill>
                             <a:schemeClr val="tx1"/>
                           </a:solidFill>
@@ -35551,7 +35069,7 @@
                         <a:t>TRUE</a:t>
                       </a:r>
                       <a:r>
-                        <a:rPr lang="en-US" altLang="ko-KR" sz="1200" baseline="0" dirty="0" smtClean="0">
+                        <a:rPr lang="en-US" altLang="ko-KR" sz="1200" baseline="0" dirty="0">
                           <a:solidFill>
                             <a:schemeClr val="tx1"/>
                           </a:solidFill>
@@ -35560,7 +35078,7 @@
                         <a:t> </a:t>
                       </a:r>
                       <a:r>
-                        <a:rPr lang="ko-KR" altLang="en-US" sz="1200" baseline="0" dirty="0" smtClean="0">
+                        <a:rPr lang="ko-KR" altLang="en-US" sz="1200" baseline="0" dirty="0">
                           <a:solidFill>
                             <a:schemeClr val="tx1"/>
                           </a:solidFill>
@@ -35569,7 +35087,7 @@
                         <a:t>그렇지 않으면 </a:t>
                       </a:r>
                       <a:r>
-                        <a:rPr lang="en-US" altLang="ko-KR" sz="1200" baseline="0" dirty="0" smtClean="0">
+                        <a:rPr lang="en-US" altLang="ko-KR" sz="1200" baseline="0" dirty="0">
                           <a:solidFill>
                             <a:schemeClr val="tx1"/>
                           </a:solidFill>
@@ -35602,7 +35120,7 @@
                     <a:p>
                       <a:pPr latinLnBrk="1"/>
                       <a:r>
-                        <a:rPr lang="ko-KR" altLang="en-US" sz="1200" dirty="0" smtClean="0">
+                        <a:rPr lang="ko-KR" altLang="en-US" sz="1200" dirty="0">
                           <a:solidFill>
                             <a:schemeClr val="tx1"/>
                           </a:solidFill>
@@ -35611,13 +35129,6 @@
                         </a:rPr>
                         <a:t>시험자료</a:t>
                       </a:r>
-                      <a:endParaRPr lang="ko-KR" altLang="en-US" sz="1200" dirty="0">
-                        <a:solidFill>
-                          <a:schemeClr val="tx1"/>
-                        </a:solidFill>
-                        <a:latin typeface="+mn-lt"/>
-                        <a:ea typeface="+mn-ea"/>
-                      </a:endParaRPr>
                     </a:p>
                   </a:txBody>
                   <a:tcPr/>
@@ -35662,7 +35173,7 @@
                         <a:defRPr/>
                       </a:pPr>
                       <a:r>
-                        <a:rPr lang="ko-KR" altLang="en-US" sz="1200" dirty="0" smtClean="0">
+                        <a:rPr lang="ko-KR" altLang="en-US" sz="1200" dirty="0">
                           <a:solidFill>
                             <a:schemeClr val="tx1"/>
                           </a:solidFill>
@@ -35672,7 +35183,7 @@
                         <a:t>자료분할 탭의 시험</a:t>
                       </a:r>
                       <a:r>
-                        <a:rPr lang="en-US" altLang="ko-KR" sz="1200" baseline="0" dirty="0" smtClean="0">
+                        <a:rPr lang="en-US" altLang="ko-KR" sz="1200" baseline="0" dirty="0">
                           <a:solidFill>
                             <a:schemeClr val="tx1"/>
                           </a:solidFill>
@@ -35682,7 +35193,7 @@
                         <a:t> (</a:t>
                       </a:r>
                       <a:r>
-                        <a:rPr lang="ko-KR" altLang="en-US" sz="1200" baseline="0" dirty="0" smtClean="0">
+                        <a:rPr lang="ko-KR" altLang="en-US" sz="1200" baseline="0" dirty="0">
                           <a:solidFill>
                             <a:schemeClr val="tx1"/>
                           </a:solidFill>
@@ -35692,7 +35203,7 @@
                         <a:t>선택</a:t>
                       </a:r>
                       <a:r>
-                        <a:rPr lang="en-US" altLang="ko-KR" sz="1200" baseline="0" dirty="0" smtClean="0">
+                        <a:rPr lang="en-US" altLang="ko-KR" sz="1200" baseline="0" dirty="0">
                           <a:solidFill>
                             <a:schemeClr val="tx1"/>
                           </a:solidFill>
@@ -35702,7 +35213,7 @@
                         <a:t>)</a:t>
                       </a:r>
                       <a:r>
-                        <a:rPr lang="ko-KR" altLang="en-US" sz="1200" baseline="0" dirty="0" smtClean="0">
+                        <a:rPr lang="ko-KR" altLang="en-US" sz="1200" baseline="0" dirty="0">
                           <a:solidFill>
                             <a:schemeClr val="tx1"/>
                           </a:solidFill>
@@ -35711,7 +35222,7 @@
                         </a:rPr>
                         <a:t>의 분할변수가 선택되면 활성화</a:t>
                       </a:r>
-                      <a:endParaRPr lang="ko-KR" altLang="en-US" sz="1200" dirty="0" smtClean="0">
+                      <a:endParaRPr lang="ko-KR" altLang="en-US" sz="1200" dirty="0">
                         <a:solidFill>
                           <a:schemeClr val="tx1"/>
                         </a:solidFill>
@@ -35748,7 +35259,7 @@
                         <a:buFont typeface="Arial" panose="020B0604020202020204" pitchFamily="34" charset="0"/>
                         <a:buChar char="•"/>
                       </a:pPr>
-                      <a:endParaRPr lang="en-US" altLang="ko-KR" sz="1200" baseline="0" dirty="0" smtClean="0">
+                      <a:endParaRPr lang="en-US" altLang="ko-KR" sz="1200" baseline="0" dirty="0">
                         <a:solidFill>
                           <a:schemeClr val="tx1"/>
                         </a:solidFill>
@@ -35846,7 +35357,7 @@
                     <a:p>
                       <a:pPr latinLnBrk="1"/>
                       <a:r>
-                        <a:rPr lang="ko-KR" altLang="en-US" sz="1200" dirty="0" smtClean="0">
+                        <a:rPr lang="ko-KR" altLang="en-US" sz="1200" dirty="0">
                           <a:solidFill>
                             <a:schemeClr val="tx1"/>
                           </a:solidFill>
@@ -35945,7 +35456,7 @@
                     <a:p>
                       <a:pPr latinLnBrk="1"/>
                       <a:r>
-                        <a:rPr lang="en-US" altLang="ko-KR" sz="1200" dirty="0" smtClean="0">
+                        <a:rPr lang="en-US" altLang="ko-KR" sz="1200" dirty="0">
                           <a:solidFill>
                             <a:schemeClr val="tx1"/>
                           </a:solidFill>
@@ -35987,7 +35498,7 @@
                         <a:defRPr/>
                       </a:pPr>
                       <a:r>
-                        <a:rPr lang="ko-KR" altLang="en-US" sz="1200" dirty="0" smtClean="0">
+                        <a:rPr lang="ko-KR" altLang="en-US" sz="1200" dirty="0">
                           <a:solidFill>
                             <a:schemeClr val="tx1"/>
                           </a:solidFill>
@@ -35995,7 +35506,7 @@
                         </a:rPr>
                         <a:t>적합확률이 선택되면 활성화</a:t>
                       </a:r>
-                      <a:endParaRPr lang="ko-KR" altLang="en-US" sz="1200" dirty="0" smtClean="0">
+                      <a:endParaRPr lang="ko-KR" altLang="en-US" sz="1200" dirty="0">
                         <a:solidFill>
                           <a:schemeClr val="tx1"/>
                         </a:solidFill>
@@ -36086,7 +35597,7 @@
                     <a:p>
                       <a:pPr latinLnBrk="1"/>
                       <a:r>
-                        <a:rPr lang="en-US" altLang="ko-KR" sz="1200" dirty="0" err="1" smtClean="0">
+                        <a:rPr lang="en-US" altLang="ko-KR" sz="1200" dirty="0" err="1">
                           <a:solidFill>
                             <a:schemeClr val="tx1"/>
                           </a:solidFill>
@@ -36115,7 +35626,7 @@
                         <a:buChar char="•"/>
                       </a:pPr>
                       <a:r>
-                        <a:rPr lang="ko-KR" altLang="en-US" sz="1200" dirty="0" smtClean="0">
+                        <a:rPr lang="ko-KR" altLang="en-US" sz="1200" dirty="0">
                           <a:solidFill>
                             <a:schemeClr val="tx1"/>
                           </a:solidFill>
@@ -36124,7 +35635,7 @@
                         <a:t>선택되면 </a:t>
                       </a:r>
                       <a:r>
-                        <a:rPr lang="en-US" altLang="ko-KR" sz="1200" dirty="0" smtClean="0">
+                        <a:rPr lang="en-US" altLang="ko-KR" sz="1200" dirty="0">
                           <a:solidFill>
                             <a:schemeClr val="tx1"/>
                           </a:solidFill>
@@ -36133,7 +35644,7 @@
                         <a:t>TRUE</a:t>
                       </a:r>
                       <a:r>
-                        <a:rPr lang="en-US" altLang="ko-KR" sz="1200" baseline="0" dirty="0" smtClean="0">
+                        <a:rPr lang="en-US" altLang="ko-KR" sz="1200" baseline="0" dirty="0">
                           <a:solidFill>
                             <a:schemeClr val="tx1"/>
                           </a:solidFill>
@@ -36142,7 +35653,7 @@
                         <a:t> </a:t>
                       </a:r>
                       <a:r>
-                        <a:rPr lang="ko-KR" altLang="en-US" sz="1200" baseline="0" dirty="0" smtClean="0">
+                        <a:rPr lang="ko-KR" altLang="en-US" sz="1200" baseline="0" dirty="0">
                           <a:solidFill>
                             <a:schemeClr val="tx1"/>
                           </a:solidFill>
@@ -36151,7 +35662,7 @@
                         <a:t>그렇지 않으면 </a:t>
                       </a:r>
                       <a:r>
-                        <a:rPr lang="en-US" altLang="ko-KR" sz="1200" baseline="0" dirty="0" smtClean="0">
+                        <a:rPr lang="en-US" altLang="ko-KR" sz="1200" baseline="0" dirty="0">
                           <a:solidFill>
                             <a:schemeClr val="tx1"/>
                           </a:solidFill>
@@ -36159,7 +35670,7 @@
                         </a:rPr>
                         <a:t>FALSE</a:t>
                       </a:r>
-                      <a:endParaRPr lang="en-US" altLang="ko-KR" sz="1200" baseline="0" dirty="0" smtClean="0">
+                      <a:endParaRPr lang="en-US" altLang="ko-KR" sz="1200" baseline="0" dirty="0">
                         <a:solidFill>
                           <a:schemeClr val="tx1"/>
                         </a:solidFill>
@@ -36257,7 +35768,7 @@
                     <a:p>
                       <a:pPr latinLnBrk="1"/>
                       <a:r>
-                        <a:rPr lang="ko-KR" altLang="en-US" sz="1200" dirty="0" smtClean="0">
+                        <a:rPr lang="ko-KR" altLang="en-US" sz="1200" dirty="0">
                           <a:solidFill>
                             <a:schemeClr val="tx1"/>
                           </a:solidFill>
@@ -36356,7 +35867,7 @@
                     <a:p>
                       <a:pPr latinLnBrk="1"/>
                       <a:r>
-                        <a:rPr lang="en-US" altLang="ko-KR" sz="1200" dirty="0" smtClean="0">
+                        <a:rPr lang="en-US" altLang="ko-KR" sz="1200" dirty="0">
                           <a:solidFill>
                             <a:schemeClr val="tx1"/>
                           </a:solidFill>
@@ -36398,7 +35909,7 @@
                         <a:defRPr/>
                       </a:pPr>
                       <a:r>
-                        <a:rPr lang="ko-KR" altLang="en-US" sz="1200" dirty="0" smtClean="0">
+                        <a:rPr lang="ko-KR" altLang="en-US" sz="1200" dirty="0">
                           <a:solidFill>
                             <a:schemeClr val="tx1"/>
                           </a:solidFill>
@@ -36406,7 +35917,7 @@
                         </a:rPr>
                         <a:t>적합확률이 선택되면 활성화</a:t>
                       </a:r>
-                      <a:endParaRPr lang="ko-KR" altLang="en-US" sz="1200" dirty="0" smtClean="0">
+                      <a:endParaRPr lang="ko-KR" altLang="en-US" sz="1200" dirty="0">
                         <a:solidFill>
                           <a:schemeClr val="tx1"/>
                         </a:solidFill>
@@ -36497,7 +36008,7 @@
                     <a:p>
                       <a:pPr latinLnBrk="1"/>
                       <a:r>
-                        <a:rPr lang="en-US" altLang="ko-KR" sz="1200" dirty="0" err="1" smtClean="0">
+                        <a:rPr lang="en-US" altLang="ko-KR" sz="1200" dirty="0" err="1">
                           <a:solidFill>
                             <a:schemeClr val="tx1"/>
                           </a:solidFill>
@@ -36526,7 +36037,7 @@
                         <a:buChar char="•"/>
                       </a:pPr>
                       <a:r>
-                        <a:rPr lang="ko-KR" altLang="en-US" sz="1200" dirty="0" smtClean="0">
+                        <a:rPr lang="ko-KR" altLang="en-US" sz="1200" dirty="0">
                           <a:solidFill>
                             <a:schemeClr val="tx1"/>
                           </a:solidFill>
@@ -36535,7 +36046,7 @@
                         <a:t>선택되면 </a:t>
                       </a:r>
                       <a:r>
-                        <a:rPr lang="en-US" altLang="ko-KR" sz="1200" dirty="0" smtClean="0">
+                        <a:rPr lang="en-US" altLang="ko-KR" sz="1200" dirty="0">
                           <a:solidFill>
                             <a:schemeClr val="tx1"/>
                           </a:solidFill>
@@ -36544,7 +36055,7 @@
                         <a:t>TRUE</a:t>
                       </a:r>
                       <a:r>
-                        <a:rPr lang="en-US" altLang="ko-KR" sz="1200" baseline="0" dirty="0" smtClean="0">
+                        <a:rPr lang="en-US" altLang="ko-KR" sz="1200" baseline="0" dirty="0">
                           <a:solidFill>
                             <a:schemeClr val="tx1"/>
                           </a:solidFill>
@@ -36553,7 +36064,7 @@
                         <a:t> </a:t>
                       </a:r>
                       <a:r>
-                        <a:rPr lang="ko-KR" altLang="en-US" sz="1200" baseline="0" dirty="0" smtClean="0">
+                        <a:rPr lang="ko-KR" altLang="en-US" sz="1200" baseline="0" dirty="0">
                           <a:solidFill>
                             <a:schemeClr val="tx1"/>
                           </a:solidFill>
@@ -36562,7 +36073,7 @@
                         <a:t>그렇지 않으면 </a:t>
                       </a:r>
                       <a:r>
-                        <a:rPr lang="en-US" altLang="ko-KR" sz="1200" baseline="0" dirty="0" smtClean="0">
+                        <a:rPr lang="en-US" altLang="ko-KR" sz="1200" baseline="0" dirty="0">
                           <a:solidFill>
                             <a:schemeClr val="tx1"/>
                           </a:solidFill>
@@ -36595,7 +36106,7 @@
                     <a:p>
                       <a:pPr latinLnBrk="1"/>
                       <a:r>
-                        <a:rPr lang="ko-KR" altLang="en-US" sz="1200" dirty="0" smtClean="0">
+                        <a:rPr lang="ko-KR" altLang="en-US" sz="1200" dirty="0">
                           <a:solidFill>
                             <a:schemeClr val="tx1"/>
                           </a:solidFill>
@@ -36604,13 +36115,6 @@
                         </a:rPr>
                         <a:t>신뢰수준</a:t>
                       </a:r>
-                      <a:endParaRPr lang="ko-KR" altLang="en-US" sz="1200" dirty="0">
-                        <a:solidFill>
-                          <a:schemeClr val="tx1"/>
-                        </a:solidFill>
-                        <a:latin typeface="+mn-lt"/>
-                        <a:ea typeface="+mn-ea"/>
-                      </a:endParaRPr>
                     </a:p>
                   </a:txBody>
                   <a:tcPr/>
@@ -36655,7 +36159,7 @@
                         <a:defRPr/>
                       </a:pPr>
                       <a:r>
-                        <a:rPr lang="ko-KR" altLang="en-US" sz="1200" dirty="0" smtClean="0">
+                        <a:rPr lang="ko-KR" altLang="en-US" sz="1200" dirty="0">
                           <a:solidFill>
                             <a:schemeClr val="tx1"/>
                           </a:solidFill>
@@ -36665,7 +36169,7 @@
                         <a:t>신뢰구간</a:t>
                       </a:r>
                       <a:r>
-                        <a:rPr lang="en-US" altLang="ko-KR" sz="1200" baseline="0" dirty="0" smtClean="0">
+                        <a:rPr lang="en-US" altLang="ko-KR" sz="1200" baseline="0" dirty="0">
                           <a:solidFill>
                             <a:schemeClr val="tx1"/>
                           </a:solidFill>
@@ -36675,7 +36179,7 @@
                         <a:t> </a:t>
                       </a:r>
                       <a:r>
-                        <a:rPr lang="ko-KR" altLang="en-US" sz="1200" baseline="0" dirty="0" smtClean="0">
+                        <a:rPr lang="ko-KR" altLang="en-US" sz="1200" baseline="0" dirty="0">
                           <a:solidFill>
                             <a:schemeClr val="tx1"/>
                           </a:solidFill>
@@ -36684,7 +36188,7 @@
                         </a:rPr>
                         <a:t>혹은 예측구간이 선택되면 활성화</a:t>
                       </a:r>
-                      <a:endParaRPr lang="en-US" altLang="ko-KR" sz="1200" baseline="0" dirty="0" smtClean="0">
+                      <a:endParaRPr lang="en-US" altLang="ko-KR" sz="1200" baseline="0" dirty="0">
                         <a:solidFill>
                           <a:schemeClr val="tx1"/>
                         </a:solidFill>
@@ -36711,7 +36215,7 @@
                         <a:defRPr/>
                       </a:pPr>
                       <a:r>
-                        <a:rPr lang="en-US" altLang="ko-KR" sz="1200" dirty="0" smtClean="0">
+                        <a:rPr lang="en-US" altLang="ko-KR" sz="1200" dirty="0">
                           <a:solidFill>
                             <a:schemeClr val="tx1"/>
                           </a:solidFill>
@@ -36721,7 +36225,7 @@
                         <a:t>0~1</a:t>
                       </a:r>
                       <a:r>
-                        <a:rPr lang="ko-KR" altLang="en-US" sz="1200" dirty="0" smtClean="0">
+                        <a:rPr lang="ko-KR" altLang="en-US" sz="1200" dirty="0">
                           <a:solidFill>
                             <a:schemeClr val="tx1"/>
                           </a:solidFill>
@@ -36730,7 +36234,7 @@
                         </a:rPr>
                         <a:t>의 값을 가질 수 있음</a:t>
                       </a:r>
-                      <a:endParaRPr lang="en-US" altLang="ko-KR" sz="1200" dirty="0" smtClean="0">
+                      <a:endParaRPr lang="en-US" altLang="ko-KR" sz="1200" dirty="0">
                         <a:solidFill>
                           <a:schemeClr val="tx1"/>
                         </a:solidFill>
@@ -36757,7 +36261,7 @@
                         <a:defRPr/>
                       </a:pPr>
                       <a:r>
-                        <a:rPr lang="ko-KR" altLang="en-US" sz="1200" dirty="0" smtClean="0">
+                        <a:rPr lang="ko-KR" altLang="en-US" sz="1200" dirty="0">
                           <a:solidFill>
                             <a:schemeClr val="tx1"/>
                           </a:solidFill>
@@ -36767,7 +36271,7 @@
                         <a:t>디폴트 </a:t>
                       </a:r>
                       <a:r>
-                        <a:rPr lang="en-US" altLang="ko-KR" sz="1200" dirty="0" smtClean="0">
+                        <a:rPr lang="en-US" altLang="ko-KR" sz="1200" dirty="0">
                           <a:solidFill>
                             <a:schemeClr val="tx1"/>
                           </a:solidFill>
@@ -36776,7 +36280,7 @@
                         </a:rPr>
                         <a:t>0.95</a:t>
                       </a:r>
-                      <a:endParaRPr lang="ko-KR" altLang="en-US" sz="1200" dirty="0" smtClean="0">
+                      <a:endParaRPr lang="ko-KR" altLang="en-US" sz="1200" dirty="0">
                         <a:solidFill>
                           <a:schemeClr val="tx1"/>
                         </a:solidFill>
@@ -36794,7 +36298,7 @@
                     <a:p>
                       <a:pPr latinLnBrk="1"/>
                       <a:r>
-                        <a:rPr lang="en-US" altLang="ko-KR" sz="1200" dirty="0" err="1" smtClean="0">
+                        <a:rPr lang="en-US" altLang="ko-KR" sz="1200" dirty="0" err="1">
                           <a:solidFill>
                             <a:schemeClr val="tx1"/>
                           </a:solidFill>
@@ -36836,7 +36340,7 @@
                         <a:defRPr/>
                       </a:pPr>
                       <a:r>
-                        <a:rPr lang="ko-KR" altLang="en-US" sz="1200" baseline="0" dirty="0" smtClean="0">
+                        <a:rPr lang="ko-KR" altLang="en-US" sz="1200" baseline="0" dirty="0">
                           <a:solidFill>
                             <a:schemeClr val="tx1"/>
                           </a:solidFill>
@@ -36846,7 +36350,7 @@
                         <a:t>입력 받은 값을</a:t>
                       </a:r>
                       <a:r>
-                        <a:rPr lang="en-US" altLang="ko-KR" sz="1200" baseline="0" dirty="0" smtClean="0">
+                        <a:rPr lang="en-US" altLang="ko-KR" sz="1200" baseline="0" dirty="0">
                           <a:solidFill>
                             <a:schemeClr val="tx1"/>
                           </a:solidFill>
@@ -36856,7 +36360,7 @@
                         <a:t> </a:t>
                       </a:r>
                       <a:r>
-                        <a:rPr lang="ko-KR" altLang="en-US" sz="1200" baseline="0" dirty="0" smtClean="0">
+                        <a:rPr lang="ko-KR" altLang="en-US" sz="1200" baseline="0" dirty="0">
                           <a:solidFill>
                             <a:schemeClr val="tx1"/>
                           </a:solidFill>
@@ -36865,7 +36369,7 @@
                         </a:rPr>
                         <a:t>숫자로 입력</a:t>
                       </a:r>
-                      <a:endParaRPr lang="en-US" altLang="ko-KR" sz="1200" baseline="0" dirty="0" smtClean="0">
+                      <a:endParaRPr lang="en-US" altLang="ko-KR" sz="1200" baseline="0" dirty="0">
                         <a:solidFill>
                           <a:schemeClr val="tx1"/>
                         </a:solidFill>
@@ -36963,7 +36467,7 @@
                     <a:p>
                       <a:pPr latinLnBrk="1"/>
                       <a:r>
-                        <a:rPr lang="ko-KR" altLang="en-US" sz="1200" dirty="0" smtClean="0">
+                        <a:rPr lang="ko-KR" altLang="en-US" sz="1200" dirty="0">
                           <a:solidFill>
                             <a:schemeClr val="tx1"/>
                           </a:solidFill>
@@ -36972,13 +36476,6 @@
                         </a:rPr>
                         <a:t>자료분할지표</a:t>
                       </a:r>
-                      <a:endParaRPr lang="ko-KR" altLang="en-US" sz="1200" dirty="0">
-                        <a:solidFill>
-                          <a:schemeClr val="tx1"/>
-                        </a:solidFill>
-                        <a:latin typeface="+mn-lt"/>
-                        <a:ea typeface="+mn-ea"/>
-                      </a:endParaRPr>
                     </a:p>
                   </a:txBody>
                   <a:tcPr/>
@@ -37063,7 +36560,7 @@
                     <a:p>
                       <a:pPr latinLnBrk="1"/>
                       <a:r>
-                        <a:rPr lang="en-US" altLang="ko-KR" sz="1200" dirty="0" smtClean="0">
+                        <a:rPr lang="en-US" altLang="ko-KR" sz="1200" dirty="0">
                           <a:solidFill>
                             <a:schemeClr val="tx1"/>
                           </a:solidFill>
@@ -37176,7 +36673,7 @@
                     <a:p>
                       <a:pPr latinLnBrk="1"/>
                       <a:r>
-                        <a:rPr lang="en-US" altLang="ko-KR" sz="1200" dirty="0" err="1" smtClean="0">
+                        <a:rPr lang="en-US" altLang="ko-KR" sz="1200" dirty="0" err="1">
                           <a:solidFill>
                             <a:schemeClr val="tx1"/>
                           </a:solidFill>
@@ -37206,7 +36703,7 @@
                         <a:buChar char="•"/>
                       </a:pPr>
                       <a:r>
-                        <a:rPr lang="ko-KR" altLang="en-US" sz="1200" dirty="0" smtClean="0">
+                        <a:rPr lang="ko-KR" altLang="en-US" sz="1200" dirty="0">
                           <a:solidFill>
                             <a:schemeClr val="tx1"/>
                           </a:solidFill>
@@ -37215,7 +36712,7 @@
                         <a:t>선택되면 </a:t>
                       </a:r>
                       <a:r>
-                        <a:rPr lang="en-US" altLang="ko-KR" sz="1200" dirty="0" smtClean="0">
+                        <a:rPr lang="en-US" altLang="ko-KR" sz="1200" dirty="0">
                           <a:solidFill>
                             <a:schemeClr val="tx1"/>
                           </a:solidFill>
@@ -37224,7 +36721,7 @@
                         <a:t>TRUE</a:t>
                       </a:r>
                       <a:r>
-                        <a:rPr lang="en-US" altLang="ko-KR" sz="1200" baseline="0" dirty="0" smtClean="0">
+                        <a:rPr lang="en-US" altLang="ko-KR" sz="1200" baseline="0" dirty="0">
                           <a:solidFill>
                             <a:schemeClr val="tx1"/>
                           </a:solidFill>
@@ -37233,7 +36730,7 @@
                         <a:t> </a:t>
                       </a:r>
                       <a:r>
-                        <a:rPr lang="ko-KR" altLang="en-US" sz="1200" baseline="0" dirty="0" smtClean="0">
+                        <a:rPr lang="ko-KR" altLang="en-US" sz="1200" baseline="0" dirty="0">
                           <a:solidFill>
                             <a:schemeClr val="tx1"/>
                           </a:solidFill>
@@ -37242,7 +36739,7 @@
                         <a:t>그렇지 않으면 </a:t>
                       </a:r>
                       <a:r>
-                        <a:rPr lang="en-US" altLang="ko-KR" sz="1200" baseline="0" dirty="0" smtClean="0">
+                        <a:rPr lang="en-US" altLang="ko-KR" sz="1200" baseline="0" dirty="0">
                           <a:solidFill>
                             <a:schemeClr val="tx1"/>
                           </a:solidFill>
@@ -37377,7 +36874,7 @@
               <a:tabLst/>
               <a:defRPr/>
             </a:pPr>
-            <a:endParaRPr kumimoji="0" lang="ko-KR" altLang="en-US" sz="1800" b="0" i="0" u="none" strike="noStrike" kern="0" cap="none" spc="0" normalizeH="0" baseline="0" noProof="0" dirty="0" smtClean="0">
+            <a:endParaRPr kumimoji="0" lang="ko-KR" altLang="en-US" sz="1800" b="0" i="0" u="none" strike="noStrike" kern="0" cap="none" spc="0" normalizeH="0" baseline="0" noProof="0" dirty="0">
               <a:ln>
                 <a:noFill/>
               </a:ln>
@@ -37575,7 +37072,7 @@
               <a:defRPr/>
             </a:pPr>
             <a:r>
-              <a:rPr kumimoji="0" lang="ko-KR" altLang="en-US" sz="1200" b="0" i="0" u="none" strike="noStrike" kern="0" cap="none" spc="0" normalizeH="0" baseline="0" noProof="0" dirty="0" smtClean="0">
+              <a:rPr kumimoji="0" lang="ko-KR" altLang="en-US" sz="1200" b="0" i="0" u="none" strike="noStrike" kern="0" cap="none" spc="0" normalizeH="0" baseline="0" noProof="0" dirty="0">
                 <a:ln>
                   <a:noFill/>
                 </a:ln>
@@ -37634,7 +37131,7 @@
               <a:defRPr/>
             </a:pPr>
             <a:r>
-              <a:rPr kumimoji="0" lang="ko-KR" altLang="en-US" sz="1200" b="0" i="0" u="none" strike="noStrike" kern="0" cap="none" spc="0" normalizeH="0" baseline="0" noProof="0" dirty="0" smtClean="0">
+              <a:rPr kumimoji="0" lang="ko-KR" altLang="en-US" sz="1200" b="0" i="0" u="none" strike="noStrike" kern="0" cap="none" spc="0" normalizeH="0" baseline="0" noProof="0" dirty="0">
                 <a:ln>
                   <a:noFill/>
                 </a:ln>
@@ -37693,7 +37190,7 @@
               <a:defRPr/>
             </a:pPr>
             <a:r>
-              <a:rPr kumimoji="0" lang="ko-KR" altLang="en-US" sz="1200" b="0" i="0" u="none" strike="noStrike" kern="0" cap="none" spc="0" normalizeH="0" baseline="0" noProof="0" dirty="0" smtClean="0">
+              <a:rPr kumimoji="0" lang="ko-KR" altLang="en-US" sz="1200" b="0" i="0" u="none" strike="noStrike" kern="0" cap="none" spc="0" normalizeH="0" baseline="0" noProof="0" dirty="0">
                 <a:ln>
                   <a:noFill/>
                 </a:ln>
@@ -37752,7 +37249,7 @@
               <a:defRPr/>
             </a:pPr>
             <a:r>
-              <a:rPr kumimoji="0" lang="ko-KR" altLang="en-US" sz="1200" b="0" i="0" u="none" strike="noStrike" kern="0" cap="none" spc="0" normalizeH="0" baseline="0" noProof="0" dirty="0" smtClean="0">
+              <a:rPr kumimoji="0" lang="ko-KR" altLang="en-US" sz="1200" b="0" i="0" u="none" strike="noStrike" kern="0" cap="none" spc="0" normalizeH="0" baseline="0" noProof="0" dirty="0">
                 <a:ln>
                   <a:noFill/>
                 </a:ln>
@@ -37838,7 +37335,7 @@
               <a:tabLst/>
               <a:defRPr/>
             </a:pPr>
-            <a:endParaRPr kumimoji="0" lang="ko-KR" altLang="en-US" sz="1800" b="0" i="0" u="none" strike="noStrike" kern="0" cap="none" spc="0" normalizeH="0" baseline="0" noProof="0" smtClean="0">
+            <a:endParaRPr kumimoji="0" lang="ko-KR" altLang="en-US" sz="1800" b="0" i="0" u="none" strike="noStrike" kern="0" cap="none" spc="0" normalizeH="0" baseline="0" noProof="0">
               <a:ln>
                 <a:noFill/>
               </a:ln>
@@ -37894,7 +37391,7 @@
               <a:defRPr/>
             </a:pPr>
             <a:r>
-              <a:rPr kumimoji="0" lang="ko-KR" altLang="en-US" sz="1600" b="0" i="0" u="none" strike="noStrike" kern="0" cap="none" spc="0" normalizeH="0" baseline="0" noProof="0" dirty="0" smtClean="0">
+              <a:rPr kumimoji="0" lang="ko-KR" altLang="en-US" sz="1600" b="0" i="0" u="none" strike="noStrike" kern="0" cap="none" spc="0" normalizeH="0" baseline="0" noProof="0" dirty="0">
                 <a:ln>
                   <a:noFill/>
                 </a:ln>
@@ -37955,7 +37452,7 @@
               <a:tabLst/>
               <a:defRPr/>
             </a:pPr>
-            <a:endParaRPr kumimoji="0" lang="ko-KR" altLang="en-US" sz="1800" b="0" i="0" u="none" strike="noStrike" kern="0" cap="none" spc="0" normalizeH="0" baseline="0" noProof="0" smtClean="0">
+            <a:endParaRPr kumimoji="0" lang="ko-KR" altLang="en-US" sz="1800" b="0" i="0" u="none" strike="noStrike" kern="0" cap="none" spc="0" normalizeH="0" baseline="0" noProof="0">
               <a:ln>
                 <a:noFill/>
               </a:ln>
@@ -38011,7 +37508,7 @@
               <a:defRPr/>
             </a:pPr>
             <a:r>
-              <a:rPr kumimoji="0" lang="ko-KR" altLang="en-US" sz="1600" b="0" i="0" u="none" strike="noStrike" kern="0" cap="none" spc="0" normalizeH="0" baseline="0" noProof="0" dirty="0" smtClean="0">
+              <a:rPr kumimoji="0" lang="ko-KR" altLang="en-US" sz="1600" b="0" i="0" u="none" strike="noStrike" kern="0" cap="none" spc="0" normalizeH="0" baseline="0" noProof="0" dirty="0">
                 <a:ln>
                   <a:noFill/>
                 </a:ln>
@@ -38242,7 +37739,7 @@
               <a:defRPr/>
             </a:pPr>
             <a:r>
-              <a:rPr kumimoji="0" lang="ko-KR" altLang="en-US" sz="1200" b="0" i="0" u="none" strike="noStrike" kern="0" cap="none" spc="0" normalizeH="0" baseline="0" noProof="0" dirty="0" smtClean="0">
+              <a:rPr kumimoji="0" lang="ko-KR" altLang="en-US" sz="1200" b="0" i="0" u="none" strike="noStrike" kern="0" cap="none" spc="0" normalizeH="0" baseline="0" noProof="0" dirty="0">
                 <a:ln>
                   <a:noFill/>
                 </a:ln>
@@ -38253,15 +37750,6 @@
               </a:rPr>
               <a:t>회귀계수</a:t>
             </a:r>
-            <a:endParaRPr kumimoji="0" lang="ko-KR" altLang="en-US" sz="1200" b="0" i="0" u="none" strike="noStrike" kern="0" cap="none" spc="0" normalizeH="0" baseline="0" noProof="0" dirty="0">
-              <a:ln>
-                <a:noFill/>
-              </a:ln>
-              <a:effectLst/>
-              <a:uLnTx/>
-              <a:uFillTx/>
-              <a:latin typeface="Calibri" panose="020F0502020204030204"/>
-            </a:endParaRPr>
           </a:p>
         </p:txBody>
       </p:sp>
@@ -38557,7 +38045,7 @@
               <a:defRPr/>
             </a:pPr>
             <a:r>
-              <a:rPr kumimoji="0" lang="en-US" altLang="ko-KR" sz="1200" b="0" i="0" u="none" strike="noStrike" kern="0" cap="none" spc="0" normalizeH="0" baseline="0" noProof="0" dirty="0" smtClean="0">
+              <a:rPr kumimoji="0" lang="en-US" altLang="ko-KR" sz="1200" b="0" i="0" u="none" strike="noStrike" kern="0" cap="none" spc="0" normalizeH="0" baseline="0" noProof="0" dirty="0">
                 <a:ln>
                   <a:noFill/>
                 </a:ln>
@@ -38630,7 +38118,7 @@
               <a:defRPr/>
             </a:pPr>
             <a:r>
-              <a:rPr kumimoji="0" lang="en-US" altLang="ko-KR" sz="1800" b="0" i="0" u="none" strike="noStrike" kern="0" cap="none" spc="0" normalizeH="0" baseline="0" noProof="0" dirty="0" smtClean="0">
+              <a:rPr kumimoji="0" lang="en-US" altLang="ko-KR" sz="1800" b="0" i="0" u="none" strike="noStrike" kern="0" cap="none" spc="0" normalizeH="0" baseline="0" noProof="0" dirty="0">
                 <a:ln>
                   <a:noFill/>
                 </a:ln>
@@ -38681,14 +38169,11 @@
           <a:p>
             <a:pPr defTabSz="914400"/>
             <a:r>
-              <a:rPr lang="ko-KR" altLang="en-US" sz="1200" dirty="0" smtClean="0">
+              <a:rPr lang="ko-KR" altLang="en-US" sz="1200" dirty="0">
                 <a:latin typeface="Calibri" panose="020F0502020204030204"/>
               </a:rPr>
               <a:t>분산분석표</a:t>
             </a:r>
-            <a:endParaRPr lang="ko-KR" altLang="en-US" sz="1200" dirty="0">
-              <a:latin typeface="Calibri" panose="020F0502020204030204"/>
-            </a:endParaRPr>
           </a:p>
         </p:txBody>
       </p:sp>
@@ -38773,7 +38258,7 @@
               <a:defRPr/>
             </a:pPr>
             <a:r>
-              <a:rPr kumimoji="0" lang="en-US" altLang="ko-KR" sz="1100" b="0" i="0" u="none" strike="noStrike" kern="0" cap="none" spc="0" normalizeH="0" baseline="0" noProof="0" dirty="0" smtClean="0">
+              <a:rPr kumimoji="0" lang="en-US" altLang="ko-KR" sz="1100" b="0" i="0" u="none" strike="noStrike" kern="0" cap="none" spc="0" normalizeH="0" baseline="0" noProof="0" dirty="0">
                 <a:ln>
                   <a:noFill/>
                 </a:ln>
@@ -39040,17 +38525,8 @@
               <a:rPr lang="ko-KR" altLang="en-US" sz="1200" dirty="0">
                 <a:latin typeface="Calibri" panose="020F0502020204030204"/>
               </a:rPr>
-              <a:t>적합도 </a:t>
+              <a:t>적합도 검정</a:t>
             </a:r>
-            <a:r>
-              <a:rPr lang="ko-KR" altLang="en-US" sz="1200" dirty="0" smtClean="0">
-                <a:latin typeface="Calibri" panose="020F0502020204030204"/>
-              </a:rPr>
-              <a:t>검정</a:t>
-            </a:r>
-            <a:endParaRPr lang="ko-KR" altLang="en-US" sz="1200" dirty="0">
-              <a:latin typeface="Calibri" panose="020F0502020204030204"/>
-            </a:endParaRPr>
           </a:p>
         </p:txBody>
       </p:sp>
@@ -39096,7 +38572,7 @@
               <a:defRPr/>
             </a:pPr>
             <a:r>
-              <a:rPr kumimoji="0" lang="ko-KR" altLang="en-US" sz="1200" b="0" i="0" u="none" strike="noStrike" kern="0" cap="none" spc="0" normalizeH="0" baseline="0" noProof="0" dirty="0" smtClean="0">
+              <a:rPr kumimoji="0" lang="ko-KR" altLang="en-US" sz="1200" b="0" i="0" u="none" strike="noStrike" kern="0" cap="none" spc="0" normalizeH="0" baseline="0" noProof="0" dirty="0">
                 <a:ln>
                   <a:noFill/>
                 </a:ln>
@@ -39107,15 +38583,6 @@
               </a:rPr>
               <a:t>최적모형의 회귀분석 결과 출력</a:t>
             </a:r>
-            <a:endParaRPr kumimoji="0" lang="ko-KR" altLang="en-US" sz="1200" b="0" i="0" u="none" strike="noStrike" kern="0" cap="none" spc="0" normalizeH="0" baseline="0" noProof="0" dirty="0">
-              <a:ln>
-                <a:noFill/>
-              </a:ln>
-              <a:effectLst/>
-              <a:uLnTx/>
-              <a:uFillTx/>
-              <a:latin typeface="Calibri" panose="020F0502020204030204"/>
-            </a:endParaRPr>
           </a:p>
         </p:txBody>
       </p:sp>
@@ -39167,7 +38634,7 @@
               <a:defRPr/>
             </a:pPr>
             <a:r>
-              <a:rPr kumimoji="0" lang="en-US" altLang="ko-KR" sz="1800" b="0" i="0" u="none" strike="noStrike" kern="0" cap="none" spc="0" normalizeH="0" baseline="0" noProof="0" dirty="0" smtClean="0">
+              <a:rPr kumimoji="0" lang="en-US" altLang="ko-KR" sz="1800" b="0" i="0" u="none" strike="noStrike" kern="0" cap="none" spc="0" normalizeH="0" baseline="0" noProof="0" dirty="0">
                 <a:ln>
                   <a:noFill/>
                 </a:ln>
@@ -39239,7 +38706,7 @@
               <a:tabLst/>
               <a:defRPr/>
             </a:pPr>
-            <a:endParaRPr kumimoji="0" lang="ko-KR" altLang="en-US" sz="1800" b="0" i="0" u="none" strike="noStrike" kern="0" cap="none" spc="0" normalizeH="0" baseline="0" noProof="0" smtClean="0">
+            <a:endParaRPr kumimoji="0" lang="ko-KR" altLang="en-US" sz="1800" b="0" i="0" u="none" strike="noStrike" kern="0" cap="none" spc="0" normalizeH="0" baseline="0" noProof="0">
               <a:ln>
                 <a:noFill/>
               </a:ln>
@@ -39277,7 +38744,7 @@
           <a:p>
             <a:pPr defTabSz="914400"/>
             <a:r>
-              <a:rPr lang="ko-KR" altLang="en-US" sz="1200" dirty="0" smtClean="0">
+              <a:rPr lang="ko-KR" altLang="en-US" sz="1200" dirty="0">
                 <a:solidFill>
                   <a:srgbClr val="00B050"/>
                 </a:solidFill>
@@ -39285,12 +38752,6 @@
               </a:rPr>
               <a:t>조율모수에 따른 해의 변화</a:t>
             </a:r>
-            <a:endParaRPr lang="ko-KR" altLang="en-US" sz="1200" dirty="0">
-              <a:solidFill>
-                <a:srgbClr val="00B050"/>
-              </a:solidFill>
-              <a:latin typeface="Calibri" panose="020F0502020204030204"/>
-            </a:endParaRPr>
           </a:p>
         </p:txBody>
       </p:sp>
@@ -39438,7 +38899,7 @@
           <a:p>
             <a:pPr defTabSz="914400"/>
             <a:r>
-              <a:rPr lang="ko-KR" altLang="en-US" sz="1200" dirty="0" err="1" smtClean="0">
+              <a:rPr lang="ko-KR" altLang="en-US" sz="1200" dirty="0" err="1">
                 <a:latin typeface="Calibri" panose="020F0502020204030204"/>
               </a:rPr>
               <a:t>적합값</a:t>
@@ -39742,14 +39203,11 @@
               </a:spcAft>
             </a:pPr>
             <a:r>
-              <a:rPr lang="ko-KR" altLang="en-US" sz="1200" dirty="0" smtClean="0">
+              <a:rPr lang="ko-KR" altLang="en-US" sz="1200" dirty="0">
                 <a:latin typeface="Calibri" panose="020F0502020204030204"/>
               </a:rPr>
               <a:t>스튜던트화 잔차</a:t>
             </a:r>
-            <a:endParaRPr lang="ko-KR" altLang="en-US" sz="1200" dirty="0">
-              <a:latin typeface="Calibri" panose="020F0502020204030204"/>
-            </a:endParaRPr>
           </a:p>
         </p:txBody>
       </p:sp>
@@ -40038,7 +39496,7 @@
               <a:defRPr/>
             </a:pPr>
             <a:r>
-              <a:rPr kumimoji="0" lang="ko-KR" altLang="en-US" sz="1200" b="0" i="0" u="none" strike="noStrike" kern="0" cap="none" spc="0" normalizeH="0" baseline="0" noProof="0" dirty="0" smtClean="0">
+              <a:rPr kumimoji="0" lang="ko-KR" altLang="en-US" sz="1200" b="0" i="0" u="none" strike="noStrike" kern="0" cap="none" spc="0" normalizeH="0" baseline="0" noProof="0" dirty="0">
                 <a:ln>
                   <a:noFill/>
                 </a:ln>
@@ -40049,15 +39507,6 @@
               </a:rPr>
               <a:t>훈련자료</a:t>
             </a:r>
-            <a:endParaRPr kumimoji="0" lang="ko-KR" altLang="en-US" sz="1200" b="0" i="0" u="none" strike="noStrike" kern="0" cap="none" spc="0" normalizeH="0" baseline="0" noProof="0" dirty="0">
-              <a:ln>
-                <a:noFill/>
-              </a:ln>
-              <a:effectLst/>
-              <a:uLnTx/>
-              <a:uFillTx/>
-              <a:latin typeface="Calibri" panose="020F0502020204030204"/>
-            </a:endParaRPr>
           </a:p>
         </p:txBody>
       </p:sp>
@@ -40164,7 +39613,7 @@
               <a:defRPr/>
             </a:pPr>
             <a:r>
-              <a:rPr kumimoji="0" lang="ko-KR" altLang="en-US" sz="1200" b="0" i="0" u="none" strike="noStrike" kern="0" cap="none" spc="0" normalizeH="0" baseline="0" noProof="0" dirty="0" smtClean="0">
+              <a:rPr kumimoji="0" lang="ko-KR" altLang="en-US" sz="1200" b="0" i="0" u="none" strike="noStrike" kern="0" cap="none" spc="0" normalizeH="0" baseline="0" noProof="0" dirty="0">
                 <a:ln>
                   <a:noFill/>
                 </a:ln>
@@ -40175,15 +39624,6 @@
               </a:rPr>
               <a:t>시험자료</a:t>
             </a:r>
-            <a:endParaRPr kumimoji="0" lang="ko-KR" altLang="en-US" sz="1200" b="0" i="0" u="none" strike="noStrike" kern="0" cap="none" spc="0" normalizeH="0" baseline="0" noProof="0" dirty="0">
-              <a:ln>
-                <a:noFill/>
-              </a:ln>
-              <a:effectLst/>
-              <a:uLnTx/>
-              <a:uFillTx/>
-              <a:latin typeface="Calibri" panose="020F0502020204030204"/>
-            </a:endParaRPr>
           </a:p>
         </p:txBody>
       </p:sp>
@@ -40270,7 +39710,7 @@
           <a:p>
             <a:pPr defTabSz="914400"/>
             <a:r>
-              <a:rPr lang="ko-KR" altLang="en-US" sz="1200" dirty="0" err="1" smtClean="0">
+              <a:rPr lang="ko-KR" altLang="en-US" sz="1200" dirty="0" err="1">
                 <a:latin typeface="Calibri" panose="020F0502020204030204"/>
               </a:rPr>
               <a:t>예측값</a:t>
@@ -40546,14 +39986,11 @@
           <a:p>
             <a:pPr defTabSz="914400"/>
             <a:r>
-              <a:rPr lang="ko-KR" altLang="en-US" sz="1200" dirty="0" smtClean="0">
+              <a:rPr lang="ko-KR" altLang="en-US" sz="1200" dirty="0">
                 <a:latin typeface="Calibri" panose="020F0502020204030204"/>
               </a:rPr>
               <a:t>쿡의 거리</a:t>
             </a:r>
-            <a:endParaRPr lang="ko-KR" altLang="en-US" sz="1200" dirty="0">
-              <a:latin typeface="Calibri" panose="020F0502020204030204"/>
-            </a:endParaRPr>
           </a:p>
         </p:txBody>
       </p:sp>
@@ -40644,7 +40081,7 @@
               <a:defRPr/>
             </a:pPr>
             <a:r>
-              <a:rPr kumimoji="0" lang="en-US" altLang="ko-KR" sz="1200" b="0" i="0" u="none" strike="noStrike" kern="0" cap="none" spc="0" normalizeH="0" baseline="0" noProof="0" dirty="0" smtClean="0">
+              <a:rPr kumimoji="0" lang="en-US" altLang="ko-KR" sz="1200" b="0" i="0" u="none" strike="noStrike" kern="0" cap="none" spc="0" normalizeH="0" baseline="0" noProof="0" dirty="0">
                 <a:ln>
                   <a:noFill/>
                 </a:ln>
@@ -40758,7 +40195,7 @@
               <a:defRPr/>
             </a:pPr>
             <a:r>
-              <a:rPr kumimoji="0" lang="en-US" altLang="ko-KR" sz="1200" b="0" i="0" u="none" strike="noStrike" kern="0" cap="none" spc="0" normalizeH="0" baseline="0" noProof="0" dirty="0" smtClean="0">
+              <a:rPr kumimoji="0" lang="en-US" altLang="ko-KR" sz="1200" b="0" i="0" u="none" strike="noStrike" kern="0" cap="none" spc="0" normalizeH="0" baseline="0" noProof="0" dirty="0">
                 <a:ln>
                   <a:noFill/>
                 </a:ln>
@@ -40868,14 +40305,11 @@
           <a:p>
             <a:pPr defTabSz="914400"/>
             <a:r>
-              <a:rPr lang="ko-KR" altLang="en-US" sz="1200" dirty="0" smtClean="0">
+              <a:rPr lang="ko-KR" altLang="en-US" sz="1200" dirty="0">
                 <a:latin typeface="Calibri" panose="020F0502020204030204"/>
               </a:rPr>
               <a:t>해트행렬의 대각원소</a:t>
             </a:r>
-            <a:endParaRPr lang="ko-KR" altLang="en-US" sz="1200" dirty="0">
-              <a:latin typeface="Calibri" panose="020F0502020204030204"/>
-            </a:endParaRPr>
           </a:p>
         </p:txBody>
       </p:sp>
@@ -40962,14 +40396,11 @@
           <a:p>
             <a:pPr defTabSz="914400"/>
             <a:r>
-              <a:rPr lang="ko-KR" altLang="en-US" sz="1200" dirty="0" smtClean="0">
+              <a:rPr lang="ko-KR" altLang="en-US" sz="1200" dirty="0">
                 <a:latin typeface="Calibri" panose="020F0502020204030204"/>
               </a:rPr>
               <a:t>자료분할지표</a:t>
             </a:r>
-            <a:endParaRPr lang="ko-KR" altLang="en-US" sz="1200" dirty="0">
-              <a:latin typeface="Calibri" panose="020F0502020204030204"/>
-            </a:endParaRPr>
           </a:p>
         </p:txBody>
       </p:sp>
@@ -41015,7 +40446,7 @@
               <a:defRPr/>
             </a:pPr>
             <a:r>
-              <a:rPr kumimoji="0" lang="ko-KR" altLang="en-US" sz="1200" b="0" i="0" u="none" strike="noStrike" kern="0" cap="none" spc="0" normalizeH="0" baseline="0" noProof="0" dirty="0" smtClean="0">
+              <a:rPr kumimoji="0" lang="ko-KR" altLang="en-US" sz="1200" b="0" i="0" u="none" strike="noStrike" kern="0" cap="none" spc="0" normalizeH="0" baseline="0" noProof="0" dirty="0">
                 <a:ln>
                   <a:noFill/>
                 </a:ln>
@@ -41029,18 +40460,6 @@
               </a:rPr>
               <a:t>최적모형의 회귀분석 결과 저장</a:t>
             </a:r>
-            <a:endParaRPr kumimoji="0" lang="ko-KR" altLang="en-US" sz="1200" b="0" i="0" u="none" strike="noStrike" kern="0" cap="none" spc="0" normalizeH="0" baseline="0" noProof="0" dirty="0">
-              <a:ln>
-                <a:noFill/>
-              </a:ln>
-              <a:solidFill>
-                <a:srgbClr val="00B050"/>
-              </a:solidFill>
-              <a:effectLst/>
-              <a:uLnTx/>
-              <a:uFillTx/>
-              <a:latin typeface="Calibri" panose="020F0502020204030204"/>
-            </a:endParaRPr>
           </a:p>
         </p:txBody>
       </p:sp>
@@ -41115,13 +40534,6 @@
   <p:clrMapOvr>
     <a:masterClrMapping/>
   </p:clrMapOvr>
-  <p:timing>
-    <p:tnLst>
-      <p:par>
-        <p:cTn id="1" dur="indefinite" restart="never" nodeType="tmRoot"/>
-      </p:par>
-    </p:tnLst>
-  </p:timing>
 </p:sld>
 </file>
 
